--- a/AprendizadoMaquina/Tópico 04 - Deep Learning/Tópico 04 - Deep Learning - Redes Recorrentes.pptx
+++ b/AprendizadoMaquina/Tópico 04 - Deep Learning/Tópico 04 - Deep Learning - Redes Recorrentes.pptx
@@ -310,7 +310,7 @@
             <a:pPr algn="r">
               <a:buNone/>
             </a:pPr>
-            <a:fld id="{1CB86256-1F12-4A3C-88FC-26F459A7D2BE}" type="slidenum">
+            <a:fld id="{6A73175A-41FE-44DB-85D7-7CFE8FADCF64}" type="slidenum">
               <a:rPr b="0" lang="pt-BR" sz="1400" spc="-1" strike="noStrike">
                 <a:latin typeface="Times New Roman"/>
               </a:rPr>
@@ -358,7 +358,7 @@
         <p:spPr>
           <a:xfrm>
             <a:off x="1376280" y="1336680"/>
-            <a:ext cx="4800960" cy="3600720"/>
+            <a:ext cx="4800600" cy="3600360"/>
           </a:xfrm>
           <a:prstGeom prst="rect">
             <a:avLst/>
@@ -381,7 +381,7 @@
         <p:spPr>
           <a:xfrm>
             <a:off x="756000" y="5145120"/>
-            <a:ext cx="6041160" cy="4203360"/>
+            <a:ext cx="6040800" cy="4203000"/>
           </a:xfrm>
           <a:prstGeom prst="rect">
             <a:avLst/>
@@ -411,7 +411,7 @@
         <p:spPr>
           <a:xfrm>
             <a:off x="0" y="10155240"/>
-            <a:ext cx="3269520" cy="529920"/>
+            <a:ext cx="3269160" cy="529560"/>
           </a:xfrm>
           <a:prstGeom prst="rect">
             <a:avLst/>
@@ -489,7 +489,7 @@
         <p:spPr>
           <a:xfrm>
             <a:off x="1376280" y="1336680"/>
-            <a:ext cx="4800960" cy="3600720"/>
+            <a:ext cx="4800600" cy="3600360"/>
           </a:xfrm>
           <a:prstGeom prst="rect">
             <a:avLst/>
@@ -512,7 +512,7 @@
         <p:spPr>
           <a:xfrm>
             <a:off x="756000" y="5145120"/>
-            <a:ext cx="6041160" cy="4203360"/>
+            <a:ext cx="6040800" cy="4203000"/>
           </a:xfrm>
           <a:prstGeom prst="rect">
             <a:avLst/>
@@ -542,7 +542,7 @@
         <p:spPr>
           <a:xfrm>
             <a:off x="0" y="10155240"/>
-            <a:ext cx="3269520" cy="529920"/>
+            <a:ext cx="3269160" cy="529560"/>
           </a:xfrm>
           <a:prstGeom prst="rect">
             <a:avLst/>
@@ -620,7 +620,7 @@
         <p:spPr>
           <a:xfrm>
             <a:off x="1376280" y="1336680"/>
-            <a:ext cx="4800960" cy="3600720"/>
+            <a:ext cx="4800600" cy="3600360"/>
           </a:xfrm>
           <a:prstGeom prst="rect">
             <a:avLst/>
@@ -643,7 +643,7 @@
         <p:spPr>
           <a:xfrm>
             <a:off x="756000" y="5145120"/>
-            <a:ext cx="6041160" cy="4203360"/>
+            <a:ext cx="6040800" cy="4203000"/>
           </a:xfrm>
           <a:prstGeom prst="rect">
             <a:avLst/>
@@ -673,7 +673,7 @@
         <p:spPr>
           <a:xfrm>
             <a:off x="0" y="10155240"/>
-            <a:ext cx="3269520" cy="529920"/>
+            <a:ext cx="3269160" cy="529560"/>
           </a:xfrm>
           <a:prstGeom prst="rect">
             <a:avLst/>
@@ -751,7 +751,7 @@
         <p:spPr>
           <a:xfrm>
             <a:off x="1376280" y="1336680"/>
-            <a:ext cx="4800960" cy="3600720"/>
+            <a:ext cx="4800600" cy="3600360"/>
           </a:xfrm>
           <a:prstGeom prst="rect">
             <a:avLst/>
@@ -774,7 +774,7 @@
         <p:spPr>
           <a:xfrm>
             <a:off x="756000" y="5145120"/>
-            <a:ext cx="6041160" cy="4203360"/>
+            <a:ext cx="6040800" cy="4203000"/>
           </a:xfrm>
           <a:prstGeom prst="rect">
             <a:avLst/>
@@ -804,7 +804,7 @@
         <p:spPr>
           <a:xfrm>
             <a:off x="0" y="10155240"/>
-            <a:ext cx="3269520" cy="529920"/>
+            <a:ext cx="3269160" cy="529560"/>
           </a:xfrm>
           <a:prstGeom prst="rect">
             <a:avLst/>
@@ -882,7 +882,7 @@
         <p:spPr>
           <a:xfrm>
             <a:off x="1376280" y="1336680"/>
-            <a:ext cx="4800960" cy="3600720"/>
+            <a:ext cx="4800600" cy="3600360"/>
           </a:xfrm>
           <a:prstGeom prst="rect">
             <a:avLst/>
@@ -905,7 +905,7 @@
         <p:spPr>
           <a:xfrm>
             <a:off x="756000" y="5145120"/>
-            <a:ext cx="6041160" cy="4203360"/>
+            <a:ext cx="6040800" cy="4203000"/>
           </a:xfrm>
           <a:prstGeom prst="rect">
             <a:avLst/>
@@ -935,7 +935,7 @@
         <p:spPr>
           <a:xfrm>
             <a:off x="0" y="10155240"/>
-            <a:ext cx="3269520" cy="529920"/>
+            <a:ext cx="3269160" cy="529560"/>
           </a:xfrm>
           <a:prstGeom prst="rect">
             <a:avLst/>
@@ -1013,7 +1013,7 @@
         <p:spPr>
           <a:xfrm>
             <a:off x="1376280" y="1336680"/>
-            <a:ext cx="4800960" cy="3600720"/>
+            <a:ext cx="4800600" cy="3600360"/>
           </a:xfrm>
           <a:prstGeom prst="rect">
             <a:avLst/>
@@ -1036,7 +1036,7 @@
         <p:spPr>
           <a:xfrm>
             <a:off x="756000" y="5145120"/>
-            <a:ext cx="6041160" cy="4203360"/>
+            <a:ext cx="6040800" cy="4203000"/>
           </a:xfrm>
           <a:prstGeom prst="rect">
             <a:avLst/>
@@ -1066,7 +1066,7 @@
         <p:spPr>
           <a:xfrm>
             <a:off x="0" y="10155240"/>
-            <a:ext cx="3269520" cy="529920"/>
+            <a:ext cx="3269160" cy="529560"/>
           </a:xfrm>
           <a:prstGeom prst="rect">
             <a:avLst/>
@@ -1144,7 +1144,7 @@
         <p:spPr>
           <a:xfrm>
             <a:off x="1376280" y="1336680"/>
-            <a:ext cx="4800960" cy="3600720"/>
+            <a:ext cx="4800600" cy="3600360"/>
           </a:xfrm>
           <a:prstGeom prst="rect">
             <a:avLst/>
@@ -1167,7 +1167,7 @@
         <p:spPr>
           <a:xfrm>
             <a:off x="756000" y="5145120"/>
-            <a:ext cx="6041160" cy="4203360"/>
+            <a:ext cx="6040800" cy="4203000"/>
           </a:xfrm>
           <a:prstGeom prst="rect">
             <a:avLst/>
@@ -1197,7 +1197,7 @@
         <p:spPr>
           <a:xfrm>
             <a:off x="0" y="10155240"/>
-            <a:ext cx="3269520" cy="529920"/>
+            <a:ext cx="3269160" cy="529560"/>
           </a:xfrm>
           <a:prstGeom prst="rect">
             <a:avLst/>
@@ -1275,7 +1275,7 @@
         <p:spPr>
           <a:xfrm>
             <a:off x="1376280" y="1336680"/>
-            <a:ext cx="4800960" cy="3600720"/>
+            <a:ext cx="4800600" cy="3600360"/>
           </a:xfrm>
           <a:prstGeom prst="rect">
             <a:avLst/>
@@ -1298,7 +1298,7 @@
         <p:spPr>
           <a:xfrm>
             <a:off x="756000" y="5145120"/>
-            <a:ext cx="6041160" cy="4203360"/>
+            <a:ext cx="6040800" cy="4203000"/>
           </a:xfrm>
           <a:prstGeom prst="rect">
             <a:avLst/>
@@ -1328,7 +1328,7 @@
         <p:spPr>
           <a:xfrm>
             <a:off x="0" y="10155240"/>
-            <a:ext cx="3269520" cy="529920"/>
+            <a:ext cx="3269160" cy="529560"/>
           </a:xfrm>
           <a:prstGeom prst="rect">
             <a:avLst/>
@@ -1406,7 +1406,7 @@
         <p:spPr>
           <a:xfrm>
             <a:off x="1376280" y="1336680"/>
-            <a:ext cx="4800960" cy="3600720"/>
+            <a:ext cx="4800600" cy="3600360"/>
           </a:xfrm>
           <a:prstGeom prst="rect">
             <a:avLst/>
@@ -1429,7 +1429,7 @@
         <p:spPr>
           <a:xfrm>
             <a:off x="756000" y="5145120"/>
-            <a:ext cx="6041160" cy="4203360"/>
+            <a:ext cx="6040800" cy="4203000"/>
           </a:xfrm>
           <a:prstGeom prst="rect">
             <a:avLst/>
@@ -1459,7 +1459,7 @@
         <p:spPr>
           <a:xfrm>
             <a:off x="0" y="10155240"/>
-            <a:ext cx="3269520" cy="529920"/>
+            <a:ext cx="3269160" cy="529560"/>
           </a:xfrm>
           <a:prstGeom prst="rect">
             <a:avLst/>
@@ -1537,7 +1537,7 @@
         <p:spPr>
           <a:xfrm>
             <a:off x="1376280" y="1336680"/>
-            <a:ext cx="4800960" cy="3600720"/>
+            <a:ext cx="4800600" cy="3600360"/>
           </a:xfrm>
           <a:prstGeom prst="rect">
             <a:avLst/>
@@ -1560,7 +1560,7 @@
         <p:spPr>
           <a:xfrm>
             <a:off x="756000" y="5145120"/>
-            <a:ext cx="6041160" cy="4203360"/>
+            <a:ext cx="6040800" cy="4203000"/>
           </a:xfrm>
           <a:prstGeom prst="rect">
             <a:avLst/>
@@ -1590,7 +1590,7 @@
         <p:spPr>
           <a:xfrm>
             <a:off x="0" y="10155240"/>
-            <a:ext cx="3269520" cy="529920"/>
+            <a:ext cx="3269160" cy="529560"/>
           </a:xfrm>
           <a:prstGeom prst="rect">
             <a:avLst/>
@@ -1668,7 +1668,7 @@
         <p:spPr>
           <a:xfrm>
             <a:off x="1376280" y="1336680"/>
-            <a:ext cx="4800960" cy="3600720"/>
+            <a:ext cx="4800600" cy="3600360"/>
           </a:xfrm>
           <a:prstGeom prst="rect">
             <a:avLst/>
@@ -1691,7 +1691,7 @@
         <p:spPr>
           <a:xfrm>
             <a:off x="756000" y="5145120"/>
-            <a:ext cx="6041160" cy="4203360"/>
+            <a:ext cx="6040800" cy="4203000"/>
           </a:xfrm>
           <a:prstGeom prst="rect">
             <a:avLst/>
@@ -1721,7 +1721,7 @@
         <p:spPr>
           <a:xfrm>
             <a:off x="0" y="10155240"/>
-            <a:ext cx="3269520" cy="529920"/>
+            <a:ext cx="3269160" cy="529560"/>
           </a:xfrm>
           <a:prstGeom prst="rect">
             <a:avLst/>
@@ -1799,7 +1799,7 @@
         <p:spPr>
           <a:xfrm>
             <a:off x="1376280" y="1336680"/>
-            <a:ext cx="4800960" cy="3600720"/>
+            <a:ext cx="4800600" cy="3600360"/>
           </a:xfrm>
           <a:prstGeom prst="rect">
             <a:avLst/>
@@ -1822,7 +1822,7 @@
         <p:spPr>
           <a:xfrm>
             <a:off x="756000" y="5145120"/>
-            <a:ext cx="6041160" cy="4203360"/>
+            <a:ext cx="6040800" cy="4203000"/>
           </a:xfrm>
           <a:prstGeom prst="rect">
             <a:avLst/>
@@ -1852,7 +1852,7 @@
         <p:spPr>
           <a:xfrm>
             <a:off x="0" y="10155240"/>
-            <a:ext cx="3269520" cy="529920"/>
+            <a:ext cx="3269160" cy="529560"/>
           </a:xfrm>
           <a:prstGeom prst="rect">
             <a:avLst/>
@@ -1930,7 +1930,7 @@
         <p:spPr>
           <a:xfrm>
             <a:off x="1376280" y="1336680"/>
-            <a:ext cx="4800960" cy="3600720"/>
+            <a:ext cx="4800600" cy="3600360"/>
           </a:xfrm>
           <a:prstGeom prst="rect">
             <a:avLst/>
@@ -1953,7 +1953,7 @@
         <p:spPr>
           <a:xfrm>
             <a:off x="756000" y="5145120"/>
-            <a:ext cx="6041160" cy="4203360"/>
+            <a:ext cx="6040800" cy="4203000"/>
           </a:xfrm>
           <a:prstGeom prst="rect">
             <a:avLst/>
@@ -1983,7 +1983,7 @@
         <p:spPr>
           <a:xfrm>
             <a:off x="0" y="10155240"/>
-            <a:ext cx="3269520" cy="529920"/>
+            <a:ext cx="3269160" cy="529560"/>
           </a:xfrm>
           <a:prstGeom prst="rect">
             <a:avLst/>
@@ -2061,7 +2061,7 @@
         <p:spPr>
           <a:xfrm>
             <a:off x="1376280" y="1336680"/>
-            <a:ext cx="4800960" cy="3600720"/>
+            <a:ext cx="4800600" cy="3600360"/>
           </a:xfrm>
           <a:prstGeom prst="rect">
             <a:avLst/>
@@ -2084,7 +2084,7 @@
         <p:spPr>
           <a:xfrm>
             <a:off x="756000" y="5145120"/>
-            <a:ext cx="6041160" cy="4203360"/>
+            <a:ext cx="6040800" cy="4203000"/>
           </a:xfrm>
           <a:prstGeom prst="rect">
             <a:avLst/>
@@ -2114,7 +2114,7 @@
         <p:spPr>
           <a:xfrm>
             <a:off x="0" y="10155240"/>
-            <a:ext cx="3269520" cy="529920"/>
+            <a:ext cx="3269160" cy="529560"/>
           </a:xfrm>
           <a:prstGeom prst="rect">
             <a:avLst/>
@@ -2192,7 +2192,7 @@
         <p:spPr>
           <a:xfrm>
             <a:off x="1376280" y="1336680"/>
-            <a:ext cx="4800960" cy="3600720"/>
+            <a:ext cx="4800600" cy="3600360"/>
           </a:xfrm>
           <a:prstGeom prst="rect">
             <a:avLst/>
@@ -2215,7 +2215,7 @@
         <p:spPr>
           <a:xfrm>
             <a:off x="756000" y="5145120"/>
-            <a:ext cx="6041160" cy="4203360"/>
+            <a:ext cx="6040800" cy="4203000"/>
           </a:xfrm>
           <a:prstGeom prst="rect">
             <a:avLst/>
@@ -2245,7 +2245,7 @@
         <p:spPr>
           <a:xfrm>
             <a:off x="0" y="10155240"/>
-            <a:ext cx="3269520" cy="529920"/>
+            <a:ext cx="3269160" cy="529560"/>
           </a:xfrm>
           <a:prstGeom prst="rect">
             <a:avLst/>
@@ -2323,7 +2323,7 @@
         <p:spPr>
           <a:xfrm>
             <a:off x="1376280" y="1336680"/>
-            <a:ext cx="4800960" cy="3600720"/>
+            <a:ext cx="4800600" cy="3600360"/>
           </a:xfrm>
           <a:prstGeom prst="rect">
             <a:avLst/>
@@ -2346,7 +2346,7 @@
         <p:spPr>
           <a:xfrm>
             <a:off x="756000" y="5145120"/>
-            <a:ext cx="6041160" cy="4203360"/>
+            <a:ext cx="6040800" cy="4203000"/>
           </a:xfrm>
           <a:prstGeom prst="rect">
             <a:avLst/>
@@ -2376,7 +2376,7 @@
         <p:spPr>
           <a:xfrm>
             <a:off x="0" y="10155240"/>
-            <a:ext cx="3269520" cy="529920"/>
+            <a:ext cx="3269160" cy="529560"/>
           </a:xfrm>
           <a:prstGeom prst="rect">
             <a:avLst/>
@@ -2454,7 +2454,7 @@
         <p:spPr>
           <a:xfrm>
             <a:off x="1376280" y="1336680"/>
-            <a:ext cx="4800960" cy="3600720"/>
+            <a:ext cx="4800600" cy="3600360"/>
           </a:xfrm>
           <a:prstGeom prst="rect">
             <a:avLst/>
@@ -2477,7 +2477,7 @@
         <p:spPr>
           <a:xfrm>
             <a:off x="756000" y="5145120"/>
-            <a:ext cx="6041160" cy="4203360"/>
+            <a:ext cx="6040800" cy="4203000"/>
           </a:xfrm>
           <a:prstGeom prst="rect">
             <a:avLst/>
@@ -2507,7 +2507,7 @@
         <p:spPr>
           <a:xfrm>
             <a:off x="0" y="10155240"/>
-            <a:ext cx="3269520" cy="529920"/>
+            <a:ext cx="3269160" cy="529560"/>
           </a:xfrm>
           <a:prstGeom prst="rect">
             <a:avLst/>
@@ -7160,7 +7160,7 @@
         <p:spPr>
           <a:xfrm>
             <a:off x="0" y="3150000"/>
-            <a:ext cx="9713520" cy="1253520"/>
+            <a:ext cx="9713160" cy="1253160"/>
           </a:xfrm>
           <a:prstGeom prst="rect">
             <a:avLst/>
@@ -7458,7 +7458,7 @@
         <p:spPr>
           <a:xfrm>
             <a:off x="0" y="180000"/>
-            <a:ext cx="9713520" cy="1253520"/>
+            <a:ext cx="9713160" cy="1253160"/>
           </a:xfrm>
           <a:prstGeom prst="rect">
             <a:avLst/>
@@ -7486,7 +7486,7 @@
         <p:spPr>
           <a:xfrm>
             <a:off x="7560000" y="6840000"/>
-            <a:ext cx="2513520" cy="533520"/>
+            <a:ext cx="2513160" cy="533160"/>
           </a:xfrm>
           <a:prstGeom prst="rect">
             <a:avLst/>
@@ -7514,7 +7514,7 @@
         <p:spPr>
           <a:xfrm>
             <a:off x="900000" y="6840000"/>
-            <a:ext cx="6473520" cy="533520"/>
+            <a:ext cx="6473160" cy="533160"/>
           </a:xfrm>
           <a:prstGeom prst="rect">
             <a:avLst/>
@@ -7542,7 +7542,7 @@
         <p:spPr>
           <a:xfrm>
             <a:off x="180000" y="6840000"/>
-            <a:ext cx="533520" cy="533520"/>
+            <a:ext cx="533160" cy="533160"/>
           </a:xfrm>
           <a:prstGeom prst="rect">
             <a:avLst/>
@@ -7838,7 +7838,7 @@
         <p:spPr>
           <a:xfrm>
             <a:off x="0" y="3150000"/>
-            <a:ext cx="9713520" cy="1253520"/>
+            <a:ext cx="9713160" cy="1253160"/>
           </a:xfrm>
           <a:prstGeom prst="rect">
             <a:avLst/>
@@ -8129,7 +8129,7 @@
         <p:spPr>
           <a:xfrm>
             <a:off x="360000" y="3330000"/>
-            <a:ext cx="9353520" cy="893520"/>
+            <a:ext cx="9353160" cy="893160"/>
           </a:xfrm>
           <a:prstGeom prst="rect">
             <a:avLst/>
@@ -8181,7 +8181,7 @@
         <p:spPr>
           <a:xfrm>
             <a:off x="540000" y="4680000"/>
-            <a:ext cx="9173520" cy="2513520"/>
+            <a:ext cx="9173160" cy="2513160"/>
           </a:xfrm>
           <a:prstGeom prst="rect">
             <a:avLst/>
@@ -8386,7 +8386,7 @@
         <p:spPr>
           <a:xfrm>
             <a:off x="360000" y="360000"/>
-            <a:ext cx="9353520" cy="893520"/>
+            <a:ext cx="9353160" cy="893160"/>
           </a:xfrm>
           <a:prstGeom prst="rect">
             <a:avLst/>
@@ -8438,7 +8438,7 @@
         <p:spPr>
           <a:xfrm>
             <a:off x="360000" y="1620000"/>
-            <a:ext cx="9307800" cy="4673520"/>
+            <a:ext cx="9307440" cy="4673160"/>
           </a:xfrm>
           <a:prstGeom prst="rect">
             <a:avLst/>
@@ -8511,7 +8511,7 @@
         <p:spPr>
           <a:xfrm>
             <a:off x="7608600" y="6886080"/>
-            <a:ext cx="2278800" cy="358560"/>
+            <a:ext cx="2278440" cy="358200"/>
           </a:xfrm>
           <a:prstGeom prst="rect">
             <a:avLst/>
@@ -8574,7 +8574,7 @@
         <p:spPr>
           <a:xfrm>
             <a:off x="897120" y="6886080"/>
-            <a:ext cx="6440760" cy="358560"/>
+            <a:ext cx="6440400" cy="358200"/>
           </a:xfrm>
           <a:prstGeom prst="rect">
             <a:avLst/>
@@ -8626,7 +8626,7 @@
         <p:spPr>
           <a:xfrm>
             <a:off x="360000" y="1764000"/>
-            <a:ext cx="9307800" cy="4673520"/>
+            <a:ext cx="9307440" cy="4673160"/>
           </a:xfrm>
           <a:prstGeom prst="rect">
             <a:avLst/>
@@ -8654,6 +8654,10 @@
               <a:spcAft>
                 <a:spcPts val="1140"/>
               </a:spcAft>
+              <a:buNone/>
+              <a:tabLst>
+                <a:tab algn="l" pos="0"/>
+              </a:tabLst>
             </a:pPr>
             <a:r>
               <a:rPr b="0" lang="pt-BR" sz="2000" spc="-1" strike="noStrike">
@@ -8663,114 +8667,14 @@
                 <a:latin typeface="Calibri"/>
                 <a:ea typeface="DejaVu Sans"/>
               </a:rPr>
-              <a:t>A</a:t>
-            </a:r>
-            <a:r>
-              <a:rPr b="0" lang="pt-BR" sz="2000" spc="-1" strike="noStrike">
-                <a:solidFill>
-                  <a:srgbClr val="1c1c1c"/>
-                </a:solidFill>
-                <a:latin typeface="Calibri"/>
-                <a:ea typeface="DejaVu Sans"/>
-              </a:rPr>
-              <a:t>b</a:t>
-            </a:r>
-            <a:r>
-              <a:rPr b="0" lang="pt-BR" sz="2000" spc="-1" strike="noStrike">
-                <a:solidFill>
-                  <a:srgbClr val="1c1c1c"/>
-                </a:solidFill>
-                <a:latin typeface="Calibri"/>
-                <a:ea typeface="DejaVu Sans"/>
-              </a:rPr>
-              <a:t>o</a:t>
-            </a:r>
-            <a:r>
-              <a:rPr b="0" lang="pt-BR" sz="2000" spc="-1" strike="noStrike">
-                <a:solidFill>
-                  <a:srgbClr val="1c1c1c"/>
-                </a:solidFill>
-                <a:latin typeface="Calibri"/>
-                <a:ea typeface="DejaVu Sans"/>
-              </a:rPr>
-              <a:t>r</a:t>
-            </a:r>
-            <a:r>
-              <a:rPr b="0" lang="pt-BR" sz="2000" spc="-1" strike="noStrike">
-                <a:solidFill>
-                  <a:srgbClr val="1c1c1c"/>
-                </a:solidFill>
-                <a:latin typeface="Calibri"/>
-                <a:ea typeface="DejaVu Sans"/>
-              </a:rPr>
-              <a:t>d</a:t>
-            </a:r>
-            <a:r>
-              <a:rPr b="0" lang="pt-BR" sz="2000" spc="-1" strike="noStrike">
-                <a:solidFill>
-                  <a:srgbClr val="1c1c1c"/>
-                </a:solidFill>
-                <a:latin typeface="Calibri"/>
-                <a:ea typeface="DejaVu Sans"/>
-              </a:rPr>
-              <a:t>a</a:t>
-            </a:r>
-            <a:r>
-              <a:rPr b="0" lang="pt-BR" sz="2000" spc="-1" strike="noStrike">
-                <a:solidFill>
-                  <a:srgbClr val="1c1c1c"/>
-                </a:solidFill>
-                <a:latin typeface="Calibri"/>
-                <a:ea typeface="DejaVu Sans"/>
-              </a:rPr>
-              <a:t>g</a:t>
-            </a:r>
-            <a:r>
-              <a:rPr b="0" lang="pt-BR" sz="2000" spc="-1" strike="noStrike">
-                <a:solidFill>
-                  <a:srgbClr val="1c1c1c"/>
-                </a:solidFill>
-                <a:latin typeface="Calibri"/>
-                <a:ea typeface="DejaVu Sans"/>
-              </a:rPr>
-              <a:t>e</a:t>
-            </a:r>
-            <a:r>
-              <a:rPr b="0" lang="pt-BR" sz="2000" spc="-1" strike="noStrike">
-                <a:solidFill>
-                  <a:srgbClr val="1c1c1c"/>
-                </a:solidFill>
-                <a:latin typeface="Calibri"/>
-                <a:ea typeface="DejaVu Sans"/>
-              </a:rPr>
-              <a:t>n</a:t>
-            </a:r>
-            <a:r>
-              <a:rPr b="0" lang="pt-BR" sz="2000" spc="-1" strike="noStrike">
-                <a:solidFill>
-                  <a:srgbClr val="1c1c1c"/>
-                </a:solidFill>
-                <a:latin typeface="Calibri"/>
-                <a:ea typeface="DejaVu Sans"/>
-              </a:rPr>
-              <a:t>s</a:t>
-            </a:r>
-            <a:r>
-              <a:rPr b="0" lang="pt-BR" sz="2000" spc="-1" strike="noStrike">
-                <a:solidFill>
-                  <a:srgbClr val="1c1c1c"/>
-                </a:solidFill>
-                <a:latin typeface="Calibri"/>
-                <a:ea typeface="DejaVu Sans"/>
-              </a:rPr>
-              <a:t>:</a:t>
+              <a:t>Abordagens:</a:t>
             </a:r>
             <a:endParaRPr b="0" lang="pt-BR" sz="2000" spc="-1" strike="noStrike">
               <a:latin typeface="Arial"/>
             </a:endParaRPr>
           </a:p>
           <a:p>
-            <a:pPr>
+            <a:pPr marL="216000" indent="-216000">
               <a:lnSpc>
                 <a:spcPct val="100000"/>
               </a:lnSpc>
@@ -8778,13 +8682,16 @@
                 <a:spcPts val="1140"/>
               </a:spcAft>
               <a:buNone/>
+              <a:tabLst>
+                <a:tab algn="l" pos="0"/>
+              </a:tabLst>
             </a:pPr>
             <a:endParaRPr b="0" lang="pt-BR" sz="2000" spc="-1" strike="noStrike">
               <a:latin typeface="Arial"/>
             </a:endParaRPr>
           </a:p>
           <a:p>
-            <a:pPr>
+            <a:pPr marL="216000" indent="-216000">
               <a:lnSpc>
                 <a:spcPct val="100000"/>
               </a:lnSpc>
@@ -8792,13 +8699,16 @@
                 <a:spcPts val="1140"/>
               </a:spcAft>
               <a:buNone/>
+              <a:tabLst>
+                <a:tab algn="l" pos="0"/>
+              </a:tabLst>
             </a:pPr>
             <a:endParaRPr b="0" lang="pt-BR" sz="2000" spc="-1" strike="noStrike">
               <a:latin typeface="Arial"/>
             </a:endParaRPr>
           </a:p>
           <a:p>
-            <a:pPr>
+            <a:pPr marL="216000" indent="-216000">
               <a:lnSpc>
                 <a:spcPct val="94000"/>
               </a:lnSpc>
@@ -8835,7 +8745,7 @@
             </a:endParaRPr>
           </a:p>
           <a:p>
-            <a:pPr>
+            <a:pPr marL="216000" indent="-216000">
               <a:lnSpc>
                 <a:spcPct val="100000"/>
               </a:lnSpc>
@@ -8875,7 +8785,7 @@
             </a:endParaRPr>
           </a:p>
           <a:p>
-            <a:pPr>
+            <a:pPr marL="216000" indent="-216000">
               <a:lnSpc>
                 <a:spcPct val="100000"/>
               </a:lnSpc>
@@ -8915,7 +8825,7 @@
             </a:endParaRPr>
           </a:p>
           <a:p>
-            <a:pPr>
+            <a:pPr marL="216000" indent="-216000">
               <a:lnSpc>
                 <a:spcPct val="100000"/>
               </a:lnSpc>
@@ -8969,7 +8879,7 @@
         <p:spPr>
           <a:xfrm>
             <a:off x="2087280" y="2201760"/>
-            <a:ext cx="6192720" cy="1938240"/>
+            <a:ext cx="6192360" cy="1937880"/>
           </a:xfrm>
           <a:prstGeom prst="rect">
             <a:avLst/>
@@ -8992,7 +8902,7 @@
         <p:spPr>
           <a:xfrm>
             <a:off x="6617880" y="1047960"/>
-            <a:ext cx="3060360" cy="932760"/>
+            <a:ext cx="3060000" cy="932400"/>
           </a:xfrm>
           <a:prstGeom prst="rect">
             <a:avLst/>
@@ -9016,7 +8926,7 @@
         <p:spPr>
           <a:xfrm>
             <a:off x="3060000" y="4349520"/>
-            <a:ext cx="4649400" cy="2072160"/>
+            <a:ext cx="4649040" cy="2071800"/>
           </a:xfrm>
           <a:prstGeom prst="rect">
             <a:avLst/>
@@ -9035,7 +8945,7 @@
         <p:spPr>
           <a:xfrm>
             <a:off x="3069720" y="4335480"/>
-            <a:ext cx="402840" cy="2077560"/>
+            <a:ext cx="402480" cy="2077200"/>
           </a:xfrm>
           <a:prstGeom prst="rect">
             <a:avLst/>
@@ -9177,7 +9087,7 @@
         <p:spPr>
           <a:xfrm>
             <a:off x="3495600" y="4335480"/>
-            <a:ext cx="402840" cy="2077560"/>
+            <a:ext cx="402480" cy="2077200"/>
           </a:xfrm>
           <a:prstGeom prst="rect">
             <a:avLst/>
@@ -9277,7 +9187,7 @@
         <p:spPr>
           <a:xfrm>
             <a:off x="3920760" y="4335480"/>
-            <a:ext cx="402480" cy="2077560"/>
+            <a:ext cx="402120" cy="2077200"/>
           </a:xfrm>
           <a:prstGeom prst="rect">
             <a:avLst/>
@@ -9377,7 +9287,7 @@
         <p:spPr>
           <a:xfrm>
             <a:off x="4346640" y="4335480"/>
-            <a:ext cx="402840" cy="2077560"/>
+            <a:ext cx="402480" cy="2077200"/>
           </a:xfrm>
           <a:prstGeom prst="rect">
             <a:avLst/>
@@ -9477,7 +9387,7 @@
         <p:spPr>
           <a:xfrm>
             <a:off x="4772160" y="4335480"/>
-            <a:ext cx="402840" cy="2077560"/>
+            <a:ext cx="402480" cy="2077200"/>
           </a:xfrm>
           <a:prstGeom prst="rect">
             <a:avLst/>
@@ -9535,7 +9445,7 @@
         <p:spPr>
           <a:xfrm>
             <a:off x="5201640" y="4344120"/>
-            <a:ext cx="402840" cy="2077560"/>
+            <a:ext cx="402480" cy="2077200"/>
           </a:xfrm>
           <a:prstGeom prst="rect">
             <a:avLst/>
@@ -9677,7 +9587,7 @@
         <p:spPr>
           <a:xfrm>
             <a:off x="5627160" y="4344120"/>
-            <a:ext cx="402840" cy="2077560"/>
+            <a:ext cx="402480" cy="2077200"/>
           </a:xfrm>
           <a:prstGeom prst="rect">
             <a:avLst/>
@@ -9819,7 +9729,7 @@
         <p:spPr>
           <a:xfrm>
             <a:off x="6029280" y="4359960"/>
-            <a:ext cx="402840" cy="2077560"/>
+            <a:ext cx="402480" cy="2077200"/>
           </a:xfrm>
           <a:prstGeom prst="rect">
             <a:avLst/>
@@ -9919,7 +9829,7 @@
         <p:spPr>
           <a:xfrm>
             <a:off x="6455160" y="4359960"/>
-            <a:ext cx="402840" cy="2077560"/>
+            <a:ext cx="402480" cy="2077200"/>
           </a:xfrm>
           <a:prstGeom prst="rect">
             <a:avLst/>
@@ -9977,7 +9887,7 @@
         <p:spPr>
           <a:xfrm>
             <a:off x="6880680" y="4359960"/>
-            <a:ext cx="402840" cy="2077560"/>
+            <a:ext cx="402480" cy="2077200"/>
           </a:xfrm>
           <a:prstGeom prst="rect">
             <a:avLst/>
@@ -10035,7 +9945,7 @@
         <p:spPr>
           <a:xfrm>
             <a:off x="7306560" y="4359960"/>
-            <a:ext cx="402840" cy="2077560"/>
+            <a:ext cx="402480" cy="2077200"/>
           </a:xfrm>
           <a:prstGeom prst="rect">
             <a:avLst/>
@@ -10123,7 +10033,7 @@
         <p:spPr>
           <a:xfrm>
             <a:off x="360000" y="360000"/>
-            <a:ext cx="9353520" cy="893520"/>
+            <a:ext cx="9353160" cy="893160"/>
           </a:xfrm>
           <a:prstGeom prst="rect">
             <a:avLst/>
@@ -10175,7 +10085,7 @@
         <p:spPr>
           <a:xfrm>
             <a:off x="360000" y="1620000"/>
-            <a:ext cx="9307800" cy="4673520"/>
+            <a:ext cx="9307440" cy="4673160"/>
           </a:xfrm>
           <a:prstGeom prst="rect">
             <a:avLst/>
@@ -10248,7 +10158,7 @@
         <p:spPr>
           <a:xfrm>
             <a:off x="7608600" y="6886080"/>
-            <a:ext cx="2278800" cy="358560"/>
+            <a:ext cx="2278440" cy="358200"/>
           </a:xfrm>
           <a:prstGeom prst="rect">
             <a:avLst/>
@@ -10311,7 +10221,7 @@
         <p:spPr>
           <a:xfrm>
             <a:off x="897120" y="6886080"/>
-            <a:ext cx="6440760" cy="358560"/>
+            <a:ext cx="6440400" cy="358200"/>
           </a:xfrm>
           <a:prstGeom prst="rect">
             <a:avLst/>
@@ -10363,7 +10273,7 @@
         <p:spPr>
           <a:xfrm>
             <a:off x="360000" y="1764000"/>
-            <a:ext cx="9307800" cy="4673520"/>
+            <a:ext cx="9307440" cy="4673160"/>
           </a:xfrm>
           <a:prstGeom prst="rect">
             <a:avLst/>
@@ -10684,7 +10594,7 @@
         <p:spPr>
           <a:xfrm>
             <a:off x="2134440" y="2922480"/>
-            <a:ext cx="5785560" cy="3557520"/>
+            <a:ext cx="5785200" cy="3557160"/>
           </a:xfrm>
           <a:prstGeom prst="rect">
             <a:avLst/>
@@ -10707,7 +10617,7 @@
         <p:spPr>
           <a:xfrm>
             <a:off x="6617520" y="1047600"/>
-            <a:ext cx="3060360" cy="932760"/>
+            <a:ext cx="3060000" cy="932400"/>
           </a:xfrm>
           <a:prstGeom prst="rect">
             <a:avLst/>
@@ -10756,7 +10666,7 @@
         <p:spPr>
           <a:xfrm>
             <a:off x="360000" y="360000"/>
-            <a:ext cx="9353520" cy="893520"/>
+            <a:ext cx="9353160" cy="893160"/>
           </a:xfrm>
           <a:prstGeom prst="rect">
             <a:avLst/>
@@ -10808,7 +10718,7 @@
         <p:spPr>
           <a:xfrm>
             <a:off x="360000" y="1620000"/>
-            <a:ext cx="9307800" cy="4673520"/>
+            <a:ext cx="9307440" cy="4673160"/>
           </a:xfrm>
           <a:prstGeom prst="rect">
             <a:avLst/>
@@ -10881,7 +10791,7 @@
         <p:spPr>
           <a:xfrm>
             <a:off x="7608600" y="6886080"/>
-            <a:ext cx="2278800" cy="358560"/>
+            <a:ext cx="2278440" cy="358200"/>
           </a:xfrm>
           <a:prstGeom prst="rect">
             <a:avLst/>
@@ -10944,7 +10854,7 @@
         <p:spPr>
           <a:xfrm>
             <a:off x="897120" y="6886080"/>
-            <a:ext cx="6440760" cy="358560"/>
+            <a:ext cx="6440400" cy="358200"/>
           </a:xfrm>
           <a:prstGeom prst="rect">
             <a:avLst/>
@@ -10996,7 +10906,7 @@
         <p:spPr>
           <a:xfrm>
             <a:off x="360000" y="1764000"/>
-            <a:ext cx="9307800" cy="4673520"/>
+            <a:ext cx="9307440" cy="4673160"/>
           </a:xfrm>
           <a:prstGeom prst="rect">
             <a:avLst/>
@@ -11075,76 +10985,56 @@
             </a:endParaRPr>
           </a:p>
           <a:p>
-            <a:pPr lvl="1" marL="432000" indent="-216000">
+            <a:pPr>
               <a:lnSpc>
                 <a:spcPct val="100000"/>
               </a:lnSpc>
               <a:spcAft>
                 <a:spcPts val="1140"/>
               </a:spcAft>
-              <a:buClr>
-                <a:srgbClr val="000000"/>
-              </a:buClr>
-              <a:buSzPct val="45000"/>
-              <a:buFont typeface="Wingdings" charset="2"/>
-              <a:buChar char=""/>
+              <a:buNone/>
             </a:pPr>
             <a:endParaRPr b="0" lang="pt-BR" sz="2000" spc="-1" strike="noStrike">
               <a:latin typeface="Arial"/>
             </a:endParaRPr>
           </a:p>
           <a:p>
-            <a:pPr lvl="1" marL="432000" indent="-216000">
+            <a:pPr>
               <a:lnSpc>
                 <a:spcPct val="100000"/>
               </a:lnSpc>
               <a:spcAft>
                 <a:spcPts val="1140"/>
               </a:spcAft>
-              <a:buClr>
-                <a:srgbClr val="000000"/>
-              </a:buClr>
-              <a:buSzPct val="45000"/>
-              <a:buFont typeface="Wingdings" charset="2"/>
-              <a:buChar char=""/>
+              <a:buNone/>
             </a:pPr>
             <a:endParaRPr b="0" lang="pt-BR" sz="2000" spc="-1" strike="noStrike">
               <a:latin typeface="Arial"/>
             </a:endParaRPr>
           </a:p>
           <a:p>
-            <a:pPr lvl="1" marL="432000" indent="-216000">
+            <a:pPr>
               <a:lnSpc>
                 <a:spcPct val="100000"/>
               </a:lnSpc>
               <a:spcAft>
                 <a:spcPts val="1140"/>
               </a:spcAft>
-              <a:buClr>
-                <a:srgbClr val="000000"/>
-              </a:buClr>
-              <a:buSzPct val="45000"/>
-              <a:buFont typeface="Wingdings" charset="2"/>
-              <a:buChar char=""/>
+              <a:buNone/>
             </a:pPr>
             <a:endParaRPr b="0" lang="pt-BR" sz="2000" spc="-1" strike="noStrike">
               <a:latin typeface="Arial"/>
             </a:endParaRPr>
           </a:p>
           <a:p>
-            <a:pPr lvl="1" marL="432000" indent="-216000">
+            <a:pPr>
               <a:lnSpc>
                 <a:spcPct val="100000"/>
               </a:lnSpc>
               <a:spcAft>
                 <a:spcPts val="1140"/>
               </a:spcAft>
-              <a:buClr>
-                <a:srgbClr val="000000"/>
-              </a:buClr>
-              <a:buSzPct val="45000"/>
-              <a:buFont typeface="Wingdings" charset="2"/>
-              <a:buChar char=""/>
+              <a:buNone/>
             </a:pPr>
             <a:endParaRPr b="0" lang="pt-BR" sz="2000" spc="-1" strike="noStrike">
               <a:latin typeface="Arial"/>
@@ -11407,7 +11297,7 @@
         <p:spPr>
           <a:xfrm>
             <a:off x="720000" y="4428000"/>
-            <a:ext cx="5759640" cy="2369520"/>
+            <a:ext cx="5759280" cy="2369160"/>
           </a:xfrm>
           <a:prstGeom prst="rect">
             <a:avLst/>
@@ -11430,7 +11320,7 @@
         <p:spPr>
           <a:xfrm>
             <a:off x="6617520" y="1047600"/>
-            <a:ext cx="3060360" cy="932760"/>
+            <a:ext cx="3060000" cy="932400"/>
           </a:xfrm>
           <a:prstGeom prst="rect">
             <a:avLst/>
@@ -11453,7 +11343,7 @@
         <p:spPr>
           <a:xfrm>
             <a:off x="7200000" y="4813560"/>
-            <a:ext cx="2045520" cy="1623960"/>
+            <a:ext cx="2045160" cy="1623600"/>
           </a:xfrm>
           <a:prstGeom prst="rect">
             <a:avLst/>
@@ -11477,7 +11367,7 @@
         <p:spPr>
           <a:xfrm>
             <a:off x="3240000" y="2602800"/>
-            <a:ext cx="3960000" cy="1897200"/>
+            <a:ext cx="3959640" cy="1896840"/>
           </a:xfrm>
           <a:prstGeom prst="rect">
             <a:avLst/>
@@ -11526,7 +11416,7 @@
         <p:spPr>
           <a:xfrm>
             <a:off x="360000" y="360000"/>
-            <a:ext cx="9353520" cy="893520"/>
+            <a:ext cx="9353160" cy="893160"/>
           </a:xfrm>
           <a:prstGeom prst="rect">
             <a:avLst/>
@@ -11561,247 +11451,7 @@
                 <a:latin typeface="Latin Modern Sans"/>
                 <a:ea typeface="DejaVu Sans"/>
               </a:rPr>
-              <a:t>R</a:t>
-            </a:r>
-            <a:r>
-              <a:rPr b="1" lang="pt-BR" sz="3200" spc="-1" strike="noStrike">
-                <a:solidFill>
-                  <a:srgbClr val="ffffff"/>
-                </a:solidFill>
-                <a:latin typeface="Latin Modern Sans"/>
-                <a:ea typeface="DejaVu Sans"/>
-              </a:rPr>
-              <a:t>e</a:t>
-            </a:r>
-            <a:r>
-              <a:rPr b="1" lang="pt-BR" sz="3200" spc="-1" strike="noStrike">
-                <a:solidFill>
-                  <a:srgbClr val="ffffff"/>
-                </a:solidFill>
-                <a:latin typeface="Latin Modern Sans"/>
-                <a:ea typeface="DejaVu Sans"/>
-              </a:rPr>
-              <a:t>d</a:t>
-            </a:r>
-            <a:r>
-              <a:rPr b="1" lang="pt-BR" sz="3200" spc="-1" strike="noStrike">
-                <a:solidFill>
-                  <a:srgbClr val="ffffff"/>
-                </a:solidFill>
-                <a:latin typeface="Latin Modern Sans"/>
-                <a:ea typeface="DejaVu Sans"/>
-              </a:rPr>
-              <a:t>e</a:t>
-            </a:r>
-            <a:r>
-              <a:rPr b="1" lang="pt-BR" sz="3200" spc="-1" strike="noStrike">
-                <a:solidFill>
-                  <a:srgbClr val="ffffff"/>
-                </a:solidFill>
-                <a:latin typeface="Latin Modern Sans"/>
-                <a:ea typeface="DejaVu Sans"/>
-              </a:rPr>
-              <a:t>s</a:t>
-            </a:r>
-            <a:r>
-              <a:rPr b="1" lang="pt-BR" sz="3200" spc="-1" strike="noStrike">
-                <a:solidFill>
-                  <a:srgbClr val="ffffff"/>
-                </a:solidFill>
-                <a:latin typeface="Latin Modern Sans"/>
-                <a:ea typeface="DejaVu Sans"/>
-              </a:rPr>
-              <a:t> </a:t>
-            </a:r>
-            <a:r>
-              <a:rPr b="1" lang="pt-BR" sz="3200" spc="-1" strike="noStrike">
-                <a:solidFill>
-                  <a:srgbClr val="ffffff"/>
-                </a:solidFill>
-                <a:latin typeface="Latin Modern Sans"/>
-                <a:ea typeface="DejaVu Sans"/>
-              </a:rPr>
-              <a:t>N</a:t>
-            </a:r>
-            <a:r>
-              <a:rPr b="1" lang="pt-BR" sz="3200" spc="-1" strike="noStrike">
-                <a:solidFill>
-                  <a:srgbClr val="ffffff"/>
-                </a:solidFill>
-                <a:latin typeface="Latin Modern Sans"/>
-                <a:ea typeface="DejaVu Sans"/>
-              </a:rPr>
-              <a:t>e</a:t>
-            </a:r>
-            <a:r>
-              <a:rPr b="1" lang="pt-BR" sz="3200" spc="-1" strike="noStrike">
-                <a:solidFill>
-                  <a:srgbClr val="ffffff"/>
-                </a:solidFill>
-                <a:latin typeface="Latin Modern Sans"/>
-                <a:ea typeface="DejaVu Sans"/>
-              </a:rPr>
-              <a:t>u</a:t>
-            </a:r>
-            <a:r>
-              <a:rPr b="1" lang="pt-BR" sz="3200" spc="-1" strike="noStrike">
-                <a:solidFill>
-                  <a:srgbClr val="ffffff"/>
-                </a:solidFill>
-                <a:latin typeface="Latin Modern Sans"/>
-                <a:ea typeface="DejaVu Sans"/>
-              </a:rPr>
-              <a:t>r</a:t>
-            </a:r>
-            <a:r>
-              <a:rPr b="1" lang="pt-BR" sz="3200" spc="-1" strike="noStrike">
-                <a:solidFill>
-                  <a:srgbClr val="ffffff"/>
-                </a:solidFill>
-                <a:latin typeface="Latin Modern Sans"/>
-                <a:ea typeface="DejaVu Sans"/>
-              </a:rPr>
-              <a:t>a</a:t>
-            </a:r>
-            <a:r>
-              <a:rPr b="1" lang="pt-BR" sz="3200" spc="-1" strike="noStrike">
-                <a:solidFill>
-                  <a:srgbClr val="ffffff"/>
-                </a:solidFill>
-                <a:latin typeface="Latin Modern Sans"/>
-                <a:ea typeface="DejaVu Sans"/>
-              </a:rPr>
-              <a:t>i</a:t>
-            </a:r>
-            <a:r>
-              <a:rPr b="1" lang="pt-BR" sz="3200" spc="-1" strike="noStrike">
-                <a:solidFill>
-                  <a:srgbClr val="ffffff"/>
-                </a:solidFill>
-                <a:latin typeface="Latin Modern Sans"/>
-                <a:ea typeface="DejaVu Sans"/>
-              </a:rPr>
-              <a:t>s</a:t>
-            </a:r>
-            <a:r>
-              <a:rPr b="1" lang="pt-BR" sz="3200" spc="-1" strike="noStrike">
-                <a:solidFill>
-                  <a:srgbClr val="ffffff"/>
-                </a:solidFill>
-                <a:latin typeface="Latin Modern Sans"/>
-                <a:ea typeface="DejaVu Sans"/>
-              </a:rPr>
-              <a:t> </a:t>
-            </a:r>
-            <a:r>
-              <a:rPr b="1" lang="pt-BR" sz="3200" spc="-1" strike="noStrike">
-                <a:solidFill>
-                  <a:srgbClr val="ffffff"/>
-                </a:solidFill>
-                <a:latin typeface="Latin Modern Sans"/>
-                <a:ea typeface="DejaVu Sans"/>
-              </a:rPr>
-              <a:t>R</a:t>
-            </a:r>
-            <a:r>
-              <a:rPr b="1" lang="pt-BR" sz="3200" spc="-1" strike="noStrike">
-                <a:solidFill>
-                  <a:srgbClr val="ffffff"/>
-                </a:solidFill>
-                <a:latin typeface="Latin Modern Sans"/>
-                <a:ea typeface="DejaVu Sans"/>
-              </a:rPr>
-              <a:t>e</a:t>
-            </a:r>
-            <a:r>
-              <a:rPr b="1" lang="pt-BR" sz="3200" spc="-1" strike="noStrike">
-                <a:solidFill>
-                  <a:srgbClr val="ffffff"/>
-                </a:solidFill>
-                <a:latin typeface="Latin Modern Sans"/>
-                <a:ea typeface="DejaVu Sans"/>
-              </a:rPr>
-              <a:t>c</a:t>
-            </a:r>
-            <a:r>
-              <a:rPr b="1" lang="pt-BR" sz="3200" spc="-1" strike="noStrike">
-                <a:solidFill>
-                  <a:srgbClr val="ffffff"/>
-                </a:solidFill>
-                <a:latin typeface="Latin Modern Sans"/>
-                <a:ea typeface="DejaVu Sans"/>
-              </a:rPr>
-              <a:t>o</a:t>
-            </a:r>
-            <a:r>
-              <a:rPr b="1" lang="pt-BR" sz="3200" spc="-1" strike="noStrike">
-                <a:solidFill>
-                  <a:srgbClr val="ffffff"/>
-                </a:solidFill>
-                <a:latin typeface="Latin Modern Sans"/>
-                <a:ea typeface="DejaVu Sans"/>
-              </a:rPr>
-              <a:t>r</a:t>
-            </a:r>
-            <a:r>
-              <a:rPr b="1" lang="pt-BR" sz="3200" spc="-1" strike="noStrike">
-                <a:solidFill>
-                  <a:srgbClr val="ffffff"/>
-                </a:solidFill>
-                <a:latin typeface="Latin Modern Sans"/>
-                <a:ea typeface="DejaVu Sans"/>
-              </a:rPr>
-              <a:t>r</a:t>
-            </a:r>
-            <a:r>
-              <a:rPr b="1" lang="pt-BR" sz="3200" spc="-1" strike="noStrike">
-                <a:solidFill>
-                  <a:srgbClr val="ffffff"/>
-                </a:solidFill>
-                <a:latin typeface="Latin Modern Sans"/>
-                <a:ea typeface="DejaVu Sans"/>
-              </a:rPr>
-              <a:t>e</a:t>
-            </a:r>
-            <a:r>
-              <a:rPr b="1" lang="pt-BR" sz="3200" spc="-1" strike="noStrike">
-                <a:solidFill>
-                  <a:srgbClr val="ffffff"/>
-                </a:solidFill>
-                <a:latin typeface="Latin Modern Sans"/>
-                <a:ea typeface="DejaVu Sans"/>
-              </a:rPr>
-              <a:t>n</a:t>
-            </a:r>
-            <a:r>
-              <a:rPr b="1" lang="pt-BR" sz="3200" spc="-1" strike="noStrike">
-                <a:solidFill>
-                  <a:srgbClr val="ffffff"/>
-                </a:solidFill>
-                <a:latin typeface="Latin Modern Sans"/>
-                <a:ea typeface="DejaVu Sans"/>
-              </a:rPr>
-              <a:t>t</a:t>
-            </a:r>
-            <a:r>
-              <a:rPr b="1" lang="pt-BR" sz="3200" spc="-1" strike="noStrike">
-                <a:solidFill>
-                  <a:srgbClr val="ffffff"/>
-                </a:solidFill>
-                <a:latin typeface="Latin Modern Sans"/>
-                <a:ea typeface="DejaVu Sans"/>
-              </a:rPr>
-              <a:t>e</a:t>
-            </a:r>
-            <a:r>
-              <a:rPr b="1" lang="pt-BR" sz="3200" spc="-1" strike="noStrike">
-                <a:solidFill>
-                  <a:srgbClr val="ffffff"/>
-                </a:solidFill>
-                <a:latin typeface="Latin Modern Sans"/>
-                <a:ea typeface="DejaVu Sans"/>
-              </a:rPr>
-              <a:t>s</a:t>
+              <a:t>Redes Neurais Recorrentes</a:t>
             </a:r>
             <a:endParaRPr b="0" lang="pt-BR" sz="3200" spc="-1" strike="noStrike">
               <a:latin typeface="Arial"/>
@@ -11818,7 +11468,7 @@
         <p:spPr>
           <a:xfrm>
             <a:off x="360000" y="1620000"/>
-            <a:ext cx="9307800" cy="4673520"/>
+            <a:ext cx="9307440" cy="4673160"/>
           </a:xfrm>
           <a:prstGeom prst="rect">
             <a:avLst/>
@@ -11891,7 +11541,7 @@
         <p:spPr>
           <a:xfrm>
             <a:off x="7608600" y="6886080"/>
-            <a:ext cx="2278800" cy="358560"/>
+            <a:ext cx="2278440" cy="358200"/>
           </a:xfrm>
           <a:prstGeom prst="rect">
             <a:avLst/>
@@ -11926,8 +11576,61 @@
                 <a:latin typeface="Arial"/>
                 <a:ea typeface="DejaVu Sans"/>
               </a:rPr>
-              <a:t>R</a:t>
-            </a:r>
+              <a:t>Redes Recorrentes</a:t>
+            </a:r>
+            <a:endParaRPr b="0" lang="pt-BR" sz="1800" spc="-1" strike="noStrike">
+              <a:latin typeface="Arial"/>
+            </a:endParaRPr>
+          </a:p>
+          <a:p>
+            <a:pPr>
+              <a:lnSpc>
+                <a:spcPct val="100000"/>
+              </a:lnSpc>
+              <a:buNone/>
+            </a:pPr>
+            <a:endParaRPr b="0" lang="pt-BR" sz="1800" spc="-1" strike="noStrike">
+              <a:latin typeface="Arial"/>
+            </a:endParaRPr>
+          </a:p>
+        </p:txBody>
+      </p:sp>
+      <p:sp>
+        <p:nvSpPr>
+          <p:cNvPr id="226" name="CustomShape 52"/>
+          <p:cNvSpPr/>
+          <p:nvPr/>
+        </p:nvSpPr>
+        <p:spPr>
+          <a:xfrm>
+            <a:off x="897120" y="6886080"/>
+            <a:ext cx="6440400" cy="358200"/>
+          </a:xfrm>
+          <a:prstGeom prst="rect">
+            <a:avLst/>
+          </a:prstGeom>
+          <a:noFill/>
+          <a:ln w="0">
+            <a:noFill/>
+          </a:ln>
+        </p:spPr>
+        <p:style>
+          <a:lnRef idx="0"/>
+          <a:fillRef idx="0"/>
+          <a:effectRef idx="0"/>
+          <a:fontRef idx="minor"/>
+        </p:style>
+        <p:txBody>
+          <a:bodyPr lIns="90000" rIns="90000" tIns="45000" bIns="45000" anchor="t">
+            <a:noAutofit/>
+          </a:bodyPr>
+          <a:p>
+            <a:pPr>
+              <a:lnSpc>
+                <a:spcPct val="100000"/>
+              </a:lnSpc>
+              <a:buNone/>
+            </a:pPr>
             <a:r>
               <a:rPr b="0" lang="pt-BR" sz="1800" spc="-1" strike="noStrike">
                 <a:solidFill>
@@ -11936,520 +11639,7 @@
                 <a:latin typeface="Arial"/>
                 <a:ea typeface="DejaVu Sans"/>
               </a:rPr>
-              <a:t>e</a:t>
-            </a:r>
-            <a:r>
-              <a:rPr b="0" lang="pt-BR" sz="1800" spc="-1" strike="noStrike">
-                <a:solidFill>
-                  <a:srgbClr val="000000"/>
-                </a:solidFill>
-                <a:latin typeface="Arial"/>
-                <a:ea typeface="DejaVu Sans"/>
-              </a:rPr>
-              <a:t>d</a:t>
-            </a:r>
-            <a:r>
-              <a:rPr b="0" lang="pt-BR" sz="1800" spc="-1" strike="noStrike">
-                <a:solidFill>
-                  <a:srgbClr val="000000"/>
-                </a:solidFill>
-                <a:latin typeface="Arial"/>
-                <a:ea typeface="DejaVu Sans"/>
-              </a:rPr>
-              <a:t>e</a:t>
-            </a:r>
-            <a:r>
-              <a:rPr b="0" lang="pt-BR" sz="1800" spc="-1" strike="noStrike">
-                <a:solidFill>
-                  <a:srgbClr val="000000"/>
-                </a:solidFill>
-                <a:latin typeface="Arial"/>
-                <a:ea typeface="DejaVu Sans"/>
-              </a:rPr>
-              <a:t>s </a:t>
-            </a:r>
-            <a:r>
-              <a:rPr b="0" lang="pt-BR" sz="1800" spc="-1" strike="noStrike">
-                <a:solidFill>
-                  <a:srgbClr val="000000"/>
-                </a:solidFill>
-                <a:latin typeface="Arial"/>
-                <a:ea typeface="DejaVu Sans"/>
-              </a:rPr>
-              <a:t>R</a:t>
-            </a:r>
-            <a:r>
-              <a:rPr b="0" lang="pt-BR" sz="1800" spc="-1" strike="noStrike">
-                <a:solidFill>
-                  <a:srgbClr val="000000"/>
-                </a:solidFill>
-                <a:latin typeface="Arial"/>
-                <a:ea typeface="DejaVu Sans"/>
-              </a:rPr>
-              <a:t>e</a:t>
-            </a:r>
-            <a:r>
-              <a:rPr b="0" lang="pt-BR" sz="1800" spc="-1" strike="noStrike">
-                <a:solidFill>
-                  <a:srgbClr val="000000"/>
-                </a:solidFill>
-                <a:latin typeface="Arial"/>
-                <a:ea typeface="DejaVu Sans"/>
-              </a:rPr>
-              <a:t>c</a:t>
-            </a:r>
-            <a:r>
-              <a:rPr b="0" lang="pt-BR" sz="1800" spc="-1" strike="noStrike">
-                <a:solidFill>
-                  <a:srgbClr val="000000"/>
-                </a:solidFill>
-                <a:latin typeface="Arial"/>
-                <a:ea typeface="DejaVu Sans"/>
-              </a:rPr>
-              <a:t>o</a:t>
-            </a:r>
-            <a:r>
-              <a:rPr b="0" lang="pt-BR" sz="1800" spc="-1" strike="noStrike">
-                <a:solidFill>
-                  <a:srgbClr val="000000"/>
-                </a:solidFill>
-                <a:latin typeface="Arial"/>
-                <a:ea typeface="DejaVu Sans"/>
-              </a:rPr>
-              <a:t>rr</a:t>
-            </a:r>
-            <a:r>
-              <a:rPr b="0" lang="pt-BR" sz="1800" spc="-1" strike="noStrike">
-                <a:solidFill>
-                  <a:srgbClr val="000000"/>
-                </a:solidFill>
-                <a:latin typeface="Arial"/>
-                <a:ea typeface="DejaVu Sans"/>
-              </a:rPr>
-              <a:t>e</a:t>
-            </a:r>
-            <a:r>
-              <a:rPr b="0" lang="pt-BR" sz="1800" spc="-1" strike="noStrike">
-                <a:solidFill>
-                  <a:srgbClr val="000000"/>
-                </a:solidFill>
-                <a:latin typeface="Arial"/>
-                <a:ea typeface="DejaVu Sans"/>
-              </a:rPr>
-              <a:t>nt</a:t>
-            </a:r>
-            <a:r>
-              <a:rPr b="0" lang="pt-BR" sz="1800" spc="-1" strike="noStrike">
-                <a:solidFill>
-                  <a:srgbClr val="000000"/>
-                </a:solidFill>
-                <a:latin typeface="Arial"/>
-                <a:ea typeface="DejaVu Sans"/>
-              </a:rPr>
-              <a:t>e</a:t>
-            </a:r>
-            <a:r>
-              <a:rPr b="0" lang="pt-BR" sz="1800" spc="-1" strike="noStrike">
-                <a:solidFill>
-                  <a:srgbClr val="000000"/>
-                </a:solidFill>
-                <a:latin typeface="Arial"/>
-                <a:ea typeface="DejaVu Sans"/>
-              </a:rPr>
-              <a:t>s</a:t>
-            </a:r>
-            <a:endParaRPr b="0" lang="pt-BR" sz="1800" spc="-1" strike="noStrike">
-              <a:latin typeface="Arial"/>
-            </a:endParaRPr>
-          </a:p>
-          <a:p>
-            <a:pPr>
-              <a:lnSpc>
-                <a:spcPct val="100000"/>
-              </a:lnSpc>
-              <a:buNone/>
-            </a:pPr>
-            <a:endParaRPr b="0" lang="pt-BR" sz="1800" spc="-1" strike="noStrike">
-              <a:latin typeface="Arial"/>
-            </a:endParaRPr>
-          </a:p>
-        </p:txBody>
-      </p:sp>
-      <p:sp>
-        <p:nvSpPr>
-          <p:cNvPr id="226" name="CustomShape 52"/>
-          <p:cNvSpPr/>
-          <p:nvPr/>
-        </p:nvSpPr>
-        <p:spPr>
-          <a:xfrm>
-            <a:off x="897120" y="6886080"/>
-            <a:ext cx="6440760" cy="358560"/>
-          </a:xfrm>
-          <a:prstGeom prst="rect">
-            <a:avLst/>
-          </a:prstGeom>
-          <a:noFill/>
-          <a:ln w="0">
-            <a:noFill/>
-          </a:ln>
-        </p:spPr>
-        <p:style>
-          <a:lnRef idx="0"/>
-          <a:fillRef idx="0"/>
-          <a:effectRef idx="0"/>
-          <a:fontRef idx="minor"/>
-        </p:style>
-        <p:txBody>
-          <a:bodyPr lIns="90000" rIns="90000" tIns="45000" bIns="45000" anchor="t">
-            <a:noAutofit/>
-          </a:bodyPr>
-          <a:p>
-            <a:pPr>
-              <a:lnSpc>
-                <a:spcPct val="100000"/>
-              </a:lnSpc>
-              <a:buNone/>
-            </a:pPr>
-            <a:r>
-              <a:rPr b="0" lang="pt-BR" sz="1800" spc="-1" strike="noStrike">
-                <a:solidFill>
-                  <a:srgbClr val="000000"/>
-                </a:solidFill>
-                <a:latin typeface="Arial"/>
-                <a:ea typeface="DejaVu Sans"/>
-              </a:rPr>
-              <a:t>A</a:t>
-            </a:r>
-            <a:r>
-              <a:rPr b="0" lang="pt-BR" sz="1800" spc="-1" strike="noStrike">
-                <a:solidFill>
-                  <a:srgbClr val="000000"/>
-                </a:solidFill>
-                <a:latin typeface="Arial"/>
-                <a:ea typeface="DejaVu Sans"/>
-              </a:rPr>
-              <a:t>p</a:t>
-            </a:r>
-            <a:r>
-              <a:rPr b="0" lang="pt-BR" sz="1800" spc="-1" strike="noStrike">
-                <a:solidFill>
-                  <a:srgbClr val="000000"/>
-                </a:solidFill>
-                <a:latin typeface="Arial"/>
-                <a:ea typeface="DejaVu Sans"/>
-              </a:rPr>
-              <a:t>r</a:t>
-            </a:r>
-            <a:r>
-              <a:rPr b="0" lang="pt-BR" sz="1800" spc="-1" strike="noStrike">
-                <a:solidFill>
-                  <a:srgbClr val="000000"/>
-                </a:solidFill>
-                <a:latin typeface="Arial"/>
-                <a:ea typeface="DejaVu Sans"/>
-              </a:rPr>
-              <a:t>e</a:t>
-            </a:r>
-            <a:r>
-              <a:rPr b="0" lang="pt-BR" sz="1800" spc="-1" strike="noStrike">
-                <a:solidFill>
-                  <a:srgbClr val="000000"/>
-                </a:solidFill>
-                <a:latin typeface="Arial"/>
-                <a:ea typeface="DejaVu Sans"/>
-              </a:rPr>
-              <a:t>n</a:t>
-            </a:r>
-            <a:r>
-              <a:rPr b="0" lang="pt-BR" sz="1800" spc="-1" strike="noStrike">
-                <a:solidFill>
-                  <a:srgbClr val="000000"/>
-                </a:solidFill>
-                <a:latin typeface="Arial"/>
-                <a:ea typeface="DejaVu Sans"/>
-              </a:rPr>
-              <a:t>di</a:t>
-            </a:r>
-            <a:r>
-              <a:rPr b="0" lang="pt-BR" sz="1800" spc="-1" strike="noStrike">
-                <a:solidFill>
-                  <a:srgbClr val="000000"/>
-                </a:solidFill>
-                <a:latin typeface="Arial"/>
-                <a:ea typeface="DejaVu Sans"/>
-              </a:rPr>
-              <a:t>z</a:t>
-            </a:r>
-            <a:r>
-              <a:rPr b="0" lang="pt-BR" sz="1800" spc="-1" strike="noStrike">
-                <a:solidFill>
-                  <a:srgbClr val="000000"/>
-                </a:solidFill>
-                <a:latin typeface="Arial"/>
-                <a:ea typeface="DejaVu Sans"/>
-              </a:rPr>
-              <a:t>a</a:t>
-            </a:r>
-            <a:r>
-              <a:rPr b="0" lang="pt-BR" sz="1800" spc="-1" strike="noStrike">
-                <a:solidFill>
-                  <a:srgbClr val="000000"/>
-                </a:solidFill>
-                <a:latin typeface="Arial"/>
-                <a:ea typeface="DejaVu Sans"/>
-              </a:rPr>
-              <a:t>d</a:t>
-            </a:r>
-            <a:r>
-              <a:rPr b="0" lang="pt-BR" sz="1800" spc="-1" strike="noStrike">
-                <a:solidFill>
-                  <a:srgbClr val="000000"/>
-                </a:solidFill>
-                <a:latin typeface="Arial"/>
-                <a:ea typeface="DejaVu Sans"/>
-              </a:rPr>
-              <a:t>o </a:t>
-            </a:r>
-            <a:r>
-              <a:rPr b="0" lang="pt-BR" sz="1800" spc="-1" strike="noStrike">
-                <a:solidFill>
-                  <a:srgbClr val="000000"/>
-                </a:solidFill>
-                <a:latin typeface="Arial"/>
-                <a:ea typeface="DejaVu Sans"/>
-              </a:rPr>
-              <a:t>d</a:t>
-            </a:r>
-            <a:r>
-              <a:rPr b="0" lang="pt-BR" sz="1800" spc="-1" strike="noStrike">
-                <a:solidFill>
-                  <a:srgbClr val="000000"/>
-                </a:solidFill>
-                <a:latin typeface="Arial"/>
-                <a:ea typeface="DejaVu Sans"/>
-              </a:rPr>
-              <a:t>e </a:t>
-            </a:r>
-            <a:r>
-              <a:rPr b="0" lang="pt-BR" sz="1800" spc="-1" strike="noStrike">
-                <a:solidFill>
-                  <a:srgbClr val="000000"/>
-                </a:solidFill>
-                <a:latin typeface="Arial"/>
-                <a:ea typeface="DejaVu Sans"/>
-              </a:rPr>
-              <a:t>M</a:t>
-            </a:r>
-            <a:r>
-              <a:rPr b="0" lang="pt-BR" sz="1800" spc="-1" strike="noStrike">
-                <a:solidFill>
-                  <a:srgbClr val="000000"/>
-                </a:solidFill>
-                <a:latin typeface="Arial"/>
-                <a:ea typeface="DejaVu Sans"/>
-              </a:rPr>
-              <a:t>á</a:t>
-            </a:r>
-            <a:r>
-              <a:rPr b="0" lang="pt-BR" sz="1800" spc="-1" strike="noStrike">
-                <a:solidFill>
-                  <a:srgbClr val="000000"/>
-                </a:solidFill>
-                <a:latin typeface="Arial"/>
-                <a:ea typeface="DejaVu Sans"/>
-              </a:rPr>
-              <a:t>q</a:t>
-            </a:r>
-            <a:r>
-              <a:rPr b="0" lang="pt-BR" sz="1800" spc="-1" strike="noStrike">
-                <a:solidFill>
-                  <a:srgbClr val="000000"/>
-                </a:solidFill>
-                <a:latin typeface="Arial"/>
-                <a:ea typeface="DejaVu Sans"/>
-              </a:rPr>
-              <a:t>ui</a:t>
-            </a:r>
-            <a:r>
-              <a:rPr b="0" lang="pt-BR" sz="1800" spc="-1" strike="noStrike">
-                <a:solidFill>
-                  <a:srgbClr val="000000"/>
-                </a:solidFill>
-                <a:latin typeface="Arial"/>
-                <a:ea typeface="DejaVu Sans"/>
-              </a:rPr>
-              <a:t>n</a:t>
-            </a:r>
-            <a:r>
-              <a:rPr b="0" lang="pt-BR" sz="1800" spc="-1" strike="noStrike">
-                <a:solidFill>
-                  <a:srgbClr val="000000"/>
-                </a:solidFill>
-                <a:latin typeface="Arial"/>
-                <a:ea typeface="DejaVu Sans"/>
-              </a:rPr>
-              <a:t>a </a:t>
-            </a:r>
-            <a:r>
-              <a:rPr b="0" lang="pt-BR" sz="1800" spc="-1" strike="noStrike">
-                <a:solidFill>
-                  <a:srgbClr val="000000"/>
-                </a:solidFill>
-                <a:latin typeface="Arial"/>
-                <a:ea typeface="DejaVu Sans"/>
-              </a:rPr>
-              <a:t>- </a:t>
-            </a:r>
-            <a:r>
-              <a:rPr b="0" lang="pt-BR" sz="1800" spc="-1" strike="noStrike">
-                <a:solidFill>
-                  <a:srgbClr val="000000"/>
-                </a:solidFill>
-                <a:latin typeface="Arial"/>
-                <a:ea typeface="DejaVu Sans"/>
-              </a:rPr>
-              <a:t>P</a:t>
-            </a:r>
-            <a:r>
-              <a:rPr b="0" lang="pt-BR" sz="1800" spc="-1" strike="noStrike">
-                <a:solidFill>
-                  <a:srgbClr val="000000"/>
-                </a:solidFill>
-                <a:latin typeface="Arial"/>
-                <a:ea typeface="DejaVu Sans"/>
-              </a:rPr>
-              <a:t>r</a:t>
-            </a:r>
-            <a:r>
-              <a:rPr b="0" lang="pt-BR" sz="1800" spc="-1" strike="noStrike">
-                <a:solidFill>
-                  <a:srgbClr val="000000"/>
-                </a:solidFill>
-                <a:latin typeface="Arial"/>
-                <a:ea typeface="DejaVu Sans"/>
-              </a:rPr>
-              <a:t>of</a:t>
-            </a:r>
-            <a:r>
-              <a:rPr b="0" lang="pt-BR" sz="1800" spc="-1" strike="noStrike">
-                <a:solidFill>
-                  <a:srgbClr val="000000"/>
-                </a:solidFill>
-                <a:latin typeface="Arial"/>
-                <a:ea typeface="DejaVu Sans"/>
-              </a:rPr>
-              <a:t>. </a:t>
-            </a:r>
-            <a:r>
-              <a:rPr b="0" lang="pt-BR" sz="1800" spc="-1" strike="noStrike">
-                <a:solidFill>
-                  <a:srgbClr val="000000"/>
-                </a:solidFill>
-                <a:latin typeface="Arial"/>
-                <a:ea typeface="DejaVu Sans"/>
-              </a:rPr>
-              <a:t>A</a:t>
-            </a:r>
-            <a:r>
-              <a:rPr b="0" lang="pt-BR" sz="1800" spc="-1" strike="noStrike">
-                <a:solidFill>
-                  <a:srgbClr val="000000"/>
-                </a:solidFill>
-                <a:latin typeface="Arial"/>
-                <a:ea typeface="DejaVu Sans"/>
-              </a:rPr>
-              <a:t>n</a:t>
-            </a:r>
-            <a:r>
-              <a:rPr b="0" lang="pt-BR" sz="1800" spc="-1" strike="noStrike">
-                <a:solidFill>
-                  <a:srgbClr val="000000"/>
-                </a:solidFill>
-                <a:latin typeface="Arial"/>
-                <a:ea typeface="DejaVu Sans"/>
-              </a:rPr>
-              <a:t>d</a:t>
-            </a:r>
-            <a:r>
-              <a:rPr b="0" lang="pt-BR" sz="1800" spc="-1" strike="noStrike">
-                <a:solidFill>
-                  <a:srgbClr val="000000"/>
-                </a:solidFill>
-                <a:latin typeface="Arial"/>
-                <a:ea typeface="DejaVu Sans"/>
-              </a:rPr>
-              <a:t>r</a:t>
-            </a:r>
-            <a:r>
-              <a:rPr b="0" lang="pt-BR" sz="1800" spc="-1" strike="noStrike">
-                <a:solidFill>
-                  <a:srgbClr val="000000"/>
-                </a:solidFill>
-                <a:latin typeface="Arial"/>
-                <a:ea typeface="DejaVu Sans"/>
-              </a:rPr>
-              <a:t>é </a:t>
-            </a:r>
-            <a:r>
-              <a:rPr b="0" lang="pt-BR" sz="1800" spc="-1" strike="noStrike">
-                <a:solidFill>
-                  <a:srgbClr val="000000"/>
-                </a:solidFill>
-                <a:latin typeface="Arial"/>
-                <a:ea typeface="DejaVu Sans"/>
-              </a:rPr>
-              <a:t>H</a:t>
-            </a:r>
-            <a:r>
-              <a:rPr b="0" lang="pt-BR" sz="1800" spc="-1" strike="noStrike">
-                <a:solidFill>
-                  <a:srgbClr val="000000"/>
-                </a:solidFill>
-                <a:latin typeface="Arial"/>
-                <a:ea typeface="DejaVu Sans"/>
-              </a:rPr>
-              <a:t>o</a:t>
-            </a:r>
-            <a:r>
-              <a:rPr b="0" lang="pt-BR" sz="1800" spc="-1" strike="noStrike">
-                <a:solidFill>
-                  <a:srgbClr val="000000"/>
-                </a:solidFill>
-                <a:latin typeface="Arial"/>
-                <a:ea typeface="DejaVu Sans"/>
-              </a:rPr>
-              <a:t>c</a:t>
-            </a:r>
-            <a:r>
-              <a:rPr b="0" lang="pt-BR" sz="1800" spc="-1" strike="noStrike">
-                <a:solidFill>
-                  <a:srgbClr val="000000"/>
-                </a:solidFill>
-                <a:latin typeface="Arial"/>
-                <a:ea typeface="DejaVu Sans"/>
-              </a:rPr>
-              <a:t>h</a:t>
-            </a:r>
-            <a:r>
-              <a:rPr b="0" lang="pt-BR" sz="1800" spc="-1" strike="noStrike">
-                <a:solidFill>
-                  <a:srgbClr val="000000"/>
-                </a:solidFill>
-                <a:latin typeface="Arial"/>
-                <a:ea typeface="DejaVu Sans"/>
-              </a:rPr>
-              <a:t>ul</a:t>
-            </a:r>
-            <a:r>
-              <a:rPr b="0" lang="pt-BR" sz="1800" spc="-1" strike="noStrike">
-                <a:solidFill>
-                  <a:srgbClr val="000000"/>
-                </a:solidFill>
-                <a:latin typeface="Arial"/>
-                <a:ea typeface="DejaVu Sans"/>
-              </a:rPr>
-              <a:t>i</a:t>
+              <a:t>Aprendizado de Máquina - Prof. André Hochuli</a:t>
             </a:r>
             <a:endParaRPr b="0" lang="pt-BR" sz="1800" spc="-1" strike="noStrike">
               <a:latin typeface="Arial"/>
@@ -12466,7 +11656,7 @@
         <p:spPr>
           <a:xfrm>
             <a:off x="360000" y="1764000"/>
-            <a:ext cx="9307800" cy="4673520"/>
+            <a:ext cx="9307440" cy="4673160"/>
           </a:xfrm>
           <a:prstGeom prst="rect">
             <a:avLst/>
@@ -12509,257 +11699,7 @@
                 <a:latin typeface="Arial"/>
                 <a:ea typeface="DejaVu Sans"/>
               </a:rPr>
-              <a:t>P</a:t>
-            </a:r>
-            <a:r>
-              <a:rPr b="0" lang="pt-BR" sz="1800" spc="-1" strike="noStrike">
-                <a:solidFill>
-                  <a:srgbClr val="000000"/>
-                </a:solidFill>
-                <a:latin typeface="Arial"/>
-                <a:ea typeface="DejaVu Sans"/>
-              </a:rPr>
-              <a:t>r</a:t>
-            </a:r>
-            <a:r>
-              <a:rPr b="0" lang="pt-BR" sz="1800" spc="-1" strike="noStrike">
-                <a:solidFill>
-                  <a:srgbClr val="000000"/>
-                </a:solidFill>
-                <a:latin typeface="Arial"/>
-                <a:ea typeface="DejaVu Sans"/>
-              </a:rPr>
-              <a:t>o</a:t>
-            </a:r>
-            <a:r>
-              <a:rPr b="0" lang="pt-BR" sz="1800" spc="-1" strike="noStrike">
-                <a:solidFill>
-                  <a:srgbClr val="000000"/>
-                </a:solidFill>
-                <a:latin typeface="Arial"/>
-                <a:ea typeface="DejaVu Sans"/>
-              </a:rPr>
-              <a:t>b</a:t>
-            </a:r>
-            <a:r>
-              <a:rPr b="0" lang="pt-BR" sz="1800" spc="-1" strike="noStrike">
-                <a:solidFill>
-                  <a:srgbClr val="000000"/>
-                </a:solidFill>
-                <a:latin typeface="Arial"/>
-                <a:ea typeface="DejaVu Sans"/>
-              </a:rPr>
-              <a:t>l</a:t>
-            </a:r>
-            <a:r>
-              <a:rPr b="0" lang="pt-BR" sz="1800" spc="-1" strike="noStrike">
-                <a:solidFill>
-                  <a:srgbClr val="000000"/>
-                </a:solidFill>
-                <a:latin typeface="Arial"/>
-                <a:ea typeface="DejaVu Sans"/>
-              </a:rPr>
-              <a:t>e</a:t>
-            </a:r>
-            <a:r>
-              <a:rPr b="0" lang="pt-BR" sz="1800" spc="-1" strike="noStrike">
-                <a:solidFill>
-                  <a:srgbClr val="000000"/>
-                </a:solidFill>
-                <a:latin typeface="Arial"/>
-                <a:ea typeface="DejaVu Sans"/>
-              </a:rPr>
-              <a:t>m</a:t>
-            </a:r>
-            <a:r>
-              <a:rPr b="0" lang="pt-BR" sz="1800" spc="-1" strike="noStrike">
-                <a:solidFill>
-                  <a:srgbClr val="000000"/>
-                </a:solidFill>
-                <a:latin typeface="Arial"/>
-                <a:ea typeface="DejaVu Sans"/>
-              </a:rPr>
-              <a:t>a</a:t>
-            </a:r>
-            <a:r>
-              <a:rPr b="0" lang="pt-BR" sz="1800" spc="-1" strike="noStrike">
-                <a:solidFill>
-                  <a:srgbClr val="000000"/>
-                </a:solidFill>
-                <a:latin typeface="Arial"/>
-                <a:ea typeface="DejaVu Sans"/>
-              </a:rPr>
-              <a:t> </a:t>
-            </a:r>
-            <a:r>
-              <a:rPr b="0" lang="pt-BR" sz="1800" spc="-1" strike="noStrike">
-                <a:solidFill>
-                  <a:srgbClr val="000000"/>
-                </a:solidFill>
-                <a:latin typeface="Arial"/>
-                <a:ea typeface="DejaVu Sans"/>
-              </a:rPr>
-              <a:t>–</a:t>
-            </a:r>
-            <a:r>
-              <a:rPr b="0" lang="pt-BR" sz="1800" spc="-1" strike="noStrike">
-                <a:solidFill>
-                  <a:srgbClr val="000000"/>
-                </a:solidFill>
-                <a:latin typeface="Arial"/>
-                <a:ea typeface="DejaVu Sans"/>
-              </a:rPr>
-              <a:t> </a:t>
-            </a:r>
-            <a:r>
-              <a:rPr b="0" lang="pt-BR" sz="1800" spc="-1" strike="noStrike">
-                <a:solidFill>
-                  <a:srgbClr val="000000"/>
-                </a:solidFill>
-                <a:latin typeface="Arial"/>
-                <a:ea typeface="DejaVu Sans"/>
-              </a:rPr>
-              <a:t>V</a:t>
-            </a:r>
-            <a:r>
-              <a:rPr b="0" lang="pt-BR" sz="1800" spc="-1" strike="noStrike">
-                <a:solidFill>
-                  <a:srgbClr val="000000"/>
-                </a:solidFill>
-                <a:latin typeface="Arial"/>
-                <a:ea typeface="DejaVu Sans"/>
-              </a:rPr>
-              <a:t>a</a:t>
-            </a:r>
-            <a:r>
-              <a:rPr b="0" lang="pt-BR" sz="1800" spc="-1" strike="noStrike">
-                <a:solidFill>
-                  <a:srgbClr val="000000"/>
-                </a:solidFill>
-                <a:latin typeface="Arial"/>
-                <a:ea typeface="DejaVu Sans"/>
-              </a:rPr>
-              <a:t>n</a:t>
-            </a:r>
-            <a:r>
-              <a:rPr b="0" lang="pt-BR" sz="1800" spc="-1" strike="noStrike">
-                <a:solidFill>
-                  <a:srgbClr val="000000"/>
-                </a:solidFill>
-                <a:latin typeface="Arial"/>
-                <a:ea typeface="DejaVu Sans"/>
-              </a:rPr>
-              <a:t>i</a:t>
-            </a:r>
-            <a:r>
-              <a:rPr b="0" lang="pt-BR" sz="1800" spc="-1" strike="noStrike">
-                <a:solidFill>
-                  <a:srgbClr val="000000"/>
-                </a:solidFill>
-                <a:latin typeface="Arial"/>
-                <a:ea typeface="DejaVu Sans"/>
-              </a:rPr>
-              <a:t>s</a:t>
-            </a:r>
-            <a:r>
-              <a:rPr b="0" lang="pt-BR" sz="1800" spc="-1" strike="noStrike">
-                <a:solidFill>
-                  <a:srgbClr val="000000"/>
-                </a:solidFill>
-                <a:latin typeface="Arial"/>
-                <a:ea typeface="DejaVu Sans"/>
-              </a:rPr>
-              <a:t>h</a:t>
-            </a:r>
-            <a:r>
-              <a:rPr b="0" lang="pt-BR" sz="1800" spc="-1" strike="noStrike">
-                <a:solidFill>
-                  <a:srgbClr val="000000"/>
-                </a:solidFill>
-                <a:latin typeface="Arial"/>
-                <a:ea typeface="DejaVu Sans"/>
-              </a:rPr>
-              <a:t> </a:t>
-            </a:r>
-            <a:r>
-              <a:rPr b="0" lang="pt-BR" sz="1800" spc="-1" strike="noStrike">
-                <a:solidFill>
-                  <a:srgbClr val="000000"/>
-                </a:solidFill>
-                <a:latin typeface="Arial"/>
-                <a:ea typeface="DejaVu Sans"/>
-              </a:rPr>
-              <a:t>G</a:t>
-            </a:r>
-            <a:r>
-              <a:rPr b="0" lang="pt-BR" sz="1800" spc="-1" strike="noStrike">
-                <a:solidFill>
-                  <a:srgbClr val="000000"/>
-                </a:solidFill>
-                <a:latin typeface="Arial"/>
-                <a:ea typeface="DejaVu Sans"/>
-              </a:rPr>
-              <a:t>r</a:t>
-            </a:r>
-            <a:r>
-              <a:rPr b="0" lang="pt-BR" sz="1800" spc="-1" strike="noStrike">
-                <a:solidFill>
-                  <a:srgbClr val="000000"/>
-                </a:solidFill>
-                <a:latin typeface="Arial"/>
-                <a:ea typeface="DejaVu Sans"/>
-              </a:rPr>
-              <a:t>a</a:t>
-            </a:r>
-            <a:r>
-              <a:rPr b="0" lang="pt-BR" sz="1800" spc="-1" strike="noStrike">
-                <a:solidFill>
-                  <a:srgbClr val="000000"/>
-                </a:solidFill>
-                <a:latin typeface="Arial"/>
-                <a:ea typeface="DejaVu Sans"/>
-              </a:rPr>
-              <a:t>d</a:t>
-            </a:r>
-            <a:r>
-              <a:rPr b="0" lang="pt-BR" sz="1800" spc="-1" strike="noStrike">
-                <a:solidFill>
-                  <a:srgbClr val="000000"/>
-                </a:solidFill>
-                <a:latin typeface="Arial"/>
-                <a:ea typeface="DejaVu Sans"/>
-              </a:rPr>
-              <a:t>i</a:t>
-            </a:r>
-            <a:r>
-              <a:rPr b="0" lang="pt-BR" sz="1800" spc="-1" strike="noStrike">
-                <a:solidFill>
-                  <a:srgbClr val="000000"/>
-                </a:solidFill>
-                <a:latin typeface="Arial"/>
-                <a:ea typeface="DejaVu Sans"/>
-              </a:rPr>
-              <a:t>e</a:t>
-            </a:r>
-            <a:r>
-              <a:rPr b="0" lang="pt-BR" sz="1800" spc="-1" strike="noStrike">
-                <a:solidFill>
-                  <a:srgbClr val="000000"/>
-                </a:solidFill>
-                <a:latin typeface="Arial"/>
-                <a:ea typeface="DejaVu Sans"/>
-              </a:rPr>
-              <a:t>n</a:t>
-            </a:r>
-            <a:r>
-              <a:rPr b="0" lang="pt-BR" sz="1800" spc="-1" strike="noStrike">
-                <a:solidFill>
-                  <a:srgbClr val="000000"/>
-                </a:solidFill>
-                <a:latin typeface="Arial"/>
-                <a:ea typeface="DejaVu Sans"/>
-              </a:rPr>
-              <a:t>t</a:t>
+              <a:t>Problema – Vanish Gradient</a:t>
             </a:r>
             <a:endParaRPr b="0" lang="pt-BR" sz="1800" spc="-1" strike="noStrike">
               <a:latin typeface="Arial"/>
@@ -12788,457 +11728,7 @@
                 <a:latin typeface="Arial"/>
                 <a:ea typeface="DejaVu Sans"/>
               </a:rPr>
-              <a:t>E</a:t>
-            </a:r>
-            <a:r>
-              <a:rPr b="0" lang="pt-BR" sz="1800" spc="-1" strike="noStrike">
-                <a:solidFill>
-                  <a:srgbClr val="000000"/>
-                </a:solidFill>
-                <a:latin typeface="Arial"/>
-                <a:ea typeface="DejaVu Sans"/>
-              </a:rPr>
-              <a:t>m</a:t>
-            </a:r>
-            <a:r>
-              <a:rPr b="0" lang="pt-BR" sz="1800" spc="-1" strike="noStrike">
-                <a:solidFill>
-                  <a:srgbClr val="000000"/>
-                </a:solidFill>
-                <a:latin typeface="Arial"/>
-                <a:ea typeface="DejaVu Sans"/>
-              </a:rPr>
-              <a:t> </a:t>
-            </a:r>
-            <a:r>
-              <a:rPr b="0" lang="pt-BR" sz="1800" spc="-1" strike="noStrike">
-                <a:solidFill>
-                  <a:srgbClr val="000000"/>
-                </a:solidFill>
-                <a:latin typeface="Arial"/>
-                <a:ea typeface="DejaVu Sans"/>
-              </a:rPr>
-              <a:t>s</a:t>
-            </a:r>
-            <a:r>
-              <a:rPr b="0" lang="pt-BR" sz="1800" spc="-1" strike="noStrike">
-                <a:solidFill>
-                  <a:srgbClr val="000000"/>
-                </a:solidFill>
-                <a:latin typeface="Arial"/>
-                <a:ea typeface="DejaVu Sans"/>
-              </a:rPr>
-              <a:t>e</a:t>
-            </a:r>
-            <a:r>
-              <a:rPr b="0" lang="pt-BR" sz="1800" spc="-1" strike="noStrike">
-                <a:solidFill>
-                  <a:srgbClr val="000000"/>
-                </a:solidFill>
-                <a:latin typeface="Arial"/>
-                <a:ea typeface="DejaVu Sans"/>
-              </a:rPr>
-              <a:t>q</a:t>
-            </a:r>
-            <a:r>
-              <a:rPr b="0" lang="pt-BR" sz="1800" spc="-1" strike="noStrike">
-                <a:solidFill>
-                  <a:srgbClr val="000000"/>
-                </a:solidFill>
-                <a:latin typeface="Arial"/>
-                <a:ea typeface="DejaVu Sans"/>
-              </a:rPr>
-              <a:t>u</a:t>
-            </a:r>
-            <a:r>
-              <a:rPr b="0" lang="pt-BR" sz="1800" spc="-1" strike="noStrike">
-                <a:solidFill>
-                  <a:srgbClr val="000000"/>
-                </a:solidFill>
-                <a:latin typeface="Arial"/>
-                <a:ea typeface="DejaVu Sans"/>
-              </a:rPr>
-              <a:t>ê</a:t>
-            </a:r>
-            <a:r>
-              <a:rPr b="0" lang="pt-BR" sz="1800" spc="-1" strike="noStrike">
-                <a:solidFill>
-                  <a:srgbClr val="000000"/>
-                </a:solidFill>
-                <a:latin typeface="Arial"/>
-                <a:ea typeface="DejaVu Sans"/>
-              </a:rPr>
-              <a:t>n</a:t>
-            </a:r>
-            <a:r>
-              <a:rPr b="0" lang="pt-BR" sz="1800" spc="-1" strike="noStrike">
-                <a:solidFill>
-                  <a:srgbClr val="000000"/>
-                </a:solidFill>
-                <a:latin typeface="Arial"/>
-                <a:ea typeface="DejaVu Sans"/>
-              </a:rPr>
-              <a:t>c</a:t>
-            </a:r>
-            <a:r>
-              <a:rPr b="0" lang="pt-BR" sz="1800" spc="-1" strike="noStrike">
-                <a:solidFill>
-                  <a:srgbClr val="000000"/>
-                </a:solidFill>
-                <a:latin typeface="Arial"/>
-                <a:ea typeface="DejaVu Sans"/>
-              </a:rPr>
-              <a:t>i</a:t>
-            </a:r>
-            <a:r>
-              <a:rPr b="0" lang="pt-BR" sz="1800" spc="-1" strike="noStrike">
-                <a:solidFill>
-                  <a:srgbClr val="000000"/>
-                </a:solidFill>
-                <a:latin typeface="Arial"/>
-                <a:ea typeface="DejaVu Sans"/>
-              </a:rPr>
-              <a:t>a</a:t>
-            </a:r>
-            <a:r>
-              <a:rPr b="0" lang="pt-BR" sz="1800" spc="-1" strike="noStrike">
-                <a:solidFill>
-                  <a:srgbClr val="000000"/>
-                </a:solidFill>
-                <a:latin typeface="Arial"/>
-                <a:ea typeface="DejaVu Sans"/>
-              </a:rPr>
-              <a:t>s</a:t>
-            </a:r>
-            <a:r>
-              <a:rPr b="0" lang="pt-BR" sz="1800" spc="-1" strike="noStrike">
-                <a:solidFill>
-                  <a:srgbClr val="000000"/>
-                </a:solidFill>
-                <a:latin typeface="Arial"/>
-                <a:ea typeface="DejaVu Sans"/>
-              </a:rPr>
-              <a:t> </a:t>
-            </a:r>
-            <a:r>
-              <a:rPr b="0" lang="pt-BR" sz="1800" spc="-1" strike="noStrike">
-                <a:solidFill>
-                  <a:srgbClr val="000000"/>
-                </a:solidFill>
-                <a:latin typeface="Arial"/>
-                <a:ea typeface="DejaVu Sans"/>
-              </a:rPr>
-              <a:t>g</a:t>
-            </a:r>
-            <a:r>
-              <a:rPr b="0" lang="pt-BR" sz="1800" spc="-1" strike="noStrike">
-                <a:solidFill>
-                  <a:srgbClr val="000000"/>
-                </a:solidFill>
-                <a:latin typeface="Arial"/>
-                <a:ea typeface="DejaVu Sans"/>
-              </a:rPr>
-              <a:t>r</a:t>
-            </a:r>
-            <a:r>
-              <a:rPr b="0" lang="pt-BR" sz="1800" spc="-1" strike="noStrike">
-                <a:solidFill>
-                  <a:srgbClr val="000000"/>
-                </a:solidFill>
-                <a:latin typeface="Arial"/>
-                <a:ea typeface="DejaVu Sans"/>
-              </a:rPr>
-              <a:t>a</a:t>
-            </a:r>
-            <a:r>
-              <a:rPr b="0" lang="pt-BR" sz="1800" spc="-1" strike="noStrike">
-                <a:solidFill>
-                  <a:srgbClr val="000000"/>
-                </a:solidFill>
-                <a:latin typeface="Arial"/>
-                <a:ea typeface="DejaVu Sans"/>
-              </a:rPr>
-              <a:t>n</a:t>
-            </a:r>
-            <a:r>
-              <a:rPr b="0" lang="pt-BR" sz="1800" spc="-1" strike="noStrike">
-                <a:solidFill>
-                  <a:srgbClr val="000000"/>
-                </a:solidFill>
-                <a:latin typeface="Arial"/>
-                <a:ea typeface="DejaVu Sans"/>
-              </a:rPr>
-              <a:t>d</a:t>
-            </a:r>
-            <a:r>
-              <a:rPr b="0" lang="pt-BR" sz="1800" spc="-1" strike="noStrike">
-                <a:solidFill>
-                  <a:srgbClr val="000000"/>
-                </a:solidFill>
-                <a:latin typeface="Arial"/>
-                <a:ea typeface="DejaVu Sans"/>
-              </a:rPr>
-              <a:t>e</a:t>
-            </a:r>
-            <a:r>
-              <a:rPr b="0" lang="pt-BR" sz="1800" spc="-1" strike="noStrike">
-                <a:solidFill>
-                  <a:srgbClr val="000000"/>
-                </a:solidFill>
-                <a:latin typeface="Arial"/>
-                <a:ea typeface="DejaVu Sans"/>
-              </a:rPr>
-              <a:t>s</a:t>
-            </a:r>
-            <a:r>
-              <a:rPr b="0" lang="pt-BR" sz="1800" spc="-1" strike="noStrike">
-                <a:solidFill>
-                  <a:srgbClr val="000000"/>
-                </a:solidFill>
-                <a:latin typeface="Arial"/>
-                <a:ea typeface="DejaVu Sans"/>
-              </a:rPr>
-              <a:t>,</a:t>
-            </a:r>
-            <a:r>
-              <a:rPr b="0" lang="pt-BR" sz="1800" spc="-1" strike="noStrike">
-                <a:solidFill>
-                  <a:srgbClr val="000000"/>
-                </a:solidFill>
-                <a:latin typeface="Arial"/>
-                <a:ea typeface="DejaVu Sans"/>
-              </a:rPr>
-              <a:t> </a:t>
-            </a:r>
-            <a:r>
-              <a:rPr b="0" lang="pt-BR" sz="1800" spc="-1" strike="noStrike">
-                <a:solidFill>
-                  <a:srgbClr val="000000"/>
-                </a:solidFill>
-                <a:latin typeface="Arial"/>
-                <a:ea typeface="DejaVu Sans"/>
-              </a:rPr>
-              <a:t>o</a:t>
-            </a:r>
-            <a:r>
-              <a:rPr b="0" lang="pt-BR" sz="1800" spc="-1" strike="noStrike">
-                <a:solidFill>
-                  <a:srgbClr val="000000"/>
-                </a:solidFill>
-                <a:latin typeface="Arial"/>
-                <a:ea typeface="DejaVu Sans"/>
-              </a:rPr>
-              <a:t> </a:t>
-            </a:r>
-            <a:r>
-              <a:rPr b="0" lang="pt-BR" sz="1800" spc="-1" strike="noStrike">
-                <a:solidFill>
-                  <a:srgbClr val="000000"/>
-                </a:solidFill>
-                <a:latin typeface="Arial"/>
-                <a:ea typeface="DejaVu Sans"/>
-              </a:rPr>
-              <a:t>g</a:t>
-            </a:r>
-            <a:r>
-              <a:rPr b="0" lang="pt-BR" sz="1800" spc="-1" strike="noStrike">
-                <a:solidFill>
-                  <a:srgbClr val="000000"/>
-                </a:solidFill>
-                <a:latin typeface="Arial"/>
-                <a:ea typeface="DejaVu Sans"/>
-              </a:rPr>
-              <a:t>r</a:t>
-            </a:r>
-            <a:r>
-              <a:rPr b="0" lang="pt-BR" sz="1800" spc="-1" strike="noStrike">
-                <a:solidFill>
-                  <a:srgbClr val="000000"/>
-                </a:solidFill>
-                <a:latin typeface="Arial"/>
-                <a:ea typeface="DejaVu Sans"/>
-              </a:rPr>
-              <a:t>a</a:t>
-            </a:r>
-            <a:r>
-              <a:rPr b="0" lang="pt-BR" sz="1800" spc="-1" strike="noStrike">
-                <a:solidFill>
-                  <a:srgbClr val="000000"/>
-                </a:solidFill>
-                <a:latin typeface="Arial"/>
-                <a:ea typeface="DejaVu Sans"/>
-              </a:rPr>
-              <a:t>d</a:t>
-            </a:r>
-            <a:r>
-              <a:rPr b="0" lang="pt-BR" sz="1800" spc="-1" strike="noStrike">
-                <a:solidFill>
-                  <a:srgbClr val="000000"/>
-                </a:solidFill>
-                <a:latin typeface="Arial"/>
-                <a:ea typeface="DejaVu Sans"/>
-              </a:rPr>
-              <a:t>i</a:t>
-            </a:r>
-            <a:r>
-              <a:rPr b="0" lang="pt-BR" sz="1800" spc="-1" strike="noStrike">
-                <a:solidFill>
-                  <a:srgbClr val="000000"/>
-                </a:solidFill>
-                <a:latin typeface="Arial"/>
-                <a:ea typeface="DejaVu Sans"/>
-              </a:rPr>
-              <a:t>e</a:t>
-            </a:r>
-            <a:r>
-              <a:rPr b="0" lang="pt-BR" sz="1800" spc="-1" strike="noStrike">
-                <a:solidFill>
-                  <a:srgbClr val="000000"/>
-                </a:solidFill>
-                <a:latin typeface="Arial"/>
-                <a:ea typeface="DejaVu Sans"/>
-              </a:rPr>
-              <a:t>n</a:t>
-            </a:r>
-            <a:r>
-              <a:rPr b="0" lang="pt-BR" sz="1800" spc="-1" strike="noStrike">
-                <a:solidFill>
-                  <a:srgbClr val="000000"/>
-                </a:solidFill>
-                <a:latin typeface="Arial"/>
-                <a:ea typeface="DejaVu Sans"/>
-              </a:rPr>
-              <a:t>t</a:t>
-            </a:r>
-            <a:r>
-              <a:rPr b="0" lang="pt-BR" sz="1800" spc="-1" strike="noStrike">
-                <a:solidFill>
-                  <a:srgbClr val="000000"/>
-                </a:solidFill>
-                <a:latin typeface="Arial"/>
-                <a:ea typeface="DejaVu Sans"/>
-              </a:rPr>
-              <a:t>e</a:t>
-            </a:r>
-            <a:r>
-              <a:rPr b="0" lang="pt-BR" sz="1800" spc="-1" strike="noStrike">
-                <a:solidFill>
-                  <a:srgbClr val="000000"/>
-                </a:solidFill>
-                <a:latin typeface="Arial"/>
-                <a:ea typeface="DejaVu Sans"/>
-              </a:rPr>
-              <a:t> </a:t>
-            </a:r>
-            <a:r>
-              <a:rPr b="0" lang="pt-BR" sz="1800" spc="-1" strike="noStrike">
-                <a:solidFill>
-                  <a:srgbClr val="000000"/>
-                </a:solidFill>
-                <a:latin typeface="Arial"/>
-                <a:ea typeface="DejaVu Sans"/>
-              </a:rPr>
-              <a:t>d</a:t>
-            </a:r>
-            <a:r>
-              <a:rPr b="0" lang="pt-BR" sz="1800" spc="-1" strike="noStrike">
-                <a:solidFill>
-                  <a:srgbClr val="000000"/>
-                </a:solidFill>
-                <a:latin typeface="Arial"/>
-                <a:ea typeface="DejaVu Sans"/>
-              </a:rPr>
-              <a:t>e</a:t>
-            </a:r>
-            <a:r>
-              <a:rPr b="0" lang="pt-BR" sz="1800" spc="-1" strike="noStrike">
-                <a:solidFill>
-                  <a:srgbClr val="000000"/>
-                </a:solidFill>
-                <a:latin typeface="Arial"/>
-                <a:ea typeface="DejaVu Sans"/>
-              </a:rPr>
-              <a:t>s</a:t>
-            </a:r>
-            <a:r>
-              <a:rPr b="0" lang="pt-BR" sz="1800" spc="-1" strike="noStrike">
-                <a:solidFill>
-                  <a:srgbClr val="000000"/>
-                </a:solidFill>
-                <a:latin typeface="Arial"/>
-                <a:ea typeface="DejaVu Sans"/>
-              </a:rPr>
-              <a:t>a</a:t>
-            </a:r>
-            <a:r>
-              <a:rPr b="0" lang="pt-BR" sz="1800" spc="-1" strike="noStrike">
-                <a:solidFill>
-                  <a:srgbClr val="000000"/>
-                </a:solidFill>
-                <a:latin typeface="Arial"/>
-                <a:ea typeface="DejaVu Sans"/>
-              </a:rPr>
-              <a:t>p</a:t>
-            </a:r>
-            <a:r>
-              <a:rPr b="0" lang="pt-BR" sz="1800" spc="-1" strike="noStrike">
-                <a:solidFill>
-                  <a:srgbClr val="000000"/>
-                </a:solidFill>
-                <a:latin typeface="Arial"/>
-                <a:ea typeface="DejaVu Sans"/>
-              </a:rPr>
-              <a:t>a</a:t>
-            </a:r>
-            <a:r>
-              <a:rPr b="0" lang="pt-BR" sz="1800" spc="-1" strike="noStrike">
-                <a:solidFill>
-                  <a:srgbClr val="000000"/>
-                </a:solidFill>
-                <a:latin typeface="Arial"/>
-                <a:ea typeface="DejaVu Sans"/>
-              </a:rPr>
-              <a:t>r</a:t>
-            </a:r>
-            <a:r>
-              <a:rPr b="0" lang="pt-BR" sz="1800" spc="-1" strike="noStrike">
-                <a:solidFill>
-                  <a:srgbClr val="000000"/>
-                </a:solidFill>
-                <a:latin typeface="Arial"/>
-                <a:ea typeface="DejaVu Sans"/>
-              </a:rPr>
-              <a:t>e</a:t>
-            </a:r>
-            <a:r>
-              <a:rPr b="0" lang="pt-BR" sz="1800" spc="-1" strike="noStrike">
-                <a:solidFill>
-                  <a:srgbClr val="000000"/>
-                </a:solidFill>
-                <a:latin typeface="Arial"/>
-                <a:ea typeface="DejaVu Sans"/>
-              </a:rPr>
-              <a:t>c</a:t>
-            </a:r>
-            <a:r>
-              <a:rPr b="0" lang="pt-BR" sz="1800" spc="-1" strike="noStrike">
-                <a:solidFill>
-                  <a:srgbClr val="000000"/>
-                </a:solidFill>
-                <a:latin typeface="Arial"/>
-                <a:ea typeface="DejaVu Sans"/>
-              </a:rPr>
-              <a:t>e</a:t>
-            </a:r>
-            <a:r>
-              <a:rPr b="0" lang="pt-BR" sz="1800" spc="-1" strike="noStrike">
-                <a:solidFill>
-                  <a:srgbClr val="000000"/>
-                </a:solidFill>
-                <a:latin typeface="Arial"/>
-                <a:ea typeface="DejaVu Sans"/>
-              </a:rPr>
-              <a:t> </a:t>
+              <a:t>Em sequências grandes, o gradiente desaparece </a:t>
             </a:r>
             <a:endParaRPr b="0" lang="pt-BR" sz="1800" spc="-1" strike="noStrike">
               <a:latin typeface="Arial"/>
@@ -13267,576 +11757,21 @@
                 <a:latin typeface="Arial"/>
                 <a:ea typeface="DejaVu Sans"/>
               </a:rPr>
-              <a:t>O</a:t>
-            </a:r>
-            <a:r>
-              <a:rPr b="0" lang="pt-BR" sz="1800" spc="-1" strike="noStrike">
-                <a:solidFill>
-                  <a:srgbClr val="000000"/>
-                </a:solidFill>
-                <a:latin typeface="Arial"/>
-                <a:ea typeface="DejaVu Sans"/>
-              </a:rPr>
-              <a:t> </a:t>
-            </a:r>
-            <a:r>
-              <a:rPr b="0" lang="pt-BR" sz="1800" spc="-1" strike="noStrike">
-                <a:solidFill>
-                  <a:srgbClr val="000000"/>
-                </a:solidFill>
-                <a:latin typeface="Arial"/>
-                <a:ea typeface="DejaVu Sans"/>
-              </a:rPr>
-              <a:t>p</a:t>
-            </a:r>
-            <a:r>
-              <a:rPr b="0" lang="pt-BR" sz="1800" spc="-1" strike="noStrike">
-                <a:solidFill>
-                  <a:srgbClr val="000000"/>
-                </a:solidFill>
-                <a:latin typeface="Arial"/>
-                <a:ea typeface="DejaVu Sans"/>
-              </a:rPr>
-              <a:t>e</a:t>
-            </a:r>
-            <a:r>
-              <a:rPr b="0" lang="pt-BR" sz="1800" spc="-1" strike="noStrike">
-                <a:solidFill>
-                  <a:srgbClr val="000000"/>
-                </a:solidFill>
-                <a:latin typeface="Arial"/>
-                <a:ea typeface="DejaVu Sans"/>
-              </a:rPr>
-              <a:t>s</a:t>
-            </a:r>
-            <a:r>
-              <a:rPr b="0" lang="pt-BR" sz="1800" spc="-1" strike="noStrike">
-                <a:solidFill>
-                  <a:srgbClr val="000000"/>
-                </a:solidFill>
-                <a:latin typeface="Arial"/>
-                <a:ea typeface="DejaVu Sans"/>
-              </a:rPr>
-              <a:t>o</a:t>
-            </a:r>
-            <a:r>
-              <a:rPr b="0" lang="pt-BR" sz="1800" spc="-1" strike="noStrike">
-                <a:solidFill>
-                  <a:srgbClr val="000000"/>
-                </a:solidFill>
-                <a:latin typeface="Arial"/>
-                <a:ea typeface="DejaVu Sans"/>
-              </a:rPr>
-              <a:t> </a:t>
-            </a:r>
-            <a:r>
-              <a:rPr b="0" lang="pt-BR" sz="1800" spc="-1" strike="noStrike">
-                <a:solidFill>
-                  <a:srgbClr val="000000"/>
-                </a:solidFill>
-                <a:latin typeface="Arial"/>
-                <a:ea typeface="DejaVu Sans"/>
-              </a:rPr>
-              <a:t>d</a:t>
-            </a:r>
-            <a:r>
-              <a:rPr b="0" lang="pt-BR" sz="1800" spc="-1" strike="noStrike">
-                <a:solidFill>
-                  <a:srgbClr val="000000"/>
-                </a:solidFill>
-                <a:latin typeface="Arial"/>
-                <a:ea typeface="DejaVu Sans"/>
-              </a:rPr>
-              <a:t>a</a:t>
-            </a:r>
-            <a:r>
-              <a:rPr b="0" lang="pt-BR" sz="1800" spc="-1" strike="noStrike">
-                <a:solidFill>
-                  <a:srgbClr val="000000"/>
-                </a:solidFill>
-                <a:latin typeface="Arial"/>
-                <a:ea typeface="DejaVu Sans"/>
-              </a:rPr>
-              <a:t> </a:t>
-            </a:r>
-            <a:r>
-              <a:rPr b="0" lang="pt-BR" sz="1800" spc="-1" strike="noStrike">
-                <a:solidFill>
-                  <a:srgbClr val="000000"/>
-                </a:solidFill>
-                <a:latin typeface="Arial"/>
-                <a:ea typeface="DejaVu Sans"/>
-              </a:rPr>
-              <a:t>i</a:t>
-            </a:r>
-            <a:r>
-              <a:rPr b="0" lang="pt-BR" sz="1800" spc="-1" strike="noStrike">
-                <a:solidFill>
-                  <a:srgbClr val="000000"/>
-                </a:solidFill>
-                <a:latin typeface="Arial"/>
-                <a:ea typeface="DejaVu Sans"/>
-              </a:rPr>
-              <a:t>n</a:t>
-            </a:r>
-            <a:r>
-              <a:rPr b="0" lang="pt-BR" sz="1800" spc="-1" strike="noStrike">
-                <a:solidFill>
-                  <a:srgbClr val="000000"/>
-                </a:solidFill>
-                <a:latin typeface="Arial"/>
-                <a:ea typeface="DejaVu Sans"/>
-              </a:rPr>
-              <a:t>f</a:t>
-            </a:r>
-            <a:r>
-              <a:rPr b="0" lang="pt-BR" sz="1800" spc="-1" strike="noStrike">
-                <a:solidFill>
-                  <a:srgbClr val="000000"/>
-                </a:solidFill>
-                <a:latin typeface="Arial"/>
-                <a:ea typeface="DejaVu Sans"/>
-              </a:rPr>
-              <a:t>o</a:t>
-            </a:r>
-            <a:r>
-              <a:rPr b="0" lang="pt-BR" sz="1800" spc="-1" strike="noStrike">
-                <a:solidFill>
-                  <a:srgbClr val="000000"/>
-                </a:solidFill>
-                <a:latin typeface="Arial"/>
-                <a:ea typeface="DejaVu Sans"/>
-              </a:rPr>
-              <a:t>r</a:t>
-            </a:r>
-            <a:r>
-              <a:rPr b="0" lang="pt-BR" sz="1800" spc="-1" strike="noStrike">
-                <a:solidFill>
-                  <a:srgbClr val="000000"/>
-                </a:solidFill>
-                <a:latin typeface="Arial"/>
-                <a:ea typeface="DejaVu Sans"/>
-              </a:rPr>
-              <a:t>m</a:t>
-            </a:r>
-            <a:r>
-              <a:rPr b="0" lang="pt-BR" sz="1800" spc="-1" strike="noStrike">
-                <a:solidFill>
-                  <a:srgbClr val="000000"/>
-                </a:solidFill>
-                <a:latin typeface="Arial"/>
-                <a:ea typeface="DejaVu Sans"/>
-              </a:rPr>
-              <a:t>a</a:t>
-            </a:r>
-            <a:r>
-              <a:rPr b="0" lang="pt-BR" sz="1800" spc="-1" strike="noStrike">
-                <a:solidFill>
-                  <a:srgbClr val="000000"/>
-                </a:solidFill>
-                <a:latin typeface="Arial"/>
-                <a:ea typeface="DejaVu Sans"/>
-              </a:rPr>
-              <a:t>ç</a:t>
-            </a:r>
-            <a:r>
-              <a:rPr b="0" lang="pt-BR" sz="1800" spc="-1" strike="noStrike">
-                <a:solidFill>
-                  <a:srgbClr val="000000"/>
-                </a:solidFill>
-                <a:latin typeface="Arial"/>
-                <a:ea typeface="DejaVu Sans"/>
-              </a:rPr>
-              <a:t>ã</a:t>
-            </a:r>
-            <a:r>
-              <a:rPr b="0" lang="pt-BR" sz="1800" spc="-1" strike="noStrike">
-                <a:solidFill>
-                  <a:srgbClr val="000000"/>
-                </a:solidFill>
-                <a:latin typeface="Arial"/>
-                <a:ea typeface="DejaVu Sans"/>
-              </a:rPr>
-              <a:t>o</a:t>
-            </a:r>
-            <a:r>
-              <a:rPr b="0" lang="pt-BR" sz="1800" spc="-1" strike="noStrike">
-                <a:solidFill>
-                  <a:srgbClr val="000000"/>
-                </a:solidFill>
-                <a:latin typeface="Arial"/>
-                <a:ea typeface="DejaVu Sans"/>
-              </a:rPr>
-              <a:t> </a:t>
-            </a:r>
-            <a:r>
-              <a:rPr b="0" lang="pt-BR" sz="1800" spc="-1" strike="noStrike">
-                <a:solidFill>
-                  <a:srgbClr val="000000"/>
-                </a:solidFill>
-                <a:latin typeface="Arial"/>
-                <a:ea typeface="DejaVu Sans"/>
-              </a:rPr>
-              <a:t>‘</a:t>
-            </a:r>
-            <a:r>
-              <a:rPr b="0" lang="pt-BR" sz="1800" spc="-1" strike="noStrike">
-                <a:solidFill>
-                  <a:srgbClr val="000000"/>
-                </a:solidFill>
-                <a:latin typeface="Arial"/>
-                <a:ea typeface="DejaVu Sans"/>
-              </a:rPr>
-              <a:t>a</a:t>
-            </a:r>
-            <a:r>
-              <a:rPr b="0" lang="pt-BR" sz="1800" spc="-1" strike="noStrike">
-                <a:solidFill>
-                  <a:srgbClr val="000000"/>
-                </a:solidFill>
-                <a:latin typeface="Arial"/>
-                <a:ea typeface="DejaVu Sans"/>
-              </a:rPr>
-              <a:t>n</a:t>
-            </a:r>
-            <a:r>
-              <a:rPr b="0" lang="pt-BR" sz="1800" spc="-1" strike="noStrike">
-                <a:solidFill>
-                  <a:srgbClr val="000000"/>
-                </a:solidFill>
-                <a:latin typeface="Arial"/>
-                <a:ea typeface="DejaVu Sans"/>
-              </a:rPr>
-              <a:t>t</a:t>
-            </a:r>
-            <a:r>
-              <a:rPr b="0" lang="pt-BR" sz="1800" spc="-1" strike="noStrike">
-                <a:solidFill>
-                  <a:srgbClr val="000000"/>
-                </a:solidFill>
-                <a:latin typeface="Arial"/>
-                <a:ea typeface="DejaVu Sans"/>
-              </a:rPr>
-              <a:t>i</a:t>
-            </a:r>
-            <a:r>
-              <a:rPr b="0" lang="pt-BR" sz="1800" spc="-1" strike="noStrike">
-                <a:solidFill>
-                  <a:srgbClr val="000000"/>
-                </a:solidFill>
-                <a:latin typeface="Arial"/>
-                <a:ea typeface="DejaVu Sans"/>
-              </a:rPr>
-              <a:t>g</a:t>
-            </a:r>
-            <a:r>
-              <a:rPr b="0" lang="pt-BR" sz="1800" spc="-1" strike="noStrike">
-                <a:solidFill>
-                  <a:srgbClr val="000000"/>
-                </a:solidFill>
-                <a:latin typeface="Arial"/>
-                <a:ea typeface="DejaVu Sans"/>
-              </a:rPr>
-              <a:t>a</a:t>
-            </a:r>
-            <a:r>
-              <a:rPr b="0" lang="pt-BR" sz="1800" spc="-1" strike="noStrike">
-                <a:solidFill>
-                  <a:srgbClr val="000000"/>
-                </a:solidFill>
-                <a:latin typeface="Arial"/>
-                <a:ea typeface="DejaVu Sans"/>
-              </a:rPr>
-              <a:t>’</a:t>
-            </a:r>
-            <a:r>
-              <a:rPr b="0" lang="pt-BR" sz="1800" spc="-1" strike="noStrike">
-                <a:solidFill>
-                  <a:srgbClr val="000000"/>
-                </a:solidFill>
-                <a:latin typeface="Arial"/>
-                <a:ea typeface="DejaVu Sans"/>
-              </a:rPr>
-              <a:t> </a:t>
-            </a:r>
-            <a:r>
-              <a:rPr b="0" lang="pt-BR" sz="1800" spc="-1" strike="noStrike">
-                <a:solidFill>
-                  <a:srgbClr val="000000"/>
-                </a:solidFill>
-                <a:latin typeface="Arial"/>
-                <a:ea typeface="DejaVu Sans"/>
-              </a:rPr>
-              <a:t>d</a:t>
-            </a:r>
-            <a:r>
-              <a:rPr b="0" lang="pt-BR" sz="1800" spc="-1" strike="noStrike">
-                <a:solidFill>
-                  <a:srgbClr val="000000"/>
-                </a:solidFill>
-                <a:latin typeface="Arial"/>
-                <a:ea typeface="DejaVu Sans"/>
-              </a:rPr>
-              <a:t>e</a:t>
-            </a:r>
-            <a:r>
-              <a:rPr b="0" lang="pt-BR" sz="1800" spc="-1" strike="noStrike">
-                <a:solidFill>
-                  <a:srgbClr val="000000"/>
-                </a:solidFill>
-                <a:latin typeface="Arial"/>
-                <a:ea typeface="DejaVu Sans"/>
-              </a:rPr>
-              <a:t>c</a:t>
-            </a:r>
-            <a:r>
-              <a:rPr b="0" lang="pt-BR" sz="1800" spc="-1" strike="noStrike">
-                <a:solidFill>
-                  <a:srgbClr val="000000"/>
-                </a:solidFill>
-                <a:latin typeface="Arial"/>
-                <a:ea typeface="DejaVu Sans"/>
-              </a:rPr>
-              <a:t>r</a:t>
-            </a:r>
-            <a:r>
-              <a:rPr b="0" lang="pt-BR" sz="1800" spc="-1" strike="noStrike">
-                <a:solidFill>
-                  <a:srgbClr val="000000"/>
-                </a:solidFill>
-                <a:latin typeface="Arial"/>
-                <a:ea typeface="DejaVu Sans"/>
-              </a:rPr>
-              <a:t>e</a:t>
-            </a:r>
-            <a:r>
-              <a:rPr b="0" lang="pt-BR" sz="1800" spc="-1" strike="noStrike">
-                <a:solidFill>
-                  <a:srgbClr val="000000"/>
-                </a:solidFill>
-                <a:latin typeface="Arial"/>
-                <a:ea typeface="DejaVu Sans"/>
-              </a:rPr>
-              <a:t>s</a:t>
-            </a:r>
-            <a:r>
-              <a:rPr b="0" lang="pt-BR" sz="1800" spc="-1" strike="noStrike">
-                <a:solidFill>
-                  <a:srgbClr val="000000"/>
-                </a:solidFill>
-                <a:latin typeface="Arial"/>
-                <a:ea typeface="DejaVu Sans"/>
-              </a:rPr>
-              <a:t>c</a:t>
-            </a:r>
-            <a:r>
-              <a:rPr b="0" lang="pt-BR" sz="1800" spc="-1" strike="noStrike">
-                <a:solidFill>
-                  <a:srgbClr val="000000"/>
-                </a:solidFill>
-                <a:latin typeface="Arial"/>
-                <a:ea typeface="DejaVu Sans"/>
-              </a:rPr>
-              <a:t>e</a:t>
-            </a:r>
-            <a:r>
-              <a:rPr b="0" lang="pt-BR" sz="1800" spc="-1" strike="noStrike">
-                <a:solidFill>
-                  <a:srgbClr val="000000"/>
-                </a:solidFill>
-                <a:latin typeface="Arial"/>
-                <a:ea typeface="DejaVu Sans"/>
-              </a:rPr>
-              <a:t> </a:t>
-            </a:r>
-            <a:r>
-              <a:rPr b="0" lang="pt-BR" sz="1800" spc="-1" strike="noStrike">
-                <a:solidFill>
-                  <a:srgbClr val="000000"/>
-                </a:solidFill>
-                <a:latin typeface="Arial"/>
-                <a:ea typeface="DejaVu Sans"/>
-              </a:rPr>
-              <a:t>a</a:t>
-            </a:r>
-            <a:r>
-              <a:rPr b="0" lang="pt-BR" sz="1800" spc="-1" strike="noStrike">
-                <a:solidFill>
-                  <a:srgbClr val="000000"/>
-                </a:solidFill>
-                <a:latin typeface="Arial"/>
-                <a:ea typeface="DejaVu Sans"/>
-              </a:rPr>
-              <a:t>o</a:t>
-            </a:r>
-            <a:r>
-              <a:rPr b="0" lang="pt-BR" sz="1800" spc="-1" strike="noStrike">
-                <a:solidFill>
-                  <a:srgbClr val="000000"/>
-                </a:solidFill>
-                <a:latin typeface="Arial"/>
-                <a:ea typeface="DejaVu Sans"/>
-              </a:rPr>
-              <a:t> </a:t>
-            </a:r>
-            <a:r>
-              <a:rPr b="0" lang="pt-BR" sz="1800" spc="-1" strike="noStrike">
-                <a:solidFill>
-                  <a:srgbClr val="000000"/>
-                </a:solidFill>
-                <a:latin typeface="Arial"/>
-                <a:ea typeface="DejaVu Sans"/>
-              </a:rPr>
-              <a:t>l</a:t>
-            </a:r>
-            <a:r>
-              <a:rPr b="0" lang="pt-BR" sz="1800" spc="-1" strike="noStrike">
-                <a:solidFill>
-                  <a:srgbClr val="000000"/>
-                </a:solidFill>
-                <a:latin typeface="Arial"/>
-                <a:ea typeface="DejaVu Sans"/>
-              </a:rPr>
-              <a:t>o</a:t>
-            </a:r>
-            <a:r>
-              <a:rPr b="0" lang="pt-BR" sz="1800" spc="-1" strike="noStrike">
-                <a:solidFill>
-                  <a:srgbClr val="000000"/>
-                </a:solidFill>
-                <a:latin typeface="Arial"/>
-                <a:ea typeface="DejaVu Sans"/>
-              </a:rPr>
-              <a:t>n</a:t>
-            </a:r>
-            <a:r>
-              <a:rPr b="0" lang="pt-BR" sz="1800" spc="-1" strike="noStrike">
-                <a:solidFill>
-                  <a:srgbClr val="000000"/>
-                </a:solidFill>
-                <a:latin typeface="Arial"/>
-                <a:ea typeface="DejaVu Sans"/>
-              </a:rPr>
-              <a:t>g</a:t>
-            </a:r>
-            <a:r>
-              <a:rPr b="0" lang="pt-BR" sz="1800" spc="-1" strike="noStrike">
-                <a:solidFill>
-                  <a:srgbClr val="000000"/>
-                </a:solidFill>
-                <a:latin typeface="Arial"/>
-                <a:ea typeface="DejaVu Sans"/>
-              </a:rPr>
-              <a:t>o</a:t>
-            </a:r>
-            <a:r>
-              <a:rPr b="0" lang="pt-BR" sz="1800" spc="-1" strike="noStrike">
-                <a:solidFill>
-                  <a:srgbClr val="000000"/>
-                </a:solidFill>
-                <a:latin typeface="Arial"/>
-                <a:ea typeface="DejaVu Sans"/>
-              </a:rPr>
-              <a:t> </a:t>
-            </a:r>
-            <a:r>
-              <a:rPr b="0" lang="pt-BR" sz="1800" spc="-1" strike="noStrike">
-                <a:solidFill>
-                  <a:srgbClr val="000000"/>
-                </a:solidFill>
-                <a:latin typeface="Arial"/>
-                <a:ea typeface="DejaVu Sans"/>
-              </a:rPr>
-              <a:t>d</a:t>
-            </a:r>
-            <a:r>
-              <a:rPr b="0" lang="pt-BR" sz="1800" spc="-1" strike="noStrike">
-                <a:solidFill>
-                  <a:srgbClr val="000000"/>
-                </a:solidFill>
-                <a:latin typeface="Arial"/>
-                <a:ea typeface="DejaVu Sans"/>
-              </a:rPr>
-              <a:t>o</a:t>
-            </a:r>
-            <a:r>
-              <a:rPr b="0" lang="pt-BR" sz="1800" spc="-1" strike="noStrike">
-                <a:solidFill>
-                  <a:srgbClr val="000000"/>
-                </a:solidFill>
-                <a:latin typeface="Arial"/>
-                <a:ea typeface="DejaVu Sans"/>
-              </a:rPr>
-              <a:t> </a:t>
-            </a:r>
-            <a:r>
-              <a:rPr b="0" lang="pt-BR" sz="1800" spc="-1" strike="noStrike">
-                <a:solidFill>
-                  <a:srgbClr val="000000"/>
-                </a:solidFill>
-                <a:latin typeface="Arial"/>
-                <a:ea typeface="DejaVu Sans"/>
-              </a:rPr>
-              <a:t>t</a:t>
-            </a:r>
-            <a:r>
-              <a:rPr b="0" lang="pt-BR" sz="1800" spc="-1" strike="noStrike">
-                <a:solidFill>
-                  <a:srgbClr val="000000"/>
-                </a:solidFill>
-                <a:latin typeface="Arial"/>
-                <a:ea typeface="DejaVu Sans"/>
-              </a:rPr>
-              <a:t>e</a:t>
-            </a:r>
-            <a:r>
-              <a:rPr b="0" lang="pt-BR" sz="1800" spc="-1" strike="noStrike">
-                <a:solidFill>
-                  <a:srgbClr val="000000"/>
-                </a:solidFill>
-                <a:latin typeface="Arial"/>
-                <a:ea typeface="DejaVu Sans"/>
-              </a:rPr>
-              <a:t>m</a:t>
-            </a:r>
-            <a:r>
-              <a:rPr b="0" lang="pt-BR" sz="1800" spc="-1" strike="noStrike">
-                <a:solidFill>
-                  <a:srgbClr val="000000"/>
-                </a:solidFill>
-                <a:latin typeface="Arial"/>
-                <a:ea typeface="DejaVu Sans"/>
-              </a:rPr>
-              <a:t>p</a:t>
-            </a:r>
-            <a:r>
-              <a:rPr b="0" lang="pt-BR" sz="1800" spc="-1" strike="noStrike">
-                <a:solidFill>
-                  <a:srgbClr val="000000"/>
-                </a:solidFill>
-                <a:latin typeface="Arial"/>
-                <a:ea typeface="DejaVu Sans"/>
-              </a:rPr>
-              <a:t>o</a:t>
+              <a:t>O peso da informação ‘antiga’ decresce ao longo do tempo</a:t>
             </a:r>
             <a:endParaRPr b="0" lang="pt-BR" sz="1800" spc="-1" strike="noStrike">
               <a:latin typeface="Arial"/>
             </a:endParaRPr>
           </a:p>
           <a:p>
-            <a:pPr lvl="2" marL="648000" indent="-216000">
+            <a:pPr>
               <a:lnSpc>
                 <a:spcPct val="100000"/>
               </a:lnSpc>
               <a:spcAft>
                 <a:spcPts val="1140"/>
               </a:spcAft>
-              <a:buClr>
-                <a:srgbClr val="000000"/>
-              </a:buClr>
-              <a:buSzPct val="45000"/>
-              <a:buFont typeface="Wingdings" charset="2"/>
-              <a:buChar char=""/>
+              <a:buNone/>
             </a:pPr>
             <a:endParaRPr b="0" lang="pt-BR" sz="1800" spc="-1" strike="noStrike">
               <a:latin typeface="Arial"/>
@@ -14140,7 +12075,7 @@
         <p:spPr>
           <a:xfrm>
             <a:off x="6617160" y="1047240"/>
-            <a:ext cx="3060360" cy="932760"/>
+            <a:ext cx="3060000" cy="932400"/>
           </a:xfrm>
           <a:prstGeom prst="rect">
             <a:avLst/>
@@ -14164,7 +12099,7 @@
         <p:spPr>
           <a:xfrm>
             <a:off x="360000" y="3060000"/>
-            <a:ext cx="5256000" cy="1800000"/>
+            <a:ext cx="5255640" cy="1799640"/>
           </a:xfrm>
           <a:prstGeom prst="rect">
             <a:avLst/>
@@ -14187,7 +12122,7 @@
         <p:spPr>
           <a:xfrm>
             <a:off x="5603400" y="4500000"/>
-            <a:ext cx="3936600" cy="2165760"/>
+            <a:ext cx="3936240" cy="2165400"/>
           </a:xfrm>
           <a:prstGeom prst="rect">
             <a:avLst/>
@@ -14236,7 +12171,7 @@
         <p:spPr>
           <a:xfrm>
             <a:off x="360000" y="360000"/>
-            <a:ext cx="9353520" cy="893520"/>
+            <a:ext cx="9353160" cy="893160"/>
           </a:xfrm>
           <a:prstGeom prst="rect">
             <a:avLst/>
@@ -14288,7 +12223,7 @@
         <p:spPr>
           <a:xfrm>
             <a:off x="360000" y="1620000"/>
-            <a:ext cx="9307800" cy="4673520"/>
+            <a:ext cx="9307440" cy="4673160"/>
           </a:xfrm>
           <a:prstGeom prst="rect">
             <a:avLst/>
@@ -14361,7 +12296,7 @@
         <p:spPr>
           <a:xfrm>
             <a:off x="7608600" y="6886080"/>
-            <a:ext cx="2278800" cy="358560"/>
+            <a:ext cx="2278440" cy="358200"/>
           </a:xfrm>
           <a:prstGeom prst="rect">
             <a:avLst/>
@@ -14424,7 +12359,7 @@
         <p:spPr>
           <a:xfrm>
             <a:off x="897120" y="6886080"/>
-            <a:ext cx="6440760" cy="358560"/>
+            <a:ext cx="6440400" cy="358200"/>
           </a:xfrm>
           <a:prstGeom prst="rect">
             <a:avLst/>
@@ -14476,7 +12411,7 @@
         <p:spPr>
           <a:xfrm>
             <a:off x="360000" y="1764000"/>
-            <a:ext cx="9307800" cy="4673520"/>
+            <a:ext cx="9307440" cy="4673160"/>
           </a:xfrm>
           <a:prstGeom prst="rect">
             <a:avLst/>
@@ -14519,17 +12454,7 @@
                 <a:latin typeface="Arial"/>
                 <a:ea typeface="DejaVu Sans"/>
               </a:rPr>
-              <a:t>Problema </a:t>
-            </a:r>
-            <a:r>
-              <a:rPr b="0" lang="pt-BR" sz="1800" spc="-1" strike="noStrike">
-                <a:solidFill>
-                  <a:srgbClr val="000000"/>
-                </a:solidFill>
-                <a:latin typeface="Arial"/>
-                <a:ea typeface="DejaVu Sans"/>
-              </a:rPr>
-              <a:t>– Vanish Gradient</a:t>
+              <a:t>Problema – Vanish Gradient</a:t>
             </a:r>
             <a:endParaRPr b="0" lang="pt-BR" sz="1800" spc="-1" strike="noStrike">
               <a:latin typeface="Arial"/>
@@ -14848,7 +12773,7 @@
         <p:spPr>
           <a:xfrm>
             <a:off x="6617160" y="1047240"/>
-            <a:ext cx="3060360" cy="932760"/>
+            <a:ext cx="3060000" cy="932400"/>
           </a:xfrm>
           <a:prstGeom prst="rect">
             <a:avLst/>
@@ -14872,7 +12797,7 @@
         <p:spPr>
           <a:xfrm>
             <a:off x="648360" y="3309120"/>
-            <a:ext cx="4319640" cy="1730880"/>
+            <a:ext cx="4319280" cy="1730520"/>
           </a:xfrm>
           <a:prstGeom prst="rect">
             <a:avLst/>
@@ -14895,7 +12820,7 @@
         <p:spPr>
           <a:xfrm>
             <a:off x="5400000" y="3240000"/>
-            <a:ext cx="3600000" cy="1985760"/>
+            <a:ext cx="3599640" cy="1985400"/>
           </a:xfrm>
           <a:prstGeom prst="rect">
             <a:avLst/>
@@ -14949,7 +12874,7 @@
         <p:spPr>
           <a:xfrm>
             <a:off x="1980000" y="3911040"/>
-            <a:ext cx="6751440" cy="2748960"/>
+            <a:ext cx="6751080" cy="2748600"/>
           </a:xfrm>
           <a:prstGeom prst="rect">
             <a:avLst/>
@@ -14968,7 +12893,7 @@
         <p:spPr>
           <a:xfrm>
             <a:off x="360000" y="360000"/>
-            <a:ext cx="9353520" cy="893520"/>
+            <a:ext cx="9353160" cy="893160"/>
           </a:xfrm>
           <a:prstGeom prst="rect">
             <a:avLst/>
@@ -15020,7 +12945,7 @@
         <p:spPr>
           <a:xfrm>
             <a:off x="360000" y="1620000"/>
-            <a:ext cx="9307800" cy="4673520"/>
+            <a:ext cx="9307440" cy="4673160"/>
           </a:xfrm>
           <a:prstGeom prst="rect">
             <a:avLst/>
@@ -15093,7 +13018,7 @@
         <p:spPr>
           <a:xfrm>
             <a:off x="7608600" y="6886080"/>
-            <a:ext cx="2278800" cy="358560"/>
+            <a:ext cx="2278440" cy="358200"/>
           </a:xfrm>
           <a:prstGeom prst="rect">
             <a:avLst/>
@@ -15156,7 +13081,7 @@
         <p:spPr>
           <a:xfrm>
             <a:off x="897120" y="6886080"/>
-            <a:ext cx="6440760" cy="358560"/>
+            <a:ext cx="6440400" cy="358200"/>
           </a:xfrm>
           <a:prstGeom prst="rect">
             <a:avLst/>
@@ -15208,7 +13133,7 @@
         <p:spPr>
           <a:xfrm>
             <a:off x="360000" y="1440000"/>
-            <a:ext cx="9307800" cy="4673520"/>
+            <a:ext cx="9307440" cy="4673160"/>
           </a:xfrm>
           <a:prstGeom prst="rect">
             <a:avLst/>
@@ -15675,7 +13600,7 @@
         <p:spPr>
           <a:xfrm>
             <a:off x="360000" y="360000"/>
-            <a:ext cx="9353520" cy="893520"/>
+            <a:ext cx="9353160" cy="893160"/>
           </a:xfrm>
           <a:prstGeom prst="rect">
             <a:avLst/>
@@ -15727,7 +13652,7 @@
         <p:spPr>
           <a:xfrm>
             <a:off x="360000" y="1620000"/>
-            <a:ext cx="9307800" cy="4673520"/>
+            <a:ext cx="9307440" cy="4673160"/>
           </a:xfrm>
           <a:prstGeom prst="rect">
             <a:avLst/>
@@ -15800,7 +13725,7 @@
         <p:spPr>
           <a:xfrm>
             <a:off x="7608600" y="6886080"/>
-            <a:ext cx="2278800" cy="358560"/>
+            <a:ext cx="2278440" cy="358200"/>
           </a:xfrm>
           <a:prstGeom prst="rect">
             <a:avLst/>
@@ -15863,7 +13788,7 @@
         <p:spPr>
           <a:xfrm>
             <a:off x="897120" y="6886080"/>
-            <a:ext cx="6440760" cy="358560"/>
+            <a:ext cx="6440400" cy="358200"/>
           </a:xfrm>
           <a:prstGeom prst="rect">
             <a:avLst/>
@@ -15915,7 +13840,7 @@
         <p:spPr>
           <a:xfrm>
             <a:off x="360000" y="1440000"/>
-            <a:ext cx="9307800" cy="4673520"/>
+            <a:ext cx="9307440" cy="4673160"/>
           </a:xfrm>
           <a:prstGeom prst="rect">
             <a:avLst/>
@@ -16322,7 +14247,7 @@
         <p:spPr>
           <a:xfrm>
             <a:off x="3240000" y="2052000"/>
-            <a:ext cx="6300000" cy="4740120"/>
+            <a:ext cx="6299640" cy="4739760"/>
           </a:xfrm>
           <a:prstGeom prst="rect">
             <a:avLst/>
@@ -16346,7 +14271,7 @@
         <p:spPr>
           <a:xfrm>
             <a:off x="6660000" y="965520"/>
-            <a:ext cx="3007800" cy="906480"/>
+            <a:ext cx="3007440" cy="906120"/>
           </a:xfrm>
           <a:prstGeom prst="rect">
             <a:avLst/>
@@ -16365,7 +14290,7 @@
         <p:spPr>
           <a:xfrm>
             <a:off x="7545960" y="975960"/>
-            <a:ext cx="1176120" cy="895680"/>
+            <a:ext cx="1175760" cy="895320"/>
           </a:xfrm>
           <a:prstGeom prst="rect">
             <a:avLst/>
@@ -16427,7 +14352,7 @@
         <p:spPr>
           <a:xfrm>
             <a:off x="360000" y="360000"/>
-            <a:ext cx="9353520" cy="893520"/>
+            <a:ext cx="9353160" cy="893160"/>
           </a:xfrm>
           <a:prstGeom prst="rect">
             <a:avLst/>
@@ -16479,7 +14404,7 @@
         <p:spPr>
           <a:xfrm>
             <a:off x="360000" y="1620000"/>
-            <a:ext cx="9307800" cy="4673520"/>
+            <a:ext cx="9307440" cy="4673160"/>
           </a:xfrm>
           <a:prstGeom prst="rect">
             <a:avLst/>
@@ -16552,7 +14477,7 @@
         <p:spPr>
           <a:xfrm>
             <a:off x="7608600" y="6886080"/>
-            <a:ext cx="2278800" cy="358560"/>
+            <a:ext cx="2278440" cy="358200"/>
           </a:xfrm>
           <a:prstGeom prst="rect">
             <a:avLst/>
@@ -16615,7 +14540,7 @@
         <p:spPr>
           <a:xfrm>
             <a:off x="897120" y="6886080"/>
-            <a:ext cx="6440760" cy="358560"/>
+            <a:ext cx="6440400" cy="358200"/>
           </a:xfrm>
           <a:prstGeom prst="rect">
             <a:avLst/>
@@ -16667,7 +14592,7 @@
         <p:spPr>
           <a:xfrm>
             <a:off x="360000" y="1440000"/>
-            <a:ext cx="9307800" cy="4673520"/>
+            <a:ext cx="9307440" cy="4673160"/>
           </a:xfrm>
           <a:prstGeom prst="rect">
             <a:avLst/>
@@ -16727,6 +14652,37 @@
               <a:t>Let’s Code!</a:t>
             </a:r>
             <a:endParaRPr b="0" lang="pt-BR" sz="2000" spc="-1" strike="noStrike">
+              <a:latin typeface="Arial"/>
+            </a:endParaRPr>
+          </a:p>
+          <a:p>
+            <a:pPr marL="216000" indent="-212400">
+              <a:lnSpc>
+                <a:spcPct val="100000"/>
+              </a:lnSpc>
+              <a:spcAft>
+                <a:spcPts val="1140"/>
+              </a:spcAft>
+              <a:buClr>
+                <a:srgbClr val="000000"/>
+              </a:buClr>
+              <a:buSzPct val="45000"/>
+              <a:buFont typeface="Wingdings" charset="2"/>
+              <a:buChar char=""/>
+            </a:pPr>
+            <a:r>
+              <a:rPr b="0" lang="pt-BR" sz="1800" spc="-1" strike="noStrike" u="sng">
+                <a:solidFill>
+                  <a:srgbClr val="5983b0"/>
+                </a:solidFill>
+                <a:uFillTx/>
+                <a:latin typeface="Calibri"/>
+                <a:ea typeface="DejaVu Sans"/>
+                <a:hlinkClick r:id="rId1"/>
+              </a:rPr>
+              <a:t>[LINK]</a:t>
+            </a:r>
+            <a:endParaRPr b="0" lang="pt-BR" sz="1800" spc="-1" strike="noStrike">
               <a:latin typeface="Arial"/>
             </a:endParaRPr>
           </a:p>
@@ -17012,7 +14968,7 @@
         <p:spPr>
           <a:xfrm>
             <a:off x="360000" y="360000"/>
-            <a:ext cx="9353520" cy="893520"/>
+            <a:ext cx="9353160" cy="893160"/>
           </a:xfrm>
           <a:prstGeom prst="rect">
             <a:avLst/>
@@ -17064,7 +15020,7 @@
         <p:spPr>
           <a:xfrm>
             <a:off x="360000" y="1980000"/>
-            <a:ext cx="9173520" cy="4673520"/>
+            <a:ext cx="9173160" cy="4673160"/>
           </a:xfrm>
           <a:prstGeom prst="rect">
             <a:avLst/>
@@ -17250,7 +15206,7 @@
         <p:spPr>
           <a:xfrm>
             <a:off x="7608600" y="6886080"/>
-            <a:ext cx="2278800" cy="358560"/>
+            <a:ext cx="2278440" cy="358200"/>
           </a:xfrm>
           <a:prstGeom prst="rect">
             <a:avLst/>
@@ -17313,7 +15269,7 @@
         <p:spPr>
           <a:xfrm>
             <a:off x="897120" y="6886080"/>
-            <a:ext cx="6440760" cy="358560"/>
+            <a:ext cx="6440400" cy="358200"/>
           </a:xfrm>
           <a:prstGeom prst="rect">
             <a:avLst/>
@@ -17369,7 +15325,7 @@
         <p:spPr>
           <a:xfrm>
             <a:off x="1602360" y="4148280"/>
-            <a:ext cx="7423560" cy="2213280"/>
+            <a:ext cx="7423200" cy="2212920"/>
           </a:xfrm>
           <a:prstGeom prst="rect">
             <a:avLst/>
@@ -17392,7 +15348,7 @@
         <p:spPr>
           <a:xfrm>
             <a:off x="3333240" y="5918760"/>
-            <a:ext cx="414000" cy="442800"/>
+            <a:ext cx="413640" cy="442440"/>
           </a:xfrm>
           <a:prstGeom prst="rect">
             <a:avLst/>
@@ -17415,7 +15371,7 @@
         <p:spPr>
           <a:xfrm>
             <a:off x="3837600" y="5919120"/>
-            <a:ext cx="414000" cy="442800"/>
+            <a:ext cx="413640" cy="442440"/>
           </a:xfrm>
           <a:prstGeom prst="rect">
             <a:avLst/>
@@ -17438,7 +15394,7 @@
         <p:spPr>
           <a:xfrm>
             <a:off x="4377960" y="5919480"/>
-            <a:ext cx="414000" cy="442800"/>
+            <a:ext cx="413640" cy="442440"/>
           </a:xfrm>
           <a:prstGeom prst="rect">
             <a:avLst/>
@@ -17461,7 +15417,7 @@
         <p:spPr>
           <a:xfrm>
             <a:off x="4918320" y="5919840"/>
-            <a:ext cx="414000" cy="442800"/>
+            <a:ext cx="413640" cy="442440"/>
           </a:xfrm>
           <a:prstGeom prst="rect">
             <a:avLst/>
@@ -17484,7 +15440,7 @@
         <p:spPr>
           <a:xfrm>
             <a:off x="5494680" y="5918760"/>
-            <a:ext cx="414000" cy="442800"/>
+            <a:ext cx="413640" cy="442440"/>
           </a:xfrm>
           <a:prstGeom prst="rect">
             <a:avLst/>
@@ -17507,7 +15463,7 @@
         <p:spPr>
           <a:xfrm>
             <a:off x="6048360" y="5926680"/>
-            <a:ext cx="414000" cy="442800"/>
+            <a:ext cx="413640" cy="442440"/>
           </a:xfrm>
           <a:prstGeom prst="rect">
             <a:avLst/>
@@ -17530,7 +15486,7 @@
         <p:spPr>
           <a:xfrm>
             <a:off x="6627240" y="5919840"/>
-            <a:ext cx="414000" cy="442800"/>
+            <a:ext cx="413640" cy="442440"/>
           </a:xfrm>
           <a:prstGeom prst="rect">
             <a:avLst/>
@@ -17553,7 +15509,7 @@
         <p:spPr>
           <a:xfrm>
             <a:off x="7175160" y="5932800"/>
-            <a:ext cx="414000" cy="442800"/>
+            <a:ext cx="413640" cy="442440"/>
           </a:xfrm>
           <a:prstGeom prst="rect">
             <a:avLst/>
@@ -17602,7 +15558,7 @@
         <p:spPr>
           <a:xfrm>
             <a:off x="360000" y="360000"/>
-            <a:ext cx="9353520" cy="893520"/>
+            <a:ext cx="9353160" cy="893160"/>
           </a:xfrm>
           <a:prstGeom prst="rect">
             <a:avLst/>
@@ -17654,7 +15610,7 @@
         <p:spPr>
           <a:xfrm>
             <a:off x="360000" y="1620000"/>
-            <a:ext cx="9307800" cy="4673520"/>
+            <a:ext cx="9307440" cy="4673160"/>
           </a:xfrm>
           <a:prstGeom prst="rect">
             <a:avLst/>
@@ -17915,7 +15871,7 @@
         <p:spPr>
           <a:xfrm>
             <a:off x="7608600" y="6886080"/>
-            <a:ext cx="2278800" cy="358560"/>
+            <a:ext cx="2278440" cy="358200"/>
           </a:xfrm>
           <a:prstGeom prst="rect">
             <a:avLst/>
@@ -17978,7 +15934,7 @@
         <p:spPr>
           <a:xfrm>
             <a:off x="897120" y="6886080"/>
-            <a:ext cx="6440760" cy="358560"/>
+            <a:ext cx="6440400" cy="358200"/>
           </a:xfrm>
           <a:prstGeom prst="rect">
             <a:avLst/>
@@ -18034,7 +15990,7 @@
         <p:spPr>
           <a:xfrm>
             <a:off x="1947960" y="3390120"/>
-            <a:ext cx="6332040" cy="2903400"/>
+            <a:ext cx="6331680" cy="2903040"/>
           </a:xfrm>
           <a:prstGeom prst="rect">
             <a:avLst/>
@@ -18083,7 +16039,7 @@
         <p:spPr>
           <a:xfrm>
             <a:off x="360000" y="360000"/>
-            <a:ext cx="9353520" cy="893520"/>
+            <a:ext cx="9353160" cy="893160"/>
           </a:xfrm>
           <a:prstGeom prst="rect">
             <a:avLst/>
@@ -18135,7 +16091,7 @@
         <p:spPr>
           <a:xfrm>
             <a:off x="360000" y="1620000"/>
-            <a:ext cx="9307800" cy="4673520"/>
+            <a:ext cx="9307440" cy="4673160"/>
           </a:xfrm>
           <a:prstGeom prst="rect">
             <a:avLst/>
@@ -18208,7 +16164,7 @@
         <p:spPr>
           <a:xfrm>
             <a:off x="7608600" y="6886080"/>
-            <a:ext cx="2278800" cy="358560"/>
+            <a:ext cx="2278440" cy="358200"/>
           </a:xfrm>
           <a:prstGeom prst="rect">
             <a:avLst/>
@@ -18271,7 +16227,7 @@
         <p:spPr>
           <a:xfrm>
             <a:off x="897120" y="6886080"/>
-            <a:ext cx="6440760" cy="358560"/>
+            <a:ext cx="6440400" cy="358200"/>
           </a:xfrm>
           <a:prstGeom prst="rect">
             <a:avLst/>
@@ -18328,7 +16284,7 @@
         <p:spPr>
           <a:xfrm>
             <a:off x="251280" y="1687320"/>
-            <a:ext cx="4464720" cy="2970360"/>
+            <a:ext cx="4464360" cy="2970000"/>
           </a:xfrm>
           <a:prstGeom prst="rect">
             <a:avLst/>
@@ -18351,7 +16307,7 @@
         <p:spPr>
           <a:xfrm>
             <a:off x="2166480" y="5114520"/>
-            <a:ext cx="6617880" cy="1478160"/>
+            <a:ext cx="6617520" cy="1477800"/>
           </a:xfrm>
           <a:prstGeom prst="rect">
             <a:avLst/>
@@ -18374,7 +16330,7 @@
         <p:spPr>
           <a:xfrm>
             <a:off x="5094000" y="1704600"/>
-            <a:ext cx="4500360" cy="2952720"/>
+            <a:ext cx="4500000" cy="2952360"/>
           </a:xfrm>
           <a:prstGeom prst="rect">
             <a:avLst/>
@@ -18423,7 +16379,7 @@
         <p:spPr>
           <a:xfrm>
             <a:off x="360000" y="360000"/>
-            <a:ext cx="9353520" cy="893520"/>
+            <a:ext cx="9353160" cy="893160"/>
           </a:xfrm>
           <a:prstGeom prst="rect">
             <a:avLst/>
@@ -18458,167 +16414,7 @@
                 <a:latin typeface="Latin Modern Sans"/>
                 <a:ea typeface="DejaVu Sans"/>
               </a:rPr>
-              <a:t>D</a:t>
-            </a:r>
-            <a:r>
-              <a:rPr b="1" lang="pt-BR" sz="3200" spc="-1" strike="noStrike">
-                <a:solidFill>
-                  <a:srgbClr val="ffffff"/>
-                </a:solidFill>
-                <a:latin typeface="Latin Modern Sans"/>
-                <a:ea typeface="DejaVu Sans"/>
-              </a:rPr>
-              <a:t>i</a:t>
-            </a:r>
-            <a:r>
-              <a:rPr b="1" lang="pt-BR" sz="3200" spc="-1" strike="noStrike">
-                <a:solidFill>
-                  <a:srgbClr val="ffffff"/>
-                </a:solidFill>
-                <a:latin typeface="Latin Modern Sans"/>
-                <a:ea typeface="DejaVu Sans"/>
-              </a:rPr>
-              <a:t>s</a:t>
-            </a:r>
-            <a:r>
-              <a:rPr b="1" lang="pt-BR" sz="3200" spc="-1" strike="noStrike">
-                <a:solidFill>
-                  <a:srgbClr val="ffffff"/>
-                </a:solidFill>
-                <a:latin typeface="Latin Modern Sans"/>
-                <a:ea typeface="DejaVu Sans"/>
-              </a:rPr>
-              <a:t>c</a:t>
-            </a:r>
-            <a:r>
-              <a:rPr b="1" lang="pt-BR" sz="3200" spc="-1" strike="noStrike">
-                <a:solidFill>
-                  <a:srgbClr val="ffffff"/>
-                </a:solidFill>
-                <a:latin typeface="Latin Modern Sans"/>
-                <a:ea typeface="DejaVu Sans"/>
-              </a:rPr>
-              <a:t>u</a:t>
-            </a:r>
-            <a:r>
-              <a:rPr b="1" lang="pt-BR" sz="3200" spc="-1" strike="noStrike">
-                <a:solidFill>
-                  <a:srgbClr val="ffffff"/>
-                </a:solidFill>
-                <a:latin typeface="Latin Modern Sans"/>
-                <a:ea typeface="DejaVu Sans"/>
-              </a:rPr>
-              <a:t>s</a:t>
-            </a:r>
-            <a:r>
-              <a:rPr b="1" lang="pt-BR" sz="3200" spc="-1" strike="noStrike">
-                <a:solidFill>
-                  <a:srgbClr val="ffffff"/>
-                </a:solidFill>
-                <a:latin typeface="Latin Modern Sans"/>
-                <a:ea typeface="DejaVu Sans"/>
-              </a:rPr>
-              <a:t>s</a:t>
-            </a:r>
-            <a:r>
-              <a:rPr b="1" lang="pt-BR" sz="3200" spc="-1" strike="noStrike">
-                <a:solidFill>
-                  <a:srgbClr val="ffffff"/>
-                </a:solidFill>
-                <a:latin typeface="Latin Modern Sans"/>
-                <a:ea typeface="DejaVu Sans"/>
-              </a:rPr>
-              <a:t>ã</a:t>
-            </a:r>
-            <a:r>
-              <a:rPr b="1" lang="pt-BR" sz="3200" spc="-1" strike="noStrike">
-                <a:solidFill>
-                  <a:srgbClr val="ffffff"/>
-                </a:solidFill>
-                <a:latin typeface="Latin Modern Sans"/>
-                <a:ea typeface="DejaVu Sans"/>
-              </a:rPr>
-              <a:t>o</a:t>
-            </a:r>
-            <a:r>
-              <a:rPr b="1" lang="pt-BR" sz="3200" spc="-1" strike="noStrike">
-                <a:solidFill>
-                  <a:srgbClr val="ffffff"/>
-                </a:solidFill>
-                <a:latin typeface="Latin Modern Sans"/>
-                <a:ea typeface="DejaVu Sans"/>
-              </a:rPr>
-              <a:t> </a:t>
-            </a:r>
-            <a:r>
-              <a:rPr b="1" lang="pt-BR" sz="3200" spc="-1" strike="noStrike">
-                <a:solidFill>
-                  <a:srgbClr val="ffffff"/>
-                </a:solidFill>
-                <a:latin typeface="Latin Modern Sans"/>
-                <a:ea typeface="DejaVu Sans"/>
-              </a:rPr>
-              <a:t>I</a:t>
-            </a:r>
-            <a:r>
-              <a:rPr b="1" lang="pt-BR" sz="3200" spc="-1" strike="noStrike">
-                <a:solidFill>
-                  <a:srgbClr val="ffffff"/>
-                </a:solidFill>
-                <a:latin typeface="Latin Modern Sans"/>
-                <a:ea typeface="DejaVu Sans"/>
-              </a:rPr>
-              <a:t>n</a:t>
-            </a:r>
-            <a:r>
-              <a:rPr b="1" lang="pt-BR" sz="3200" spc="-1" strike="noStrike">
-                <a:solidFill>
-                  <a:srgbClr val="ffffff"/>
-                </a:solidFill>
-                <a:latin typeface="Latin Modern Sans"/>
-                <a:ea typeface="DejaVu Sans"/>
-              </a:rPr>
-              <a:t>i</a:t>
-            </a:r>
-            <a:r>
-              <a:rPr b="1" lang="pt-BR" sz="3200" spc="-1" strike="noStrike">
-                <a:solidFill>
-                  <a:srgbClr val="ffffff"/>
-                </a:solidFill>
-                <a:latin typeface="Latin Modern Sans"/>
-                <a:ea typeface="DejaVu Sans"/>
-              </a:rPr>
-              <a:t>c</a:t>
-            </a:r>
-            <a:r>
-              <a:rPr b="1" lang="pt-BR" sz="3200" spc="-1" strike="noStrike">
-                <a:solidFill>
-                  <a:srgbClr val="ffffff"/>
-                </a:solidFill>
-                <a:latin typeface="Latin Modern Sans"/>
-                <a:ea typeface="DejaVu Sans"/>
-              </a:rPr>
-              <a:t>i</a:t>
-            </a:r>
-            <a:r>
-              <a:rPr b="1" lang="pt-BR" sz="3200" spc="-1" strike="noStrike">
-                <a:solidFill>
-                  <a:srgbClr val="ffffff"/>
-                </a:solidFill>
-                <a:latin typeface="Latin Modern Sans"/>
-                <a:ea typeface="DejaVu Sans"/>
-              </a:rPr>
-              <a:t>a</a:t>
-            </a:r>
-            <a:r>
-              <a:rPr b="1" lang="pt-BR" sz="3200" spc="-1" strike="noStrike">
-                <a:solidFill>
-                  <a:srgbClr val="ffffff"/>
-                </a:solidFill>
-                <a:latin typeface="Latin Modern Sans"/>
-                <a:ea typeface="DejaVu Sans"/>
-              </a:rPr>
-              <a:t>l</a:t>
+              <a:t>Discussão Inicial</a:t>
             </a:r>
             <a:endParaRPr b="0" lang="pt-BR" sz="3200" spc="-1" strike="noStrike">
               <a:latin typeface="Arial"/>
@@ -18635,7 +16431,7 @@
         <p:spPr>
           <a:xfrm>
             <a:off x="360000" y="1620000"/>
-            <a:ext cx="9307800" cy="4673520"/>
+            <a:ext cx="9307440" cy="4673160"/>
           </a:xfrm>
           <a:prstGeom prst="rect">
             <a:avLst/>
@@ -18708,7 +16504,7 @@
         <p:spPr>
           <a:xfrm>
             <a:off x="7608600" y="6886080"/>
-            <a:ext cx="2278800" cy="358560"/>
+            <a:ext cx="2278440" cy="358200"/>
           </a:xfrm>
           <a:prstGeom prst="rect">
             <a:avLst/>
@@ -18743,8 +16539,61 @@
                 <a:latin typeface="Arial"/>
                 <a:ea typeface="DejaVu Sans"/>
               </a:rPr>
-              <a:t>R</a:t>
-            </a:r>
+              <a:t>Redes Recorrentes</a:t>
+            </a:r>
+            <a:endParaRPr b="0" lang="pt-BR" sz="1800" spc="-1" strike="noStrike">
+              <a:latin typeface="Arial"/>
+            </a:endParaRPr>
+          </a:p>
+          <a:p>
+            <a:pPr>
+              <a:lnSpc>
+                <a:spcPct val="100000"/>
+              </a:lnSpc>
+              <a:buNone/>
+            </a:pPr>
+            <a:endParaRPr b="0" lang="pt-BR" sz="1800" spc="-1" strike="noStrike">
+              <a:latin typeface="Arial"/>
+            </a:endParaRPr>
+          </a:p>
+        </p:txBody>
+      </p:sp>
+      <p:sp>
+        <p:nvSpPr>
+          <p:cNvPr id="156" name="CustomShape 97"/>
+          <p:cNvSpPr/>
+          <p:nvPr/>
+        </p:nvSpPr>
+        <p:spPr>
+          <a:xfrm>
+            <a:off x="897120" y="6886080"/>
+            <a:ext cx="6440400" cy="358200"/>
+          </a:xfrm>
+          <a:prstGeom prst="rect">
+            <a:avLst/>
+          </a:prstGeom>
+          <a:noFill/>
+          <a:ln w="0">
+            <a:noFill/>
+          </a:ln>
+        </p:spPr>
+        <p:style>
+          <a:lnRef idx="0"/>
+          <a:fillRef idx="0"/>
+          <a:effectRef idx="0"/>
+          <a:fontRef idx="minor"/>
+        </p:style>
+        <p:txBody>
+          <a:bodyPr lIns="90000" rIns="90000" tIns="45000" bIns="45000" anchor="t">
+            <a:noAutofit/>
+          </a:bodyPr>
+          <a:p>
+            <a:pPr>
+              <a:lnSpc>
+                <a:spcPct val="100000"/>
+              </a:lnSpc>
+              <a:buNone/>
+            </a:pPr>
             <a:r>
               <a:rPr b="0" lang="pt-BR" sz="1800" spc="-1" strike="noStrike">
                 <a:solidFill>
@@ -18753,470 +16602,7 @@
                 <a:latin typeface="Arial"/>
                 <a:ea typeface="DejaVu Sans"/>
               </a:rPr>
-              <a:t>e</a:t>
-            </a:r>
-            <a:r>
-              <a:rPr b="0" lang="pt-BR" sz="1800" spc="-1" strike="noStrike">
-                <a:solidFill>
-                  <a:srgbClr val="000000"/>
-                </a:solidFill>
-                <a:latin typeface="Arial"/>
-                <a:ea typeface="DejaVu Sans"/>
-              </a:rPr>
-              <a:t>d</a:t>
-            </a:r>
-            <a:r>
-              <a:rPr b="0" lang="pt-BR" sz="1800" spc="-1" strike="noStrike">
-                <a:solidFill>
-                  <a:srgbClr val="000000"/>
-                </a:solidFill>
-                <a:latin typeface="Arial"/>
-                <a:ea typeface="DejaVu Sans"/>
-              </a:rPr>
-              <a:t>e</a:t>
-            </a:r>
-            <a:r>
-              <a:rPr b="0" lang="pt-BR" sz="1800" spc="-1" strike="noStrike">
-                <a:solidFill>
-                  <a:srgbClr val="000000"/>
-                </a:solidFill>
-                <a:latin typeface="Arial"/>
-                <a:ea typeface="DejaVu Sans"/>
-              </a:rPr>
-              <a:t>s </a:t>
-            </a:r>
-            <a:r>
-              <a:rPr b="0" lang="pt-BR" sz="1800" spc="-1" strike="noStrike">
-                <a:solidFill>
-                  <a:srgbClr val="000000"/>
-                </a:solidFill>
-                <a:latin typeface="Arial"/>
-                <a:ea typeface="DejaVu Sans"/>
-              </a:rPr>
-              <a:t>R</a:t>
-            </a:r>
-            <a:r>
-              <a:rPr b="0" lang="pt-BR" sz="1800" spc="-1" strike="noStrike">
-                <a:solidFill>
-                  <a:srgbClr val="000000"/>
-                </a:solidFill>
-                <a:latin typeface="Arial"/>
-                <a:ea typeface="DejaVu Sans"/>
-              </a:rPr>
-              <a:t>e</a:t>
-            </a:r>
-            <a:r>
-              <a:rPr b="0" lang="pt-BR" sz="1800" spc="-1" strike="noStrike">
-                <a:solidFill>
-                  <a:srgbClr val="000000"/>
-                </a:solidFill>
-                <a:latin typeface="Arial"/>
-                <a:ea typeface="DejaVu Sans"/>
-              </a:rPr>
-              <a:t>c</a:t>
-            </a:r>
-            <a:r>
-              <a:rPr b="0" lang="pt-BR" sz="1800" spc="-1" strike="noStrike">
-                <a:solidFill>
-                  <a:srgbClr val="000000"/>
-                </a:solidFill>
-                <a:latin typeface="Arial"/>
-                <a:ea typeface="DejaVu Sans"/>
-              </a:rPr>
-              <a:t>or</a:t>
-            </a:r>
-            <a:r>
-              <a:rPr b="0" lang="pt-BR" sz="1800" spc="-1" strike="noStrike">
-                <a:solidFill>
-                  <a:srgbClr val="000000"/>
-                </a:solidFill>
-                <a:latin typeface="Arial"/>
-                <a:ea typeface="DejaVu Sans"/>
-              </a:rPr>
-              <a:t>re</a:t>
-            </a:r>
-            <a:r>
-              <a:rPr b="0" lang="pt-BR" sz="1800" spc="-1" strike="noStrike">
-                <a:solidFill>
-                  <a:srgbClr val="000000"/>
-                </a:solidFill>
-                <a:latin typeface="Arial"/>
-                <a:ea typeface="DejaVu Sans"/>
-              </a:rPr>
-              <a:t>nt</a:t>
-            </a:r>
-            <a:r>
-              <a:rPr b="0" lang="pt-BR" sz="1800" spc="-1" strike="noStrike">
-                <a:solidFill>
-                  <a:srgbClr val="000000"/>
-                </a:solidFill>
-                <a:latin typeface="Arial"/>
-                <a:ea typeface="DejaVu Sans"/>
-              </a:rPr>
-              <a:t>e</a:t>
-            </a:r>
-            <a:r>
-              <a:rPr b="0" lang="pt-BR" sz="1800" spc="-1" strike="noStrike">
-                <a:solidFill>
-                  <a:srgbClr val="000000"/>
-                </a:solidFill>
-                <a:latin typeface="Arial"/>
-                <a:ea typeface="DejaVu Sans"/>
-              </a:rPr>
-              <a:t>s</a:t>
-            </a:r>
-            <a:endParaRPr b="0" lang="pt-BR" sz="1800" spc="-1" strike="noStrike">
-              <a:latin typeface="Arial"/>
-            </a:endParaRPr>
-          </a:p>
-          <a:p>
-            <a:pPr>
-              <a:lnSpc>
-                <a:spcPct val="100000"/>
-              </a:lnSpc>
-              <a:buNone/>
-            </a:pPr>
-            <a:endParaRPr b="0" lang="pt-BR" sz="1800" spc="-1" strike="noStrike">
-              <a:latin typeface="Arial"/>
-            </a:endParaRPr>
-          </a:p>
-        </p:txBody>
-      </p:sp>
-      <p:sp>
-        <p:nvSpPr>
-          <p:cNvPr id="156" name="CustomShape 97"/>
-          <p:cNvSpPr/>
-          <p:nvPr/>
-        </p:nvSpPr>
-        <p:spPr>
-          <a:xfrm>
-            <a:off x="897120" y="6886080"/>
-            <a:ext cx="6440760" cy="358560"/>
-          </a:xfrm>
-          <a:prstGeom prst="rect">
-            <a:avLst/>
-          </a:prstGeom>
-          <a:noFill/>
-          <a:ln w="0">
-            <a:noFill/>
-          </a:ln>
-        </p:spPr>
-        <p:style>
-          <a:lnRef idx="0"/>
-          <a:fillRef idx="0"/>
-          <a:effectRef idx="0"/>
-          <a:fontRef idx="minor"/>
-        </p:style>
-        <p:txBody>
-          <a:bodyPr lIns="90000" rIns="90000" tIns="45000" bIns="45000" anchor="t">
-            <a:noAutofit/>
-          </a:bodyPr>
-          <a:p>
-            <a:pPr>
-              <a:lnSpc>
-                <a:spcPct val="100000"/>
-              </a:lnSpc>
-              <a:buNone/>
-            </a:pPr>
-            <a:r>
-              <a:rPr b="0" lang="pt-BR" sz="1800" spc="-1" strike="noStrike">
-                <a:solidFill>
-                  <a:srgbClr val="000000"/>
-                </a:solidFill>
-                <a:latin typeface="Arial"/>
-                <a:ea typeface="DejaVu Sans"/>
-              </a:rPr>
-              <a:t>A</a:t>
-            </a:r>
-            <a:r>
-              <a:rPr b="0" lang="pt-BR" sz="1800" spc="-1" strike="noStrike">
-                <a:solidFill>
-                  <a:srgbClr val="000000"/>
-                </a:solidFill>
-                <a:latin typeface="Arial"/>
-                <a:ea typeface="DejaVu Sans"/>
-              </a:rPr>
-              <a:t>pr</a:t>
-            </a:r>
-            <a:r>
-              <a:rPr b="0" lang="pt-BR" sz="1800" spc="-1" strike="noStrike">
-                <a:solidFill>
-                  <a:srgbClr val="000000"/>
-                </a:solidFill>
-                <a:latin typeface="Arial"/>
-                <a:ea typeface="DejaVu Sans"/>
-              </a:rPr>
-              <a:t>e</a:t>
-            </a:r>
-            <a:r>
-              <a:rPr b="0" lang="pt-BR" sz="1800" spc="-1" strike="noStrike">
-                <a:solidFill>
-                  <a:srgbClr val="000000"/>
-                </a:solidFill>
-                <a:latin typeface="Arial"/>
-                <a:ea typeface="DejaVu Sans"/>
-              </a:rPr>
-              <a:t>n</a:t>
-            </a:r>
-            <a:r>
-              <a:rPr b="0" lang="pt-BR" sz="1800" spc="-1" strike="noStrike">
-                <a:solidFill>
-                  <a:srgbClr val="000000"/>
-                </a:solidFill>
-                <a:latin typeface="Arial"/>
-                <a:ea typeface="DejaVu Sans"/>
-              </a:rPr>
-              <a:t>di</a:t>
-            </a:r>
-            <a:r>
-              <a:rPr b="0" lang="pt-BR" sz="1800" spc="-1" strike="noStrike">
-                <a:solidFill>
-                  <a:srgbClr val="000000"/>
-                </a:solidFill>
-                <a:latin typeface="Arial"/>
-                <a:ea typeface="DejaVu Sans"/>
-              </a:rPr>
-              <a:t>z</a:t>
-            </a:r>
-            <a:r>
-              <a:rPr b="0" lang="pt-BR" sz="1800" spc="-1" strike="noStrike">
-                <a:solidFill>
-                  <a:srgbClr val="000000"/>
-                </a:solidFill>
-                <a:latin typeface="Arial"/>
-                <a:ea typeface="DejaVu Sans"/>
-              </a:rPr>
-              <a:t>a</a:t>
-            </a:r>
-            <a:r>
-              <a:rPr b="0" lang="pt-BR" sz="1800" spc="-1" strike="noStrike">
-                <a:solidFill>
-                  <a:srgbClr val="000000"/>
-                </a:solidFill>
-                <a:latin typeface="Arial"/>
-                <a:ea typeface="DejaVu Sans"/>
-              </a:rPr>
-              <a:t>d</a:t>
-            </a:r>
-            <a:r>
-              <a:rPr b="0" lang="pt-BR" sz="1800" spc="-1" strike="noStrike">
-                <a:solidFill>
-                  <a:srgbClr val="000000"/>
-                </a:solidFill>
-                <a:latin typeface="Arial"/>
-                <a:ea typeface="DejaVu Sans"/>
-              </a:rPr>
-              <a:t>o </a:t>
-            </a:r>
-            <a:r>
-              <a:rPr b="0" lang="pt-BR" sz="1800" spc="-1" strike="noStrike">
-                <a:solidFill>
-                  <a:srgbClr val="000000"/>
-                </a:solidFill>
-                <a:latin typeface="Arial"/>
-                <a:ea typeface="DejaVu Sans"/>
-              </a:rPr>
-              <a:t>d</a:t>
-            </a:r>
-            <a:r>
-              <a:rPr b="0" lang="pt-BR" sz="1800" spc="-1" strike="noStrike">
-                <a:solidFill>
-                  <a:srgbClr val="000000"/>
-                </a:solidFill>
-                <a:latin typeface="Arial"/>
-                <a:ea typeface="DejaVu Sans"/>
-              </a:rPr>
-              <a:t>e </a:t>
-            </a:r>
-            <a:r>
-              <a:rPr b="0" lang="pt-BR" sz="1800" spc="-1" strike="noStrike">
-                <a:solidFill>
-                  <a:srgbClr val="000000"/>
-                </a:solidFill>
-                <a:latin typeface="Arial"/>
-                <a:ea typeface="DejaVu Sans"/>
-              </a:rPr>
-              <a:t>M</a:t>
-            </a:r>
-            <a:r>
-              <a:rPr b="0" lang="pt-BR" sz="1800" spc="-1" strike="noStrike">
-                <a:solidFill>
-                  <a:srgbClr val="000000"/>
-                </a:solidFill>
-                <a:latin typeface="Arial"/>
-                <a:ea typeface="DejaVu Sans"/>
-              </a:rPr>
-              <a:t>á</a:t>
-            </a:r>
-            <a:r>
-              <a:rPr b="0" lang="pt-BR" sz="1800" spc="-1" strike="noStrike">
-                <a:solidFill>
-                  <a:srgbClr val="000000"/>
-                </a:solidFill>
-                <a:latin typeface="Arial"/>
-                <a:ea typeface="DejaVu Sans"/>
-              </a:rPr>
-              <a:t>q</a:t>
-            </a:r>
-            <a:r>
-              <a:rPr b="0" lang="pt-BR" sz="1800" spc="-1" strike="noStrike">
-                <a:solidFill>
-                  <a:srgbClr val="000000"/>
-                </a:solidFill>
-                <a:latin typeface="Arial"/>
-                <a:ea typeface="DejaVu Sans"/>
-              </a:rPr>
-              <a:t>ui</a:t>
-            </a:r>
-            <a:r>
-              <a:rPr b="0" lang="pt-BR" sz="1800" spc="-1" strike="noStrike">
-                <a:solidFill>
-                  <a:srgbClr val="000000"/>
-                </a:solidFill>
-                <a:latin typeface="Arial"/>
-                <a:ea typeface="DejaVu Sans"/>
-              </a:rPr>
-              <a:t>n</a:t>
-            </a:r>
-            <a:r>
-              <a:rPr b="0" lang="pt-BR" sz="1800" spc="-1" strike="noStrike">
-                <a:solidFill>
-                  <a:srgbClr val="000000"/>
-                </a:solidFill>
-                <a:latin typeface="Arial"/>
-                <a:ea typeface="DejaVu Sans"/>
-              </a:rPr>
-              <a:t>a </a:t>
-            </a:r>
-            <a:r>
-              <a:rPr b="0" lang="pt-BR" sz="1800" spc="-1" strike="noStrike">
-                <a:solidFill>
-                  <a:srgbClr val="000000"/>
-                </a:solidFill>
-                <a:latin typeface="Arial"/>
-                <a:ea typeface="DejaVu Sans"/>
-              </a:rPr>
-              <a:t>- </a:t>
-            </a:r>
-            <a:r>
-              <a:rPr b="0" lang="pt-BR" sz="1800" spc="-1" strike="noStrike">
-                <a:solidFill>
-                  <a:srgbClr val="000000"/>
-                </a:solidFill>
-                <a:latin typeface="Arial"/>
-                <a:ea typeface="DejaVu Sans"/>
-              </a:rPr>
-              <a:t>P</a:t>
-            </a:r>
-            <a:r>
-              <a:rPr b="0" lang="pt-BR" sz="1800" spc="-1" strike="noStrike">
-                <a:solidFill>
-                  <a:srgbClr val="000000"/>
-                </a:solidFill>
-                <a:latin typeface="Arial"/>
-                <a:ea typeface="DejaVu Sans"/>
-              </a:rPr>
-              <a:t>ro</a:t>
-            </a:r>
-            <a:r>
-              <a:rPr b="0" lang="pt-BR" sz="1800" spc="-1" strike="noStrike">
-                <a:solidFill>
-                  <a:srgbClr val="000000"/>
-                </a:solidFill>
-                <a:latin typeface="Arial"/>
-                <a:ea typeface="DejaVu Sans"/>
-              </a:rPr>
-              <a:t>f. </a:t>
-            </a:r>
-            <a:r>
-              <a:rPr b="0" lang="pt-BR" sz="1800" spc="-1" strike="noStrike">
-                <a:solidFill>
-                  <a:srgbClr val="000000"/>
-                </a:solidFill>
-                <a:latin typeface="Arial"/>
-                <a:ea typeface="DejaVu Sans"/>
-              </a:rPr>
-              <a:t>A</a:t>
-            </a:r>
-            <a:r>
-              <a:rPr b="0" lang="pt-BR" sz="1800" spc="-1" strike="noStrike">
-                <a:solidFill>
-                  <a:srgbClr val="000000"/>
-                </a:solidFill>
-                <a:latin typeface="Arial"/>
-                <a:ea typeface="DejaVu Sans"/>
-              </a:rPr>
-              <a:t>n</a:t>
-            </a:r>
-            <a:r>
-              <a:rPr b="0" lang="pt-BR" sz="1800" spc="-1" strike="noStrike">
-                <a:solidFill>
-                  <a:srgbClr val="000000"/>
-                </a:solidFill>
-                <a:latin typeface="Arial"/>
-                <a:ea typeface="DejaVu Sans"/>
-              </a:rPr>
-              <a:t>dr</a:t>
-            </a:r>
-            <a:r>
-              <a:rPr b="0" lang="pt-BR" sz="1800" spc="-1" strike="noStrike">
-                <a:solidFill>
-                  <a:srgbClr val="000000"/>
-                </a:solidFill>
-                <a:latin typeface="Arial"/>
-                <a:ea typeface="DejaVu Sans"/>
-              </a:rPr>
-              <a:t>é </a:t>
-            </a:r>
-            <a:r>
-              <a:rPr b="0" lang="pt-BR" sz="1800" spc="-1" strike="noStrike">
-                <a:solidFill>
-                  <a:srgbClr val="000000"/>
-                </a:solidFill>
-                <a:latin typeface="Arial"/>
-                <a:ea typeface="DejaVu Sans"/>
-              </a:rPr>
-              <a:t>H</a:t>
-            </a:r>
-            <a:r>
-              <a:rPr b="0" lang="pt-BR" sz="1800" spc="-1" strike="noStrike">
-                <a:solidFill>
-                  <a:srgbClr val="000000"/>
-                </a:solidFill>
-                <a:latin typeface="Arial"/>
-                <a:ea typeface="DejaVu Sans"/>
-              </a:rPr>
-              <a:t>o</a:t>
-            </a:r>
-            <a:r>
-              <a:rPr b="0" lang="pt-BR" sz="1800" spc="-1" strike="noStrike">
-                <a:solidFill>
-                  <a:srgbClr val="000000"/>
-                </a:solidFill>
-                <a:latin typeface="Arial"/>
-                <a:ea typeface="DejaVu Sans"/>
-              </a:rPr>
-              <a:t>c</a:t>
-            </a:r>
-            <a:r>
-              <a:rPr b="0" lang="pt-BR" sz="1800" spc="-1" strike="noStrike">
-                <a:solidFill>
-                  <a:srgbClr val="000000"/>
-                </a:solidFill>
-                <a:latin typeface="Arial"/>
-                <a:ea typeface="DejaVu Sans"/>
-              </a:rPr>
-              <a:t>h</a:t>
-            </a:r>
-            <a:r>
-              <a:rPr b="0" lang="pt-BR" sz="1800" spc="-1" strike="noStrike">
-                <a:solidFill>
-                  <a:srgbClr val="000000"/>
-                </a:solidFill>
-                <a:latin typeface="Arial"/>
-                <a:ea typeface="DejaVu Sans"/>
-              </a:rPr>
-              <a:t>uli</a:t>
+              <a:t>Aprendizado de Máquina - Prof. André Hochuli</a:t>
             </a:r>
             <a:endParaRPr b="0" lang="pt-BR" sz="1800" spc="-1" strike="noStrike">
               <a:latin typeface="Arial"/>
@@ -19238,7 +16624,7 @@
         <p:spPr>
           <a:xfrm>
             <a:off x="2340000" y="1440000"/>
-            <a:ext cx="5759640" cy="5393160"/>
+            <a:ext cx="5759280" cy="5392800"/>
           </a:xfrm>
           <a:prstGeom prst="rect">
             <a:avLst/>
@@ -19292,7 +16678,7 @@
         <p:spPr>
           <a:xfrm>
             <a:off x="5245200" y="1056600"/>
-            <a:ext cx="4329360" cy="3169800"/>
+            <a:ext cx="4329000" cy="3169440"/>
           </a:xfrm>
           <a:prstGeom prst="rect">
             <a:avLst/>
@@ -19311,7 +16697,7 @@
         <p:spPr>
           <a:xfrm>
             <a:off x="360000" y="360000"/>
-            <a:ext cx="9353520" cy="893520"/>
+            <a:ext cx="9353160" cy="893160"/>
           </a:xfrm>
           <a:prstGeom prst="rect">
             <a:avLst/>
@@ -19363,7 +16749,7 @@
         <p:spPr>
           <a:xfrm>
             <a:off x="360000" y="1980000"/>
-            <a:ext cx="4727880" cy="4673520"/>
+            <a:ext cx="4727520" cy="4673160"/>
           </a:xfrm>
           <a:prstGeom prst="rect">
             <a:avLst/>
@@ -19610,7 +16996,7 @@
         <p:spPr>
           <a:xfrm>
             <a:off x="7608600" y="6886080"/>
-            <a:ext cx="2278800" cy="358560"/>
+            <a:ext cx="2278440" cy="358200"/>
           </a:xfrm>
           <a:prstGeom prst="rect">
             <a:avLst/>
@@ -19673,7 +17059,7 @@
         <p:spPr>
           <a:xfrm>
             <a:off x="897120" y="6886080"/>
-            <a:ext cx="6440760" cy="358560"/>
+            <a:ext cx="6440400" cy="358200"/>
           </a:xfrm>
           <a:prstGeom prst="rect">
             <a:avLst/>
@@ -19725,7 +17111,7 @@
         <p:spPr>
           <a:xfrm>
             <a:off x="5287680" y="1141920"/>
-            <a:ext cx="374760" cy="3052440"/>
+            <a:ext cx="374400" cy="3052080"/>
           </a:xfrm>
           <a:prstGeom prst="rect">
             <a:avLst/>
@@ -19867,7 +17253,7 @@
         <p:spPr>
           <a:xfrm>
             <a:off x="5683680" y="1141920"/>
-            <a:ext cx="374760" cy="3052440"/>
+            <a:ext cx="374400" cy="3052080"/>
           </a:xfrm>
           <a:prstGeom prst="rect">
             <a:avLst/>
@@ -19967,7 +17353,7 @@
         <p:spPr>
           <a:xfrm>
             <a:off x="6079680" y="1141920"/>
-            <a:ext cx="374760" cy="3052440"/>
+            <a:ext cx="374400" cy="3052080"/>
           </a:xfrm>
           <a:prstGeom prst="rect">
             <a:avLst/>
@@ -20067,7 +17453,7 @@
         <p:spPr>
           <a:xfrm>
             <a:off x="6475680" y="1141920"/>
-            <a:ext cx="374760" cy="3052440"/>
+            <a:ext cx="374400" cy="3052080"/>
           </a:xfrm>
           <a:prstGeom prst="rect">
             <a:avLst/>
@@ -20167,7 +17553,7 @@
         <p:spPr>
           <a:xfrm>
             <a:off x="6871680" y="1141920"/>
-            <a:ext cx="374760" cy="3052440"/>
+            <a:ext cx="374400" cy="3052080"/>
           </a:xfrm>
           <a:prstGeom prst="rect">
             <a:avLst/>
@@ -20225,7 +17611,7 @@
         <p:spPr>
           <a:xfrm>
             <a:off x="7270920" y="1154880"/>
-            <a:ext cx="374760" cy="3052440"/>
+            <a:ext cx="374400" cy="3052080"/>
           </a:xfrm>
           <a:prstGeom prst="rect">
             <a:avLst/>
@@ -20367,7 +17753,7 @@
         <p:spPr>
           <a:xfrm>
             <a:off x="7666920" y="1154880"/>
-            <a:ext cx="374760" cy="3052440"/>
+            <a:ext cx="374400" cy="3052080"/>
           </a:xfrm>
           <a:prstGeom prst="rect">
             <a:avLst/>
@@ -20509,7 +17895,7 @@
         <p:spPr>
           <a:xfrm>
             <a:off x="8041320" y="1177920"/>
-            <a:ext cx="374760" cy="3052440"/>
+            <a:ext cx="374400" cy="3052080"/>
           </a:xfrm>
           <a:prstGeom prst="rect">
             <a:avLst/>
@@ -20609,7 +17995,7 @@
         <p:spPr>
           <a:xfrm>
             <a:off x="8437320" y="1177920"/>
-            <a:ext cx="374760" cy="3052440"/>
+            <a:ext cx="374400" cy="3052080"/>
           </a:xfrm>
           <a:prstGeom prst="rect">
             <a:avLst/>
@@ -20667,7 +18053,7 @@
         <p:spPr>
           <a:xfrm>
             <a:off x="8833320" y="1177920"/>
-            <a:ext cx="374760" cy="3052440"/>
+            <a:ext cx="374400" cy="3052080"/>
           </a:xfrm>
           <a:prstGeom prst="rect">
             <a:avLst/>
@@ -20725,7 +18111,7 @@
         <p:spPr>
           <a:xfrm>
             <a:off x="9229320" y="1177920"/>
-            <a:ext cx="374760" cy="3052440"/>
+            <a:ext cx="374400" cy="3052080"/>
           </a:xfrm>
           <a:prstGeom prst="rect">
             <a:avLst/>
@@ -20787,7 +18173,7 @@
         <p:spPr>
           <a:xfrm>
             <a:off x="3940560" y="4994640"/>
-            <a:ext cx="5630400" cy="1203840"/>
+            <a:ext cx="5630040" cy="1203480"/>
           </a:xfrm>
           <a:prstGeom prst="rect">
             <a:avLst/>
@@ -20836,7 +18222,7 @@
         <p:spPr>
           <a:xfrm>
             <a:off x="360000" y="3330000"/>
-            <a:ext cx="9353520" cy="893520"/>
+            <a:ext cx="9353160" cy="893160"/>
           </a:xfrm>
           <a:prstGeom prst="rect">
             <a:avLst/>
@@ -20918,7 +18304,7 @@
         <p:spPr>
           <a:xfrm>
             <a:off x="360000" y="360000"/>
-            <a:ext cx="9353520" cy="893520"/>
+            <a:ext cx="9353160" cy="893160"/>
           </a:xfrm>
           <a:prstGeom prst="rect">
             <a:avLst/>
@@ -20970,7 +18356,7 @@
         <p:spPr>
           <a:xfrm>
             <a:off x="360000" y="1620000"/>
-            <a:ext cx="9307800" cy="4673520"/>
+            <a:ext cx="9307440" cy="4673160"/>
           </a:xfrm>
           <a:prstGeom prst="rect">
             <a:avLst/>
@@ -21043,7 +18429,7 @@
         <p:spPr>
           <a:xfrm>
             <a:off x="7608600" y="6886080"/>
-            <a:ext cx="2278800" cy="358560"/>
+            <a:ext cx="2278440" cy="358200"/>
           </a:xfrm>
           <a:prstGeom prst="rect">
             <a:avLst/>
@@ -21106,7 +18492,7 @@
         <p:spPr>
           <a:xfrm>
             <a:off x="897120" y="6886080"/>
-            <a:ext cx="6440760" cy="358560"/>
+            <a:ext cx="6440400" cy="358200"/>
           </a:xfrm>
           <a:prstGeom prst="rect">
             <a:avLst/>
@@ -21158,7 +18544,7 @@
         <p:spPr>
           <a:xfrm>
             <a:off x="360000" y="1764000"/>
-            <a:ext cx="9307800" cy="4673520"/>
+            <a:ext cx="9307440" cy="4673160"/>
           </a:xfrm>
           <a:prstGeom prst="rect">
             <a:avLst/>
@@ -21436,7 +18822,7 @@
         <p:spPr>
           <a:xfrm>
             <a:off x="1200600" y="2509200"/>
-            <a:ext cx="7590600" cy="4262040"/>
+            <a:ext cx="7590240" cy="4261680"/>
           </a:xfrm>
           <a:prstGeom prst="rect">
             <a:avLst/>
@@ -21485,7 +18871,7 @@
         <p:spPr>
           <a:xfrm>
             <a:off x="360000" y="360000"/>
-            <a:ext cx="9353520" cy="893520"/>
+            <a:ext cx="9353160" cy="893160"/>
           </a:xfrm>
           <a:prstGeom prst="rect">
             <a:avLst/>
@@ -21537,7 +18923,7 @@
         <p:spPr>
           <a:xfrm>
             <a:off x="360000" y="1620000"/>
-            <a:ext cx="9307800" cy="4673520"/>
+            <a:ext cx="9307440" cy="4673160"/>
           </a:xfrm>
           <a:prstGeom prst="rect">
             <a:avLst/>
@@ -21610,7 +18996,7 @@
         <p:spPr>
           <a:xfrm>
             <a:off x="7608600" y="6886080"/>
-            <a:ext cx="2278800" cy="358560"/>
+            <a:ext cx="2278440" cy="358200"/>
           </a:xfrm>
           <a:prstGeom prst="rect">
             <a:avLst/>
@@ -21673,7 +19059,7 @@
         <p:spPr>
           <a:xfrm>
             <a:off x="897120" y="6886080"/>
-            <a:ext cx="6440760" cy="358560"/>
+            <a:ext cx="6440400" cy="358200"/>
           </a:xfrm>
           <a:prstGeom prst="rect">
             <a:avLst/>
@@ -21725,7 +19111,7 @@
         <p:spPr>
           <a:xfrm>
             <a:off x="360000" y="1764000"/>
-            <a:ext cx="9307800" cy="4673520"/>
+            <a:ext cx="9307440" cy="4673160"/>
           </a:xfrm>
           <a:prstGeom prst="rect">
             <a:avLst/>
@@ -22174,7 +19560,7 @@
         <p:spPr>
           <a:xfrm>
             <a:off x="2700000" y="4673520"/>
-            <a:ext cx="5315760" cy="1620000"/>
+            <a:ext cx="5315400" cy="1619640"/>
           </a:xfrm>
           <a:prstGeom prst="rect">
             <a:avLst/>

--- a/AprendizadoMaquina/Tópico 04 - Deep Learning/Tópico 04 - Deep Learning - Redes Recorrentes.pptx
+++ b/AprendizadoMaquina/Tópico 04 - Deep Learning/Tópico 04 - Deep Learning - Redes Recorrentes.pptx
@@ -310,7 +310,7 @@
             <a:pPr algn="r">
               <a:buNone/>
             </a:pPr>
-            <a:fld id="{6A73175A-41FE-44DB-85D7-7CFE8FADCF64}" type="slidenum">
+            <a:fld id="{AA62E217-1BA8-486B-9469-3F7401FAA2FE}" type="slidenum">
               <a:rPr b="0" lang="pt-BR" sz="1400" spc="-1" strike="noStrike">
                 <a:latin typeface="Times New Roman"/>
               </a:rPr>
@@ -358,7 +358,7 @@
         <p:spPr>
           <a:xfrm>
             <a:off x="1376280" y="1336680"/>
-            <a:ext cx="4800600" cy="3600360"/>
+            <a:ext cx="4800240" cy="3600000"/>
           </a:xfrm>
           <a:prstGeom prst="rect">
             <a:avLst/>
@@ -381,7 +381,7 @@
         <p:spPr>
           <a:xfrm>
             <a:off x="756000" y="5145120"/>
-            <a:ext cx="6040800" cy="4203000"/>
+            <a:ext cx="6040440" cy="4202640"/>
           </a:xfrm>
           <a:prstGeom prst="rect">
             <a:avLst/>
@@ -411,7 +411,7 @@
         <p:spPr>
           <a:xfrm>
             <a:off x="0" y="10155240"/>
-            <a:ext cx="3269160" cy="529560"/>
+            <a:ext cx="3268800" cy="529200"/>
           </a:xfrm>
           <a:prstGeom prst="rect">
             <a:avLst/>
@@ -489,7 +489,7 @@
         <p:spPr>
           <a:xfrm>
             <a:off x="1376280" y="1336680"/>
-            <a:ext cx="4800600" cy="3600360"/>
+            <a:ext cx="4800240" cy="3600000"/>
           </a:xfrm>
           <a:prstGeom prst="rect">
             <a:avLst/>
@@ -512,7 +512,7 @@
         <p:spPr>
           <a:xfrm>
             <a:off x="756000" y="5145120"/>
-            <a:ext cx="6040800" cy="4203000"/>
+            <a:ext cx="6040440" cy="4202640"/>
           </a:xfrm>
           <a:prstGeom prst="rect">
             <a:avLst/>
@@ -542,7 +542,7 @@
         <p:spPr>
           <a:xfrm>
             <a:off x="0" y="10155240"/>
-            <a:ext cx="3269160" cy="529560"/>
+            <a:ext cx="3268800" cy="529200"/>
           </a:xfrm>
           <a:prstGeom prst="rect">
             <a:avLst/>
@@ -620,7 +620,7 @@
         <p:spPr>
           <a:xfrm>
             <a:off x="1376280" y="1336680"/>
-            <a:ext cx="4800600" cy="3600360"/>
+            <a:ext cx="4800240" cy="3600000"/>
           </a:xfrm>
           <a:prstGeom prst="rect">
             <a:avLst/>
@@ -643,7 +643,7 @@
         <p:spPr>
           <a:xfrm>
             <a:off x="756000" y="5145120"/>
-            <a:ext cx="6040800" cy="4203000"/>
+            <a:ext cx="6040440" cy="4202640"/>
           </a:xfrm>
           <a:prstGeom prst="rect">
             <a:avLst/>
@@ -673,7 +673,7 @@
         <p:spPr>
           <a:xfrm>
             <a:off x="0" y="10155240"/>
-            <a:ext cx="3269160" cy="529560"/>
+            <a:ext cx="3268800" cy="529200"/>
           </a:xfrm>
           <a:prstGeom prst="rect">
             <a:avLst/>
@@ -751,7 +751,7 @@
         <p:spPr>
           <a:xfrm>
             <a:off x="1376280" y="1336680"/>
-            <a:ext cx="4800600" cy="3600360"/>
+            <a:ext cx="4800240" cy="3600000"/>
           </a:xfrm>
           <a:prstGeom prst="rect">
             <a:avLst/>
@@ -774,7 +774,7 @@
         <p:spPr>
           <a:xfrm>
             <a:off x="756000" y="5145120"/>
-            <a:ext cx="6040800" cy="4203000"/>
+            <a:ext cx="6040440" cy="4202640"/>
           </a:xfrm>
           <a:prstGeom prst="rect">
             <a:avLst/>
@@ -804,7 +804,7 @@
         <p:spPr>
           <a:xfrm>
             <a:off x="0" y="10155240"/>
-            <a:ext cx="3269160" cy="529560"/>
+            <a:ext cx="3268800" cy="529200"/>
           </a:xfrm>
           <a:prstGeom prst="rect">
             <a:avLst/>
@@ -882,7 +882,7 @@
         <p:spPr>
           <a:xfrm>
             <a:off x="1376280" y="1336680"/>
-            <a:ext cx="4800600" cy="3600360"/>
+            <a:ext cx="4800240" cy="3600000"/>
           </a:xfrm>
           <a:prstGeom prst="rect">
             <a:avLst/>
@@ -905,7 +905,7 @@
         <p:spPr>
           <a:xfrm>
             <a:off x="756000" y="5145120"/>
-            <a:ext cx="6040800" cy="4203000"/>
+            <a:ext cx="6040440" cy="4202640"/>
           </a:xfrm>
           <a:prstGeom prst="rect">
             <a:avLst/>
@@ -935,7 +935,7 @@
         <p:spPr>
           <a:xfrm>
             <a:off x="0" y="10155240"/>
-            <a:ext cx="3269160" cy="529560"/>
+            <a:ext cx="3268800" cy="529200"/>
           </a:xfrm>
           <a:prstGeom prst="rect">
             <a:avLst/>
@@ -1013,7 +1013,7 @@
         <p:spPr>
           <a:xfrm>
             <a:off x="1376280" y="1336680"/>
-            <a:ext cx="4800600" cy="3600360"/>
+            <a:ext cx="4800240" cy="3600000"/>
           </a:xfrm>
           <a:prstGeom prst="rect">
             <a:avLst/>
@@ -1036,7 +1036,7 @@
         <p:spPr>
           <a:xfrm>
             <a:off x="756000" y="5145120"/>
-            <a:ext cx="6040800" cy="4203000"/>
+            <a:ext cx="6040440" cy="4202640"/>
           </a:xfrm>
           <a:prstGeom prst="rect">
             <a:avLst/>
@@ -1066,7 +1066,7 @@
         <p:spPr>
           <a:xfrm>
             <a:off x="0" y="10155240"/>
-            <a:ext cx="3269160" cy="529560"/>
+            <a:ext cx="3268800" cy="529200"/>
           </a:xfrm>
           <a:prstGeom prst="rect">
             <a:avLst/>
@@ -1144,7 +1144,7 @@
         <p:spPr>
           <a:xfrm>
             <a:off x="1376280" y="1336680"/>
-            <a:ext cx="4800600" cy="3600360"/>
+            <a:ext cx="4800240" cy="3600000"/>
           </a:xfrm>
           <a:prstGeom prst="rect">
             <a:avLst/>
@@ -1167,7 +1167,7 @@
         <p:spPr>
           <a:xfrm>
             <a:off x="756000" y="5145120"/>
-            <a:ext cx="6040800" cy="4203000"/>
+            <a:ext cx="6040440" cy="4202640"/>
           </a:xfrm>
           <a:prstGeom prst="rect">
             <a:avLst/>
@@ -1197,7 +1197,7 @@
         <p:spPr>
           <a:xfrm>
             <a:off x="0" y="10155240"/>
-            <a:ext cx="3269160" cy="529560"/>
+            <a:ext cx="3268800" cy="529200"/>
           </a:xfrm>
           <a:prstGeom prst="rect">
             <a:avLst/>
@@ -1275,7 +1275,7 @@
         <p:spPr>
           <a:xfrm>
             <a:off x="1376280" y="1336680"/>
-            <a:ext cx="4800600" cy="3600360"/>
+            <a:ext cx="4800240" cy="3600000"/>
           </a:xfrm>
           <a:prstGeom prst="rect">
             <a:avLst/>
@@ -1298,7 +1298,7 @@
         <p:spPr>
           <a:xfrm>
             <a:off x="756000" y="5145120"/>
-            <a:ext cx="6040800" cy="4203000"/>
+            <a:ext cx="6040440" cy="4202640"/>
           </a:xfrm>
           <a:prstGeom prst="rect">
             <a:avLst/>
@@ -1328,7 +1328,7 @@
         <p:spPr>
           <a:xfrm>
             <a:off x="0" y="10155240"/>
-            <a:ext cx="3269160" cy="529560"/>
+            <a:ext cx="3268800" cy="529200"/>
           </a:xfrm>
           <a:prstGeom prst="rect">
             <a:avLst/>
@@ -1406,7 +1406,7 @@
         <p:spPr>
           <a:xfrm>
             <a:off x="1376280" y="1336680"/>
-            <a:ext cx="4800600" cy="3600360"/>
+            <a:ext cx="4800240" cy="3600000"/>
           </a:xfrm>
           <a:prstGeom prst="rect">
             <a:avLst/>
@@ -1429,7 +1429,7 @@
         <p:spPr>
           <a:xfrm>
             <a:off x="756000" y="5145120"/>
-            <a:ext cx="6040800" cy="4203000"/>
+            <a:ext cx="6040440" cy="4202640"/>
           </a:xfrm>
           <a:prstGeom prst="rect">
             <a:avLst/>
@@ -1459,7 +1459,7 @@
         <p:spPr>
           <a:xfrm>
             <a:off x="0" y="10155240"/>
-            <a:ext cx="3269160" cy="529560"/>
+            <a:ext cx="3268800" cy="529200"/>
           </a:xfrm>
           <a:prstGeom prst="rect">
             <a:avLst/>
@@ -1537,7 +1537,7 @@
         <p:spPr>
           <a:xfrm>
             <a:off x="1376280" y="1336680"/>
-            <a:ext cx="4800600" cy="3600360"/>
+            <a:ext cx="4800240" cy="3600000"/>
           </a:xfrm>
           <a:prstGeom prst="rect">
             <a:avLst/>
@@ -1560,7 +1560,7 @@
         <p:spPr>
           <a:xfrm>
             <a:off x="756000" y="5145120"/>
-            <a:ext cx="6040800" cy="4203000"/>
+            <a:ext cx="6040440" cy="4202640"/>
           </a:xfrm>
           <a:prstGeom prst="rect">
             <a:avLst/>
@@ -1590,7 +1590,7 @@
         <p:spPr>
           <a:xfrm>
             <a:off x="0" y="10155240"/>
-            <a:ext cx="3269160" cy="529560"/>
+            <a:ext cx="3268800" cy="529200"/>
           </a:xfrm>
           <a:prstGeom prst="rect">
             <a:avLst/>
@@ -1668,7 +1668,7 @@
         <p:spPr>
           <a:xfrm>
             <a:off x="1376280" y="1336680"/>
-            <a:ext cx="4800600" cy="3600360"/>
+            <a:ext cx="4800240" cy="3600000"/>
           </a:xfrm>
           <a:prstGeom prst="rect">
             <a:avLst/>
@@ -1691,7 +1691,7 @@
         <p:spPr>
           <a:xfrm>
             <a:off x="756000" y="5145120"/>
-            <a:ext cx="6040800" cy="4203000"/>
+            <a:ext cx="6040440" cy="4202640"/>
           </a:xfrm>
           <a:prstGeom prst="rect">
             <a:avLst/>
@@ -1721,7 +1721,7 @@
         <p:spPr>
           <a:xfrm>
             <a:off x="0" y="10155240"/>
-            <a:ext cx="3269160" cy="529560"/>
+            <a:ext cx="3268800" cy="529200"/>
           </a:xfrm>
           <a:prstGeom prst="rect">
             <a:avLst/>
@@ -1799,7 +1799,7 @@
         <p:spPr>
           <a:xfrm>
             <a:off x="1376280" y="1336680"/>
-            <a:ext cx="4800600" cy="3600360"/>
+            <a:ext cx="4800240" cy="3600000"/>
           </a:xfrm>
           <a:prstGeom prst="rect">
             <a:avLst/>
@@ -1822,7 +1822,7 @@
         <p:spPr>
           <a:xfrm>
             <a:off x="756000" y="5145120"/>
-            <a:ext cx="6040800" cy="4203000"/>
+            <a:ext cx="6040440" cy="4202640"/>
           </a:xfrm>
           <a:prstGeom prst="rect">
             <a:avLst/>
@@ -1852,7 +1852,7 @@
         <p:spPr>
           <a:xfrm>
             <a:off x="0" y="10155240"/>
-            <a:ext cx="3269160" cy="529560"/>
+            <a:ext cx="3268800" cy="529200"/>
           </a:xfrm>
           <a:prstGeom prst="rect">
             <a:avLst/>
@@ -1930,7 +1930,7 @@
         <p:spPr>
           <a:xfrm>
             <a:off x="1376280" y="1336680"/>
-            <a:ext cx="4800600" cy="3600360"/>
+            <a:ext cx="4800240" cy="3600000"/>
           </a:xfrm>
           <a:prstGeom prst="rect">
             <a:avLst/>
@@ -1953,7 +1953,7 @@
         <p:spPr>
           <a:xfrm>
             <a:off x="756000" y="5145120"/>
-            <a:ext cx="6040800" cy="4203000"/>
+            <a:ext cx="6040440" cy="4202640"/>
           </a:xfrm>
           <a:prstGeom prst="rect">
             <a:avLst/>
@@ -1983,7 +1983,7 @@
         <p:spPr>
           <a:xfrm>
             <a:off x="0" y="10155240"/>
-            <a:ext cx="3269160" cy="529560"/>
+            <a:ext cx="3268800" cy="529200"/>
           </a:xfrm>
           <a:prstGeom prst="rect">
             <a:avLst/>
@@ -2061,7 +2061,7 @@
         <p:spPr>
           <a:xfrm>
             <a:off x="1376280" y="1336680"/>
-            <a:ext cx="4800600" cy="3600360"/>
+            <a:ext cx="4800240" cy="3600000"/>
           </a:xfrm>
           <a:prstGeom prst="rect">
             <a:avLst/>
@@ -2084,7 +2084,7 @@
         <p:spPr>
           <a:xfrm>
             <a:off x="756000" y="5145120"/>
-            <a:ext cx="6040800" cy="4203000"/>
+            <a:ext cx="6040440" cy="4202640"/>
           </a:xfrm>
           <a:prstGeom prst="rect">
             <a:avLst/>
@@ -2114,7 +2114,7 @@
         <p:spPr>
           <a:xfrm>
             <a:off x="0" y="10155240"/>
-            <a:ext cx="3269160" cy="529560"/>
+            <a:ext cx="3268800" cy="529200"/>
           </a:xfrm>
           <a:prstGeom prst="rect">
             <a:avLst/>
@@ -2192,7 +2192,7 @@
         <p:spPr>
           <a:xfrm>
             <a:off x="1376280" y="1336680"/>
-            <a:ext cx="4800600" cy="3600360"/>
+            <a:ext cx="4800240" cy="3600000"/>
           </a:xfrm>
           <a:prstGeom prst="rect">
             <a:avLst/>
@@ -2215,7 +2215,7 @@
         <p:spPr>
           <a:xfrm>
             <a:off x="756000" y="5145120"/>
-            <a:ext cx="6040800" cy="4203000"/>
+            <a:ext cx="6040440" cy="4202640"/>
           </a:xfrm>
           <a:prstGeom prst="rect">
             <a:avLst/>
@@ -2245,7 +2245,7 @@
         <p:spPr>
           <a:xfrm>
             <a:off x="0" y="10155240"/>
-            <a:ext cx="3269160" cy="529560"/>
+            <a:ext cx="3268800" cy="529200"/>
           </a:xfrm>
           <a:prstGeom prst="rect">
             <a:avLst/>
@@ -2323,7 +2323,7 @@
         <p:spPr>
           <a:xfrm>
             <a:off x="1376280" y="1336680"/>
-            <a:ext cx="4800600" cy="3600360"/>
+            <a:ext cx="4800240" cy="3600000"/>
           </a:xfrm>
           <a:prstGeom prst="rect">
             <a:avLst/>
@@ -2346,7 +2346,7 @@
         <p:spPr>
           <a:xfrm>
             <a:off x="756000" y="5145120"/>
-            <a:ext cx="6040800" cy="4203000"/>
+            <a:ext cx="6040440" cy="4202640"/>
           </a:xfrm>
           <a:prstGeom prst="rect">
             <a:avLst/>
@@ -2376,7 +2376,7 @@
         <p:spPr>
           <a:xfrm>
             <a:off x="0" y="10155240"/>
-            <a:ext cx="3269160" cy="529560"/>
+            <a:ext cx="3268800" cy="529200"/>
           </a:xfrm>
           <a:prstGeom prst="rect">
             <a:avLst/>
@@ -2454,7 +2454,7 @@
         <p:spPr>
           <a:xfrm>
             <a:off x="1376280" y="1336680"/>
-            <a:ext cx="4800600" cy="3600360"/>
+            <a:ext cx="4800240" cy="3600000"/>
           </a:xfrm>
           <a:prstGeom prst="rect">
             <a:avLst/>
@@ -2477,7 +2477,7 @@
         <p:spPr>
           <a:xfrm>
             <a:off x="756000" y="5145120"/>
-            <a:ext cx="6040800" cy="4203000"/>
+            <a:ext cx="6040440" cy="4202640"/>
           </a:xfrm>
           <a:prstGeom prst="rect">
             <a:avLst/>
@@ -2507,7 +2507,7 @@
         <p:spPr>
           <a:xfrm>
             <a:off x="0" y="10155240"/>
-            <a:ext cx="3269160" cy="529560"/>
+            <a:ext cx="3268800" cy="529200"/>
           </a:xfrm>
           <a:prstGeom prst="rect">
             <a:avLst/>
@@ -7160,7 +7160,7 @@
         <p:spPr>
           <a:xfrm>
             <a:off x="0" y="3150000"/>
-            <a:ext cx="9713160" cy="1253160"/>
+            <a:ext cx="9712800" cy="1252800"/>
           </a:xfrm>
           <a:prstGeom prst="rect">
             <a:avLst/>
@@ -7458,7 +7458,7 @@
         <p:spPr>
           <a:xfrm>
             <a:off x="0" y="180000"/>
-            <a:ext cx="9713160" cy="1253160"/>
+            <a:ext cx="9712800" cy="1252800"/>
           </a:xfrm>
           <a:prstGeom prst="rect">
             <a:avLst/>
@@ -7486,7 +7486,7 @@
         <p:spPr>
           <a:xfrm>
             <a:off x="7560000" y="6840000"/>
-            <a:ext cx="2513160" cy="533160"/>
+            <a:ext cx="2512800" cy="532800"/>
           </a:xfrm>
           <a:prstGeom prst="rect">
             <a:avLst/>
@@ -7514,7 +7514,7 @@
         <p:spPr>
           <a:xfrm>
             <a:off x="900000" y="6840000"/>
-            <a:ext cx="6473160" cy="533160"/>
+            <a:ext cx="6472800" cy="532800"/>
           </a:xfrm>
           <a:prstGeom prst="rect">
             <a:avLst/>
@@ -7542,7 +7542,7 @@
         <p:spPr>
           <a:xfrm>
             <a:off x="180000" y="6840000"/>
-            <a:ext cx="533160" cy="533160"/>
+            <a:ext cx="532800" cy="532800"/>
           </a:xfrm>
           <a:prstGeom prst="rect">
             <a:avLst/>
@@ -7838,7 +7838,7 @@
         <p:spPr>
           <a:xfrm>
             <a:off x="0" y="3150000"/>
-            <a:ext cx="9713160" cy="1253160"/>
+            <a:ext cx="9712800" cy="1252800"/>
           </a:xfrm>
           <a:prstGeom prst="rect">
             <a:avLst/>
@@ -8129,7 +8129,7 @@
         <p:spPr>
           <a:xfrm>
             <a:off x="360000" y="3330000"/>
-            <a:ext cx="9353160" cy="893160"/>
+            <a:ext cx="9352800" cy="892800"/>
           </a:xfrm>
           <a:prstGeom prst="rect">
             <a:avLst/>
@@ -8181,7 +8181,7 @@
         <p:spPr>
           <a:xfrm>
             <a:off x="540000" y="4680000"/>
-            <a:ext cx="9173160" cy="2513160"/>
+            <a:ext cx="9172800" cy="2512800"/>
           </a:xfrm>
           <a:prstGeom prst="rect">
             <a:avLst/>
@@ -8386,7 +8386,7 @@
         <p:spPr>
           <a:xfrm>
             <a:off x="360000" y="360000"/>
-            <a:ext cx="9353160" cy="893160"/>
+            <a:ext cx="9352800" cy="892800"/>
           </a:xfrm>
           <a:prstGeom prst="rect">
             <a:avLst/>
@@ -8438,7 +8438,7 @@
         <p:spPr>
           <a:xfrm>
             <a:off x="360000" y="1620000"/>
-            <a:ext cx="9307440" cy="4673160"/>
+            <a:ext cx="9307080" cy="4672800"/>
           </a:xfrm>
           <a:prstGeom prst="rect">
             <a:avLst/>
@@ -8511,7 +8511,7 @@
         <p:spPr>
           <a:xfrm>
             <a:off x="7608600" y="6886080"/>
-            <a:ext cx="2278440" cy="358200"/>
+            <a:ext cx="2278080" cy="357840"/>
           </a:xfrm>
           <a:prstGeom prst="rect">
             <a:avLst/>
@@ -8574,7 +8574,7 @@
         <p:spPr>
           <a:xfrm>
             <a:off x="897120" y="6886080"/>
-            <a:ext cx="6440400" cy="358200"/>
+            <a:ext cx="6440040" cy="357840"/>
           </a:xfrm>
           <a:prstGeom prst="rect">
             <a:avLst/>
@@ -8626,7 +8626,7 @@
         <p:spPr>
           <a:xfrm>
             <a:off x="360000" y="1764000"/>
-            <a:ext cx="9307440" cy="4673160"/>
+            <a:ext cx="9307080" cy="4672800"/>
           </a:xfrm>
           <a:prstGeom prst="rect">
             <a:avLst/>
@@ -8714,30 +8714,7 @@
               </a:lnSpc>
               <a:buNone/>
               <a:tabLst>
-                <a:tab algn="l" pos="206280"/>
-                <a:tab algn="l" pos="663480"/>
-                <a:tab algn="l" pos="1120680"/>
-                <a:tab algn="l" pos="1577880"/>
-                <a:tab algn="l" pos="2035080"/>
-                <a:tab algn="l" pos="2492280"/>
-                <a:tab algn="l" pos="2949480"/>
-                <a:tab algn="l" pos="3406680"/>
-                <a:tab algn="l" pos="3863880"/>
-                <a:tab algn="l" pos="4321080"/>
-                <a:tab algn="l" pos="4778280"/>
-                <a:tab algn="l" pos="5235480"/>
-                <a:tab algn="l" pos="5692680"/>
-                <a:tab algn="l" pos="6149880"/>
-                <a:tab algn="l" pos="6607080"/>
-                <a:tab algn="l" pos="7064280"/>
-                <a:tab algn="l" pos="7521480"/>
-                <a:tab algn="l" pos="7978680"/>
-                <a:tab algn="l" pos="8435880"/>
-                <a:tab algn="l" pos="8893080"/>
-                <a:tab algn="l" pos="9350280"/>
-                <a:tab algn="l" pos="9601200"/>
-                <a:tab algn="l" pos="10058400"/>
-                <a:tab algn="l" pos="10515600"/>
+                <a:tab algn="l" pos="0"/>
               </a:tabLst>
             </a:pPr>
             <a:endParaRPr b="0" lang="pt-BR" sz="1600" spc="-1" strike="noStrike">
@@ -8754,30 +8731,7 @@
               </a:spcAft>
               <a:buNone/>
               <a:tabLst>
-                <a:tab algn="l" pos="206280"/>
-                <a:tab algn="l" pos="663480"/>
-                <a:tab algn="l" pos="1120680"/>
-                <a:tab algn="l" pos="1577880"/>
-                <a:tab algn="l" pos="2035080"/>
-                <a:tab algn="l" pos="2492280"/>
-                <a:tab algn="l" pos="2949480"/>
-                <a:tab algn="l" pos="3406680"/>
-                <a:tab algn="l" pos="3863880"/>
-                <a:tab algn="l" pos="4321080"/>
-                <a:tab algn="l" pos="4778280"/>
-                <a:tab algn="l" pos="5235480"/>
-                <a:tab algn="l" pos="5692680"/>
-                <a:tab algn="l" pos="6149880"/>
-                <a:tab algn="l" pos="6607080"/>
-                <a:tab algn="l" pos="7064280"/>
-                <a:tab algn="l" pos="7521480"/>
-                <a:tab algn="l" pos="7978680"/>
-                <a:tab algn="l" pos="8435880"/>
-                <a:tab algn="l" pos="8893080"/>
-                <a:tab algn="l" pos="9350280"/>
-                <a:tab algn="l" pos="9601200"/>
-                <a:tab algn="l" pos="10058400"/>
-                <a:tab algn="l" pos="10515600"/>
+                <a:tab algn="l" pos="0"/>
               </a:tabLst>
             </a:pPr>
             <a:endParaRPr b="0" lang="pt-BR" sz="2000" spc="-1" strike="noStrike">
@@ -8794,30 +8748,7 @@
               </a:spcAft>
               <a:buNone/>
               <a:tabLst>
-                <a:tab algn="l" pos="206280"/>
-                <a:tab algn="l" pos="663480"/>
-                <a:tab algn="l" pos="1120680"/>
-                <a:tab algn="l" pos="1577880"/>
-                <a:tab algn="l" pos="2035080"/>
-                <a:tab algn="l" pos="2492280"/>
-                <a:tab algn="l" pos="2949480"/>
-                <a:tab algn="l" pos="3406680"/>
-                <a:tab algn="l" pos="3863880"/>
-                <a:tab algn="l" pos="4321080"/>
-                <a:tab algn="l" pos="4778280"/>
-                <a:tab algn="l" pos="5235480"/>
-                <a:tab algn="l" pos="5692680"/>
-                <a:tab algn="l" pos="6149880"/>
-                <a:tab algn="l" pos="6607080"/>
-                <a:tab algn="l" pos="7064280"/>
-                <a:tab algn="l" pos="7521480"/>
-                <a:tab algn="l" pos="7978680"/>
-                <a:tab algn="l" pos="8435880"/>
-                <a:tab algn="l" pos="8893080"/>
-                <a:tab algn="l" pos="9350280"/>
-                <a:tab algn="l" pos="9601200"/>
-                <a:tab algn="l" pos="10058400"/>
-                <a:tab algn="l" pos="10515600"/>
+                <a:tab algn="l" pos="0"/>
               </a:tabLst>
             </a:pPr>
             <a:endParaRPr b="0" lang="pt-BR" sz="2000" spc="-1" strike="noStrike">
@@ -8834,30 +8765,7 @@
               </a:spcAft>
               <a:buNone/>
               <a:tabLst>
-                <a:tab algn="l" pos="206280"/>
-                <a:tab algn="l" pos="663480"/>
-                <a:tab algn="l" pos="1120680"/>
-                <a:tab algn="l" pos="1577880"/>
-                <a:tab algn="l" pos="2035080"/>
-                <a:tab algn="l" pos="2492280"/>
-                <a:tab algn="l" pos="2949480"/>
-                <a:tab algn="l" pos="3406680"/>
-                <a:tab algn="l" pos="3863880"/>
-                <a:tab algn="l" pos="4321080"/>
-                <a:tab algn="l" pos="4778280"/>
-                <a:tab algn="l" pos="5235480"/>
-                <a:tab algn="l" pos="5692680"/>
-                <a:tab algn="l" pos="6149880"/>
-                <a:tab algn="l" pos="6607080"/>
-                <a:tab algn="l" pos="7064280"/>
-                <a:tab algn="l" pos="7521480"/>
-                <a:tab algn="l" pos="7978680"/>
-                <a:tab algn="l" pos="8435880"/>
-                <a:tab algn="l" pos="8893080"/>
-                <a:tab algn="l" pos="9350280"/>
-                <a:tab algn="l" pos="9601200"/>
-                <a:tab algn="l" pos="10058400"/>
-                <a:tab algn="l" pos="10515600"/>
+                <a:tab algn="l" pos="0"/>
               </a:tabLst>
             </a:pPr>
             <a:endParaRPr b="0" lang="pt-BR" sz="2000" spc="-1" strike="noStrike">
@@ -8879,7 +8787,7 @@
         <p:spPr>
           <a:xfrm>
             <a:off x="2087280" y="2201760"/>
-            <a:ext cx="6192360" cy="1937880"/>
+            <a:ext cx="6192000" cy="1937520"/>
           </a:xfrm>
           <a:prstGeom prst="rect">
             <a:avLst/>
@@ -8902,7 +8810,7 @@
         <p:spPr>
           <a:xfrm>
             <a:off x="6617880" y="1047960"/>
-            <a:ext cx="3060000" cy="932400"/>
+            <a:ext cx="3059640" cy="932040"/>
           </a:xfrm>
           <a:prstGeom prst="rect">
             <a:avLst/>
@@ -8926,7 +8834,7 @@
         <p:spPr>
           <a:xfrm>
             <a:off x="3060000" y="4349520"/>
-            <a:ext cx="4649040" cy="2071800"/>
+            <a:ext cx="4648680" cy="2071440"/>
           </a:xfrm>
           <a:prstGeom prst="rect">
             <a:avLst/>
@@ -8945,7 +8853,7 @@
         <p:spPr>
           <a:xfrm>
             <a:off x="3069720" y="4335480"/>
-            <a:ext cx="402480" cy="2077200"/>
+            <a:ext cx="402120" cy="2076840"/>
           </a:xfrm>
           <a:prstGeom prst="rect">
             <a:avLst/>
@@ -9087,7 +8995,7 @@
         <p:spPr>
           <a:xfrm>
             <a:off x="3495600" y="4335480"/>
-            <a:ext cx="402480" cy="2077200"/>
+            <a:ext cx="402120" cy="2076840"/>
           </a:xfrm>
           <a:prstGeom prst="rect">
             <a:avLst/>
@@ -9187,7 +9095,7 @@
         <p:spPr>
           <a:xfrm>
             <a:off x="3920760" y="4335480"/>
-            <a:ext cx="402120" cy="2077200"/>
+            <a:ext cx="401760" cy="2076840"/>
           </a:xfrm>
           <a:prstGeom prst="rect">
             <a:avLst/>
@@ -9287,7 +9195,7 @@
         <p:spPr>
           <a:xfrm>
             <a:off x="4346640" y="4335480"/>
-            <a:ext cx="402480" cy="2077200"/>
+            <a:ext cx="402120" cy="2076840"/>
           </a:xfrm>
           <a:prstGeom prst="rect">
             <a:avLst/>
@@ -9387,7 +9295,7 @@
         <p:spPr>
           <a:xfrm>
             <a:off x="4772160" y="4335480"/>
-            <a:ext cx="402480" cy="2077200"/>
+            <a:ext cx="402120" cy="2076840"/>
           </a:xfrm>
           <a:prstGeom prst="rect">
             <a:avLst/>
@@ -9445,7 +9353,7 @@
         <p:spPr>
           <a:xfrm>
             <a:off x="5201640" y="4344120"/>
-            <a:ext cx="402480" cy="2077200"/>
+            <a:ext cx="402120" cy="2076840"/>
           </a:xfrm>
           <a:prstGeom prst="rect">
             <a:avLst/>
@@ -9587,7 +9495,7 @@
         <p:spPr>
           <a:xfrm>
             <a:off x="5627160" y="4344120"/>
-            <a:ext cx="402480" cy="2077200"/>
+            <a:ext cx="402120" cy="2076840"/>
           </a:xfrm>
           <a:prstGeom prst="rect">
             <a:avLst/>
@@ -9729,7 +9637,7 @@
         <p:spPr>
           <a:xfrm>
             <a:off x="6029280" y="4359960"/>
-            <a:ext cx="402480" cy="2077200"/>
+            <a:ext cx="402120" cy="2076840"/>
           </a:xfrm>
           <a:prstGeom prst="rect">
             <a:avLst/>
@@ -9829,7 +9737,7 @@
         <p:spPr>
           <a:xfrm>
             <a:off x="6455160" y="4359960"/>
-            <a:ext cx="402480" cy="2077200"/>
+            <a:ext cx="402120" cy="2076840"/>
           </a:xfrm>
           <a:prstGeom prst="rect">
             <a:avLst/>
@@ -9887,7 +9795,7 @@
         <p:spPr>
           <a:xfrm>
             <a:off x="6880680" y="4359960"/>
-            <a:ext cx="402480" cy="2077200"/>
+            <a:ext cx="402120" cy="2076840"/>
           </a:xfrm>
           <a:prstGeom prst="rect">
             <a:avLst/>
@@ -9945,7 +9853,7 @@
         <p:spPr>
           <a:xfrm>
             <a:off x="7306560" y="4359960"/>
-            <a:ext cx="402480" cy="2077200"/>
+            <a:ext cx="402120" cy="2076840"/>
           </a:xfrm>
           <a:prstGeom prst="rect">
             <a:avLst/>
@@ -10033,7 +9941,7 @@
         <p:spPr>
           <a:xfrm>
             <a:off x="360000" y="360000"/>
-            <a:ext cx="9353160" cy="893160"/>
+            <a:ext cx="9352800" cy="892800"/>
           </a:xfrm>
           <a:prstGeom prst="rect">
             <a:avLst/>
@@ -10085,7 +9993,7 @@
         <p:spPr>
           <a:xfrm>
             <a:off x="360000" y="1620000"/>
-            <a:ext cx="9307440" cy="4673160"/>
+            <a:ext cx="9307080" cy="4672800"/>
           </a:xfrm>
           <a:prstGeom prst="rect">
             <a:avLst/>
@@ -10158,7 +10066,7 @@
         <p:spPr>
           <a:xfrm>
             <a:off x="7608600" y="6886080"/>
-            <a:ext cx="2278440" cy="358200"/>
+            <a:ext cx="2278080" cy="357840"/>
           </a:xfrm>
           <a:prstGeom prst="rect">
             <a:avLst/>
@@ -10221,7 +10129,7 @@
         <p:spPr>
           <a:xfrm>
             <a:off x="897120" y="6886080"/>
-            <a:ext cx="6440400" cy="358200"/>
+            <a:ext cx="6440040" cy="357840"/>
           </a:xfrm>
           <a:prstGeom prst="rect">
             <a:avLst/>
@@ -10273,7 +10181,7 @@
         <p:spPr>
           <a:xfrm>
             <a:off x="360000" y="1764000"/>
-            <a:ext cx="9307440" cy="4673160"/>
+            <a:ext cx="9307080" cy="4672800"/>
           </a:xfrm>
           <a:prstGeom prst="rect">
             <a:avLst/>
@@ -10594,7 +10502,7 @@
         <p:spPr>
           <a:xfrm>
             <a:off x="2134440" y="2922480"/>
-            <a:ext cx="5785200" cy="3557160"/>
+            <a:ext cx="5784840" cy="3556800"/>
           </a:xfrm>
           <a:prstGeom prst="rect">
             <a:avLst/>
@@ -10617,7 +10525,7 @@
         <p:spPr>
           <a:xfrm>
             <a:off x="6617520" y="1047600"/>
-            <a:ext cx="3060000" cy="932400"/>
+            <a:ext cx="3059640" cy="932040"/>
           </a:xfrm>
           <a:prstGeom prst="rect">
             <a:avLst/>
@@ -10666,7 +10574,7 @@
         <p:spPr>
           <a:xfrm>
             <a:off x="360000" y="360000"/>
-            <a:ext cx="9353160" cy="893160"/>
+            <a:ext cx="9352800" cy="892800"/>
           </a:xfrm>
           <a:prstGeom prst="rect">
             <a:avLst/>
@@ -10718,7 +10626,7 @@
         <p:spPr>
           <a:xfrm>
             <a:off x="360000" y="1620000"/>
-            <a:ext cx="9307440" cy="4673160"/>
+            <a:ext cx="9307080" cy="4672800"/>
           </a:xfrm>
           <a:prstGeom prst="rect">
             <a:avLst/>
@@ -10791,7 +10699,7 @@
         <p:spPr>
           <a:xfrm>
             <a:off x="7608600" y="6886080"/>
-            <a:ext cx="2278440" cy="358200"/>
+            <a:ext cx="2278080" cy="357840"/>
           </a:xfrm>
           <a:prstGeom prst="rect">
             <a:avLst/>
@@ -10854,7 +10762,7 @@
         <p:spPr>
           <a:xfrm>
             <a:off x="897120" y="6886080"/>
-            <a:ext cx="6440400" cy="358200"/>
+            <a:ext cx="6440040" cy="357840"/>
           </a:xfrm>
           <a:prstGeom prst="rect">
             <a:avLst/>
@@ -10906,7 +10814,7 @@
         <p:spPr>
           <a:xfrm>
             <a:off x="360000" y="1764000"/>
-            <a:ext cx="9307440" cy="4673160"/>
+            <a:ext cx="9307080" cy="4672800"/>
           </a:xfrm>
           <a:prstGeom prst="rect">
             <a:avLst/>
@@ -11297,7 +11205,7 @@
         <p:spPr>
           <a:xfrm>
             <a:off x="720000" y="4428000"/>
-            <a:ext cx="5759280" cy="2369160"/>
+            <a:ext cx="5758920" cy="2368800"/>
           </a:xfrm>
           <a:prstGeom prst="rect">
             <a:avLst/>
@@ -11320,7 +11228,7 @@
         <p:spPr>
           <a:xfrm>
             <a:off x="6617520" y="1047600"/>
-            <a:ext cx="3060000" cy="932400"/>
+            <a:ext cx="3059640" cy="932040"/>
           </a:xfrm>
           <a:prstGeom prst="rect">
             <a:avLst/>
@@ -11343,7 +11251,7 @@
         <p:spPr>
           <a:xfrm>
             <a:off x="7200000" y="4813560"/>
-            <a:ext cx="2045160" cy="1623600"/>
+            <a:ext cx="2044800" cy="1623240"/>
           </a:xfrm>
           <a:prstGeom prst="rect">
             <a:avLst/>
@@ -11367,7 +11275,7 @@
         <p:spPr>
           <a:xfrm>
             <a:off x="3240000" y="2602800"/>
-            <a:ext cx="3959640" cy="1896840"/>
+            <a:ext cx="3959280" cy="1896480"/>
           </a:xfrm>
           <a:prstGeom prst="rect">
             <a:avLst/>
@@ -11416,7 +11324,7 @@
         <p:spPr>
           <a:xfrm>
             <a:off x="360000" y="360000"/>
-            <a:ext cx="9353160" cy="893160"/>
+            <a:ext cx="9352800" cy="892800"/>
           </a:xfrm>
           <a:prstGeom prst="rect">
             <a:avLst/>
@@ -11468,7 +11376,7 @@
         <p:spPr>
           <a:xfrm>
             <a:off x="360000" y="1620000"/>
-            <a:ext cx="9307440" cy="4673160"/>
+            <a:ext cx="9307080" cy="4672800"/>
           </a:xfrm>
           <a:prstGeom prst="rect">
             <a:avLst/>
@@ -11541,7 +11449,7 @@
         <p:spPr>
           <a:xfrm>
             <a:off x="7608600" y="6886080"/>
-            <a:ext cx="2278440" cy="358200"/>
+            <a:ext cx="2278080" cy="357840"/>
           </a:xfrm>
           <a:prstGeom prst="rect">
             <a:avLst/>
@@ -11604,7 +11512,7 @@
         <p:spPr>
           <a:xfrm>
             <a:off x="897120" y="6886080"/>
-            <a:ext cx="6440400" cy="358200"/>
+            <a:ext cx="6440040" cy="357840"/>
           </a:xfrm>
           <a:prstGeom prst="rect">
             <a:avLst/>
@@ -11656,7 +11564,7 @@
         <p:spPr>
           <a:xfrm>
             <a:off x="360000" y="1764000"/>
-            <a:ext cx="9307440" cy="4673160"/>
+            <a:ext cx="9307080" cy="4672800"/>
           </a:xfrm>
           <a:prstGeom prst="rect">
             <a:avLst/>
@@ -12075,7 +11983,7 @@
         <p:spPr>
           <a:xfrm>
             <a:off x="6617160" y="1047240"/>
-            <a:ext cx="3060000" cy="932400"/>
+            <a:ext cx="3059640" cy="932040"/>
           </a:xfrm>
           <a:prstGeom prst="rect">
             <a:avLst/>
@@ -12099,7 +12007,7 @@
         <p:spPr>
           <a:xfrm>
             <a:off x="360000" y="3060000"/>
-            <a:ext cx="5255640" cy="1799640"/>
+            <a:ext cx="5255280" cy="1799280"/>
           </a:xfrm>
           <a:prstGeom prst="rect">
             <a:avLst/>
@@ -12122,7 +12030,7 @@
         <p:spPr>
           <a:xfrm>
             <a:off x="5603400" y="4500000"/>
-            <a:ext cx="3936240" cy="2165400"/>
+            <a:ext cx="3935880" cy="2165040"/>
           </a:xfrm>
           <a:prstGeom prst="rect">
             <a:avLst/>
@@ -12171,7 +12079,7 @@
         <p:spPr>
           <a:xfrm>
             <a:off x="360000" y="360000"/>
-            <a:ext cx="9353160" cy="893160"/>
+            <a:ext cx="9352800" cy="892800"/>
           </a:xfrm>
           <a:prstGeom prst="rect">
             <a:avLst/>
@@ -12223,7 +12131,7 @@
         <p:spPr>
           <a:xfrm>
             <a:off x="360000" y="1620000"/>
-            <a:ext cx="9307440" cy="4673160"/>
+            <a:ext cx="9307080" cy="4672800"/>
           </a:xfrm>
           <a:prstGeom prst="rect">
             <a:avLst/>
@@ -12296,7 +12204,7 @@
         <p:spPr>
           <a:xfrm>
             <a:off x="7608600" y="6886080"/>
-            <a:ext cx="2278440" cy="358200"/>
+            <a:ext cx="2278080" cy="357840"/>
           </a:xfrm>
           <a:prstGeom prst="rect">
             <a:avLst/>
@@ -12359,7 +12267,7 @@
         <p:spPr>
           <a:xfrm>
             <a:off x="897120" y="6886080"/>
-            <a:ext cx="6440400" cy="358200"/>
+            <a:ext cx="6440040" cy="357840"/>
           </a:xfrm>
           <a:prstGeom prst="rect">
             <a:avLst/>
@@ -12411,7 +12319,7 @@
         <p:spPr>
           <a:xfrm>
             <a:off x="360000" y="1764000"/>
-            <a:ext cx="9307440" cy="4673160"/>
+            <a:ext cx="9307080" cy="4672800"/>
           </a:xfrm>
           <a:prstGeom prst="rect">
             <a:avLst/>
@@ -12773,7 +12681,7 @@
         <p:spPr>
           <a:xfrm>
             <a:off x="6617160" y="1047240"/>
-            <a:ext cx="3060000" cy="932400"/>
+            <a:ext cx="3059640" cy="932040"/>
           </a:xfrm>
           <a:prstGeom prst="rect">
             <a:avLst/>
@@ -12797,7 +12705,7 @@
         <p:spPr>
           <a:xfrm>
             <a:off x="648360" y="3309120"/>
-            <a:ext cx="4319280" cy="1730520"/>
+            <a:ext cx="4318920" cy="1730160"/>
           </a:xfrm>
           <a:prstGeom prst="rect">
             <a:avLst/>
@@ -12820,7 +12728,7 @@
         <p:spPr>
           <a:xfrm>
             <a:off x="5400000" y="3240000"/>
-            <a:ext cx="3599640" cy="1985400"/>
+            <a:ext cx="3599280" cy="1985040"/>
           </a:xfrm>
           <a:prstGeom prst="rect">
             <a:avLst/>
@@ -12874,7 +12782,7 @@
         <p:spPr>
           <a:xfrm>
             <a:off x="1980000" y="3911040"/>
-            <a:ext cx="6751080" cy="2748600"/>
+            <a:ext cx="6750720" cy="2748240"/>
           </a:xfrm>
           <a:prstGeom prst="rect">
             <a:avLst/>
@@ -12893,7 +12801,7 @@
         <p:spPr>
           <a:xfrm>
             <a:off x="360000" y="360000"/>
-            <a:ext cx="9353160" cy="893160"/>
+            <a:ext cx="9352800" cy="892800"/>
           </a:xfrm>
           <a:prstGeom prst="rect">
             <a:avLst/>
@@ -12945,7 +12853,7 @@
         <p:spPr>
           <a:xfrm>
             <a:off x="360000" y="1620000"/>
-            <a:ext cx="9307440" cy="4673160"/>
+            <a:ext cx="9307080" cy="4672800"/>
           </a:xfrm>
           <a:prstGeom prst="rect">
             <a:avLst/>
@@ -13018,7 +12926,7 @@
         <p:spPr>
           <a:xfrm>
             <a:off x="7608600" y="6886080"/>
-            <a:ext cx="2278440" cy="358200"/>
+            <a:ext cx="2278080" cy="357840"/>
           </a:xfrm>
           <a:prstGeom prst="rect">
             <a:avLst/>
@@ -13081,7 +12989,7 @@
         <p:spPr>
           <a:xfrm>
             <a:off x="897120" y="6886080"/>
-            <a:ext cx="6440400" cy="358200"/>
+            <a:ext cx="6440040" cy="357840"/>
           </a:xfrm>
           <a:prstGeom prst="rect">
             <a:avLst/>
@@ -13133,7 +13041,7 @@
         <p:spPr>
           <a:xfrm>
             <a:off x="360000" y="1440000"/>
-            <a:ext cx="9307440" cy="4673160"/>
+            <a:ext cx="9307080" cy="4672800"/>
           </a:xfrm>
           <a:prstGeom prst="rect">
             <a:avLst/>
@@ -13600,7 +13508,7 @@
         <p:spPr>
           <a:xfrm>
             <a:off x="360000" y="360000"/>
-            <a:ext cx="9353160" cy="893160"/>
+            <a:ext cx="9352800" cy="892800"/>
           </a:xfrm>
           <a:prstGeom prst="rect">
             <a:avLst/>
@@ -13652,7 +13560,7 @@
         <p:spPr>
           <a:xfrm>
             <a:off x="360000" y="1620000"/>
-            <a:ext cx="9307440" cy="4673160"/>
+            <a:ext cx="9307080" cy="4672800"/>
           </a:xfrm>
           <a:prstGeom prst="rect">
             <a:avLst/>
@@ -13725,7 +13633,7 @@
         <p:spPr>
           <a:xfrm>
             <a:off x="7608600" y="6886080"/>
-            <a:ext cx="2278440" cy="358200"/>
+            <a:ext cx="2278080" cy="357840"/>
           </a:xfrm>
           <a:prstGeom prst="rect">
             <a:avLst/>
@@ -13788,7 +13696,7 @@
         <p:spPr>
           <a:xfrm>
             <a:off x="897120" y="6886080"/>
-            <a:ext cx="6440400" cy="358200"/>
+            <a:ext cx="6440040" cy="357840"/>
           </a:xfrm>
           <a:prstGeom prst="rect">
             <a:avLst/>
@@ -13840,7 +13748,7 @@
         <p:spPr>
           <a:xfrm>
             <a:off x="360000" y="1440000"/>
-            <a:ext cx="9307440" cy="4673160"/>
+            <a:ext cx="9307080" cy="4672800"/>
           </a:xfrm>
           <a:prstGeom prst="rect">
             <a:avLst/>
@@ -14247,7 +14155,7 @@
         <p:spPr>
           <a:xfrm>
             <a:off x="3240000" y="2052000"/>
-            <a:ext cx="6299640" cy="4739760"/>
+            <a:ext cx="6299280" cy="4739400"/>
           </a:xfrm>
           <a:prstGeom prst="rect">
             <a:avLst/>
@@ -14271,7 +14179,7 @@
         <p:spPr>
           <a:xfrm>
             <a:off x="6660000" y="965520"/>
-            <a:ext cx="3007440" cy="906120"/>
+            <a:ext cx="3007080" cy="905760"/>
           </a:xfrm>
           <a:prstGeom prst="rect">
             <a:avLst/>
@@ -14290,7 +14198,7 @@
         <p:spPr>
           <a:xfrm>
             <a:off x="7545960" y="975960"/>
-            <a:ext cx="1175760" cy="895320"/>
+            <a:ext cx="1175400" cy="894960"/>
           </a:xfrm>
           <a:prstGeom prst="rect">
             <a:avLst/>
@@ -14352,7 +14260,7 @@
         <p:spPr>
           <a:xfrm>
             <a:off x="360000" y="360000"/>
-            <a:ext cx="9353160" cy="893160"/>
+            <a:ext cx="9352800" cy="892800"/>
           </a:xfrm>
           <a:prstGeom prst="rect">
             <a:avLst/>
@@ -14404,7 +14312,7 @@
         <p:spPr>
           <a:xfrm>
             <a:off x="360000" y="1620000"/>
-            <a:ext cx="9307440" cy="4673160"/>
+            <a:ext cx="9307080" cy="4672800"/>
           </a:xfrm>
           <a:prstGeom prst="rect">
             <a:avLst/>
@@ -14477,7 +14385,7 @@
         <p:spPr>
           <a:xfrm>
             <a:off x="7608600" y="6886080"/>
-            <a:ext cx="2278440" cy="358200"/>
+            <a:ext cx="2278080" cy="357840"/>
           </a:xfrm>
           <a:prstGeom prst="rect">
             <a:avLst/>
@@ -14540,7 +14448,7 @@
         <p:spPr>
           <a:xfrm>
             <a:off x="897120" y="6886080"/>
-            <a:ext cx="6440400" cy="358200"/>
+            <a:ext cx="6440040" cy="357840"/>
           </a:xfrm>
           <a:prstGeom prst="rect">
             <a:avLst/>
@@ -14592,7 +14500,7 @@
         <p:spPr>
           <a:xfrm>
             <a:off x="360000" y="1440000"/>
-            <a:ext cx="9307440" cy="4673160"/>
+            <a:ext cx="9307080" cy="4672800"/>
           </a:xfrm>
           <a:prstGeom prst="rect">
             <a:avLst/>
@@ -14673,7 +14581,7 @@
             <a:r>
               <a:rPr b="0" lang="pt-BR" sz="1800" spc="-1" strike="noStrike" u="sng">
                 <a:solidFill>
-                  <a:srgbClr val="5983b0"/>
+                  <a:srgbClr val="0000ff"/>
                 </a:solidFill>
                 <a:uFillTx/>
                 <a:latin typeface="Calibri"/>
@@ -14683,207 +14591,6 @@
               <a:t>[LINK]</a:t>
             </a:r>
             <a:endParaRPr b="0" lang="pt-BR" sz="1800" spc="-1" strike="noStrike">
-              <a:latin typeface="Arial"/>
-            </a:endParaRPr>
-          </a:p>
-          <a:p>
-            <a:pPr>
-              <a:lnSpc>
-                <a:spcPct val="100000"/>
-              </a:lnSpc>
-              <a:spcAft>
-                <a:spcPts val="1140"/>
-              </a:spcAft>
-              <a:buNone/>
-            </a:pPr>
-            <a:endParaRPr b="0" lang="pt-BR" sz="2000" spc="-1" strike="noStrike">
-              <a:latin typeface="Arial"/>
-            </a:endParaRPr>
-          </a:p>
-          <a:p>
-            <a:pPr>
-              <a:lnSpc>
-                <a:spcPct val="100000"/>
-              </a:lnSpc>
-              <a:spcAft>
-                <a:spcPts val="1140"/>
-              </a:spcAft>
-              <a:buNone/>
-            </a:pPr>
-            <a:endParaRPr b="0" lang="pt-BR" sz="2000" spc="-1" strike="noStrike">
-              <a:latin typeface="Arial"/>
-            </a:endParaRPr>
-          </a:p>
-          <a:p>
-            <a:pPr>
-              <a:lnSpc>
-                <a:spcPct val="100000"/>
-              </a:lnSpc>
-              <a:spcAft>
-                <a:spcPts val="1140"/>
-              </a:spcAft>
-              <a:buNone/>
-            </a:pPr>
-            <a:endParaRPr b="0" lang="pt-BR" sz="2000" spc="-1" strike="noStrike">
-              <a:latin typeface="Arial"/>
-            </a:endParaRPr>
-          </a:p>
-          <a:p>
-            <a:pPr>
-              <a:lnSpc>
-                <a:spcPct val="100000"/>
-              </a:lnSpc>
-              <a:spcAft>
-                <a:spcPts val="1140"/>
-              </a:spcAft>
-              <a:buNone/>
-            </a:pPr>
-            <a:endParaRPr b="0" lang="pt-BR" sz="2000" spc="-1" strike="noStrike">
-              <a:latin typeface="Arial"/>
-            </a:endParaRPr>
-          </a:p>
-          <a:p>
-            <a:pPr>
-              <a:lnSpc>
-                <a:spcPct val="100000"/>
-              </a:lnSpc>
-              <a:spcAft>
-                <a:spcPts val="1140"/>
-              </a:spcAft>
-              <a:buNone/>
-            </a:pPr>
-            <a:endParaRPr b="0" lang="pt-BR" sz="2000" spc="-1" strike="noStrike">
-              <a:latin typeface="Arial"/>
-            </a:endParaRPr>
-          </a:p>
-          <a:p>
-            <a:pPr>
-              <a:lnSpc>
-                <a:spcPct val="100000"/>
-              </a:lnSpc>
-              <a:spcAft>
-                <a:spcPts val="1140"/>
-              </a:spcAft>
-              <a:buNone/>
-            </a:pPr>
-            <a:endParaRPr b="0" lang="pt-BR" sz="2000" spc="-1" strike="noStrike">
-              <a:latin typeface="Arial"/>
-            </a:endParaRPr>
-          </a:p>
-          <a:p>
-            <a:pPr>
-              <a:lnSpc>
-                <a:spcPct val="94000"/>
-              </a:lnSpc>
-              <a:buNone/>
-              <a:tabLst>
-                <a:tab algn="l" pos="206280"/>
-                <a:tab algn="l" pos="663480"/>
-                <a:tab algn="l" pos="1120680"/>
-                <a:tab algn="l" pos="1577880"/>
-                <a:tab algn="l" pos="2035080"/>
-                <a:tab algn="l" pos="2492280"/>
-                <a:tab algn="l" pos="2949480"/>
-                <a:tab algn="l" pos="3406680"/>
-                <a:tab algn="l" pos="3863880"/>
-                <a:tab algn="l" pos="4321080"/>
-                <a:tab algn="l" pos="4778280"/>
-                <a:tab algn="l" pos="5235480"/>
-                <a:tab algn="l" pos="5692680"/>
-                <a:tab algn="l" pos="6149880"/>
-                <a:tab algn="l" pos="6607080"/>
-                <a:tab algn="l" pos="7064280"/>
-                <a:tab algn="l" pos="7521480"/>
-                <a:tab algn="l" pos="7978680"/>
-                <a:tab algn="l" pos="8435880"/>
-                <a:tab algn="l" pos="8893080"/>
-                <a:tab algn="l" pos="9350280"/>
-                <a:tab algn="l" pos="9601200"/>
-                <a:tab algn="l" pos="10058400"/>
-                <a:tab algn="l" pos="10515600"/>
-              </a:tabLst>
-            </a:pPr>
-            <a:endParaRPr b="0" lang="pt-BR" sz="1600" spc="-1" strike="noStrike">
-              <a:latin typeface="Arial"/>
-            </a:endParaRPr>
-          </a:p>
-          <a:p>
-            <a:pPr>
-              <a:lnSpc>
-                <a:spcPct val="100000"/>
-              </a:lnSpc>
-              <a:spcAft>
-                <a:spcPts val="1140"/>
-              </a:spcAft>
-              <a:buNone/>
-              <a:tabLst>
-                <a:tab algn="l" pos="206280"/>
-                <a:tab algn="l" pos="663480"/>
-                <a:tab algn="l" pos="1120680"/>
-                <a:tab algn="l" pos="1577880"/>
-                <a:tab algn="l" pos="2035080"/>
-                <a:tab algn="l" pos="2492280"/>
-                <a:tab algn="l" pos="2949480"/>
-                <a:tab algn="l" pos="3406680"/>
-                <a:tab algn="l" pos="3863880"/>
-                <a:tab algn="l" pos="4321080"/>
-                <a:tab algn="l" pos="4778280"/>
-                <a:tab algn="l" pos="5235480"/>
-                <a:tab algn="l" pos="5692680"/>
-                <a:tab algn="l" pos="6149880"/>
-                <a:tab algn="l" pos="6607080"/>
-                <a:tab algn="l" pos="7064280"/>
-                <a:tab algn="l" pos="7521480"/>
-                <a:tab algn="l" pos="7978680"/>
-                <a:tab algn="l" pos="8435880"/>
-                <a:tab algn="l" pos="8893080"/>
-                <a:tab algn="l" pos="9350280"/>
-                <a:tab algn="l" pos="9601200"/>
-                <a:tab algn="l" pos="10058400"/>
-                <a:tab algn="l" pos="10515600"/>
-              </a:tabLst>
-            </a:pPr>
-            <a:endParaRPr b="0" lang="pt-BR" sz="2000" spc="-1" strike="noStrike">
-              <a:latin typeface="Arial"/>
-            </a:endParaRPr>
-          </a:p>
-          <a:p>
-            <a:pPr>
-              <a:lnSpc>
-                <a:spcPct val="100000"/>
-              </a:lnSpc>
-              <a:spcAft>
-                <a:spcPts val="1140"/>
-              </a:spcAft>
-              <a:buNone/>
-              <a:tabLst>
-                <a:tab algn="l" pos="206280"/>
-                <a:tab algn="l" pos="663480"/>
-                <a:tab algn="l" pos="1120680"/>
-                <a:tab algn="l" pos="1577880"/>
-                <a:tab algn="l" pos="2035080"/>
-                <a:tab algn="l" pos="2492280"/>
-                <a:tab algn="l" pos="2949480"/>
-                <a:tab algn="l" pos="3406680"/>
-                <a:tab algn="l" pos="3863880"/>
-                <a:tab algn="l" pos="4321080"/>
-                <a:tab algn="l" pos="4778280"/>
-                <a:tab algn="l" pos="5235480"/>
-                <a:tab algn="l" pos="5692680"/>
-                <a:tab algn="l" pos="6149880"/>
-                <a:tab algn="l" pos="6607080"/>
-                <a:tab algn="l" pos="7064280"/>
-                <a:tab algn="l" pos="7521480"/>
-                <a:tab algn="l" pos="7978680"/>
-                <a:tab algn="l" pos="8435880"/>
-                <a:tab algn="l" pos="8893080"/>
-                <a:tab algn="l" pos="9350280"/>
-                <a:tab algn="l" pos="9601200"/>
-                <a:tab algn="l" pos="10058400"/>
-                <a:tab algn="l" pos="10515600"/>
-              </a:tabLst>
-            </a:pPr>
-            <a:endParaRPr b="0" lang="pt-BR" sz="2000" spc="-1" strike="noStrike">
               <a:latin typeface="Arial"/>
             </a:endParaRPr>
           </a:p>
@@ -14968,7 +14675,7 @@
         <p:spPr>
           <a:xfrm>
             <a:off x="360000" y="360000"/>
-            <a:ext cx="9353160" cy="893160"/>
+            <a:ext cx="9352800" cy="892800"/>
           </a:xfrm>
           <a:prstGeom prst="rect">
             <a:avLst/>
@@ -15020,7 +14727,7 @@
         <p:spPr>
           <a:xfrm>
             <a:off x="360000" y="1980000"/>
-            <a:ext cx="9173160" cy="4673160"/>
+            <a:ext cx="9172800" cy="4672800"/>
           </a:xfrm>
           <a:prstGeom prst="rect">
             <a:avLst/>
@@ -15206,7 +14913,7 @@
         <p:spPr>
           <a:xfrm>
             <a:off x="7608600" y="6886080"/>
-            <a:ext cx="2278440" cy="358200"/>
+            <a:ext cx="2278080" cy="357840"/>
           </a:xfrm>
           <a:prstGeom prst="rect">
             <a:avLst/>
@@ -15269,7 +14976,7 @@
         <p:spPr>
           <a:xfrm>
             <a:off x="897120" y="6886080"/>
-            <a:ext cx="6440400" cy="358200"/>
+            <a:ext cx="6440040" cy="357840"/>
           </a:xfrm>
           <a:prstGeom prst="rect">
             <a:avLst/>
@@ -15325,7 +15032,7 @@
         <p:spPr>
           <a:xfrm>
             <a:off x="1602360" y="4148280"/>
-            <a:ext cx="7423200" cy="2212920"/>
+            <a:ext cx="7422840" cy="2212560"/>
           </a:xfrm>
           <a:prstGeom prst="rect">
             <a:avLst/>
@@ -15348,7 +15055,7 @@
         <p:spPr>
           <a:xfrm>
             <a:off x="3333240" y="5918760"/>
-            <a:ext cx="413640" cy="442440"/>
+            <a:ext cx="413280" cy="442080"/>
           </a:xfrm>
           <a:prstGeom prst="rect">
             <a:avLst/>
@@ -15371,7 +15078,7 @@
         <p:spPr>
           <a:xfrm>
             <a:off x="3837600" y="5919120"/>
-            <a:ext cx="413640" cy="442440"/>
+            <a:ext cx="413280" cy="442080"/>
           </a:xfrm>
           <a:prstGeom prst="rect">
             <a:avLst/>
@@ -15394,7 +15101,7 @@
         <p:spPr>
           <a:xfrm>
             <a:off x="4377960" y="5919480"/>
-            <a:ext cx="413640" cy="442440"/>
+            <a:ext cx="413280" cy="442080"/>
           </a:xfrm>
           <a:prstGeom prst="rect">
             <a:avLst/>
@@ -15417,7 +15124,7 @@
         <p:spPr>
           <a:xfrm>
             <a:off x="4918320" y="5919840"/>
-            <a:ext cx="413640" cy="442440"/>
+            <a:ext cx="413280" cy="442080"/>
           </a:xfrm>
           <a:prstGeom prst="rect">
             <a:avLst/>
@@ -15440,7 +15147,7 @@
         <p:spPr>
           <a:xfrm>
             <a:off x="5494680" y="5918760"/>
-            <a:ext cx="413640" cy="442440"/>
+            <a:ext cx="413280" cy="442080"/>
           </a:xfrm>
           <a:prstGeom prst="rect">
             <a:avLst/>
@@ -15463,7 +15170,7 @@
         <p:spPr>
           <a:xfrm>
             <a:off x="6048360" y="5926680"/>
-            <a:ext cx="413640" cy="442440"/>
+            <a:ext cx="413280" cy="442080"/>
           </a:xfrm>
           <a:prstGeom prst="rect">
             <a:avLst/>
@@ -15486,7 +15193,7 @@
         <p:spPr>
           <a:xfrm>
             <a:off x="6627240" y="5919840"/>
-            <a:ext cx="413640" cy="442440"/>
+            <a:ext cx="413280" cy="442080"/>
           </a:xfrm>
           <a:prstGeom prst="rect">
             <a:avLst/>
@@ -15509,7 +15216,7 @@
         <p:spPr>
           <a:xfrm>
             <a:off x="7175160" y="5932800"/>
-            <a:ext cx="413640" cy="442440"/>
+            <a:ext cx="413280" cy="442080"/>
           </a:xfrm>
           <a:prstGeom prst="rect">
             <a:avLst/>
@@ -15558,7 +15265,7 @@
         <p:spPr>
           <a:xfrm>
             <a:off x="360000" y="360000"/>
-            <a:ext cx="9353160" cy="893160"/>
+            <a:ext cx="9352800" cy="892800"/>
           </a:xfrm>
           <a:prstGeom prst="rect">
             <a:avLst/>
@@ -15610,7 +15317,7 @@
         <p:spPr>
           <a:xfrm>
             <a:off x="360000" y="1620000"/>
-            <a:ext cx="9307440" cy="4673160"/>
+            <a:ext cx="9307080" cy="4672800"/>
           </a:xfrm>
           <a:prstGeom prst="rect">
             <a:avLst/>
@@ -15871,7 +15578,7 @@
         <p:spPr>
           <a:xfrm>
             <a:off x="7608600" y="6886080"/>
-            <a:ext cx="2278440" cy="358200"/>
+            <a:ext cx="2278080" cy="357840"/>
           </a:xfrm>
           <a:prstGeom prst="rect">
             <a:avLst/>
@@ -15934,7 +15641,7 @@
         <p:spPr>
           <a:xfrm>
             <a:off x="897120" y="6886080"/>
-            <a:ext cx="6440400" cy="358200"/>
+            <a:ext cx="6440040" cy="357840"/>
           </a:xfrm>
           <a:prstGeom prst="rect">
             <a:avLst/>
@@ -15990,7 +15697,7 @@
         <p:spPr>
           <a:xfrm>
             <a:off x="1947960" y="3390120"/>
-            <a:ext cx="6331680" cy="2903040"/>
+            <a:ext cx="6331320" cy="2902680"/>
           </a:xfrm>
           <a:prstGeom prst="rect">
             <a:avLst/>
@@ -16039,7 +15746,7 @@
         <p:spPr>
           <a:xfrm>
             <a:off x="360000" y="360000"/>
-            <a:ext cx="9353160" cy="893160"/>
+            <a:ext cx="9352800" cy="892800"/>
           </a:xfrm>
           <a:prstGeom prst="rect">
             <a:avLst/>
@@ -16091,7 +15798,7 @@
         <p:spPr>
           <a:xfrm>
             <a:off x="360000" y="1620000"/>
-            <a:ext cx="9307440" cy="4673160"/>
+            <a:ext cx="9307080" cy="4672800"/>
           </a:xfrm>
           <a:prstGeom prst="rect">
             <a:avLst/>
@@ -16164,7 +15871,7 @@
         <p:spPr>
           <a:xfrm>
             <a:off x="7608600" y="6886080"/>
-            <a:ext cx="2278440" cy="358200"/>
+            <a:ext cx="2278080" cy="357840"/>
           </a:xfrm>
           <a:prstGeom prst="rect">
             <a:avLst/>
@@ -16227,7 +15934,7 @@
         <p:spPr>
           <a:xfrm>
             <a:off x="897120" y="6886080"/>
-            <a:ext cx="6440400" cy="358200"/>
+            <a:ext cx="6440040" cy="357840"/>
           </a:xfrm>
           <a:prstGeom prst="rect">
             <a:avLst/>
@@ -16284,7 +15991,7 @@
         <p:spPr>
           <a:xfrm>
             <a:off x="251280" y="1687320"/>
-            <a:ext cx="4464360" cy="2970000"/>
+            <a:ext cx="4464000" cy="2969640"/>
           </a:xfrm>
           <a:prstGeom prst="rect">
             <a:avLst/>
@@ -16307,7 +16014,7 @@
         <p:spPr>
           <a:xfrm>
             <a:off x="2166480" y="5114520"/>
-            <a:ext cx="6617520" cy="1477800"/>
+            <a:ext cx="6617160" cy="1477440"/>
           </a:xfrm>
           <a:prstGeom prst="rect">
             <a:avLst/>
@@ -16330,7 +16037,7 @@
         <p:spPr>
           <a:xfrm>
             <a:off x="5094000" y="1704600"/>
-            <a:ext cx="4500000" cy="2952360"/>
+            <a:ext cx="4499640" cy="2952000"/>
           </a:xfrm>
           <a:prstGeom prst="rect">
             <a:avLst/>
@@ -16379,7 +16086,7 @@
         <p:spPr>
           <a:xfrm>
             <a:off x="360000" y="360000"/>
-            <a:ext cx="9353160" cy="893160"/>
+            <a:ext cx="9352800" cy="892800"/>
           </a:xfrm>
           <a:prstGeom prst="rect">
             <a:avLst/>
@@ -16431,7 +16138,7 @@
         <p:spPr>
           <a:xfrm>
             <a:off x="360000" y="1620000"/>
-            <a:ext cx="9307440" cy="4673160"/>
+            <a:ext cx="9307080" cy="4672800"/>
           </a:xfrm>
           <a:prstGeom prst="rect">
             <a:avLst/>
@@ -16504,7 +16211,7 @@
         <p:spPr>
           <a:xfrm>
             <a:off x="7608600" y="6886080"/>
-            <a:ext cx="2278440" cy="358200"/>
+            <a:ext cx="2278080" cy="357840"/>
           </a:xfrm>
           <a:prstGeom prst="rect">
             <a:avLst/>
@@ -16567,7 +16274,7 @@
         <p:spPr>
           <a:xfrm>
             <a:off x="897120" y="6886080"/>
-            <a:ext cx="6440400" cy="358200"/>
+            <a:ext cx="6440040" cy="357840"/>
           </a:xfrm>
           <a:prstGeom prst="rect">
             <a:avLst/>
@@ -16624,7 +16331,7 @@
         <p:spPr>
           <a:xfrm>
             <a:off x="2340000" y="1440000"/>
-            <a:ext cx="5759280" cy="5392800"/>
+            <a:ext cx="5758920" cy="5392440"/>
           </a:xfrm>
           <a:prstGeom prst="rect">
             <a:avLst/>
@@ -16678,7 +16385,7 @@
         <p:spPr>
           <a:xfrm>
             <a:off x="5245200" y="1056600"/>
-            <a:ext cx="4329000" cy="3169440"/>
+            <a:ext cx="4328640" cy="3169080"/>
           </a:xfrm>
           <a:prstGeom prst="rect">
             <a:avLst/>
@@ -16697,7 +16404,7 @@
         <p:spPr>
           <a:xfrm>
             <a:off x="360000" y="360000"/>
-            <a:ext cx="9353160" cy="893160"/>
+            <a:ext cx="9352800" cy="892800"/>
           </a:xfrm>
           <a:prstGeom prst="rect">
             <a:avLst/>
@@ -16749,7 +16456,7 @@
         <p:spPr>
           <a:xfrm>
             <a:off x="360000" y="1980000"/>
-            <a:ext cx="4727520" cy="4673160"/>
+            <a:ext cx="4727160" cy="4672800"/>
           </a:xfrm>
           <a:prstGeom prst="rect">
             <a:avLst/>
@@ -16996,7 +16703,7 @@
         <p:spPr>
           <a:xfrm>
             <a:off x="7608600" y="6886080"/>
-            <a:ext cx="2278440" cy="358200"/>
+            <a:ext cx="2278080" cy="357840"/>
           </a:xfrm>
           <a:prstGeom prst="rect">
             <a:avLst/>
@@ -17059,7 +16766,7 @@
         <p:spPr>
           <a:xfrm>
             <a:off x="897120" y="6886080"/>
-            <a:ext cx="6440400" cy="358200"/>
+            <a:ext cx="6440040" cy="357840"/>
           </a:xfrm>
           <a:prstGeom prst="rect">
             <a:avLst/>
@@ -17111,7 +16818,7 @@
         <p:spPr>
           <a:xfrm>
             <a:off x="5287680" y="1141920"/>
-            <a:ext cx="374400" cy="3052080"/>
+            <a:ext cx="374040" cy="3051720"/>
           </a:xfrm>
           <a:prstGeom prst="rect">
             <a:avLst/>
@@ -17253,7 +16960,7 @@
         <p:spPr>
           <a:xfrm>
             <a:off x="5683680" y="1141920"/>
-            <a:ext cx="374400" cy="3052080"/>
+            <a:ext cx="374040" cy="3051720"/>
           </a:xfrm>
           <a:prstGeom prst="rect">
             <a:avLst/>
@@ -17353,7 +17060,7 @@
         <p:spPr>
           <a:xfrm>
             <a:off x="6079680" y="1141920"/>
-            <a:ext cx="374400" cy="3052080"/>
+            <a:ext cx="374040" cy="3051720"/>
           </a:xfrm>
           <a:prstGeom prst="rect">
             <a:avLst/>
@@ -17453,7 +17160,7 @@
         <p:spPr>
           <a:xfrm>
             <a:off x="6475680" y="1141920"/>
-            <a:ext cx="374400" cy="3052080"/>
+            <a:ext cx="374040" cy="3051720"/>
           </a:xfrm>
           <a:prstGeom prst="rect">
             <a:avLst/>
@@ -17553,7 +17260,7 @@
         <p:spPr>
           <a:xfrm>
             <a:off x="6871680" y="1141920"/>
-            <a:ext cx="374400" cy="3052080"/>
+            <a:ext cx="374040" cy="3051720"/>
           </a:xfrm>
           <a:prstGeom prst="rect">
             <a:avLst/>
@@ -17611,7 +17318,7 @@
         <p:spPr>
           <a:xfrm>
             <a:off x="7270920" y="1154880"/>
-            <a:ext cx="374400" cy="3052080"/>
+            <a:ext cx="374040" cy="3051720"/>
           </a:xfrm>
           <a:prstGeom prst="rect">
             <a:avLst/>
@@ -17753,7 +17460,7 @@
         <p:spPr>
           <a:xfrm>
             <a:off x="7666920" y="1154880"/>
-            <a:ext cx="374400" cy="3052080"/>
+            <a:ext cx="374040" cy="3051720"/>
           </a:xfrm>
           <a:prstGeom prst="rect">
             <a:avLst/>
@@ -17895,7 +17602,7 @@
         <p:spPr>
           <a:xfrm>
             <a:off x="8041320" y="1177920"/>
-            <a:ext cx="374400" cy="3052080"/>
+            <a:ext cx="374040" cy="3051720"/>
           </a:xfrm>
           <a:prstGeom prst="rect">
             <a:avLst/>
@@ -17995,7 +17702,7 @@
         <p:spPr>
           <a:xfrm>
             <a:off x="8437320" y="1177920"/>
-            <a:ext cx="374400" cy="3052080"/>
+            <a:ext cx="374040" cy="3051720"/>
           </a:xfrm>
           <a:prstGeom prst="rect">
             <a:avLst/>
@@ -18053,7 +17760,7 @@
         <p:spPr>
           <a:xfrm>
             <a:off x="8833320" y="1177920"/>
-            <a:ext cx="374400" cy="3052080"/>
+            <a:ext cx="374040" cy="3051720"/>
           </a:xfrm>
           <a:prstGeom prst="rect">
             <a:avLst/>
@@ -18111,7 +17818,7 @@
         <p:spPr>
           <a:xfrm>
             <a:off x="9229320" y="1177920"/>
-            <a:ext cx="374400" cy="3052080"/>
+            <a:ext cx="374040" cy="3051720"/>
           </a:xfrm>
           <a:prstGeom prst="rect">
             <a:avLst/>
@@ -18173,7 +17880,7 @@
         <p:spPr>
           <a:xfrm>
             <a:off x="3940560" y="4994640"/>
-            <a:ext cx="5630040" cy="1203480"/>
+            <a:ext cx="5629680" cy="1203120"/>
           </a:xfrm>
           <a:prstGeom prst="rect">
             <a:avLst/>
@@ -18222,7 +17929,7 @@
         <p:spPr>
           <a:xfrm>
             <a:off x="360000" y="3330000"/>
-            <a:ext cx="9353160" cy="893160"/>
+            <a:ext cx="9352800" cy="892800"/>
           </a:xfrm>
           <a:prstGeom prst="rect">
             <a:avLst/>
@@ -18304,7 +18011,7 @@
         <p:spPr>
           <a:xfrm>
             <a:off x="360000" y="360000"/>
-            <a:ext cx="9353160" cy="893160"/>
+            <a:ext cx="9352800" cy="892800"/>
           </a:xfrm>
           <a:prstGeom prst="rect">
             <a:avLst/>
@@ -18356,7 +18063,7 @@
         <p:spPr>
           <a:xfrm>
             <a:off x="360000" y="1620000"/>
-            <a:ext cx="9307440" cy="4673160"/>
+            <a:ext cx="9307080" cy="4672800"/>
           </a:xfrm>
           <a:prstGeom prst="rect">
             <a:avLst/>
@@ -18429,7 +18136,7 @@
         <p:spPr>
           <a:xfrm>
             <a:off x="7608600" y="6886080"/>
-            <a:ext cx="2278440" cy="358200"/>
+            <a:ext cx="2278080" cy="357840"/>
           </a:xfrm>
           <a:prstGeom prst="rect">
             <a:avLst/>
@@ -18492,7 +18199,7 @@
         <p:spPr>
           <a:xfrm>
             <a:off x="897120" y="6886080"/>
-            <a:ext cx="6440400" cy="358200"/>
+            <a:ext cx="6440040" cy="357840"/>
           </a:xfrm>
           <a:prstGeom prst="rect">
             <a:avLst/>
@@ -18544,7 +18251,7 @@
         <p:spPr>
           <a:xfrm>
             <a:off x="360000" y="1764000"/>
-            <a:ext cx="9307440" cy="4673160"/>
+            <a:ext cx="9307080" cy="4672800"/>
           </a:xfrm>
           <a:prstGeom prst="rect">
             <a:avLst/>
@@ -18822,7 +18529,7 @@
         <p:spPr>
           <a:xfrm>
             <a:off x="1200600" y="2509200"/>
-            <a:ext cx="7590240" cy="4261680"/>
+            <a:ext cx="7589880" cy="4261320"/>
           </a:xfrm>
           <a:prstGeom prst="rect">
             <a:avLst/>
@@ -18871,7 +18578,7 @@
         <p:spPr>
           <a:xfrm>
             <a:off x="360000" y="360000"/>
-            <a:ext cx="9353160" cy="893160"/>
+            <a:ext cx="9352800" cy="892800"/>
           </a:xfrm>
           <a:prstGeom prst="rect">
             <a:avLst/>
@@ -18923,7 +18630,7 @@
         <p:spPr>
           <a:xfrm>
             <a:off x="360000" y="1620000"/>
-            <a:ext cx="9307440" cy="4673160"/>
+            <a:ext cx="9307080" cy="4672800"/>
           </a:xfrm>
           <a:prstGeom prst="rect">
             <a:avLst/>
@@ -18996,7 +18703,7 @@
         <p:spPr>
           <a:xfrm>
             <a:off x="7608600" y="6886080"/>
-            <a:ext cx="2278440" cy="358200"/>
+            <a:ext cx="2278080" cy="357840"/>
           </a:xfrm>
           <a:prstGeom prst="rect">
             <a:avLst/>
@@ -19059,7 +18766,7 @@
         <p:spPr>
           <a:xfrm>
             <a:off x="897120" y="6886080"/>
-            <a:ext cx="6440400" cy="358200"/>
+            <a:ext cx="6440040" cy="357840"/>
           </a:xfrm>
           <a:prstGeom prst="rect">
             <a:avLst/>
@@ -19111,7 +18818,7 @@
         <p:spPr>
           <a:xfrm>
             <a:off x="360000" y="1764000"/>
-            <a:ext cx="9307440" cy="4673160"/>
+            <a:ext cx="9307080" cy="4672800"/>
           </a:xfrm>
           <a:prstGeom prst="rect">
             <a:avLst/>
@@ -19560,7 +19267,7 @@
         <p:spPr>
           <a:xfrm>
             <a:off x="2700000" y="4673520"/>
-            <a:ext cx="5315400" cy="1619640"/>
+            <a:ext cx="5315040" cy="1619280"/>
           </a:xfrm>
           <a:prstGeom prst="rect">
             <a:avLst/>

--- a/AprendizadoMaquina/Tópico 04 - Deep Learning/Tópico 04 - Deep Learning - Redes Recorrentes.pptx
+++ b/AprendizadoMaquina/Tópico 04 - Deep Learning/Tópico 04 - Deep Learning - Redes Recorrentes.pptx
@@ -85,7 +85,139 @@
               <a:rPr b="0" lang="pt-BR" sz="4400" spc="-1" strike="noStrike">
                 <a:latin typeface="Arial"/>
               </a:rPr>
-              <a:t>Click to move the slide</a:t>
+              <a:t>C</a:t>
+            </a:r>
+            <a:r>
+              <a:rPr b="0" lang="pt-BR" sz="4400" spc="-1" strike="noStrike">
+                <a:latin typeface="Arial"/>
+              </a:rPr>
+              <a:t>l</a:t>
+            </a:r>
+            <a:r>
+              <a:rPr b="0" lang="pt-BR" sz="4400" spc="-1" strike="noStrike">
+                <a:latin typeface="Arial"/>
+              </a:rPr>
+              <a:t>i</a:t>
+            </a:r>
+            <a:r>
+              <a:rPr b="0" lang="pt-BR" sz="4400" spc="-1" strike="noStrike">
+                <a:latin typeface="Arial"/>
+              </a:rPr>
+              <a:t>c</a:t>
+            </a:r>
+            <a:r>
+              <a:rPr b="0" lang="pt-BR" sz="4400" spc="-1" strike="noStrike">
+                <a:latin typeface="Arial"/>
+              </a:rPr>
+              <a:t>k</a:t>
+            </a:r>
+            <a:r>
+              <a:rPr b="0" lang="pt-BR" sz="4400" spc="-1" strike="noStrike">
+                <a:latin typeface="Arial"/>
+              </a:rPr>
+              <a:t> </a:t>
+            </a:r>
+            <a:r>
+              <a:rPr b="0" lang="pt-BR" sz="4400" spc="-1" strike="noStrike">
+                <a:latin typeface="Arial"/>
+              </a:rPr>
+              <a:t>t</a:t>
+            </a:r>
+            <a:r>
+              <a:rPr b="0" lang="pt-BR" sz="4400" spc="-1" strike="noStrike">
+                <a:latin typeface="Arial"/>
+              </a:rPr>
+              <a:t>o</a:t>
+            </a:r>
+            <a:r>
+              <a:rPr b="0" lang="pt-BR" sz="4400" spc="-1" strike="noStrike">
+                <a:latin typeface="Arial"/>
+              </a:rPr>
+              <a:t> </a:t>
+            </a:r>
+            <a:r>
+              <a:rPr b="0" lang="pt-BR" sz="4400" spc="-1" strike="noStrike">
+                <a:latin typeface="Arial"/>
+              </a:rPr>
+              <a:t>m</a:t>
+            </a:r>
+            <a:r>
+              <a:rPr b="0" lang="pt-BR" sz="4400" spc="-1" strike="noStrike">
+                <a:latin typeface="Arial"/>
+              </a:rPr>
+              <a:t>o</a:t>
+            </a:r>
+            <a:r>
+              <a:rPr b="0" lang="pt-BR" sz="4400" spc="-1" strike="noStrike">
+                <a:latin typeface="Arial"/>
+              </a:rPr>
+              <a:t>v</a:t>
+            </a:r>
+            <a:r>
+              <a:rPr b="0" lang="pt-BR" sz="4400" spc="-1" strike="noStrike">
+                <a:latin typeface="Arial"/>
+              </a:rPr>
+              <a:t>e</a:t>
+            </a:r>
+            <a:r>
+              <a:rPr b="0" lang="pt-BR" sz="4400" spc="-1" strike="noStrike">
+                <a:latin typeface="Arial"/>
+              </a:rPr>
+              <a:t> </a:t>
+            </a:r>
+            <a:r>
+              <a:rPr b="0" lang="pt-BR" sz="4400" spc="-1" strike="noStrike">
+                <a:latin typeface="Arial"/>
+              </a:rPr>
+              <a:t>t</a:t>
+            </a:r>
+            <a:r>
+              <a:rPr b="0" lang="pt-BR" sz="4400" spc="-1" strike="noStrike">
+                <a:latin typeface="Arial"/>
+              </a:rPr>
+              <a:t>h</a:t>
+            </a:r>
+            <a:r>
+              <a:rPr b="0" lang="pt-BR" sz="4400" spc="-1" strike="noStrike">
+                <a:latin typeface="Arial"/>
+              </a:rPr>
+              <a:t>e</a:t>
+            </a:r>
+            <a:r>
+              <a:rPr b="0" lang="pt-BR" sz="4400" spc="-1" strike="noStrike">
+                <a:latin typeface="Arial"/>
+              </a:rPr>
+              <a:t> </a:t>
+            </a:r>
+            <a:r>
+              <a:rPr b="0" lang="pt-BR" sz="4400" spc="-1" strike="noStrike">
+                <a:latin typeface="Arial"/>
+              </a:rPr>
+              <a:t>s</a:t>
+            </a:r>
+            <a:r>
+              <a:rPr b="0" lang="pt-BR" sz="4400" spc="-1" strike="noStrike">
+                <a:latin typeface="Arial"/>
+              </a:rPr>
+              <a:t>l</a:t>
+            </a:r>
+            <a:r>
+              <a:rPr b="0" lang="pt-BR" sz="4400" spc="-1" strike="noStrike">
+                <a:latin typeface="Arial"/>
+              </a:rPr>
+              <a:t>i</a:t>
+            </a:r>
+            <a:r>
+              <a:rPr b="0" lang="pt-BR" sz="4400" spc="-1" strike="noStrike">
+                <a:latin typeface="Arial"/>
+              </a:rPr>
+              <a:t>d</a:t>
+            </a:r>
+            <a:r>
+              <a:rPr b="0" lang="pt-BR" sz="4400" spc="-1" strike="noStrike">
+                <a:latin typeface="Arial"/>
+              </a:rPr>
+              <a:t>e</a:t>
             </a:r>
             <a:endParaRPr b="0" lang="pt-BR" sz="4400" spc="-1" strike="noStrike">
               <a:latin typeface="Arial"/>
@@ -125,7 +257,181 @@
               <a:rPr b="0" lang="pt-BR" sz="2000" spc="-1" strike="noStrike">
                 <a:latin typeface="Arial"/>
               </a:rPr>
-              <a:t>Click to edit the notes format</a:t>
+              <a:t>C</a:t>
+            </a:r>
+            <a:r>
+              <a:rPr b="0" lang="pt-BR" sz="2000" spc="-1" strike="noStrike">
+                <a:latin typeface="Arial"/>
+              </a:rPr>
+              <a:t>l</a:t>
+            </a:r>
+            <a:r>
+              <a:rPr b="0" lang="pt-BR" sz="2000" spc="-1" strike="noStrike">
+                <a:latin typeface="Arial"/>
+              </a:rPr>
+              <a:t>i</a:t>
+            </a:r>
+            <a:r>
+              <a:rPr b="0" lang="pt-BR" sz="2000" spc="-1" strike="noStrike">
+                <a:latin typeface="Arial"/>
+              </a:rPr>
+              <a:t>c</a:t>
+            </a:r>
+            <a:r>
+              <a:rPr b="0" lang="pt-BR" sz="2000" spc="-1" strike="noStrike">
+                <a:latin typeface="Arial"/>
+              </a:rPr>
+              <a:t>k</a:t>
+            </a:r>
+            <a:r>
+              <a:rPr b="0" lang="pt-BR" sz="2000" spc="-1" strike="noStrike">
+                <a:latin typeface="Arial"/>
+              </a:rPr>
+              <a:t> </a:t>
+            </a:r>
+            <a:r>
+              <a:rPr b="0" lang="pt-BR" sz="2000" spc="-1" strike="noStrike">
+                <a:latin typeface="Arial"/>
+              </a:rPr>
+              <a:t>t</a:t>
+            </a:r>
+            <a:r>
+              <a:rPr b="0" lang="pt-BR" sz="2000" spc="-1" strike="noStrike">
+                <a:latin typeface="Arial"/>
+              </a:rPr>
+              <a:t>o</a:t>
+            </a:r>
+            <a:r>
+              <a:rPr b="0" lang="pt-BR" sz="2000" spc="-1" strike="noStrike">
+                <a:latin typeface="Arial"/>
+              </a:rPr>
+              <a:t> </a:t>
+            </a:r>
+            <a:r>
+              <a:rPr b="0" lang="pt-BR" sz="2000" spc="-1" strike="noStrike">
+                <a:latin typeface="Arial"/>
+              </a:rPr>
+              <a:t>e</a:t>
+            </a:r>
+            <a:r>
+              <a:rPr b="0" lang="pt-BR" sz="2000" spc="-1" strike="noStrike">
+                <a:latin typeface="Arial"/>
+              </a:rPr>
+              <a:t>d</a:t>
+            </a:r>
+            <a:r>
+              <a:rPr b="0" lang="pt-BR" sz="2000" spc="-1" strike="noStrike">
+                <a:latin typeface="Arial"/>
+              </a:rPr>
+              <a:t>i</a:t>
+            </a:r>
+            <a:r>
+              <a:rPr b="0" lang="pt-BR" sz="2000" spc="-1" strike="noStrike">
+                <a:latin typeface="Arial"/>
+              </a:rPr>
+              <a:t>t</a:t>
+            </a:r>
+            <a:r>
+              <a:rPr b="0" lang="pt-BR" sz="2000" spc="-1" strike="noStrike">
+                <a:latin typeface="Arial"/>
+              </a:rPr>
+              <a:t> </a:t>
+            </a:r>
+            <a:r>
+              <a:rPr b="0" lang="pt-BR" sz="2000" spc="-1" strike="noStrike">
+                <a:latin typeface="Arial"/>
+              </a:rPr>
+              <a:t>t</a:t>
+            </a:r>
+            <a:r>
+              <a:rPr b="0" lang="pt-BR" sz="2000" spc="-1" strike="noStrike">
+                <a:latin typeface="Arial"/>
+              </a:rPr>
+              <a:t>h</a:t>
+            </a:r>
+            <a:r>
+              <a:rPr b="0" lang="pt-BR" sz="2000" spc="-1" strike="noStrike">
+                <a:latin typeface="Arial"/>
+              </a:rPr>
+              <a:t>e</a:t>
+            </a:r>
+            <a:r>
+              <a:rPr b="0" lang="pt-BR" sz="2000" spc="-1" strike="noStrike">
+                <a:latin typeface="Arial"/>
+              </a:rPr>
+              <a:t> </a:t>
+            </a:r>
+            <a:r>
+              <a:rPr b="0" lang="pt-BR" sz="2000" spc="-1" strike="noStrike">
+                <a:latin typeface="Arial"/>
+              </a:rPr>
+              <a:t>n</a:t>
+            </a:r>
+            <a:r>
+              <a:rPr b="0" lang="pt-BR" sz="2000" spc="-1" strike="noStrike">
+                <a:latin typeface="Arial"/>
+              </a:rPr>
+              <a:t>o</a:t>
+            </a:r>
+            <a:r>
+              <a:rPr b="0" lang="pt-BR" sz="2000" spc="-1" strike="noStrike">
+                <a:latin typeface="Arial"/>
+              </a:rPr>
+              <a:t>t</a:t>
+            </a:r>
+            <a:r>
+              <a:rPr b="0" lang="pt-BR" sz="2000" spc="-1" strike="noStrike">
+                <a:latin typeface="Arial"/>
+              </a:rPr>
+              <a:t>e</a:t>
+            </a:r>
+            <a:r>
+              <a:rPr b="0" lang="pt-BR" sz="2000" spc="-1" strike="noStrike">
+                <a:latin typeface="Arial"/>
+              </a:rPr>
+              <a:t>s</a:t>
+            </a:r>
+            <a:r>
+              <a:rPr b="0" lang="pt-BR" sz="2000" spc="-1" strike="noStrike">
+                <a:latin typeface="Arial"/>
+              </a:rPr>
+              <a:t> </a:t>
+            </a:r>
+            <a:r>
+              <a:rPr b="0" lang="pt-BR" sz="2000" spc="-1" strike="noStrike">
+                <a:latin typeface="Arial"/>
+              </a:rPr>
+              <a:t>f</a:t>
+            </a:r>
+            <a:r>
+              <a:rPr b="0" lang="pt-BR" sz="2000" spc="-1" strike="noStrike">
+                <a:latin typeface="Arial"/>
+              </a:rPr>
+              <a:t>o</a:t>
+            </a:r>
+            <a:r>
+              <a:rPr b="0" lang="pt-BR" sz="2000" spc="-1" strike="noStrike">
+                <a:latin typeface="Arial"/>
+              </a:rPr>
+              <a:t>r</a:t>
+            </a:r>
+            <a:r>
+              <a:rPr b="0" lang="pt-BR" sz="2000" spc="-1" strike="noStrike">
+                <a:latin typeface="Arial"/>
+              </a:rPr>
+              <a:t>m</a:t>
+            </a:r>
+            <a:r>
+              <a:rPr b="0" lang="pt-BR" sz="2000" spc="-1" strike="noStrike">
+                <a:latin typeface="Arial"/>
+              </a:rPr>
+              <a:t>a</a:t>
+            </a:r>
+            <a:r>
+              <a:rPr b="0" lang="pt-BR" sz="2000" spc="-1" strike="noStrike">
+                <a:latin typeface="Arial"/>
+              </a:rPr>
+              <a:t>t</a:t>
             </a:r>
             <a:endParaRPr b="0" lang="pt-BR" sz="2000" spc="-1" strike="noStrike">
               <a:latin typeface="Arial"/>
@@ -310,7 +616,7 @@
             <a:pPr algn="r">
               <a:buNone/>
             </a:pPr>
-            <a:fld id="{AA62E217-1BA8-486B-9469-3F7401FAA2FE}" type="slidenum">
+            <a:fld id="{7E01C769-6652-42B4-99BF-1A00F6B2A2D6}" type="slidenum">
               <a:rPr b="0" lang="pt-BR" sz="1400" spc="-1" strike="noStrike">
                 <a:latin typeface="Times New Roman"/>
               </a:rPr>
@@ -347,7 +653,7 @@
       </p:grpSpPr>
       <p:sp>
         <p:nvSpPr>
-          <p:cNvPr id="258" name="PlaceHolder 1"/>
+          <p:cNvPr id="250" name="PlaceHolder 1"/>
           <p:cNvSpPr>
             <a:spLocks noGrp="1"/>
           </p:cNvSpPr>
@@ -358,19 +664,19 @@
         <p:spPr>
           <a:xfrm>
             <a:off x="1376280" y="1336680"/>
-            <a:ext cx="4800240" cy="3600000"/>
-          </a:xfrm>
-          <a:prstGeom prst="rect">
-            <a:avLst/>
-          </a:prstGeom>
-          <a:ln w="0">
-            <a:noFill/>
-          </a:ln>
-        </p:spPr>
-      </p:sp>
-      <p:sp>
-        <p:nvSpPr>
-          <p:cNvPr id="259" name="PlaceHolder 2"/>
+            <a:ext cx="4799880" cy="3599640"/>
+          </a:xfrm>
+          <a:prstGeom prst="rect">
+            <a:avLst/>
+          </a:prstGeom>
+          <a:ln w="0">
+            <a:noFill/>
+          </a:ln>
+        </p:spPr>
+      </p:sp>
+      <p:sp>
+        <p:nvSpPr>
+          <p:cNvPr id="251" name="PlaceHolder 2"/>
           <p:cNvSpPr>
             <a:spLocks noGrp="1"/>
           </p:cNvSpPr>
@@ -381,7 +687,7 @@
         <p:spPr>
           <a:xfrm>
             <a:off x="756000" y="5145120"/>
-            <a:ext cx="6040440" cy="4202640"/>
+            <a:ext cx="6040080" cy="4202280"/>
           </a:xfrm>
           <a:prstGeom prst="rect">
             <a:avLst/>
@@ -404,14 +710,14 @@
       </p:sp>
       <p:sp>
         <p:nvSpPr>
-          <p:cNvPr id="260" name="CustomShape 3"/>
+          <p:cNvPr id="252" name="CustomShape 3"/>
           <p:cNvSpPr/>
           <p:nvPr/>
         </p:nvSpPr>
         <p:spPr>
           <a:xfrm>
             <a:off x="0" y="10155240"/>
-            <a:ext cx="3268800" cy="529200"/>
+            <a:ext cx="3268440" cy="528840"/>
           </a:xfrm>
           <a:prstGeom prst="rect">
             <a:avLst/>
@@ -478,7 +784,7 @@
       </p:grpSpPr>
       <p:sp>
         <p:nvSpPr>
-          <p:cNvPr id="285" name="PlaceHolder 1"/>
+          <p:cNvPr id="277" name="PlaceHolder 1"/>
           <p:cNvSpPr>
             <a:spLocks noGrp="1"/>
           </p:cNvSpPr>
@@ -489,19 +795,19 @@
         <p:spPr>
           <a:xfrm>
             <a:off x="1376280" y="1336680"/>
-            <a:ext cx="4800240" cy="3600000"/>
-          </a:xfrm>
-          <a:prstGeom prst="rect">
-            <a:avLst/>
-          </a:prstGeom>
-          <a:ln w="0">
-            <a:noFill/>
-          </a:ln>
-        </p:spPr>
-      </p:sp>
-      <p:sp>
-        <p:nvSpPr>
-          <p:cNvPr id="286" name="PlaceHolder 2"/>
+            <a:ext cx="4799880" cy="3599640"/>
+          </a:xfrm>
+          <a:prstGeom prst="rect">
+            <a:avLst/>
+          </a:prstGeom>
+          <a:ln w="0">
+            <a:noFill/>
+          </a:ln>
+        </p:spPr>
+      </p:sp>
+      <p:sp>
+        <p:nvSpPr>
+          <p:cNvPr id="278" name="PlaceHolder 2"/>
           <p:cNvSpPr>
             <a:spLocks noGrp="1"/>
           </p:cNvSpPr>
@@ -512,7 +818,7 @@
         <p:spPr>
           <a:xfrm>
             <a:off x="756000" y="5145120"/>
-            <a:ext cx="6040440" cy="4202640"/>
+            <a:ext cx="6040080" cy="4202280"/>
           </a:xfrm>
           <a:prstGeom prst="rect">
             <a:avLst/>
@@ -535,14 +841,14 @@
       </p:sp>
       <p:sp>
         <p:nvSpPr>
-          <p:cNvPr id="287" name="CustomShape 93"/>
+          <p:cNvPr id="279" name="CustomShape 93"/>
           <p:cNvSpPr/>
           <p:nvPr/>
         </p:nvSpPr>
         <p:spPr>
           <a:xfrm>
             <a:off x="0" y="10155240"/>
-            <a:ext cx="3268800" cy="529200"/>
+            <a:ext cx="3268440" cy="528840"/>
           </a:xfrm>
           <a:prstGeom prst="rect">
             <a:avLst/>
@@ -609,7 +915,7 @@
       </p:grpSpPr>
       <p:sp>
         <p:nvSpPr>
-          <p:cNvPr id="288" name="PlaceHolder 1"/>
+          <p:cNvPr id="280" name="PlaceHolder 1"/>
           <p:cNvSpPr>
             <a:spLocks noGrp="1"/>
           </p:cNvSpPr>
@@ -620,19 +926,19 @@
         <p:spPr>
           <a:xfrm>
             <a:off x="1376280" y="1336680"/>
-            <a:ext cx="4800240" cy="3600000"/>
-          </a:xfrm>
-          <a:prstGeom prst="rect">
-            <a:avLst/>
-          </a:prstGeom>
-          <a:ln w="0">
-            <a:noFill/>
-          </a:ln>
-        </p:spPr>
-      </p:sp>
-      <p:sp>
-        <p:nvSpPr>
-          <p:cNvPr id="289" name="PlaceHolder 2"/>
+            <a:ext cx="4799880" cy="3599640"/>
+          </a:xfrm>
+          <a:prstGeom prst="rect">
+            <a:avLst/>
+          </a:prstGeom>
+          <a:ln w="0">
+            <a:noFill/>
+          </a:ln>
+        </p:spPr>
+      </p:sp>
+      <p:sp>
+        <p:nvSpPr>
+          <p:cNvPr id="281" name="PlaceHolder 2"/>
           <p:cNvSpPr>
             <a:spLocks noGrp="1"/>
           </p:cNvSpPr>
@@ -643,7 +949,7 @@
         <p:spPr>
           <a:xfrm>
             <a:off x="756000" y="5145120"/>
-            <a:ext cx="6040440" cy="4202640"/>
+            <a:ext cx="6040080" cy="4202280"/>
           </a:xfrm>
           <a:prstGeom prst="rect">
             <a:avLst/>
@@ -666,14 +972,14 @@
       </p:sp>
       <p:sp>
         <p:nvSpPr>
-          <p:cNvPr id="290" name="CustomShape 81"/>
+          <p:cNvPr id="282" name="CustomShape 81"/>
           <p:cNvSpPr/>
           <p:nvPr/>
         </p:nvSpPr>
         <p:spPr>
           <a:xfrm>
             <a:off x="0" y="10155240"/>
-            <a:ext cx="3268800" cy="529200"/>
+            <a:ext cx="3268440" cy="528840"/>
           </a:xfrm>
           <a:prstGeom prst="rect">
             <a:avLst/>
@@ -740,7 +1046,7 @@
       </p:grpSpPr>
       <p:sp>
         <p:nvSpPr>
-          <p:cNvPr id="291" name="PlaceHolder 1"/>
+          <p:cNvPr id="283" name="PlaceHolder 1"/>
           <p:cNvSpPr>
             <a:spLocks noGrp="1"/>
           </p:cNvSpPr>
@@ -751,19 +1057,19 @@
         <p:spPr>
           <a:xfrm>
             <a:off x="1376280" y="1336680"/>
-            <a:ext cx="4800240" cy="3600000"/>
-          </a:xfrm>
-          <a:prstGeom prst="rect">
-            <a:avLst/>
-          </a:prstGeom>
-          <a:ln w="0">
-            <a:noFill/>
-          </a:ln>
-        </p:spPr>
-      </p:sp>
-      <p:sp>
-        <p:nvSpPr>
-          <p:cNvPr id="292" name="PlaceHolder 2"/>
+            <a:ext cx="4799880" cy="3599640"/>
+          </a:xfrm>
+          <a:prstGeom prst="rect">
+            <a:avLst/>
+          </a:prstGeom>
+          <a:ln w="0">
+            <a:noFill/>
+          </a:ln>
+        </p:spPr>
+      </p:sp>
+      <p:sp>
+        <p:nvSpPr>
+          <p:cNvPr id="284" name="PlaceHolder 2"/>
           <p:cNvSpPr>
             <a:spLocks noGrp="1"/>
           </p:cNvSpPr>
@@ -774,7 +1080,7 @@
         <p:spPr>
           <a:xfrm>
             <a:off x="756000" y="5145120"/>
-            <a:ext cx="6040440" cy="4202640"/>
+            <a:ext cx="6040080" cy="4202280"/>
           </a:xfrm>
           <a:prstGeom prst="rect">
             <a:avLst/>
@@ -797,14 +1103,14 @@
       </p:sp>
       <p:sp>
         <p:nvSpPr>
-          <p:cNvPr id="293" name="CustomShape 56"/>
+          <p:cNvPr id="285" name="CustomShape 56"/>
           <p:cNvSpPr/>
           <p:nvPr/>
         </p:nvSpPr>
         <p:spPr>
           <a:xfrm>
             <a:off x="0" y="10155240"/>
-            <a:ext cx="3268800" cy="529200"/>
+            <a:ext cx="3268440" cy="528840"/>
           </a:xfrm>
           <a:prstGeom prst="rect">
             <a:avLst/>
@@ -871,7 +1177,7 @@
       </p:grpSpPr>
       <p:sp>
         <p:nvSpPr>
-          <p:cNvPr id="294" name="PlaceHolder 1"/>
+          <p:cNvPr id="286" name="PlaceHolder 1"/>
           <p:cNvSpPr>
             <a:spLocks noGrp="1"/>
           </p:cNvSpPr>
@@ -882,19 +1188,19 @@
         <p:spPr>
           <a:xfrm>
             <a:off x="1376280" y="1336680"/>
-            <a:ext cx="4800240" cy="3600000"/>
-          </a:xfrm>
-          <a:prstGeom prst="rect">
-            <a:avLst/>
-          </a:prstGeom>
-          <a:ln w="0">
-            <a:noFill/>
-          </a:ln>
-        </p:spPr>
-      </p:sp>
-      <p:sp>
-        <p:nvSpPr>
-          <p:cNvPr id="295" name="PlaceHolder 2"/>
+            <a:ext cx="4799880" cy="3599640"/>
+          </a:xfrm>
+          <a:prstGeom prst="rect">
+            <a:avLst/>
+          </a:prstGeom>
+          <a:ln w="0">
+            <a:noFill/>
+          </a:ln>
+        </p:spPr>
+      </p:sp>
+      <p:sp>
+        <p:nvSpPr>
+          <p:cNvPr id="287" name="PlaceHolder 2"/>
           <p:cNvSpPr>
             <a:spLocks noGrp="1"/>
           </p:cNvSpPr>
@@ -905,7 +1211,7 @@
         <p:spPr>
           <a:xfrm>
             <a:off x="756000" y="5145120"/>
-            <a:ext cx="6040440" cy="4202640"/>
+            <a:ext cx="6040080" cy="4202280"/>
           </a:xfrm>
           <a:prstGeom prst="rect">
             <a:avLst/>
@@ -928,14 +1234,14 @@
       </p:sp>
       <p:sp>
         <p:nvSpPr>
-          <p:cNvPr id="296" name="CustomShape 40"/>
+          <p:cNvPr id="288" name="CustomShape 40"/>
           <p:cNvSpPr/>
           <p:nvPr/>
         </p:nvSpPr>
         <p:spPr>
           <a:xfrm>
             <a:off x="0" y="10155240"/>
-            <a:ext cx="3268800" cy="529200"/>
+            <a:ext cx="3268440" cy="528840"/>
           </a:xfrm>
           <a:prstGeom prst="rect">
             <a:avLst/>
@@ -1002,7 +1308,7 @@
       </p:grpSpPr>
       <p:sp>
         <p:nvSpPr>
-          <p:cNvPr id="297" name="PlaceHolder 1"/>
+          <p:cNvPr id="289" name="PlaceHolder 1"/>
           <p:cNvSpPr>
             <a:spLocks noGrp="1"/>
           </p:cNvSpPr>
@@ -1013,19 +1319,19 @@
         <p:spPr>
           <a:xfrm>
             <a:off x="1376280" y="1336680"/>
-            <a:ext cx="4800240" cy="3600000"/>
-          </a:xfrm>
-          <a:prstGeom prst="rect">
-            <a:avLst/>
-          </a:prstGeom>
-          <a:ln w="0">
-            <a:noFill/>
-          </a:ln>
-        </p:spPr>
-      </p:sp>
-      <p:sp>
-        <p:nvSpPr>
-          <p:cNvPr id="298" name="PlaceHolder 2"/>
+            <a:ext cx="4799880" cy="3599640"/>
+          </a:xfrm>
+          <a:prstGeom prst="rect">
+            <a:avLst/>
+          </a:prstGeom>
+          <a:ln w="0">
+            <a:noFill/>
+          </a:ln>
+        </p:spPr>
+      </p:sp>
+      <p:sp>
+        <p:nvSpPr>
+          <p:cNvPr id="290" name="PlaceHolder 2"/>
           <p:cNvSpPr>
             <a:spLocks noGrp="1"/>
           </p:cNvSpPr>
@@ -1036,7 +1342,7 @@
         <p:spPr>
           <a:xfrm>
             <a:off x="756000" y="5145120"/>
-            <a:ext cx="6040440" cy="4202640"/>
+            <a:ext cx="6040080" cy="4202280"/>
           </a:xfrm>
           <a:prstGeom prst="rect">
             <a:avLst/>
@@ -1059,14 +1365,14 @@
       </p:sp>
       <p:sp>
         <p:nvSpPr>
-          <p:cNvPr id="299" name="CustomShape 87"/>
+          <p:cNvPr id="291" name="CustomShape 87"/>
           <p:cNvSpPr/>
           <p:nvPr/>
         </p:nvSpPr>
         <p:spPr>
           <a:xfrm>
             <a:off x="0" y="10155240"/>
-            <a:ext cx="3268800" cy="529200"/>
+            <a:ext cx="3268440" cy="528840"/>
           </a:xfrm>
           <a:prstGeom prst="rect">
             <a:avLst/>
@@ -1133,7 +1439,7 @@
       </p:grpSpPr>
       <p:sp>
         <p:nvSpPr>
-          <p:cNvPr id="300" name="PlaceHolder 1"/>
+          <p:cNvPr id="292" name="PlaceHolder 1"/>
           <p:cNvSpPr>
             <a:spLocks noGrp="1"/>
           </p:cNvSpPr>
@@ -1144,19 +1450,19 @@
         <p:spPr>
           <a:xfrm>
             <a:off x="1376280" y="1336680"/>
-            <a:ext cx="4800240" cy="3600000"/>
-          </a:xfrm>
-          <a:prstGeom prst="rect">
-            <a:avLst/>
-          </a:prstGeom>
-          <a:ln w="0">
-            <a:noFill/>
-          </a:ln>
-        </p:spPr>
-      </p:sp>
-      <p:sp>
-        <p:nvSpPr>
-          <p:cNvPr id="301" name="PlaceHolder 2"/>
+            <a:ext cx="4799880" cy="3599640"/>
+          </a:xfrm>
+          <a:prstGeom prst="rect">
+            <a:avLst/>
+          </a:prstGeom>
+          <a:ln w="0">
+            <a:noFill/>
+          </a:ln>
+        </p:spPr>
+      </p:sp>
+      <p:sp>
+        <p:nvSpPr>
+          <p:cNvPr id="293" name="PlaceHolder 2"/>
           <p:cNvSpPr>
             <a:spLocks noGrp="1"/>
           </p:cNvSpPr>
@@ -1167,7 +1473,7 @@
         <p:spPr>
           <a:xfrm>
             <a:off x="756000" y="5145120"/>
-            <a:ext cx="6040440" cy="4202640"/>
+            <a:ext cx="6040080" cy="4202280"/>
           </a:xfrm>
           <a:prstGeom prst="rect">
             <a:avLst/>
@@ -1190,14 +1496,14 @@
       </p:sp>
       <p:sp>
         <p:nvSpPr>
-          <p:cNvPr id="302" name="CustomShape 50"/>
+          <p:cNvPr id="294" name="CustomShape 50"/>
           <p:cNvSpPr/>
           <p:nvPr/>
         </p:nvSpPr>
         <p:spPr>
           <a:xfrm>
             <a:off x="0" y="10155240"/>
-            <a:ext cx="3268800" cy="529200"/>
+            <a:ext cx="3268440" cy="528840"/>
           </a:xfrm>
           <a:prstGeom prst="rect">
             <a:avLst/>
@@ -1264,7 +1570,7 @@
       </p:grpSpPr>
       <p:sp>
         <p:nvSpPr>
-          <p:cNvPr id="303" name="PlaceHolder 1"/>
+          <p:cNvPr id="295" name="PlaceHolder 1"/>
           <p:cNvSpPr>
             <a:spLocks noGrp="1"/>
           </p:cNvSpPr>
@@ -1275,19 +1581,19 @@
         <p:spPr>
           <a:xfrm>
             <a:off x="1376280" y="1336680"/>
-            <a:ext cx="4800240" cy="3600000"/>
-          </a:xfrm>
-          <a:prstGeom prst="rect">
-            <a:avLst/>
-          </a:prstGeom>
-          <a:ln w="0">
-            <a:noFill/>
-          </a:ln>
-        </p:spPr>
-      </p:sp>
-      <p:sp>
-        <p:nvSpPr>
-          <p:cNvPr id="304" name="PlaceHolder 2"/>
+            <a:ext cx="4799880" cy="3599640"/>
+          </a:xfrm>
+          <a:prstGeom prst="rect">
+            <a:avLst/>
+          </a:prstGeom>
+          <a:ln w="0">
+            <a:noFill/>
+          </a:ln>
+        </p:spPr>
+      </p:sp>
+      <p:sp>
+        <p:nvSpPr>
+          <p:cNvPr id="296" name="PlaceHolder 2"/>
           <p:cNvSpPr>
             <a:spLocks noGrp="1"/>
           </p:cNvSpPr>
@@ -1298,7 +1604,7 @@
         <p:spPr>
           <a:xfrm>
             <a:off x="756000" y="5145120"/>
-            <a:ext cx="6040440" cy="4202640"/>
+            <a:ext cx="6040080" cy="4202280"/>
           </a:xfrm>
           <a:prstGeom prst="rect">
             <a:avLst/>
@@ -1321,14 +1627,14 @@
       </p:sp>
       <p:sp>
         <p:nvSpPr>
-          <p:cNvPr id="305" name="CustomShape 68"/>
+          <p:cNvPr id="297" name="CustomShape 68"/>
           <p:cNvSpPr/>
           <p:nvPr/>
         </p:nvSpPr>
         <p:spPr>
           <a:xfrm>
             <a:off x="0" y="10155240"/>
-            <a:ext cx="3268800" cy="529200"/>
+            <a:ext cx="3268440" cy="528840"/>
           </a:xfrm>
           <a:prstGeom prst="rect">
             <a:avLst/>
@@ -1395,7 +1701,7 @@
       </p:grpSpPr>
       <p:sp>
         <p:nvSpPr>
-          <p:cNvPr id="306" name="PlaceHolder 1"/>
+          <p:cNvPr id="298" name="PlaceHolder 1"/>
           <p:cNvSpPr>
             <a:spLocks noGrp="1"/>
           </p:cNvSpPr>
@@ -1406,19 +1712,19 @@
         <p:spPr>
           <a:xfrm>
             <a:off x="1376280" y="1336680"/>
-            <a:ext cx="4800240" cy="3600000"/>
-          </a:xfrm>
-          <a:prstGeom prst="rect">
-            <a:avLst/>
-          </a:prstGeom>
-          <a:ln w="0">
-            <a:noFill/>
-          </a:ln>
-        </p:spPr>
-      </p:sp>
-      <p:sp>
-        <p:nvSpPr>
-          <p:cNvPr id="307" name="PlaceHolder 2"/>
+            <a:ext cx="4799880" cy="3599640"/>
+          </a:xfrm>
+          <a:prstGeom prst="rect">
+            <a:avLst/>
+          </a:prstGeom>
+          <a:ln w="0">
+            <a:noFill/>
+          </a:ln>
+        </p:spPr>
+      </p:sp>
+      <p:sp>
+        <p:nvSpPr>
+          <p:cNvPr id="299" name="PlaceHolder 2"/>
           <p:cNvSpPr>
             <a:spLocks noGrp="1"/>
           </p:cNvSpPr>
@@ -1429,7 +1735,7 @@
         <p:spPr>
           <a:xfrm>
             <a:off x="756000" y="5145120"/>
-            <a:ext cx="6040440" cy="4202640"/>
+            <a:ext cx="6040080" cy="4202280"/>
           </a:xfrm>
           <a:prstGeom prst="rect">
             <a:avLst/>
@@ -1452,14 +1758,14 @@
       </p:sp>
       <p:sp>
         <p:nvSpPr>
-          <p:cNvPr id="308" name="CustomShape 74"/>
+          <p:cNvPr id="300" name="CustomShape 74"/>
           <p:cNvSpPr/>
           <p:nvPr/>
         </p:nvSpPr>
         <p:spPr>
           <a:xfrm>
             <a:off x="0" y="10155240"/>
-            <a:ext cx="3268800" cy="529200"/>
+            <a:ext cx="3268440" cy="528840"/>
           </a:xfrm>
           <a:prstGeom prst="rect">
             <a:avLst/>
@@ -1526,7 +1832,7 @@
       </p:grpSpPr>
       <p:sp>
         <p:nvSpPr>
-          <p:cNvPr id="261" name="PlaceHolder 1"/>
+          <p:cNvPr id="253" name="PlaceHolder 1"/>
           <p:cNvSpPr>
             <a:spLocks noGrp="1"/>
           </p:cNvSpPr>
@@ -1537,19 +1843,19 @@
         <p:spPr>
           <a:xfrm>
             <a:off x="1376280" y="1336680"/>
-            <a:ext cx="4800240" cy="3600000"/>
-          </a:xfrm>
-          <a:prstGeom prst="rect">
-            <a:avLst/>
-          </a:prstGeom>
-          <a:ln w="0">
-            <a:noFill/>
-          </a:ln>
-        </p:spPr>
-      </p:sp>
-      <p:sp>
-        <p:nvSpPr>
-          <p:cNvPr id="262" name="PlaceHolder 2"/>
+            <a:ext cx="4799880" cy="3599640"/>
+          </a:xfrm>
+          <a:prstGeom prst="rect">
+            <a:avLst/>
+          </a:prstGeom>
+          <a:ln w="0">
+            <a:noFill/>
+          </a:ln>
+        </p:spPr>
+      </p:sp>
+      <p:sp>
+        <p:nvSpPr>
+          <p:cNvPr id="254" name="PlaceHolder 2"/>
           <p:cNvSpPr>
             <a:spLocks noGrp="1"/>
           </p:cNvSpPr>
@@ -1560,7 +1866,7 @@
         <p:spPr>
           <a:xfrm>
             <a:off x="756000" y="5145120"/>
-            <a:ext cx="6040440" cy="4202640"/>
+            <a:ext cx="6040080" cy="4202280"/>
           </a:xfrm>
           <a:prstGeom prst="rect">
             <a:avLst/>
@@ -1583,14 +1889,14 @@
       </p:sp>
       <p:sp>
         <p:nvSpPr>
-          <p:cNvPr id="263" name="CustomShape 3"/>
+          <p:cNvPr id="255" name="CustomShape 3"/>
           <p:cNvSpPr/>
           <p:nvPr/>
         </p:nvSpPr>
         <p:spPr>
           <a:xfrm>
             <a:off x="0" y="10155240"/>
-            <a:ext cx="3268800" cy="529200"/>
+            <a:ext cx="3268440" cy="528840"/>
           </a:xfrm>
           <a:prstGeom prst="rect">
             <a:avLst/>
@@ -1657,7 +1963,7 @@
       </p:grpSpPr>
       <p:sp>
         <p:nvSpPr>
-          <p:cNvPr id="264" name="PlaceHolder 1"/>
+          <p:cNvPr id="256" name="PlaceHolder 1"/>
           <p:cNvSpPr>
             <a:spLocks noGrp="1"/>
           </p:cNvSpPr>
@@ -1668,19 +1974,19 @@
         <p:spPr>
           <a:xfrm>
             <a:off x="1376280" y="1336680"/>
-            <a:ext cx="4800240" cy="3600000"/>
-          </a:xfrm>
-          <a:prstGeom prst="rect">
-            <a:avLst/>
-          </a:prstGeom>
-          <a:ln w="0">
-            <a:noFill/>
-          </a:ln>
-        </p:spPr>
-      </p:sp>
-      <p:sp>
-        <p:nvSpPr>
-          <p:cNvPr id="265" name="PlaceHolder 2"/>
+            <a:ext cx="4799880" cy="3599640"/>
+          </a:xfrm>
+          <a:prstGeom prst="rect">
+            <a:avLst/>
+          </a:prstGeom>
+          <a:ln w="0">
+            <a:noFill/>
+          </a:ln>
+        </p:spPr>
+      </p:sp>
+      <p:sp>
+        <p:nvSpPr>
+          <p:cNvPr id="257" name="PlaceHolder 2"/>
           <p:cNvSpPr>
             <a:spLocks noGrp="1"/>
           </p:cNvSpPr>
@@ -1691,7 +1997,7 @@
         <p:spPr>
           <a:xfrm>
             <a:off x="756000" y="5145120"/>
-            <a:ext cx="6040440" cy="4202640"/>
+            <a:ext cx="6040080" cy="4202280"/>
           </a:xfrm>
           <a:prstGeom prst="rect">
             <a:avLst/>
@@ -1714,14 +2020,14 @@
       </p:sp>
       <p:sp>
         <p:nvSpPr>
-          <p:cNvPr id="266" name="CustomShape 5"/>
+          <p:cNvPr id="258" name="CustomShape 5"/>
           <p:cNvSpPr/>
           <p:nvPr/>
         </p:nvSpPr>
         <p:spPr>
           <a:xfrm>
             <a:off x="0" y="10155240"/>
-            <a:ext cx="3268800" cy="529200"/>
+            <a:ext cx="3268440" cy="528840"/>
           </a:xfrm>
           <a:prstGeom prst="rect">
             <a:avLst/>
@@ -1788,7 +2094,7 @@
       </p:grpSpPr>
       <p:sp>
         <p:nvSpPr>
-          <p:cNvPr id="267" name="PlaceHolder 1"/>
+          <p:cNvPr id="259" name="PlaceHolder 1"/>
           <p:cNvSpPr>
             <a:spLocks noGrp="1"/>
           </p:cNvSpPr>
@@ -1799,19 +2105,19 @@
         <p:spPr>
           <a:xfrm>
             <a:off x="1376280" y="1336680"/>
-            <a:ext cx="4800240" cy="3600000"/>
-          </a:xfrm>
-          <a:prstGeom prst="rect">
-            <a:avLst/>
-          </a:prstGeom>
-          <a:ln w="0">
-            <a:noFill/>
-          </a:ln>
-        </p:spPr>
-      </p:sp>
-      <p:sp>
-        <p:nvSpPr>
-          <p:cNvPr id="268" name="PlaceHolder 2"/>
+            <a:ext cx="4799880" cy="3599640"/>
+          </a:xfrm>
+          <a:prstGeom prst="rect">
+            <a:avLst/>
+          </a:prstGeom>
+          <a:ln w="0">
+            <a:noFill/>
+          </a:ln>
+        </p:spPr>
+      </p:sp>
+      <p:sp>
+        <p:nvSpPr>
+          <p:cNvPr id="260" name="PlaceHolder 2"/>
           <p:cNvSpPr>
             <a:spLocks noGrp="1"/>
           </p:cNvSpPr>
@@ -1822,7 +2128,7 @@
         <p:spPr>
           <a:xfrm>
             <a:off x="756000" y="5145120"/>
-            <a:ext cx="6040440" cy="4202640"/>
+            <a:ext cx="6040080" cy="4202280"/>
           </a:xfrm>
           <a:prstGeom prst="rect">
             <a:avLst/>
@@ -1845,14 +2151,14 @@
       </p:sp>
       <p:sp>
         <p:nvSpPr>
-          <p:cNvPr id="269" name="CustomShape 24"/>
+          <p:cNvPr id="261" name="CustomShape 24"/>
           <p:cNvSpPr/>
           <p:nvPr/>
         </p:nvSpPr>
         <p:spPr>
           <a:xfrm>
             <a:off x="0" y="10155240"/>
-            <a:ext cx="3268800" cy="529200"/>
+            <a:ext cx="3268440" cy="528840"/>
           </a:xfrm>
           <a:prstGeom prst="rect">
             <a:avLst/>
@@ -1919,7 +2225,7 @@
       </p:grpSpPr>
       <p:sp>
         <p:nvSpPr>
-          <p:cNvPr id="270" name="PlaceHolder 1"/>
+          <p:cNvPr id="262" name="PlaceHolder 1"/>
           <p:cNvSpPr>
             <a:spLocks noGrp="1"/>
           </p:cNvSpPr>
@@ -1930,19 +2236,19 @@
         <p:spPr>
           <a:xfrm>
             <a:off x="1376280" y="1336680"/>
-            <a:ext cx="4800240" cy="3600000"/>
-          </a:xfrm>
-          <a:prstGeom prst="rect">
-            <a:avLst/>
-          </a:prstGeom>
-          <a:ln w="0">
-            <a:noFill/>
-          </a:ln>
-        </p:spPr>
-      </p:sp>
-      <p:sp>
-        <p:nvSpPr>
-          <p:cNvPr id="271" name="PlaceHolder 2"/>
+            <a:ext cx="4799880" cy="3599640"/>
+          </a:xfrm>
+          <a:prstGeom prst="rect">
+            <a:avLst/>
+          </a:prstGeom>
+          <a:ln w="0">
+            <a:noFill/>
+          </a:ln>
+        </p:spPr>
+      </p:sp>
+      <p:sp>
+        <p:nvSpPr>
+          <p:cNvPr id="263" name="PlaceHolder 2"/>
           <p:cNvSpPr>
             <a:spLocks noGrp="1"/>
           </p:cNvSpPr>
@@ -1953,7 +2259,7 @@
         <p:spPr>
           <a:xfrm>
             <a:off x="756000" y="5145120"/>
-            <a:ext cx="6040440" cy="4202640"/>
+            <a:ext cx="6040080" cy="4202280"/>
           </a:xfrm>
           <a:prstGeom prst="rect">
             <a:avLst/>
@@ -1976,14 +2282,14 @@
       </p:sp>
       <p:sp>
         <p:nvSpPr>
-          <p:cNvPr id="272" name="CustomShape 98"/>
+          <p:cNvPr id="264" name="CustomShape 98"/>
           <p:cNvSpPr/>
           <p:nvPr/>
         </p:nvSpPr>
         <p:spPr>
           <a:xfrm>
             <a:off x="0" y="10155240"/>
-            <a:ext cx="3268800" cy="529200"/>
+            <a:ext cx="3268440" cy="528840"/>
           </a:xfrm>
           <a:prstGeom prst="rect">
             <a:avLst/>
@@ -2050,7 +2356,7 @@
       </p:grpSpPr>
       <p:sp>
         <p:nvSpPr>
-          <p:cNvPr id="273" name="PlaceHolder 1"/>
+          <p:cNvPr id="265" name="PlaceHolder 1"/>
           <p:cNvSpPr>
             <a:spLocks noGrp="1"/>
           </p:cNvSpPr>
@@ -2061,19 +2367,19 @@
         <p:spPr>
           <a:xfrm>
             <a:off x="1376280" y="1336680"/>
-            <a:ext cx="4800240" cy="3600000"/>
-          </a:xfrm>
-          <a:prstGeom prst="rect">
-            <a:avLst/>
-          </a:prstGeom>
-          <a:ln w="0">
-            <a:noFill/>
-          </a:ln>
-        </p:spPr>
-      </p:sp>
-      <p:sp>
-        <p:nvSpPr>
-          <p:cNvPr id="274" name="PlaceHolder 2"/>
+            <a:ext cx="4799880" cy="3599640"/>
+          </a:xfrm>
+          <a:prstGeom prst="rect">
+            <a:avLst/>
+          </a:prstGeom>
+          <a:ln w="0">
+            <a:noFill/>
+          </a:ln>
+        </p:spPr>
+      </p:sp>
+      <p:sp>
+        <p:nvSpPr>
+          <p:cNvPr id="266" name="PlaceHolder 2"/>
           <p:cNvSpPr>
             <a:spLocks noGrp="1"/>
           </p:cNvSpPr>
@@ -2084,7 +2390,7 @@
         <p:spPr>
           <a:xfrm>
             <a:off x="756000" y="5145120"/>
-            <a:ext cx="6040440" cy="4202640"/>
+            <a:ext cx="6040080" cy="4202280"/>
           </a:xfrm>
           <a:prstGeom prst="rect">
             <a:avLst/>
@@ -2107,14 +2413,14 @@
       </p:sp>
       <p:sp>
         <p:nvSpPr>
-          <p:cNvPr id="275" name="CustomShape 14"/>
+          <p:cNvPr id="267" name="CustomShape 14"/>
           <p:cNvSpPr/>
           <p:nvPr/>
         </p:nvSpPr>
         <p:spPr>
           <a:xfrm>
             <a:off x="0" y="10155240"/>
-            <a:ext cx="3268800" cy="529200"/>
+            <a:ext cx="3268440" cy="528840"/>
           </a:xfrm>
           <a:prstGeom prst="rect">
             <a:avLst/>
@@ -2181,7 +2487,7 @@
       </p:grpSpPr>
       <p:sp>
         <p:nvSpPr>
-          <p:cNvPr id="276" name="PlaceHolder 1"/>
+          <p:cNvPr id="268" name="PlaceHolder 1"/>
           <p:cNvSpPr>
             <a:spLocks noGrp="1"/>
           </p:cNvSpPr>
@@ -2192,19 +2498,19 @@
         <p:spPr>
           <a:xfrm>
             <a:off x="1376280" y="1336680"/>
-            <a:ext cx="4800240" cy="3600000"/>
-          </a:xfrm>
-          <a:prstGeom prst="rect">
-            <a:avLst/>
-          </a:prstGeom>
-          <a:ln w="0">
-            <a:noFill/>
-          </a:ln>
-        </p:spPr>
-      </p:sp>
-      <p:sp>
-        <p:nvSpPr>
-          <p:cNvPr id="277" name="PlaceHolder 2"/>
+            <a:ext cx="4799880" cy="3599640"/>
+          </a:xfrm>
+          <a:prstGeom prst="rect">
+            <a:avLst/>
+          </a:prstGeom>
+          <a:ln w="0">
+            <a:noFill/>
+          </a:ln>
+        </p:spPr>
+      </p:sp>
+      <p:sp>
+        <p:nvSpPr>
+          <p:cNvPr id="269" name="PlaceHolder 2"/>
           <p:cNvSpPr>
             <a:spLocks noGrp="1"/>
           </p:cNvSpPr>
@@ -2215,7 +2521,7 @@
         <p:spPr>
           <a:xfrm>
             <a:off x="756000" y="5145120"/>
-            <a:ext cx="6040440" cy="4202640"/>
+            <a:ext cx="6040080" cy="4202280"/>
           </a:xfrm>
           <a:prstGeom prst="rect">
             <a:avLst/>
@@ -2238,14 +2544,14 @@
       </p:sp>
       <p:sp>
         <p:nvSpPr>
-          <p:cNvPr id="278" name="CustomShape 17"/>
+          <p:cNvPr id="270" name="CustomShape 17"/>
           <p:cNvSpPr/>
           <p:nvPr/>
         </p:nvSpPr>
         <p:spPr>
           <a:xfrm>
             <a:off x="0" y="10155240"/>
-            <a:ext cx="3268800" cy="529200"/>
+            <a:ext cx="3268440" cy="528840"/>
           </a:xfrm>
           <a:prstGeom prst="rect">
             <a:avLst/>
@@ -2312,7 +2618,7 @@
       </p:grpSpPr>
       <p:sp>
         <p:nvSpPr>
-          <p:cNvPr id="279" name="PlaceHolder 1"/>
+          <p:cNvPr id="271" name="PlaceHolder 1"/>
           <p:cNvSpPr>
             <a:spLocks noGrp="1"/>
           </p:cNvSpPr>
@@ -2323,19 +2629,19 @@
         <p:spPr>
           <a:xfrm>
             <a:off x="1376280" y="1336680"/>
-            <a:ext cx="4800240" cy="3600000"/>
-          </a:xfrm>
-          <a:prstGeom prst="rect">
-            <a:avLst/>
-          </a:prstGeom>
-          <a:ln w="0">
-            <a:noFill/>
-          </a:ln>
-        </p:spPr>
-      </p:sp>
-      <p:sp>
-        <p:nvSpPr>
-          <p:cNvPr id="280" name="PlaceHolder 2"/>
+            <a:ext cx="4799880" cy="3599640"/>
+          </a:xfrm>
+          <a:prstGeom prst="rect">
+            <a:avLst/>
+          </a:prstGeom>
+          <a:ln w="0">
+            <a:noFill/>
+          </a:ln>
+        </p:spPr>
+      </p:sp>
+      <p:sp>
+        <p:nvSpPr>
+          <p:cNvPr id="272" name="PlaceHolder 2"/>
           <p:cNvSpPr>
             <a:spLocks noGrp="1"/>
           </p:cNvSpPr>
@@ -2346,7 +2652,7 @@
         <p:spPr>
           <a:xfrm>
             <a:off x="756000" y="5145120"/>
-            <a:ext cx="6040440" cy="4202640"/>
+            <a:ext cx="6040080" cy="4202280"/>
           </a:xfrm>
           <a:prstGeom prst="rect">
             <a:avLst/>
@@ -2369,14 +2675,14 @@
       </p:sp>
       <p:sp>
         <p:nvSpPr>
-          <p:cNvPr id="281" name="CustomShape 31"/>
+          <p:cNvPr id="273" name="CustomShape 31"/>
           <p:cNvSpPr/>
           <p:nvPr/>
         </p:nvSpPr>
         <p:spPr>
           <a:xfrm>
             <a:off x="0" y="10155240"/>
-            <a:ext cx="3268800" cy="529200"/>
+            <a:ext cx="3268440" cy="528840"/>
           </a:xfrm>
           <a:prstGeom prst="rect">
             <a:avLst/>
@@ -2443,7 +2749,7 @@
       </p:grpSpPr>
       <p:sp>
         <p:nvSpPr>
-          <p:cNvPr id="282" name="PlaceHolder 1"/>
+          <p:cNvPr id="274" name="PlaceHolder 1"/>
           <p:cNvSpPr>
             <a:spLocks noGrp="1"/>
           </p:cNvSpPr>
@@ -2454,19 +2760,19 @@
         <p:spPr>
           <a:xfrm>
             <a:off x="1376280" y="1336680"/>
-            <a:ext cx="4800240" cy="3600000"/>
-          </a:xfrm>
-          <a:prstGeom prst="rect">
-            <a:avLst/>
-          </a:prstGeom>
-          <a:ln w="0">
-            <a:noFill/>
-          </a:ln>
-        </p:spPr>
-      </p:sp>
-      <p:sp>
-        <p:nvSpPr>
-          <p:cNvPr id="283" name="PlaceHolder 2"/>
+            <a:ext cx="4799880" cy="3599640"/>
+          </a:xfrm>
+          <a:prstGeom prst="rect">
+            <a:avLst/>
+          </a:prstGeom>
+          <a:ln w="0">
+            <a:noFill/>
+          </a:ln>
+        </p:spPr>
+      </p:sp>
+      <p:sp>
+        <p:nvSpPr>
+          <p:cNvPr id="275" name="PlaceHolder 2"/>
           <p:cNvSpPr>
             <a:spLocks noGrp="1"/>
           </p:cNvSpPr>
@@ -2477,7 +2783,7 @@
         <p:spPr>
           <a:xfrm>
             <a:off x="756000" y="5145120"/>
-            <a:ext cx="6040440" cy="4202640"/>
+            <a:ext cx="6040080" cy="4202280"/>
           </a:xfrm>
           <a:prstGeom prst="rect">
             <a:avLst/>
@@ -2500,14 +2806,14 @@
       </p:sp>
       <p:sp>
         <p:nvSpPr>
-          <p:cNvPr id="284" name="CustomShape 38"/>
+          <p:cNvPr id="276" name="CustomShape 38"/>
           <p:cNvSpPr/>
           <p:nvPr/>
         </p:nvSpPr>
         <p:spPr>
           <a:xfrm>
             <a:off x="0" y="10155240"/>
-            <a:ext cx="3268800" cy="529200"/>
+            <a:ext cx="3268440" cy="528840"/>
           </a:xfrm>
           <a:prstGeom prst="rect">
             <a:avLst/>
@@ -7160,7 +7466,7 @@
         <p:spPr>
           <a:xfrm>
             <a:off x="0" y="3150000"/>
-            <a:ext cx="9712800" cy="1252800"/>
+            <a:ext cx="9712440" cy="1252440"/>
           </a:xfrm>
           <a:prstGeom prst="rect">
             <a:avLst/>
@@ -7214,7 +7520,199 @@
               <a:rPr b="0" lang="pt-BR" sz="4400" spc="-1" strike="noStrike">
                 <a:latin typeface="Arial"/>
               </a:rPr>
-              <a:t>Click to edit the title text format</a:t>
+              <a:t>C</a:t>
+            </a:r>
+            <a:r>
+              <a:rPr b="0" lang="pt-BR" sz="4400" spc="-1" strike="noStrike">
+                <a:latin typeface="Arial"/>
+              </a:rPr>
+              <a:t>l</a:t>
+            </a:r>
+            <a:r>
+              <a:rPr b="0" lang="pt-BR" sz="4400" spc="-1" strike="noStrike">
+                <a:latin typeface="Arial"/>
+              </a:rPr>
+              <a:t>i</a:t>
+            </a:r>
+            <a:r>
+              <a:rPr b="0" lang="pt-BR" sz="4400" spc="-1" strike="noStrike">
+                <a:latin typeface="Arial"/>
+              </a:rPr>
+              <a:t>c</a:t>
+            </a:r>
+            <a:r>
+              <a:rPr b="0" lang="pt-BR" sz="4400" spc="-1" strike="noStrike">
+                <a:latin typeface="Arial"/>
+              </a:rPr>
+              <a:t>k</a:t>
+            </a:r>
+            <a:r>
+              <a:rPr b="0" lang="pt-BR" sz="4400" spc="-1" strike="noStrike">
+                <a:latin typeface="Arial"/>
+              </a:rPr>
+              <a:t> </a:t>
+            </a:r>
+            <a:r>
+              <a:rPr b="0" lang="pt-BR" sz="4400" spc="-1" strike="noStrike">
+                <a:latin typeface="Arial"/>
+              </a:rPr>
+              <a:t>t</a:t>
+            </a:r>
+            <a:r>
+              <a:rPr b="0" lang="pt-BR" sz="4400" spc="-1" strike="noStrike">
+                <a:latin typeface="Arial"/>
+              </a:rPr>
+              <a:t>o</a:t>
+            </a:r>
+            <a:r>
+              <a:rPr b="0" lang="pt-BR" sz="4400" spc="-1" strike="noStrike">
+                <a:latin typeface="Arial"/>
+              </a:rPr>
+              <a:t> </a:t>
+            </a:r>
+            <a:r>
+              <a:rPr b="0" lang="pt-BR" sz="4400" spc="-1" strike="noStrike">
+                <a:latin typeface="Arial"/>
+              </a:rPr>
+              <a:t>e</a:t>
+            </a:r>
+            <a:r>
+              <a:rPr b="0" lang="pt-BR" sz="4400" spc="-1" strike="noStrike">
+                <a:latin typeface="Arial"/>
+              </a:rPr>
+              <a:t>d</a:t>
+            </a:r>
+            <a:r>
+              <a:rPr b="0" lang="pt-BR" sz="4400" spc="-1" strike="noStrike">
+                <a:latin typeface="Arial"/>
+              </a:rPr>
+              <a:t>i</a:t>
+            </a:r>
+            <a:r>
+              <a:rPr b="0" lang="pt-BR" sz="4400" spc="-1" strike="noStrike">
+                <a:latin typeface="Arial"/>
+              </a:rPr>
+              <a:t>t </a:t>
+            </a:r>
+            <a:r>
+              <a:rPr b="0" lang="pt-BR" sz="4400" spc="-1" strike="noStrike">
+                <a:latin typeface="Arial"/>
+              </a:rPr>
+              <a:t>t</a:t>
+            </a:r>
+            <a:r>
+              <a:rPr b="0" lang="pt-BR" sz="4400" spc="-1" strike="noStrike">
+                <a:latin typeface="Arial"/>
+              </a:rPr>
+              <a:t>h</a:t>
+            </a:r>
+            <a:r>
+              <a:rPr b="0" lang="pt-BR" sz="4400" spc="-1" strike="noStrike">
+                <a:latin typeface="Arial"/>
+              </a:rPr>
+              <a:t>e</a:t>
+            </a:r>
+            <a:r>
+              <a:rPr b="0" lang="pt-BR" sz="4400" spc="-1" strike="noStrike">
+                <a:latin typeface="Arial"/>
+              </a:rPr>
+              <a:t> </a:t>
+            </a:r>
+            <a:r>
+              <a:rPr b="0" lang="pt-BR" sz="4400" spc="-1" strike="noStrike">
+                <a:latin typeface="Arial"/>
+              </a:rPr>
+              <a:t>t</a:t>
+            </a:r>
+            <a:r>
+              <a:rPr b="0" lang="pt-BR" sz="4400" spc="-1" strike="noStrike">
+                <a:latin typeface="Arial"/>
+              </a:rPr>
+              <a:t>i</a:t>
+            </a:r>
+            <a:r>
+              <a:rPr b="0" lang="pt-BR" sz="4400" spc="-1" strike="noStrike">
+                <a:latin typeface="Arial"/>
+              </a:rPr>
+              <a:t>t</a:t>
+            </a:r>
+            <a:r>
+              <a:rPr b="0" lang="pt-BR" sz="4400" spc="-1" strike="noStrike">
+                <a:latin typeface="Arial"/>
+              </a:rPr>
+              <a:t>l</a:t>
+            </a:r>
+            <a:r>
+              <a:rPr b="0" lang="pt-BR" sz="4400" spc="-1" strike="noStrike">
+                <a:latin typeface="Arial"/>
+              </a:rPr>
+              <a:t>e</a:t>
+            </a:r>
+            <a:r>
+              <a:rPr b="0" lang="pt-BR" sz="4400" spc="-1" strike="noStrike">
+                <a:latin typeface="Arial"/>
+              </a:rPr>
+              <a:t> </a:t>
+            </a:r>
+            <a:r>
+              <a:rPr b="0" lang="pt-BR" sz="4400" spc="-1" strike="noStrike">
+                <a:latin typeface="Arial"/>
+              </a:rPr>
+              <a:t>t</a:t>
+            </a:r>
+            <a:r>
+              <a:rPr b="0" lang="pt-BR" sz="4400" spc="-1" strike="noStrike">
+                <a:latin typeface="Arial"/>
+              </a:rPr>
+              <a:t>e</a:t>
+            </a:r>
+            <a:r>
+              <a:rPr b="0" lang="pt-BR" sz="4400" spc="-1" strike="noStrike">
+                <a:latin typeface="Arial"/>
+              </a:rPr>
+              <a:t>x</a:t>
+            </a:r>
+            <a:r>
+              <a:rPr b="0" lang="pt-BR" sz="4400" spc="-1" strike="noStrike">
+                <a:latin typeface="Arial"/>
+              </a:rPr>
+              <a:t>t </a:t>
+            </a:r>
+            <a:r>
+              <a:rPr b="0" lang="pt-BR" sz="4400" spc="-1" strike="noStrike">
+                <a:latin typeface="Arial"/>
+              </a:rPr>
+              <a:t>f</a:t>
+            </a:r>
+            <a:r>
+              <a:rPr b="0" lang="pt-BR" sz="4400" spc="-1" strike="noStrike">
+                <a:latin typeface="Arial"/>
+              </a:rPr>
+              <a:t>o</a:t>
+            </a:r>
+            <a:r>
+              <a:rPr b="0" lang="pt-BR" sz="4400" spc="-1" strike="noStrike">
+                <a:latin typeface="Arial"/>
+              </a:rPr>
+              <a:t>r</a:t>
+            </a:r>
+            <a:r>
+              <a:rPr b="0" lang="pt-BR" sz="4400" spc="-1" strike="noStrike">
+                <a:latin typeface="Arial"/>
+              </a:rPr>
+              <a:t>m</a:t>
+            </a:r>
+            <a:r>
+              <a:rPr b="0" lang="pt-BR" sz="4400" spc="-1" strike="noStrike">
+                <a:latin typeface="Arial"/>
+              </a:rPr>
+              <a:t>a</a:t>
+            </a:r>
+            <a:r>
+              <a:rPr b="0" lang="pt-BR" sz="4400" spc="-1" strike="noStrike">
+                <a:latin typeface="Arial"/>
+              </a:rPr>
+              <a:t>t</a:t>
             </a:r>
             <a:endParaRPr b="0" lang="pt-BR" sz="4400" spc="-1" strike="noStrike">
               <a:latin typeface="Arial"/>
@@ -7458,7 +7956,7 @@
         <p:spPr>
           <a:xfrm>
             <a:off x="0" y="180000"/>
-            <a:ext cx="9712800" cy="1252800"/>
+            <a:ext cx="9712440" cy="1252440"/>
           </a:xfrm>
           <a:prstGeom prst="rect">
             <a:avLst/>
@@ -7486,7 +7984,7 @@
         <p:spPr>
           <a:xfrm>
             <a:off x="7560000" y="6840000"/>
-            <a:ext cx="2512800" cy="532800"/>
+            <a:ext cx="2512440" cy="532440"/>
           </a:xfrm>
           <a:prstGeom prst="rect">
             <a:avLst/>
@@ -7514,7 +8012,7 @@
         <p:spPr>
           <a:xfrm>
             <a:off x="900000" y="6840000"/>
-            <a:ext cx="6472800" cy="532800"/>
+            <a:ext cx="6472440" cy="532440"/>
           </a:xfrm>
           <a:prstGeom prst="rect">
             <a:avLst/>
@@ -7542,7 +8040,7 @@
         <p:spPr>
           <a:xfrm>
             <a:off x="180000" y="6840000"/>
-            <a:ext cx="532800" cy="532800"/>
+            <a:ext cx="532440" cy="532440"/>
           </a:xfrm>
           <a:prstGeom prst="rect">
             <a:avLst/>
@@ -7594,7 +8092,199 @@
               <a:rPr b="0" lang="pt-BR" sz="4400" spc="-1" strike="noStrike">
                 <a:latin typeface="Arial"/>
               </a:rPr>
-              <a:t>Click to edit the title text format</a:t>
+              <a:t>C</a:t>
+            </a:r>
+            <a:r>
+              <a:rPr b="0" lang="pt-BR" sz="4400" spc="-1" strike="noStrike">
+                <a:latin typeface="Arial"/>
+              </a:rPr>
+              <a:t>l</a:t>
+            </a:r>
+            <a:r>
+              <a:rPr b="0" lang="pt-BR" sz="4400" spc="-1" strike="noStrike">
+                <a:latin typeface="Arial"/>
+              </a:rPr>
+              <a:t>i</a:t>
+            </a:r>
+            <a:r>
+              <a:rPr b="0" lang="pt-BR" sz="4400" spc="-1" strike="noStrike">
+                <a:latin typeface="Arial"/>
+              </a:rPr>
+              <a:t>c</a:t>
+            </a:r>
+            <a:r>
+              <a:rPr b="0" lang="pt-BR" sz="4400" spc="-1" strike="noStrike">
+                <a:latin typeface="Arial"/>
+              </a:rPr>
+              <a:t>k</a:t>
+            </a:r>
+            <a:r>
+              <a:rPr b="0" lang="pt-BR" sz="4400" spc="-1" strike="noStrike">
+                <a:latin typeface="Arial"/>
+              </a:rPr>
+              <a:t> </a:t>
+            </a:r>
+            <a:r>
+              <a:rPr b="0" lang="pt-BR" sz="4400" spc="-1" strike="noStrike">
+                <a:latin typeface="Arial"/>
+              </a:rPr>
+              <a:t>t</a:t>
+            </a:r>
+            <a:r>
+              <a:rPr b="0" lang="pt-BR" sz="4400" spc="-1" strike="noStrike">
+                <a:latin typeface="Arial"/>
+              </a:rPr>
+              <a:t>o</a:t>
+            </a:r>
+            <a:r>
+              <a:rPr b="0" lang="pt-BR" sz="4400" spc="-1" strike="noStrike">
+                <a:latin typeface="Arial"/>
+              </a:rPr>
+              <a:t> </a:t>
+            </a:r>
+            <a:r>
+              <a:rPr b="0" lang="pt-BR" sz="4400" spc="-1" strike="noStrike">
+                <a:latin typeface="Arial"/>
+              </a:rPr>
+              <a:t>e</a:t>
+            </a:r>
+            <a:r>
+              <a:rPr b="0" lang="pt-BR" sz="4400" spc="-1" strike="noStrike">
+                <a:latin typeface="Arial"/>
+              </a:rPr>
+              <a:t>d</a:t>
+            </a:r>
+            <a:r>
+              <a:rPr b="0" lang="pt-BR" sz="4400" spc="-1" strike="noStrike">
+                <a:latin typeface="Arial"/>
+              </a:rPr>
+              <a:t>i</a:t>
+            </a:r>
+            <a:r>
+              <a:rPr b="0" lang="pt-BR" sz="4400" spc="-1" strike="noStrike">
+                <a:latin typeface="Arial"/>
+              </a:rPr>
+              <a:t>t </a:t>
+            </a:r>
+            <a:r>
+              <a:rPr b="0" lang="pt-BR" sz="4400" spc="-1" strike="noStrike">
+                <a:latin typeface="Arial"/>
+              </a:rPr>
+              <a:t>t</a:t>
+            </a:r>
+            <a:r>
+              <a:rPr b="0" lang="pt-BR" sz="4400" spc="-1" strike="noStrike">
+                <a:latin typeface="Arial"/>
+              </a:rPr>
+              <a:t>h</a:t>
+            </a:r>
+            <a:r>
+              <a:rPr b="0" lang="pt-BR" sz="4400" spc="-1" strike="noStrike">
+                <a:latin typeface="Arial"/>
+              </a:rPr>
+              <a:t>e</a:t>
+            </a:r>
+            <a:r>
+              <a:rPr b="0" lang="pt-BR" sz="4400" spc="-1" strike="noStrike">
+                <a:latin typeface="Arial"/>
+              </a:rPr>
+              <a:t> </a:t>
+            </a:r>
+            <a:r>
+              <a:rPr b="0" lang="pt-BR" sz="4400" spc="-1" strike="noStrike">
+                <a:latin typeface="Arial"/>
+              </a:rPr>
+              <a:t>t</a:t>
+            </a:r>
+            <a:r>
+              <a:rPr b="0" lang="pt-BR" sz="4400" spc="-1" strike="noStrike">
+                <a:latin typeface="Arial"/>
+              </a:rPr>
+              <a:t>i</a:t>
+            </a:r>
+            <a:r>
+              <a:rPr b="0" lang="pt-BR" sz="4400" spc="-1" strike="noStrike">
+                <a:latin typeface="Arial"/>
+              </a:rPr>
+              <a:t>t</a:t>
+            </a:r>
+            <a:r>
+              <a:rPr b="0" lang="pt-BR" sz="4400" spc="-1" strike="noStrike">
+                <a:latin typeface="Arial"/>
+              </a:rPr>
+              <a:t>l</a:t>
+            </a:r>
+            <a:r>
+              <a:rPr b="0" lang="pt-BR" sz="4400" spc="-1" strike="noStrike">
+                <a:latin typeface="Arial"/>
+              </a:rPr>
+              <a:t>e</a:t>
+            </a:r>
+            <a:r>
+              <a:rPr b="0" lang="pt-BR" sz="4400" spc="-1" strike="noStrike">
+                <a:latin typeface="Arial"/>
+              </a:rPr>
+              <a:t> </a:t>
+            </a:r>
+            <a:r>
+              <a:rPr b="0" lang="pt-BR" sz="4400" spc="-1" strike="noStrike">
+                <a:latin typeface="Arial"/>
+              </a:rPr>
+              <a:t>t</a:t>
+            </a:r>
+            <a:r>
+              <a:rPr b="0" lang="pt-BR" sz="4400" spc="-1" strike="noStrike">
+                <a:latin typeface="Arial"/>
+              </a:rPr>
+              <a:t>e</a:t>
+            </a:r>
+            <a:r>
+              <a:rPr b="0" lang="pt-BR" sz="4400" spc="-1" strike="noStrike">
+                <a:latin typeface="Arial"/>
+              </a:rPr>
+              <a:t>x</a:t>
+            </a:r>
+            <a:r>
+              <a:rPr b="0" lang="pt-BR" sz="4400" spc="-1" strike="noStrike">
+                <a:latin typeface="Arial"/>
+              </a:rPr>
+              <a:t>t </a:t>
+            </a:r>
+            <a:r>
+              <a:rPr b="0" lang="pt-BR" sz="4400" spc="-1" strike="noStrike">
+                <a:latin typeface="Arial"/>
+              </a:rPr>
+              <a:t>f</a:t>
+            </a:r>
+            <a:r>
+              <a:rPr b="0" lang="pt-BR" sz="4400" spc="-1" strike="noStrike">
+                <a:latin typeface="Arial"/>
+              </a:rPr>
+              <a:t>o</a:t>
+            </a:r>
+            <a:r>
+              <a:rPr b="0" lang="pt-BR" sz="4400" spc="-1" strike="noStrike">
+                <a:latin typeface="Arial"/>
+              </a:rPr>
+              <a:t>r</a:t>
+            </a:r>
+            <a:r>
+              <a:rPr b="0" lang="pt-BR" sz="4400" spc="-1" strike="noStrike">
+                <a:latin typeface="Arial"/>
+              </a:rPr>
+              <a:t>m</a:t>
+            </a:r>
+            <a:r>
+              <a:rPr b="0" lang="pt-BR" sz="4400" spc="-1" strike="noStrike">
+                <a:latin typeface="Arial"/>
+              </a:rPr>
+              <a:t>a</a:t>
+            </a:r>
+            <a:r>
+              <a:rPr b="0" lang="pt-BR" sz="4400" spc="-1" strike="noStrike">
+                <a:latin typeface="Arial"/>
+              </a:rPr>
+              <a:t>t</a:t>
             </a:r>
             <a:endParaRPr b="0" lang="pt-BR" sz="4400" spc="-1" strike="noStrike">
               <a:latin typeface="Arial"/>
@@ -7838,7 +8528,7 @@
         <p:spPr>
           <a:xfrm>
             <a:off x="0" y="3150000"/>
-            <a:ext cx="9712800" cy="1252800"/>
+            <a:ext cx="9712440" cy="1252440"/>
           </a:xfrm>
           <a:prstGeom prst="rect">
             <a:avLst/>
@@ -7892,7 +8582,199 @@
               <a:rPr b="0" lang="pt-BR" sz="4400" spc="-1" strike="noStrike">
                 <a:latin typeface="Arial"/>
               </a:rPr>
-              <a:t>Click to edit the title text format</a:t>
+              <a:t>C</a:t>
+            </a:r>
+            <a:r>
+              <a:rPr b="0" lang="pt-BR" sz="4400" spc="-1" strike="noStrike">
+                <a:latin typeface="Arial"/>
+              </a:rPr>
+              <a:t>l</a:t>
+            </a:r>
+            <a:r>
+              <a:rPr b="0" lang="pt-BR" sz="4400" spc="-1" strike="noStrike">
+                <a:latin typeface="Arial"/>
+              </a:rPr>
+              <a:t>i</a:t>
+            </a:r>
+            <a:r>
+              <a:rPr b="0" lang="pt-BR" sz="4400" spc="-1" strike="noStrike">
+                <a:latin typeface="Arial"/>
+              </a:rPr>
+              <a:t>c</a:t>
+            </a:r>
+            <a:r>
+              <a:rPr b="0" lang="pt-BR" sz="4400" spc="-1" strike="noStrike">
+                <a:latin typeface="Arial"/>
+              </a:rPr>
+              <a:t>k</a:t>
+            </a:r>
+            <a:r>
+              <a:rPr b="0" lang="pt-BR" sz="4400" spc="-1" strike="noStrike">
+                <a:latin typeface="Arial"/>
+              </a:rPr>
+              <a:t> </a:t>
+            </a:r>
+            <a:r>
+              <a:rPr b="0" lang="pt-BR" sz="4400" spc="-1" strike="noStrike">
+                <a:latin typeface="Arial"/>
+              </a:rPr>
+              <a:t>t</a:t>
+            </a:r>
+            <a:r>
+              <a:rPr b="0" lang="pt-BR" sz="4400" spc="-1" strike="noStrike">
+                <a:latin typeface="Arial"/>
+              </a:rPr>
+              <a:t>o</a:t>
+            </a:r>
+            <a:r>
+              <a:rPr b="0" lang="pt-BR" sz="4400" spc="-1" strike="noStrike">
+                <a:latin typeface="Arial"/>
+              </a:rPr>
+              <a:t> </a:t>
+            </a:r>
+            <a:r>
+              <a:rPr b="0" lang="pt-BR" sz="4400" spc="-1" strike="noStrike">
+                <a:latin typeface="Arial"/>
+              </a:rPr>
+              <a:t>e</a:t>
+            </a:r>
+            <a:r>
+              <a:rPr b="0" lang="pt-BR" sz="4400" spc="-1" strike="noStrike">
+                <a:latin typeface="Arial"/>
+              </a:rPr>
+              <a:t>d</a:t>
+            </a:r>
+            <a:r>
+              <a:rPr b="0" lang="pt-BR" sz="4400" spc="-1" strike="noStrike">
+                <a:latin typeface="Arial"/>
+              </a:rPr>
+              <a:t>i</a:t>
+            </a:r>
+            <a:r>
+              <a:rPr b="0" lang="pt-BR" sz="4400" spc="-1" strike="noStrike">
+                <a:latin typeface="Arial"/>
+              </a:rPr>
+              <a:t>t </a:t>
+            </a:r>
+            <a:r>
+              <a:rPr b="0" lang="pt-BR" sz="4400" spc="-1" strike="noStrike">
+                <a:latin typeface="Arial"/>
+              </a:rPr>
+              <a:t>t</a:t>
+            </a:r>
+            <a:r>
+              <a:rPr b="0" lang="pt-BR" sz="4400" spc="-1" strike="noStrike">
+                <a:latin typeface="Arial"/>
+              </a:rPr>
+              <a:t>h</a:t>
+            </a:r>
+            <a:r>
+              <a:rPr b="0" lang="pt-BR" sz="4400" spc="-1" strike="noStrike">
+                <a:latin typeface="Arial"/>
+              </a:rPr>
+              <a:t>e</a:t>
+            </a:r>
+            <a:r>
+              <a:rPr b="0" lang="pt-BR" sz="4400" spc="-1" strike="noStrike">
+                <a:latin typeface="Arial"/>
+              </a:rPr>
+              <a:t> </a:t>
+            </a:r>
+            <a:r>
+              <a:rPr b="0" lang="pt-BR" sz="4400" spc="-1" strike="noStrike">
+                <a:latin typeface="Arial"/>
+              </a:rPr>
+              <a:t>t</a:t>
+            </a:r>
+            <a:r>
+              <a:rPr b="0" lang="pt-BR" sz="4400" spc="-1" strike="noStrike">
+                <a:latin typeface="Arial"/>
+              </a:rPr>
+              <a:t>i</a:t>
+            </a:r>
+            <a:r>
+              <a:rPr b="0" lang="pt-BR" sz="4400" spc="-1" strike="noStrike">
+                <a:latin typeface="Arial"/>
+              </a:rPr>
+              <a:t>t</a:t>
+            </a:r>
+            <a:r>
+              <a:rPr b="0" lang="pt-BR" sz="4400" spc="-1" strike="noStrike">
+                <a:latin typeface="Arial"/>
+              </a:rPr>
+              <a:t>l</a:t>
+            </a:r>
+            <a:r>
+              <a:rPr b="0" lang="pt-BR" sz="4400" spc="-1" strike="noStrike">
+                <a:latin typeface="Arial"/>
+              </a:rPr>
+              <a:t>e</a:t>
+            </a:r>
+            <a:r>
+              <a:rPr b="0" lang="pt-BR" sz="4400" spc="-1" strike="noStrike">
+                <a:latin typeface="Arial"/>
+              </a:rPr>
+              <a:t> </a:t>
+            </a:r>
+            <a:r>
+              <a:rPr b="0" lang="pt-BR" sz="4400" spc="-1" strike="noStrike">
+                <a:latin typeface="Arial"/>
+              </a:rPr>
+              <a:t>t</a:t>
+            </a:r>
+            <a:r>
+              <a:rPr b="0" lang="pt-BR" sz="4400" spc="-1" strike="noStrike">
+                <a:latin typeface="Arial"/>
+              </a:rPr>
+              <a:t>e</a:t>
+            </a:r>
+            <a:r>
+              <a:rPr b="0" lang="pt-BR" sz="4400" spc="-1" strike="noStrike">
+                <a:latin typeface="Arial"/>
+              </a:rPr>
+              <a:t>x</a:t>
+            </a:r>
+            <a:r>
+              <a:rPr b="0" lang="pt-BR" sz="4400" spc="-1" strike="noStrike">
+                <a:latin typeface="Arial"/>
+              </a:rPr>
+              <a:t>t </a:t>
+            </a:r>
+            <a:r>
+              <a:rPr b="0" lang="pt-BR" sz="4400" spc="-1" strike="noStrike">
+                <a:latin typeface="Arial"/>
+              </a:rPr>
+              <a:t>f</a:t>
+            </a:r>
+            <a:r>
+              <a:rPr b="0" lang="pt-BR" sz="4400" spc="-1" strike="noStrike">
+                <a:latin typeface="Arial"/>
+              </a:rPr>
+              <a:t>o</a:t>
+            </a:r>
+            <a:r>
+              <a:rPr b="0" lang="pt-BR" sz="4400" spc="-1" strike="noStrike">
+                <a:latin typeface="Arial"/>
+              </a:rPr>
+              <a:t>r</a:t>
+            </a:r>
+            <a:r>
+              <a:rPr b="0" lang="pt-BR" sz="4400" spc="-1" strike="noStrike">
+                <a:latin typeface="Arial"/>
+              </a:rPr>
+              <a:t>m</a:t>
+            </a:r>
+            <a:r>
+              <a:rPr b="0" lang="pt-BR" sz="4400" spc="-1" strike="noStrike">
+                <a:latin typeface="Arial"/>
+              </a:rPr>
+              <a:t>a</a:t>
+            </a:r>
+            <a:r>
+              <a:rPr b="0" lang="pt-BR" sz="4400" spc="-1" strike="noStrike">
+                <a:latin typeface="Arial"/>
+              </a:rPr>
+              <a:t>t</a:t>
             </a:r>
             <a:endParaRPr b="0" lang="pt-BR" sz="4400" spc="-1" strike="noStrike">
               <a:latin typeface="Arial"/>
@@ -8129,7 +9011,7 @@
         <p:spPr>
           <a:xfrm>
             <a:off x="360000" y="3330000"/>
-            <a:ext cx="9352800" cy="892800"/>
+            <a:ext cx="9352440" cy="892440"/>
           </a:xfrm>
           <a:prstGeom prst="rect">
             <a:avLst/>
@@ -8181,7 +9063,7 @@
         <p:spPr>
           <a:xfrm>
             <a:off x="540000" y="4680000"/>
-            <a:ext cx="9172800" cy="2512800"/>
+            <a:ext cx="9172440" cy="2512440"/>
           </a:xfrm>
           <a:prstGeom prst="rect">
             <a:avLst/>
@@ -8379,14 +9261,14 @@
       </p:grpSpPr>
       <p:sp>
         <p:nvSpPr>
-          <p:cNvPr id="188" name="CustomShape 88"/>
+          <p:cNvPr id="180" name="CustomShape 88"/>
           <p:cNvSpPr/>
           <p:nvPr/>
         </p:nvSpPr>
         <p:spPr>
           <a:xfrm>
             <a:off x="360000" y="360000"/>
-            <a:ext cx="9352800" cy="892800"/>
+            <a:ext cx="9352440" cy="892440"/>
           </a:xfrm>
           <a:prstGeom prst="rect">
             <a:avLst/>
@@ -8431,14 +9313,14 @@
       </p:sp>
       <p:sp>
         <p:nvSpPr>
-          <p:cNvPr id="189" name="CustomShape 89"/>
+          <p:cNvPr id="181" name="CustomShape 89"/>
           <p:cNvSpPr/>
           <p:nvPr/>
         </p:nvSpPr>
         <p:spPr>
           <a:xfrm>
             <a:off x="360000" y="1620000"/>
-            <a:ext cx="9307080" cy="4672800"/>
+            <a:ext cx="9306720" cy="4672440"/>
           </a:xfrm>
           <a:prstGeom prst="rect">
             <a:avLst/>
@@ -8504,14 +9386,14 @@
       </p:sp>
       <p:sp>
         <p:nvSpPr>
-          <p:cNvPr id="190" name="CustomShape 90"/>
+          <p:cNvPr id="182" name="CustomShape 90"/>
           <p:cNvSpPr/>
           <p:nvPr/>
         </p:nvSpPr>
         <p:spPr>
           <a:xfrm>
             <a:off x="7608600" y="6886080"/>
-            <a:ext cx="2278080" cy="357840"/>
+            <a:ext cx="2277720" cy="357480"/>
           </a:xfrm>
           <a:prstGeom prst="rect">
             <a:avLst/>
@@ -8567,14 +9449,14 @@
       </p:sp>
       <p:sp>
         <p:nvSpPr>
-          <p:cNvPr id="191" name="CustomShape 91"/>
+          <p:cNvPr id="183" name="CustomShape 91"/>
           <p:cNvSpPr/>
           <p:nvPr/>
         </p:nvSpPr>
         <p:spPr>
           <a:xfrm>
             <a:off x="897120" y="6886080"/>
-            <a:ext cx="6440040" cy="357840"/>
+            <a:ext cx="6439680" cy="357480"/>
           </a:xfrm>
           <a:prstGeom prst="rect">
             <a:avLst/>
@@ -8619,14 +9501,14 @@
       </p:sp>
       <p:sp>
         <p:nvSpPr>
-          <p:cNvPr id="192" name="CustomShape 92"/>
+          <p:cNvPr id="184" name="CustomShape 92"/>
           <p:cNvSpPr/>
           <p:nvPr/>
         </p:nvSpPr>
         <p:spPr>
           <a:xfrm>
             <a:off x="360000" y="1764000"/>
-            <a:ext cx="9307080" cy="4672800"/>
+            <a:ext cx="9306720" cy="4672440"/>
           </a:xfrm>
           <a:prstGeom prst="rect">
             <a:avLst/>
@@ -8776,7 +9658,7 @@
       </p:sp>
       <p:pic>
         <p:nvPicPr>
-          <p:cNvPr id="193" name="" descr=""/>
+          <p:cNvPr id="185" name="" descr=""/>
           <p:cNvPicPr/>
           <p:nvPr/>
         </p:nvPicPr>
@@ -8787,7 +9669,7 @@
         <p:spPr>
           <a:xfrm>
             <a:off x="2087280" y="2201760"/>
-            <a:ext cx="6192000" cy="1937520"/>
+            <a:ext cx="6191640" cy="1937160"/>
           </a:xfrm>
           <a:prstGeom prst="rect">
             <a:avLst/>
@@ -8799,7 +9681,7 @@
       </p:pic>
       <p:pic>
         <p:nvPicPr>
-          <p:cNvPr id="194" name="" descr=""/>
+          <p:cNvPr id="186" name="" descr=""/>
           <p:cNvPicPr/>
           <p:nvPr/>
         </p:nvPicPr>
@@ -8810,7 +9692,7 @@
         <p:spPr>
           <a:xfrm>
             <a:off x="6617880" y="1047960"/>
-            <a:ext cx="3059640" cy="932040"/>
+            <a:ext cx="3059280" cy="931680"/>
           </a:xfrm>
           <a:prstGeom prst="rect">
             <a:avLst/>
@@ -8822,7 +9704,7 @@
       </p:pic>
       <p:pic>
         <p:nvPicPr>
-          <p:cNvPr id="195" name="" descr=""/>
+          <p:cNvPr id="187" name="" descr=""/>
           <p:cNvPicPr/>
           <p:nvPr/>
         </p:nvPicPr>
@@ -8834,7 +9716,7 @@
         <p:spPr>
           <a:xfrm>
             <a:off x="3060000" y="4349520"/>
-            <a:ext cx="4648680" cy="2071440"/>
+            <a:ext cx="4648320" cy="2071080"/>
           </a:xfrm>
           <a:prstGeom prst="rect">
             <a:avLst/>
@@ -8846,14 +9728,14 @@
       </p:pic>
       <p:sp>
         <p:nvSpPr>
-          <p:cNvPr id="196" name=""/>
+          <p:cNvPr id="188" name=""/>
           <p:cNvSpPr/>
           <p:nvPr/>
         </p:nvSpPr>
         <p:spPr>
           <a:xfrm>
             <a:off x="3069720" y="4335480"/>
-            <a:ext cx="402120" cy="2076840"/>
+            <a:ext cx="401760" cy="2076480"/>
           </a:xfrm>
           <a:prstGeom prst="rect">
             <a:avLst/>
@@ -8988,14 +9870,14 @@
       </p:sp>
       <p:sp>
         <p:nvSpPr>
-          <p:cNvPr id="197" name=""/>
+          <p:cNvPr id="189" name=""/>
           <p:cNvSpPr/>
           <p:nvPr/>
         </p:nvSpPr>
         <p:spPr>
           <a:xfrm>
             <a:off x="3495600" y="4335480"/>
-            <a:ext cx="402120" cy="2076840"/>
+            <a:ext cx="401760" cy="2076480"/>
           </a:xfrm>
           <a:prstGeom prst="rect">
             <a:avLst/>
@@ -9088,14 +9970,14 @@
       </p:sp>
       <p:sp>
         <p:nvSpPr>
-          <p:cNvPr id="198" name=""/>
+          <p:cNvPr id="190" name=""/>
           <p:cNvSpPr/>
           <p:nvPr/>
         </p:nvSpPr>
         <p:spPr>
           <a:xfrm>
             <a:off x="3920760" y="4335480"/>
-            <a:ext cx="401760" cy="2076840"/>
+            <a:ext cx="401400" cy="2076480"/>
           </a:xfrm>
           <a:prstGeom prst="rect">
             <a:avLst/>
@@ -9188,14 +10070,14 @@
       </p:sp>
       <p:sp>
         <p:nvSpPr>
-          <p:cNvPr id="199" name=""/>
+          <p:cNvPr id="191" name=""/>
           <p:cNvSpPr/>
           <p:nvPr/>
         </p:nvSpPr>
         <p:spPr>
           <a:xfrm>
             <a:off x="4346640" y="4335480"/>
-            <a:ext cx="402120" cy="2076840"/>
+            <a:ext cx="401760" cy="2076480"/>
           </a:xfrm>
           <a:prstGeom prst="rect">
             <a:avLst/>
@@ -9288,14 +10170,14 @@
       </p:sp>
       <p:sp>
         <p:nvSpPr>
-          <p:cNvPr id="200" name=""/>
+          <p:cNvPr id="192" name=""/>
           <p:cNvSpPr/>
           <p:nvPr/>
         </p:nvSpPr>
         <p:spPr>
           <a:xfrm>
             <a:off x="4772160" y="4335480"/>
-            <a:ext cx="402120" cy="2076840"/>
+            <a:ext cx="401760" cy="2076480"/>
           </a:xfrm>
           <a:prstGeom prst="rect">
             <a:avLst/>
@@ -9346,14 +10228,14 @@
       </p:sp>
       <p:sp>
         <p:nvSpPr>
-          <p:cNvPr id="201" name=""/>
+          <p:cNvPr id="193" name=""/>
           <p:cNvSpPr/>
           <p:nvPr/>
         </p:nvSpPr>
         <p:spPr>
           <a:xfrm>
             <a:off x="5201640" y="4344120"/>
-            <a:ext cx="402120" cy="2076840"/>
+            <a:ext cx="401760" cy="2076480"/>
           </a:xfrm>
           <a:prstGeom prst="rect">
             <a:avLst/>
@@ -9488,14 +10370,14 @@
       </p:sp>
       <p:sp>
         <p:nvSpPr>
-          <p:cNvPr id="202" name=""/>
+          <p:cNvPr id="194" name=""/>
           <p:cNvSpPr/>
           <p:nvPr/>
         </p:nvSpPr>
         <p:spPr>
           <a:xfrm>
             <a:off x="5627160" y="4344120"/>
-            <a:ext cx="402120" cy="2076840"/>
+            <a:ext cx="401760" cy="2076480"/>
           </a:xfrm>
           <a:prstGeom prst="rect">
             <a:avLst/>
@@ -9630,14 +10512,14 @@
       </p:sp>
       <p:sp>
         <p:nvSpPr>
-          <p:cNvPr id="203" name=""/>
+          <p:cNvPr id="195" name=""/>
           <p:cNvSpPr/>
           <p:nvPr/>
         </p:nvSpPr>
         <p:spPr>
           <a:xfrm>
             <a:off x="6029280" y="4359960"/>
-            <a:ext cx="402120" cy="2076840"/>
+            <a:ext cx="401760" cy="2076480"/>
           </a:xfrm>
           <a:prstGeom prst="rect">
             <a:avLst/>
@@ -9730,14 +10612,14 @@
       </p:sp>
       <p:sp>
         <p:nvSpPr>
-          <p:cNvPr id="204" name=""/>
+          <p:cNvPr id="196" name=""/>
           <p:cNvSpPr/>
           <p:nvPr/>
         </p:nvSpPr>
         <p:spPr>
           <a:xfrm>
             <a:off x="6455160" y="4359960"/>
-            <a:ext cx="402120" cy="2076840"/>
+            <a:ext cx="401760" cy="2076480"/>
           </a:xfrm>
           <a:prstGeom prst="rect">
             <a:avLst/>
@@ -9788,14 +10670,14 @@
       </p:sp>
       <p:sp>
         <p:nvSpPr>
-          <p:cNvPr id="205" name=""/>
+          <p:cNvPr id="197" name=""/>
           <p:cNvSpPr/>
           <p:nvPr/>
         </p:nvSpPr>
         <p:spPr>
           <a:xfrm>
             <a:off x="6880680" y="4359960"/>
-            <a:ext cx="402120" cy="2076840"/>
+            <a:ext cx="401760" cy="2076480"/>
           </a:xfrm>
           <a:prstGeom prst="rect">
             <a:avLst/>
@@ -9846,14 +10728,14 @@
       </p:sp>
       <p:sp>
         <p:nvSpPr>
-          <p:cNvPr id="206" name=""/>
+          <p:cNvPr id="198" name=""/>
           <p:cNvSpPr/>
           <p:nvPr/>
         </p:nvSpPr>
         <p:spPr>
           <a:xfrm>
             <a:off x="7306560" y="4359960"/>
-            <a:ext cx="402120" cy="2076840"/>
+            <a:ext cx="401760" cy="2076480"/>
           </a:xfrm>
           <a:prstGeom prst="rect">
             <a:avLst/>
@@ -9934,14 +10816,14 @@
       </p:grpSpPr>
       <p:sp>
         <p:nvSpPr>
-          <p:cNvPr id="207" name="CustomShape 25"/>
+          <p:cNvPr id="199" name="CustomShape 25"/>
           <p:cNvSpPr/>
           <p:nvPr/>
         </p:nvSpPr>
         <p:spPr>
           <a:xfrm>
             <a:off x="360000" y="360000"/>
-            <a:ext cx="9352800" cy="892800"/>
+            <a:ext cx="9352440" cy="892440"/>
           </a:xfrm>
           <a:prstGeom prst="rect">
             <a:avLst/>
@@ -9986,14 +10868,14 @@
       </p:sp>
       <p:sp>
         <p:nvSpPr>
-          <p:cNvPr id="208" name="CustomShape 26"/>
+          <p:cNvPr id="200" name="CustomShape 26"/>
           <p:cNvSpPr/>
           <p:nvPr/>
         </p:nvSpPr>
         <p:spPr>
           <a:xfrm>
             <a:off x="360000" y="1620000"/>
-            <a:ext cx="9307080" cy="4672800"/>
+            <a:ext cx="9306720" cy="4672440"/>
           </a:xfrm>
           <a:prstGeom prst="rect">
             <a:avLst/>
@@ -10059,14 +10941,14 @@
       </p:sp>
       <p:sp>
         <p:nvSpPr>
-          <p:cNvPr id="209" name="CustomShape 27"/>
+          <p:cNvPr id="201" name="CustomShape 27"/>
           <p:cNvSpPr/>
           <p:nvPr/>
         </p:nvSpPr>
         <p:spPr>
           <a:xfrm>
             <a:off x="7608600" y="6886080"/>
-            <a:ext cx="2278080" cy="357840"/>
+            <a:ext cx="2277720" cy="357480"/>
           </a:xfrm>
           <a:prstGeom prst="rect">
             <a:avLst/>
@@ -10122,14 +11004,14 @@
       </p:sp>
       <p:sp>
         <p:nvSpPr>
-          <p:cNvPr id="210" name="CustomShape 28"/>
+          <p:cNvPr id="202" name="CustomShape 28"/>
           <p:cNvSpPr/>
           <p:nvPr/>
         </p:nvSpPr>
         <p:spPr>
           <a:xfrm>
             <a:off x="897120" y="6886080"/>
-            <a:ext cx="6440040" cy="357840"/>
+            <a:ext cx="6439680" cy="357480"/>
           </a:xfrm>
           <a:prstGeom prst="rect">
             <a:avLst/>
@@ -10174,14 +11056,14 @@
       </p:sp>
       <p:sp>
         <p:nvSpPr>
-          <p:cNvPr id="211" name="CustomShape 29"/>
+          <p:cNvPr id="203" name="CustomShape 29"/>
           <p:cNvSpPr/>
           <p:nvPr/>
         </p:nvSpPr>
         <p:spPr>
           <a:xfrm>
             <a:off x="360000" y="1764000"/>
-            <a:ext cx="9307080" cy="4672800"/>
+            <a:ext cx="9306720" cy="4672440"/>
           </a:xfrm>
           <a:prstGeom prst="rect">
             <a:avLst/>
@@ -10490,7 +11372,7 @@
       </p:sp>
       <p:pic>
         <p:nvPicPr>
-          <p:cNvPr id="212" name="" descr=""/>
+          <p:cNvPr id="204" name="" descr=""/>
           <p:cNvPicPr/>
           <p:nvPr/>
         </p:nvPicPr>
@@ -10502,7 +11384,7 @@
         <p:spPr>
           <a:xfrm>
             <a:off x="2134440" y="2922480"/>
-            <a:ext cx="5784840" cy="3556800"/>
+            <a:ext cx="5784480" cy="3556440"/>
           </a:xfrm>
           <a:prstGeom prst="rect">
             <a:avLst/>
@@ -10514,7 +11396,7 @@
       </p:pic>
       <p:pic>
         <p:nvPicPr>
-          <p:cNvPr id="213" name="" descr=""/>
+          <p:cNvPr id="205" name="" descr=""/>
           <p:cNvPicPr/>
           <p:nvPr/>
         </p:nvPicPr>
@@ -10525,7 +11407,7 @@
         <p:spPr>
           <a:xfrm>
             <a:off x="6617520" y="1047600"/>
-            <a:ext cx="3059640" cy="932040"/>
+            <a:ext cx="3059280" cy="931680"/>
           </a:xfrm>
           <a:prstGeom prst="rect">
             <a:avLst/>
@@ -10567,14 +11449,14 @@
       </p:grpSpPr>
       <p:sp>
         <p:nvSpPr>
-          <p:cNvPr id="214" name="CustomShape 41"/>
+          <p:cNvPr id="206" name="CustomShape 41"/>
           <p:cNvSpPr/>
           <p:nvPr/>
         </p:nvSpPr>
         <p:spPr>
           <a:xfrm>
             <a:off x="360000" y="360000"/>
-            <a:ext cx="9352800" cy="892800"/>
+            <a:ext cx="9352440" cy="892440"/>
           </a:xfrm>
           <a:prstGeom prst="rect">
             <a:avLst/>
@@ -10619,14 +11501,14 @@
       </p:sp>
       <p:sp>
         <p:nvSpPr>
-          <p:cNvPr id="215" name="CustomShape 42"/>
+          <p:cNvPr id="207" name="CustomShape 42"/>
           <p:cNvSpPr/>
           <p:nvPr/>
         </p:nvSpPr>
         <p:spPr>
           <a:xfrm>
             <a:off x="360000" y="1620000"/>
-            <a:ext cx="9307080" cy="4672800"/>
+            <a:ext cx="9306720" cy="4672440"/>
           </a:xfrm>
           <a:prstGeom prst="rect">
             <a:avLst/>
@@ -10692,14 +11574,14 @@
       </p:sp>
       <p:sp>
         <p:nvSpPr>
-          <p:cNvPr id="216" name="CustomShape 43"/>
+          <p:cNvPr id="208" name="CustomShape 43"/>
           <p:cNvSpPr/>
           <p:nvPr/>
         </p:nvSpPr>
         <p:spPr>
           <a:xfrm>
             <a:off x="7608600" y="6886080"/>
-            <a:ext cx="2278080" cy="357840"/>
+            <a:ext cx="2277720" cy="357480"/>
           </a:xfrm>
           <a:prstGeom prst="rect">
             <a:avLst/>
@@ -10755,14 +11637,14 @@
       </p:sp>
       <p:sp>
         <p:nvSpPr>
-          <p:cNvPr id="217" name="CustomShape 54"/>
+          <p:cNvPr id="209" name="CustomShape 54"/>
           <p:cNvSpPr/>
           <p:nvPr/>
         </p:nvSpPr>
         <p:spPr>
           <a:xfrm>
             <a:off x="897120" y="6886080"/>
-            <a:ext cx="6440040" cy="357840"/>
+            <a:ext cx="6439680" cy="357480"/>
           </a:xfrm>
           <a:prstGeom prst="rect">
             <a:avLst/>
@@ -10807,14 +11689,14 @@
       </p:sp>
       <p:sp>
         <p:nvSpPr>
-          <p:cNvPr id="218" name="CustomShape 55"/>
+          <p:cNvPr id="210" name="CustomShape 55"/>
           <p:cNvSpPr/>
           <p:nvPr/>
         </p:nvSpPr>
         <p:spPr>
           <a:xfrm>
             <a:off x="360000" y="1764000"/>
-            <a:ext cx="9307080" cy="4672800"/>
+            <a:ext cx="9306720" cy="4672440"/>
           </a:xfrm>
           <a:prstGeom prst="rect">
             <a:avLst/>
@@ -11193,7 +12075,7 @@
       </p:sp>
       <p:pic>
         <p:nvPicPr>
-          <p:cNvPr id="219" name="" descr=""/>
+          <p:cNvPr id="211" name="" descr=""/>
           <p:cNvPicPr/>
           <p:nvPr/>
         </p:nvPicPr>
@@ -11205,7 +12087,7 @@
         <p:spPr>
           <a:xfrm>
             <a:off x="720000" y="4428000"/>
-            <a:ext cx="5758920" cy="2368800"/>
+            <a:ext cx="5758560" cy="2368440"/>
           </a:xfrm>
           <a:prstGeom prst="rect">
             <a:avLst/>
@@ -11217,7 +12099,7 @@
       </p:pic>
       <p:pic>
         <p:nvPicPr>
-          <p:cNvPr id="220" name="" descr=""/>
+          <p:cNvPr id="212" name="" descr=""/>
           <p:cNvPicPr/>
           <p:nvPr/>
         </p:nvPicPr>
@@ -11228,7 +12110,7 @@
         <p:spPr>
           <a:xfrm>
             <a:off x="6617520" y="1047600"/>
-            <a:ext cx="3059640" cy="932040"/>
+            <a:ext cx="3059280" cy="931680"/>
           </a:xfrm>
           <a:prstGeom prst="rect">
             <a:avLst/>
@@ -11240,7 +12122,7 @@
       </p:pic>
       <p:pic>
         <p:nvPicPr>
-          <p:cNvPr id="221" name="" descr=""/>
+          <p:cNvPr id="213" name="" descr=""/>
           <p:cNvPicPr/>
           <p:nvPr/>
         </p:nvPicPr>
@@ -11251,7 +12133,7 @@
         <p:spPr>
           <a:xfrm>
             <a:off x="7200000" y="4813560"/>
-            <a:ext cx="2044800" cy="1623240"/>
+            <a:ext cx="2044440" cy="1622880"/>
           </a:xfrm>
           <a:prstGeom prst="rect">
             <a:avLst/>
@@ -11263,7 +12145,7 @@
       </p:pic>
       <p:pic>
         <p:nvPicPr>
-          <p:cNvPr id="222" name="" descr=""/>
+          <p:cNvPr id="214" name="" descr=""/>
           <p:cNvPicPr/>
           <p:nvPr/>
         </p:nvPicPr>
@@ -11275,7 +12157,7 @@
         <p:spPr>
           <a:xfrm>
             <a:off x="3240000" y="2602800"/>
-            <a:ext cx="3959280" cy="1896480"/>
+            <a:ext cx="3958920" cy="1896120"/>
           </a:xfrm>
           <a:prstGeom prst="rect">
             <a:avLst/>
@@ -11317,14 +12199,14 @@
       </p:grpSpPr>
       <p:sp>
         <p:nvSpPr>
-          <p:cNvPr id="223" name="CustomShape 39"/>
+          <p:cNvPr id="215" name="CustomShape 39"/>
           <p:cNvSpPr/>
           <p:nvPr/>
         </p:nvSpPr>
         <p:spPr>
           <a:xfrm>
             <a:off x="360000" y="360000"/>
-            <a:ext cx="9352800" cy="892800"/>
+            <a:ext cx="9352440" cy="892440"/>
           </a:xfrm>
           <a:prstGeom prst="rect">
             <a:avLst/>
@@ -11369,14 +12251,14 @@
       </p:sp>
       <p:sp>
         <p:nvSpPr>
-          <p:cNvPr id="224" name="CustomShape 44"/>
+          <p:cNvPr id="216" name="CustomShape 44"/>
           <p:cNvSpPr/>
           <p:nvPr/>
         </p:nvSpPr>
         <p:spPr>
           <a:xfrm>
             <a:off x="360000" y="1620000"/>
-            <a:ext cx="9307080" cy="4672800"/>
+            <a:ext cx="9306720" cy="4672440"/>
           </a:xfrm>
           <a:prstGeom prst="rect">
             <a:avLst/>
@@ -11442,14 +12324,14 @@
       </p:sp>
       <p:sp>
         <p:nvSpPr>
-          <p:cNvPr id="225" name="CustomShape 51"/>
+          <p:cNvPr id="217" name="CustomShape 51"/>
           <p:cNvSpPr/>
           <p:nvPr/>
         </p:nvSpPr>
         <p:spPr>
           <a:xfrm>
             <a:off x="7608600" y="6886080"/>
-            <a:ext cx="2278080" cy="357840"/>
+            <a:ext cx="2277720" cy="357480"/>
           </a:xfrm>
           <a:prstGeom prst="rect">
             <a:avLst/>
@@ -11505,14 +12387,14 @@
       </p:sp>
       <p:sp>
         <p:nvSpPr>
-          <p:cNvPr id="226" name="CustomShape 52"/>
+          <p:cNvPr id="218" name="CustomShape 52"/>
           <p:cNvSpPr/>
           <p:nvPr/>
         </p:nvSpPr>
         <p:spPr>
           <a:xfrm>
             <a:off x="897120" y="6886080"/>
-            <a:ext cx="6440040" cy="357840"/>
+            <a:ext cx="6439680" cy="357480"/>
           </a:xfrm>
           <a:prstGeom prst="rect">
             <a:avLst/>
@@ -11557,14 +12439,14 @@
       </p:sp>
       <p:sp>
         <p:nvSpPr>
-          <p:cNvPr id="227" name="CustomShape 53"/>
+          <p:cNvPr id="219" name="CustomShape 53"/>
           <p:cNvSpPr/>
           <p:nvPr/>
         </p:nvSpPr>
         <p:spPr>
           <a:xfrm>
             <a:off x="360000" y="1764000"/>
-            <a:ext cx="9307080" cy="4672800"/>
+            <a:ext cx="9306720" cy="4672440"/>
           </a:xfrm>
           <a:prstGeom prst="rect">
             <a:avLst/>
@@ -11972,7 +12854,7 @@
       </p:sp>
       <p:pic>
         <p:nvPicPr>
-          <p:cNvPr id="228" name="" descr=""/>
+          <p:cNvPr id="220" name="" descr=""/>
           <p:cNvPicPr/>
           <p:nvPr/>
         </p:nvPicPr>
@@ -11983,7 +12865,7 @@
         <p:spPr>
           <a:xfrm>
             <a:off x="6617160" y="1047240"/>
-            <a:ext cx="3059640" cy="932040"/>
+            <a:ext cx="3059280" cy="931680"/>
           </a:xfrm>
           <a:prstGeom prst="rect">
             <a:avLst/>
@@ -11995,7 +12877,7 @@
       </p:pic>
       <p:pic>
         <p:nvPicPr>
-          <p:cNvPr id="229" name="" descr=""/>
+          <p:cNvPr id="221" name="" descr=""/>
           <p:cNvPicPr/>
           <p:nvPr/>
         </p:nvPicPr>
@@ -12007,7 +12889,7 @@
         <p:spPr>
           <a:xfrm>
             <a:off x="360000" y="3060000"/>
-            <a:ext cx="5255280" cy="1799280"/>
+            <a:ext cx="5254920" cy="1798920"/>
           </a:xfrm>
           <a:prstGeom prst="rect">
             <a:avLst/>
@@ -12019,7 +12901,7 @@
       </p:pic>
       <p:pic>
         <p:nvPicPr>
-          <p:cNvPr id="230" name="" descr=""/>
+          <p:cNvPr id="222" name="" descr=""/>
           <p:cNvPicPr/>
           <p:nvPr/>
         </p:nvPicPr>
@@ -12030,7 +12912,7 @@
         <p:spPr>
           <a:xfrm>
             <a:off x="5603400" y="4500000"/>
-            <a:ext cx="3935880" cy="2165040"/>
+            <a:ext cx="3935520" cy="2164680"/>
           </a:xfrm>
           <a:prstGeom prst="rect">
             <a:avLst/>
@@ -12072,14 +12954,14 @@
       </p:grpSpPr>
       <p:sp>
         <p:nvSpPr>
-          <p:cNvPr id="231" name="CustomShape 82"/>
+          <p:cNvPr id="223" name="CustomShape 82"/>
           <p:cNvSpPr/>
           <p:nvPr/>
         </p:nvSpPr>
         <p:spPr>
           <a:xfrm>
             <a:off x="360000" y="360000"/>
-            <a:ext cx="9352800" cy="892800"/>
+            <a:ext cx="9352440" cy="892440"/>
           </a:xfrm>
           <a:prstGeom prst="rect">
             <a:avLst/>
@@ -12124,14 +13006,14 @@
       </p:sp>
       <p:sp>
         <p:nvSpPr>
-          <p:cNvPr id="232" name="CustomShape 83"/>
+          <p:cNvPr id="224" name="CustomShape 83"/>
           <p:cNvSpPr/>
           <p:nvPr/>
         </p:nvSpPr>
         <p:spPr>
           <a:xfrm>
             <a:off x="360000" y="1620000"/>
-            <a:ext cx="9307080" cy="4672800"/>
+            <a:ext cx="9306720" cy="4672440"/>
           </a:xfrm>
           <a:prstGeom prst="rect">
             <a:avLst/>
@@ -12197,14 +13079,14 @@
       </p:sp>
       <p:sp>
         <p:nvSpPr>
-          <p:cNvPr id="233" name="CustomShape 84"/>
+          <p:cNvPr id="225" name="CustomShape 84"/>
           <p:cNvSpPr/>
           <p:nvPr/>
         </p:nvSpPr>
         <p:spPr>
           <a:xfrm>
             <a:off x="7608600" y="6886080"/>
-            <a:ext cx="2278080" cy="357840"/>
+            <a:ext cx="2277720" cy="357480"/>
           </a:xfrm>
           <a:prstGeom prst="rect">
             <a:avLst/>
@@ -12260,14 +13142,14 @@
       </p:sp>
       <p:sp>
         <p:nvSpPr>
-          <p:cNvPr id="234" name="CustomShape 85"/>
+          <p:cNvPr id="226" name="CustomShape 85"/>
           <p:cNvSpPr/>
           <p:nvPr/>
         </p:nvSpPr>
         <p:spPr>
           <a:xfrm>
             <a:off x="897120" y="6886080"/>
-            <a:ext cx="6440040" cy="357840"/>
+            <a:ext cx="6439680" cy="357480"/>
           </a:xfrm>
           <a:prstGeom prst="rect">
             <a:avLst/>
@@ -12312,14 +13194,14 @@
       </p:sp>
       <p:sp>
         <p:nvSpPr>
-          <p:cNvPr id="235" name="CustomShape 86"/>
+          <p:cNvPr id="227" name="CustomShape 86"/>
           <p:cNvSpPr/>
           <p:nvPr/>
         </p:nvSpPr>
         <p:spPr>
           <a:xfrm>
             <a:off x="360000" y="1764000"/>
-            <a:ext cx="9307080" cy="4672800"/>
+            <a:ext cx="9306720" cy="4672440"/>
           </a:xfrm>
           <a:prstGeom prst="rect">
             <a:avLst/>
@@ -12670,7 +13552,7 @@
       </p:sp>
       <p:pic>
         <p:nvPicPr>
-          <p:cNvPr id="236" name="" descr=""/>
+          <p:cNvPr id="228" name="" descr=""/>
           <p:cNvPicPr/>
           <p:nvPr/>
         </p:nvPicPr>
@@ -12681,7 +13563,7 @@
         <p:spPr>
           <a:xfrm>
             <a:off x="6617160" y="1047240"/>
-            <a:ext cx="3059640" cy="932040"/>
+            <a:ext cx="3059280" cy="931680"/>
           </a:xfrm>
           <a:prstGeom prst="rect">
             <a:avLst/>
@@ -12693,7 +13575,7 @@
       </p:pic>
       <p:pic>
         <p:nvPicPr>
-          <p:cNvPr id="237" name="Google Shape;152;p 2" descr=""/>
+          <p:cNvPr id="229" name="Google Shape;152;p 2" descr=""/>
           <p:cNvPicPr/>
           <p:nvPr/>
         </p:nvPicPr>
@@ -12705,7 +13587,7 @@
         <p:spPr>
           <a:xfrm>
             <a:off x="648360" y="3309120"/>
-            <a:ext cx="4318920" cy="1730160"/>
+            <a:ext cx="4318560" cy="1729800"/>
           </a:xfrm>
           <a:prstGeom prst="rect">
             <a:avLst/>
@@ -12717,7 +13599,7 @@
       </p:pic>
       <p:pic>
         <p:nvPicPr>
-          <p:cNvPr id="238" name="" descr=""/>
+          <p:cNvPr id="230" name="" descr=""/>
           <p:cNvPicPr/>
           <p:nvPr/>
         </p:nvPicPr>
@@ -12728,7 +13610,7 @@
         <p:spPr>
           <a:xfrm>
             <a:off x="5400000" y="3240000"/>
-            <a:ext cx="3599280" cy="1985040"/>
+            <a:ext cx="3598920" cy="1984680"/>
           </a:xfrm>
           <a:prstGeom prst="rect">
             <a:avLst/>
@@ -12770,7 +13652,7 @@
       </p:grpSpPr>
       <p:pic>
         <p:nvPicPr>
-          <p:cNvPr id="239" name="" descr=""/>
+          <p:cNvPr id="231" name="" descr=""/>
           <p:cNvPicPr/>
           <p:nvPr/>
         </p:nvPicPr>
@@ -12782,7 +13664,7 @@
         <p:spPr>
           <a:xfrm>
             <a:off x="1980000" y="3911040"/>
-            <a:ext cx="6750720" cy="2748240"/>
+            <a:ext cx="6750360" cy="2747880"/>
           </a:xfrm>
           <a:prstGeom prst="rect">
             <a:avLst/>
@@ -12794,14 +13676,14 @@
       </p:pic>
       <p:sp>
         <p:nvSpPr>
-          <p:cNvPr id="240" name="CustomShape 45"/>
+          <p:cNvPr id="232" name="CustomShape 45"/>
           <p:cNvSpPr/>
           <p:nvPr/>
         </p:nvSpPr>
         <p:spPr>
           <a:xfrm>
             <a:off x="360000" y="360000"/>
-            <a:ext cx="9352800" cy="892800"/>
+            <a:ext cx="9352440" cy="892440"/>
           </a:xfrm>
           <a:prstGeom prst="rect">
             <a:avLst/>
@@ -12846,14 +13728,14 @@
       </p:sp>
       <p:sp>
         <p:nvSpPr>
-          <p:cNvPr id="241" name="CustomShape 46"/>
+          <p:cNvPr id="233" name="CustomShape 46"/>
           <p:cNvSpPr/>
           <p:nvPr/>
         </p:nvSpPr>
         <p:spPr>
           <a:xfrm>
             <a:off x="360000" y="1620000"/>
-            <a:ext cx="9307080" cy="4672800"/>
+            <a:ext cx="9306720" cy="4672440"/>
           </a:xfrm>
           <a:prstGeom prst="rect">
             <a:avLst/>
@@ -12919,14 +13801,14 @@
       </p:sp>
       <p:sp>
         <p:nvSpPr>
-          <p:cNvPr id="242" name="CustomShape 47"/>
+          <p:cNvPr id="234" name="CustomShape 47"/>
           <p:cNvSpPr/>
           <p:nvPr/>
         </p:nvSpPr>
         <p:spPr>
           <a:xfrm>
             <a:off x="7608600" y="6886080"/>
-            <a:ext cx="2278080" cy="357840"/>
+            <a:ext cx="2277720" cy="357480"/>
           </a:xfrm>
           <a:prstGeom prst="rect">
             <a:avLst/>
@@ -12982,14 +13864,14 @@
       </p:sp>
       <p:sp>
         <p:nvSpPr>
-          <p:cNvPr id="243" name="CustomShape 48"/>
+          <p:cNvPr id="235" name="CustomShape 48"/>
           <p:cNvSpPr/>
           <p:nvPr/>
         </p:nvSpPr>
         <p:spPr>
           <a:xfrm>
             <a:off x="897120" y="6886080"/>
-            <a:ext cx="6440040" cy="357840"/>
+            <a:ext cx="6439680" cy="357480"/>
           </a:xfrm>
           <a:prstGeom prst="rect">
             <a:avLst/>
@@ -13034,14 +13916,14 @@
       </p:sp>
       <p:sp>
         <p:nvSpPr>
-          <p:cNvPr id="244" name="CustomShape 49"/>
+          <p:cNvPr id="236" name="CustomShape 49"/>
           <p:cNvSpPr/>
           <p:nvPr/>
         </p:nvSpPr>
         <p:spPr>
           <a:xfrm>
             <a:off x="360000" y="1440000"/>
-            <a:ext cx="9307080" cy="4672800"/>
+            <a:ext cx="9306720" cy="4672440"/>
           </a:xfrm>
           <a:prstGeom prst="rect">
             <a:avLst/>
@@ -13501,14 +14383,14 @@
       </p:grpSpPr>
       <p:sp>
         <p:nvSpPr>
-          <p:cNvPr id="245" name="CustomShape 63"/>
+          <p:cNvPr id="237" name="CustomShape 63"/>
           <p:cNvSpPr/>
           <p:nvPr/>
         </p:nvSpPr>
         <p:spPr>
           <a:xfrm>
             <a:off x="360000" y="360000"/>
-            <a:ext cx="9352800" cy="892800"/>
+            <a:ext cx="9352440" cy="892440"/>
           </a:xfrm>
           <a:prstGeom prst="rect">
             <a:avLst/>
@@ -13553,14 +14435,14 @@
       </p:sp>
       <p:sp>
         <p:nvSpPr>
-          <p:cNvPr id="246" name="CustomShape 64"/>
+          <p:cNvPr id="238" name="CustomShape 64"/>
           <p:cNvSpPr/>
           <p:nvPr/>
         </p:nvSpPr>
         <p:spPr>
           <a:xfrm>
             <a:off x="360000" y="1620000"/>
-            <a:ext cx="9307080" cy="4672800"/>
+            <a:ext cx="9306720" cy="4672440"/>
           </a:xfrm>
           <a:prstGeom prst="rect">
             <a:avLst/>
@@ -13626,14 +14508,14 @@
       </p:sp>
       <p:sp>
         <p:nvSpPr>
-          <p:cNvPr id="247" name="CustomShape 65"/>
+          <p:cNvPr id="239" name="CustomShape 65"/>
           <p:cNvSpPr/>
           <p:nvPr/>
         </p:nvSpPr>
         <p:spPr>
           <a:xfrm>
             <a:off x="7608600" y="6886080"/>
-            <a:ext cx="2278080" cy="357840"/>
+            <a:ext cx="2277720" cy="357480"/>
           </a:xfrm>
           <a:prstGeom prst="rect">
             <a:avLst/>
@@ -13689,14 +14571,14 @@
       </p:sp>
       <p:sp>
         <p:nvSpPr>
-          <p:cNvPr id="248" name="CustomShape 66"/>
+          <p:cNvPr id="240" name="CustomShape 66"/>
           <p:cNvSpPr/>
           <p:nvPr/>
         </p:nvSpPr>
         <p:spPr>
           <a:xfrm>
             <a:off x="897120" y="6886080"/>
-            <a:ext cx="6440040" cy="357840"/>
+            <a:ext cx="6439680" cy="357480"/>
           </a:xfrm>
           <a:prstGeom prst="rect">
             <a:avLst/>
@@ -13741,14 +14623,14 @@
       </p:sp>
       <p:sp>
         <p:nvSpPr>
-          <p:cNvPr id="249" name="CustomShape 67"/>
+          <p:cNvPr id="241" name="CustomShape 67"/>
           <p:cNvSpPr/>
           <p:nvPr/>
         </p:nvSpPr>
         <p:spPr>
           <a:xfrm>
             <a:off x="360000" y="1440000"/>
-            <a:ext cx="9307080" cy="4672800"/>
+            <a:ext cx="9306720" cy="4672440"/>
           </a:xfrm>
           <a:prstGeom prst="rect">
             <a:avLst/>
@@ -14143,7 +15025,7 @@
       </p:sp>
       <p:pic>
         <p:nvPicPr>
-          <p:cNvPr id="250" name="" descr=""/>
+          <p:cNvPr id="242" name="" descr=""/>
           <p:cNvPicPr/>
           <p:nvPr/>
         </p:nvPicPr>
@@ -14155,7 +15037,7 @@
         <p:spPr>
           <a:xfrm>
             <a:off x="3240000" y="2052000"/>
-            <a:ext cx="6299280" cy="4739400"/>
+            <a:ext cx="6298920" cy="4739040"/>
           </a:xfrm>
           <a:prstGeom prst="rect">
             <a:avLst/>
@@ -14167,7 +15049,7 @@
       </p:pic>
       <p:pic>
         <p:nvPicPr>
-          <p:cNvPr id="251" name="" descr=""/>
+          <p:cNvPr id="243" name="" descr=""/>
           <p:cNvPicPr/>
           <p:nvPr/>
         </p:nvPicPr>
@@ -14179,7 +15061,7 @@
         <p:spPr>
           <a:xfrm>
             <a:off x="6660000" y="965520"/>
-            <a:ext cx="3007080" cy="905760"/>
+            <a:ext cx="3006720" cy="905400"/>
           </a:xfrm>
           <a:prstGeom prst="rect">
             <a:avLst/>
@@ -14191,14 +15073,14 @@
       </p:pic>
       <p:sp>
         <p:nvSpPr>
-          <p:cNvPr id="252" name=""/>
+          <p:cNvPr id="244" name=""/>
           <p:cNvSpPr/>
           <p:nvPr/>
         </p:nvSpPr>
         <p:spPr>
           <a:xfrm>
             <a:off x="7545960" y="975960"/>
-            <a:ext cx="1175400" cy="894960"/>
+            <a:ext cx="1175040" cy="894600"/>
           </a:xfrm>
           <a:prstGeom prst="rect">
             <a:avLst/>
@@ -14253,14 +15135,14 @@
       </p:grpSpPr>
       <p:sp>
         <p:nvSpPr>
-          <p:cNvPr id="253" name="CustomShape 69"/>
+          <p:cNvPr id="245" name="CustomShape 69"/>
           <p:cNvSpPr/>
           <p:nvPr/>
         </p:nvSpPr>
         <p:spPr>
           <a:xfrm>
             <a:off x="360000" y="360000"/>
-            <a:ext cx="9352800" cy="892800"/>
+            <a:ext cx="9352440" cy="892440"/>
           </a:xfrm>
           <a:prstGeom prst="rect">
             <a:avLst/>
@@ -14305,14 +15187,14 @@
       </p:sp>
       <p:sp>
         <p:nvSpPr>
-          <p:cNvPr id="254" name="CustomShape 70"/>
+          <p:cNvPr id="246" name="CustomShape 70"/>
           <p:cNvSpPr/>
           <p:nvPr/>
         </p:nvSpPr>
         <p:spPr>
           <a:xfrm>
             <a:off x="360000" y="1620000"/>
-            <a:ext cx="9307080" cy="4672800"/>
+            <a:ext cx="9306720" cy="4672440"/>
           </a:xfrm>
           <a:prstGeom prst="rect">
             <a:avLst/>
@@ -14378,14 +15260,14 @@
       </p:sp>
       <p:sp>
         <p:nvSpPr>
-          <p:cNvPr id="255" name="CustomShape 71"/>
+          <p:cNvPr id="247" name="CustomShape 71"/>
           <p:cNvSpPr/>
           <p:nvPr/>
         </p:nvSpPr>
         <p:spPr>
           <a:xfrm>
             <a:off x="7608600" y="6886080"/>
-            <a:ext cx="2278080" cy="357840"/>
+            <a:ext cx="2277720" cy="357480"/>
           </a:xfrm>
           <a:prstGeom prst="rect">
             <a:avLst/>
@@ -14441,14 +15323,14 @@
       </p:sp>
       <p:sp>
         <p:nvSpPr>
-          <p:cNvPr id="256" name="CustomShape 72"/>
+          <p:cNvPr id="248" name="CustomShape 72"/>
           <p:cNvSpPr/>
           <p:nvPr/>
         </p:nvSpPr>
         <p:spPr>
           <a:xfrm>
             <a:off x="897120" y="6886080"/>
-            <a:ext cx="6440040" cy="357840"/>
+            <a:ext cx="6439680" cy="357480"/>
           </a:xfrm>
           <a:prstGeom prst="rect">
             <a:avLst/>
@@ -14493,14 +15375,14 @@
       </p:sp>
       <p:sp>
         <p:nvSpPr>
-          <p:cNvPr id="257" name="CustomShape 73"/>
+          <p:cNvPr id="249" name="CustomShape 73"/>
           <p:cNvSpPr/>
           <p:nvPr/>
         </p:nvSpPr>
         <p:spPr>
           <a:xfrm>
             <a:off x="360000" y="1440000"/>
-            <a:ext cx="9307080" cy="4672800"/>
+            <a:ext cx="9306720" cy="4672440"/>
           </a:xfrm>
           <a:prstGeom prst="rect">
             <a:avLst/>
@@ -14675,7 +15557,7 @@
         <p:spPr>
           <a:xfrm>
             <a:off x="360000" y="360000"/>
-            <a:ext cx="9352800" cy="892800"/>
+            <a:ext cx="9352440" cy="892440"/>
           </a:xfrm>
           <a:prstGeom prst="rect">
             <a:avLst/>
@@ -14727,7 +15609,7 @@
         <p:spPr>
           <a:xfrm>
             <a:off x="360000" y="1980000"/>
-            <a:ext cx="9172800" cy="4672800"/>
+            <a:ext cx="9172440" cy="4672440"/>
           </a:xfrm>
           <a:prstGeom prst="rect">
             <a:avLst/>
@@ -14913,7 +15795,7 @@
         <p:spPr>
           <a:xfrm>
             <a:off x="7608600" y="6886080"/>
-            <a:ext cx="2278080" cy="357840"/>
+            <a:ext cx="2277720" cy="357480"/>
           </a:xfrm>
           <a:prstGeom prst="rect">
             <a:avLst/>
@@ -14976,7 +15858,7 @@
         <p:spPr>
           <a:xfrm>
             <a:off x="897120" y="6886080"/>
-            <a:ext cx="6440040" cy="357840"/>
+            <a:ext cx="6439680" cy="357480"/>
           </a:xfrm>
           <a:prstGeom prst="rect">
             <a:avLst/>
@@ -15031,192 +15913,8 @@
         </p:blipFill>
         <p:spPr>
           <a:xfrm>
-            <a:off x="1602360" y="4148280"/>
-            <a:ext cx="7422840" cy="2212560"/>
-          </a:xfrm>
-          <a:prstGeom prst="rect">
-            <a:avLst/>
-          </a:prstGeom>
-          <a:ln w="0">
-            <a:noFill/>
-          </a:ln>
-        </p:spPr>
-      </p:pic>
-      <p:pic>
-        <p:nvPicPr>
-          <p:cNvPr id="133" name="" descr=""/>
-          <p:cNvPicPr/>
-          <p:nvPr/>
-        </p:nvPicPr>
-        <p:blipFill>
-          <a:blip r:embed="rId2"/>
-          <a:stretch/>
-        </p:blipFill>
-        <p:spPr>
-          <a:xfrm>
-            <a:off x="3333240" y="5918760"/>
-            <a:ext cx="413280" cy="442080"/>
-          </a:xfrm>
-          <a:prstGeom prst="rect">
-            <a:avLst/>
-          </a:prstGeom>
-          <a:ln w="0">
-            <a:noFill/>
-          </a:ln>
-        </p:spPr>
-      </p:pic>
-      <p:pic>
-        <p:nvPicPr>
-          <p:cNvPr id="134" name="" descr=""/>
-          <p:cNvPicPr/>
-          <p:nvPr/>
-        </p:nvPicPr>
-        <p:blipFill>
-          <a:blip r:embed="rId3"/>
-          <a:stretch/>
-        </p:blipFill>
-        <p:spPr>
-          <a:xfrm>
-            <a:off x="3837600" y="5919120"/>
-            <a:ext cx="413280" cy="442080"/>
-          </a:xfrm>
-          <a:prstGeom prst="rect">
-            <a:avLst/>
-          </a:prstGeom>
-          <a:ln w="0">
-            <a:noFill/>
-          </a:ln>
-        </p:spPr>
-      </p:pic>
-      <p:pic>
-        <p:nvPicPr>
-          <p:cNvPr id="135" name="" descr=""/>
-          <p:cNvPicPr/>
-          <p:nvPr/>
-        </p:nvPicPr>
-        <p:blipFill>
-          <a:blip r:embed="rId4"/>
-          <a:stretch/>
-        </p:blipFill>
-        <p:spPr>
-          <a:xfrm>
-            <a:off x="4377960" y="5919480"/>
-            <a:ext cx="413280" cy="442080"/>
-          </a:xfrm>
-          <a:prstGeom prst="rect">
-            <a:avLst/>
-          </a:prstGeom>
-          <a:ln w="0">
-            <a:noFill/>
-          </a:ln>
-        </p:spPr>
-      </p:pic>
-      <p:pic>
-        <p:nvPicPr>
-          <p:cNvPr id="136" name="" descr=""/>
-          <p:cNvPicPr/>
-          <p:nvPr/>
-        </p:nvPicPr>
-        <p:blipFill>
-          <a:blip r:embed="rId5"/>
-          <a:stretch/>
-        </p:blipFill>
-        <p:spPr>
-          <a:xfrm>
-            <a:off x="4918320" y="5919840"/>
-            <a:ext cx="413280" cy="442080"/>
-          </a:xfrm>
-          <a:prstGeom prst="rect">
-            <a:avLst/>
-          </a:prstGeom>
-          <a:ln w="0">
-            <a:noFill/>
-          </a:ln>
-        </p:spPr>
-      </p:pic>
-      <p:pic>
-        <p:nvPicPr>
-          <p:cNvPr id="137" name="" descr=""/>
-          <p:cNvPicPr/>
-          <p:nvPr/>
-        </p:nvPicPr>
-        <p:blipFill>
-          <a:blip r:embed="rId6"/>
-          <a:stretch/>
-        </p:blipFill>
-        <p:spPr>
-          <a:xfrm>
-            <a:off x="5494680" y="5918760"/>
-            <a:ext cx="413280" cy="442080"/>
-          </a:xfrm>
-          <a:prstGeom prst="rect">
-            <a:avLst/>
-          </a:prstGeom>
-          <a:ln w="0">
-            <a:noFill/>
-          </a:ln>
-        </p:spPr>
-      </p:pic>
-      <p:pic>
-        <p:nvPicPr>
-          <p:cNvPr id="138" name="" descr=""/>
-          <p:cNvPicPr/>
-          <p:nvPr/>
-        </p:nvPicPr>
-        <p:blipFill>
-          <a:blip r:embed="rId7"/>
-          <a:stretch/>
-        </p:blipFill>
-        <p:spPr>
-          <a:xfrm>
-            <a:off x="6048360" y="5926680"/>
-            <a:ext cx="413280" cy="442080"/>
-          </a:xfrm>
-          <a:prstGeom prst="rect">
-            <a:avLst/>
-          </a:prstGeom>
-          <a:ln w="0">
-            <a:noFill/>
-          </a:ln>
-        </p:spPr>
-      </p:pic>
-      <p:pic>
-        <p:nvPicPr>
-          <p:cNvPr id="139" name="" descr=""/>
-          <p:cNvPicPr/>
-          <p:nvPr/>
-        </p:nvPicPr>
-        <p:blipFill>
-          <a:blip r:embed="rId8"/>
-          <a:stretch/>
-        </p:blipFill>
-        <p:spPr>
-          <a:xfrm>
-            <a:off x="6627240" y="5919840"/>
-            <a:ext cx="413280" cy="442080"/>
-          </a:xfrm>
-          <a:prstGeom prst="rect">
-            <a:avLst/>
-          </a:prstGeom>
-          <a:ln w="0">
-            <a:noFill/>
-          </a:ln>
-        </p:spPr>
-      </p:pic>
-      <p:pic>
-        <p:nvPicPr>
-          <p:cNvPr id="140" name="" descr=""/>
-          <p:cNvPicPr/>
-          <p:nvPr/>
-        </p:nvPicPr>
-        <p:blipFill>
-          <a:blip r:embed="rId9"/>
-          <a:stretch/>
-        </p:blipFill>
-        <p:spPr>
-          <a:xfrm>
-            <a:off x="7175160" y="5932800"/>
-            <a:ext cx="413280" cy="442080"/>
+            <a:off x="1620000" y="4329000"/>
+            <a:ext cx="7181640" cy="2151000"/>
           </a:xfrm>
           <a:prstGeom prst="rect">
             <a:avLst/>
@@ -15258,14 +15956,14 @@
       </p:grpSpPr>
       <p:sp>
         <p:nvSpPr>
-          <p:cNvPr id="141" name="CustomShape 8"/>
+          <p:cNvPr id="133" name="CustomShape 8"/>
           <p:cNvSpPr/>
           <p:nvPr/>
         </p:nvSpPr>
         <p:spPr>
           <a:xfrm>
             <a:off x="360000" y="360000"/>
-            <a:ext cx="9352800" cy="892800"/>
+            <a:ext cx="9352440" cy="892440"/>
           </a:xfrm>
           <a:prstGeom prst="rect">
             <a:avLst/>
@@ -15310,14 +16008,14 @@
       </p:sp>
       <p:sp>
         <p:nvSpPr>
-          <p:cNvPr id="142" name="CustomShape 9"/>
+          <p:cNvPr id="134" name="CustomShape 9"/>
           <p:cNvSpPr/>
           <p:nvPr/>
         </p:nvSpPr>
         <p:spPr>
           <a:xfrm>
             <a:off x="360000" y="1620000"/>
-            <a:ext cx="9307080" cy="4672800"/>
+            <a:ext cx="9306720" cy="4672440"/>
           </a:xfrm>
           <a:prstGeom prst="rect">
             <a:avLst/>
@@ -15571,14 +16269,14 @@
       </p:sp>
       <p:sp>
         <p:nvSpPr>
-          <p:cNvPr id="143" name="CustomShape 10"/>
+          <p:cNvPr id="135" name="CustomShape 10"/>
           <p:cNvSpPr/>
           <p:nvPr/>
         </p:nvSpPr>
         <p:spPr>
           <a:xfrm>
             <a:off x="7608600" y="6886080"/>
-            <a:ext cx="2278080" cy="357840"/>
+            <a:ext cx="2277720" cy="357480"/>
           </a:xfrm>
           <a:prstGeom prst="rect">
             <a:avLst/>
@@ -15634,14 +16332,14 @@
       </p:sp>
       <p:sp>
         <p:nvSpPr>
-          <p:cNvPr id="144" name="CustomShape 11"/>
+          <p:cNvPr id="136" name="CustomShape 11"/>
           <p:cNvSpPr/>
           <p:nvPr/>
         </p:nvSpPr>
         <p:spPr>
           <a:xfrm>
             <a:off x="897120" y="6886080"/>
-            <a:ext cx="6440040" cy="357840"/>
+            <a:ext cx="6439680" cy="357480"/>
           </a:xfrm>
           <a:prstGeom prst="rect">
             <a:avLst/>
@@ -15686,7 +16384,7 @@
       </p:sp>
       <p:pic>
         <p:nvPicPr>
-          <p:cNvPr id="145" name="" descr=""/>
+          <p:cNvPr id="137" name="" descr=""/>
           <p:cNvPicPr/>
           <p:nvPr/>
         </p:nvPicPr>
@@ -15697,7 +16395,7 @@
         <p:spPr>
           <a:xfrm>
             <a:off x="1947960" y="3390120"/>
-            <a:ext cx="6331320" cy="2902680"/>
+            <a:ext cx="6330960" cy="2902320"/>
           </a:xfrm>
           <a:prstGeom prst="rect">
             <a:avLst/>
@@ -15739,14 +16437,14 @@
       </p:grpSpPr>
       <p:sp>
         <p:nvSpPr>
-          <p:cNvPr id="146" name="CustomShape 20"/>
+          <p:cNvPr id="138" name="CustomShape 20"/>
           <p:cNvSpPr/>
           <p:nvPr/>
         </p:nvSpPr>
         <p:spPr>
           <a:xfrm>
             <a:off x="360000" y="360000"/>
-            <a:ext cx="9352800" cy="892800"/>
+            <a:ext cx="9352440" cy="892440"/>
           </a:xfrm>
           <a:prstGeom prst="rect">
             <a:avLst/>
@@ -15791,14 +16489,14 @@
       </p:sp>
       <p:sp>
         <p:nvSpPr>
-          <p:cNvPr id="147" name="CustomShape 21"/>
+          <p:cNvPr id="139" name="CustomShape 21"/>
           <p:cNvSpPr/>
           <p:nvPr/>
         </p:nvSpPr>
         <p:spPr>
           <a:xfrm>
             <a:off x="360000" y="1620000"/>
-            <a:ext cx="9307080" cy="4672800"/>
+            <a:ext cx="9306720" cy="4672440"/>
           </a:xfrm>
           <a:prstGeom prst="rect">
             <a:avLst/>
@@ -15864,14 +16562,14 @@
       </p:sp>
       <p:sp>
         <p:nvSpPr>
-          <p:cNvPr id="148" name="CustomShape 22"/>
+          <p:cNvPr id="140" name="CustomShape 22"/>
           <p:cNvSpPr/>
           <p:nvPr/>
         </p:nvSpPr>
         <p:spPr>
           <a:xfrm>
             <a:off x="7608600" y="6886080"/>
-            <a:ext cx="2278080" cy="357840"/>
+            <a:ext cx="2277720" cy="357480"/>
           </a:xfrm>
           <a:prstGeom prst="rect">
             <a:avLst/>
@@ -15927,14 +16625,14 @@
       </p:sp>
       <p:sp>
         <p:nvSpPr>
-          <p:cNvPr id="149" name="CustomShape 23"/>
+          <p:cNvPr id="141" name="CustomShape 23"/>
           <p:cNvSpPr/>
           <p:nvPr/>
         </p:nvSpPr>
         <p:spPr>
           <a:xfrm>
             <a:off x="897120" y="6886080"/>
-            <a:ext cx="6440040" cy="357840"/>
+            <a:ext cx="6439680" cy="357480"/>
           </a:xfrm>
           <a:prstGeom prst="rect">
             <a:avLst/>
@@ -15979,7 +16677,7 @@
       </p:sp>
       <p:pic>
         <p:nvPicPr>
-          <p:cNvPr id="150" name="" descr=""/>
+          <p:cNvPr id="142" name="" descr=""/>
           <p:cNvPicPr/>
           <p:nvPr/>
         </p:nvPicPr>
@@ -15991,7 +16689,7 @@
         <p:spPr>
           <a:xfrm>
             <a:off x="251280" y="1687320"/>
-            <a:ext cx="4464000" cy="2969640"/>
+            <a:ext cx="4463640" cy="2969280"/>
           </a:xfrm>
           <a:prstGeom prst="rect">
             <a:avLst/>
@@ -16003,7 +16701,7 @@
       </p:pic>
       <p:pic>
         <p:nvPicPr>
-          <p:cNvPr id="151" name="" descr=""/>
+          <p:cNvPr id="143" name="" descr=""/>
           <p:cNvPicPr/>
           <p:nvPr/>
         </p:nvPicPr>
@@ -16014,7 +16712,7 @@
         <p:spPr>
           <a:xfrm>
             <a:off x="2166480" y="5114520"/>
-            <a:ext cx="6617160" cy="1477440"/>
+            <a:ext cx="6616800" cy="1477080"/>
           </a:xfrm>
           <a:prstGeom prst="rect">
             <a:avLst/>
@@ -16026,7 +16724,7 @@
       </p:pic>
       <p:pic>
         <p:nvPicPr>
-          <p:cNvPr id="152" name="" descr=""/>
+          <p:cNvPr id="144" name="" descr=""/>
           <p:cNvPicPr/>
           <p:nvPr/>
         </p:nvPicPr>
@@ -16037,7 +16735,7 @@
         <p:spPr>
           <a:xfrm>
             <a:off x="5094000" y="1704600"/>
-            <a:ext cx="4499640" cy="2952000"/>
+            <a:ext cx="4499280" cy="2951640"/>
           </a:xfrm>
           <a:prstGeom prst="rect">
             <a:avLst/>
@@ -16079,14 +16777,14 @@
       </p:grpSpPr>
       <p:sp>
         <p:nvSpPr>
-          <p:cNvPr id="153" name="CustomShape 94"/>
+          <p:cNvPr id="145" name="CustomShape 94"/>
           <p:cNvSpPr/>
           <p:nvPr/>
         </p:nvSpPr>
         <p:spPr>
           <a:xfrm>
             <a:off x="360000" y="360000"/>
-            <a:ext cx="9352800" cy="892800"/>
+            <a:ext cx="9352440" cy="892440"/>
           </a:xfrm>
           <a:prstGeom prst="rect">
             <a:avLst/>
@@ -16131,14 +16829,14 @@
       </p:sp>
       <p:sp>
         <p:nvSpPr>
-          <p:cNvPr id="154" name="CustomShape 95"/>
+          <p:cNvPr id="146" name="CustomShape 95"/>
           <p:cNvSpPr/>
           <p:nvPr/>
         </p:nvSpPr>
         <p:spPr>
           <a:xfrm>
             <a:off x="360000" y="1620000"/>
-            <a:ext cx="9307080" cy="4672800"/>
+            <a:ext cx="9306720" cy="4672440"/>
           </a:xfrm>
           <a:prstGeom prst="rect">
             <a:avLst/>
@@ -16204,14 +16902,14 @@
       </p:sp>
       <p:sp>
         <p:nvSpPr>
-          <p:cNvPr id="155" name="CustomShape 96"/>
+          <p:cNvPr id="147" name="CustomShape 96"/>
           <p:cNvSpPr/>
           <p:nvPr/>
         </p:nvSpPr>
         <p:spPr>
           <a:xfrm>
             <a:off x="7608600" y="6886080"/>
-            <a:ext cx="2278080" cy="357840"/>
+            <a:ext cx="2277720" cy="357480"/>
           </a:xfrm>
           <a:prstGeom prst="rect">
             <a:avLst/>
@@ -16267,14 +16965,14 @@
       </p:sp>
       <p:sp>
         <p:nvSpPr>
-          <p:cNvPr id="156" name="CustomShape 97"/>
+          <p:cNvPr id="148" name="CustomShape 97"/>
           <p:cNvSpPr/>
           <p:nvPr/>
         </p:nvSpPr>
         <p:spPr>
           <a:xfrm>
             <a:off x="897120" y="6886080"/>
-            <a:ext cx="6440040" cy="357840"/>
+            <a:ext cx="6439680" cy="357480"/>
           </a:xfrm>
           <a:prstGeom prst="rect">
             <a:avLst/>
@@ -16319,7 +17017,7 @@
       </p:sp>
       <p:pic>
         <p:nvPicPr>
-          <p:cNvPr id="157" name="" descr=""/>
+          <p:cNvPr id="149" name="" descr=""/>
           <p:cNvPicPr/>
           <p:nvPr/>
         </p:nvPicPr>
@@ -16331,7 +17029,7 @@
         <p:spPr>
           <a:xfrm>
             <a:off x="2340000" y="1440000"/>
-            <a:ext cx="5758920" cy="5392440"/>
+            <a:ext cx="5758560" cy="5392080"/>
           </a:xfrm>
           <a:prstGeom prst="rect">
             <a:avLst/>
@@ -16373,7 +17071,7 @@
       </p:grpSpPr>
       <p:pic>
         <p:nvPicPr>
-          <p:cNvPr id="158" name="" descr=""/>
+          <p:cNvPr id="150" name="" descr=""/>
           <p:cNvPicPr/>
           <p:nvPr/>
         </p:nvPicPr>
@@ -16385,7 +17083,7 @@
         <p:spPr>
           <a:xfrm>
             <a:off x="5245200" y="1056600"/>
-            <a:ext cx="4328640" cy="3169080"/>
+            <a:ext cx="4328280" cy="3168720"/>
           </a:xfrm>
           <a:prstGeom prst="rect">
             <a:avLst/>
@@ -16397,14 +17095,14 @@
       </p:pic>
       <p:sp>
         <p:nvSpPr>
-          <p:cNvPr id="159" name="CustomShape 6"/>
+          <p:cNvPr id="151" name="CustomShape 6"/>
           <p:cNvSpPr/>
           <p:nvPr/>
         </p:nvSpPr>
         <p:spPr>
           <a:xfrm>
             <a:off x="360000" y="360000"/>
-            <a:ext cx="9352800" cy="892800"/>
+            <a:ext cx="9352440" cy="892440"/>
           </a:xfrm>
           <a:prstGeom prst="rect">
             <a:avLst/>
@@ -16449,14 +17147,14 @@
       </p:sp>
       <p:sp>
         <p:nvSpPr>
-          <p:cNvPr id="160" name="CustomShape 7"/>
+          <p:cNvPr id="152" name="CustomShape 7"/>
           <p:cNvSpPr/>
           <p:nvPr/>
         </p:nvSpPr>
         <p:spPr>
           <a:xfrm>
             <a:off x="360000" y="1980000"/>
-            <a:ext cx="4727160" cy="4672800"/>
+            <a:ext cx="4726800" cy="4672440"/>
           </a:xfrm>
           <a:prstGeom prst="rect">
             <a:avLst/>
@@ -16696,14 +17394,14 @@
       </p:sp>
       <p:sp>
         <p:nvSpPr>
-          <p:cNvPr id="161" name="CustomShape 12"/>
+          <p:cNvPr id="153" name="CustomShape 12"/>
           <p:cNvSpPr/>
           <p:nvPr/>
         </p:nvSpPr>
         <p:spPr>
           <a:xfrm>
             <a:off x="7608600" y="6886080"/>
-            <a:ext cx="2278080" cy="357840"/>
+            <a:ext cx="2277720" cy="357480"/>
           </a:xfrm>
           <a:prstGeom prst="rect">
             <a:avLst/>
@@ -16759,14 +17457,14 @@
       </p:sp>
       <p:sp>
         <p:nvSpPr>
-          <p:cNvPr id="162" name="CustomShape 13"/>
+          <p:cNvPr id="154" name="CustomShape 13"/>
           <p:cNvSpPr/>
           <p:nvPr/>
         </p:nvSpPr>
         <p:spPr>
           <a:xfrm>
             <a:off x="897120" y="6886080"/>
-            <a:ext cx="6440040" cy="357840"/>
+            <a:ext cx="6439680" cy="357480"/>
           </a:xfrm>
           <a:prstGeom prst="rect">
             <a:avLst/>
@@ -16811,14 +17509,14 @@
       </p:sp>
       <p:sp>
         <p:nvSpPr>
-          <p:cNvPr id="163" name=""/>
+          <p:cNvPr id="155" name=""/>
           <p:cNvSpPr/>
           <p:nvPr/>
         </p:nvSpPr>
         <p:spPr>
           <a:xfrm>
             <a:off x="5287680" y="1141920"/>
-            <a:ext cx="374040" cy="3051720"/>
+            <a:ext cx="373680" cy="3051360"/>
           </a:xfrm>
           <a:prstGeom prst="rect">
             <a:avLst/>
@@ -16953,14 +17651,14 @@
       </p:sp>
       <p:sp>
         <p:nvSpPr>
-          <p:cNvPr id="164" name=""/>
+          <p:cNvPr id="156" name=""/>
           <p:cNvSpPr/>
           <p:nvPr/>
         </p:nvSpPr>
         <p:spPr>
           <a:xfrm>
             <a:off x="5683680" y="1141920"/>
-            <a:ext cx="374040" cy="3051720"/>
+            <a:ext cx="373680" cy="3051360"/>
           </a:xfrm>
           <a:prstGeom prst="rect">
             <a:avLst/>
@@ -17053,14 +17751,14 @@
       </p:sp>
       <p:sp>
         <p:nvSpPr>
-          <p:cNvPr id="165" name=""/>
+          <p:cNvPr id="157" name=""/>
           <p:cNvSpPr/>
           <p:nvPr/>
         </p:nvSpPr>
         <p:spPr>
           <a:xfrm>
             <a:off x="6079680" y="1141920"/>
-            <a:ext cx="374040" cy="3051720"/>
+            <a:ext cx="373680" cy="3051360"/>
           </a:xfrm>
           <a:prstGeom prst="rect">
             <a:avLst/>
@@ -17153,14 +17851,14 @@
       </p:sp>
       <p:sp>
         <p:nvSpPr>
-          <p:cNvPr id="166" name=""/>
+          <p:cNvPr id="158" name=""/>
           <p:cNvSpPr/>
           <p:nvPr/>
         </p:nvSpPr>
         <p:spPr>
           <a:xfrm>
             <a:off x="6475680" y="1141920"/>
-            <a:ext cx="374040" cy="3051720"/>
+            <a:ext cx="373680" cy="3051360"/>
           </a:xfrm>
           <a:prstGeom prst="rect">
             <a:avLst/>
@@ -17253,14 +17951,14 @@
       </p:sp>
       <p:sp>
         <p:nvSpPr>
-          <p:cNvPr id="167" name=""/>
+          <p:cNvPr id="159" name=""/>
           <p:cNvSpPr/>
           <p:nvPr/>
         </p:nvSpPr>
         <p:spPr>
           <a:xfrm>
             <a:off x="6871680" y="1141920"/>
-            <a:ext cx="374040" cy="3051720"/>
+            <a:ext cx="373680" cy="3051360"/>
           </a:xfrm>
           <a:prstGeom prst="rect">
             <a:avLst/>
@@ -17311,14 +18009,14 @@
       </p:sp>
       <p:sp>
         <p:nvSpPr>
-          <p:cNvPr id="168" name=""/>
+          <p:cNvPr id="160" name=""/>
           <p:cNvSpPr/>
           <p:nvPr/>
         </p:nvSpPr>
         <p:spPr>
           <a:xfrm>
             <a:off x="7270920" y="1154880"/>
-            <a:ext cx="374040" cy="3051720"/>
+            <a:ext cx="373680" cy="3051360"/>
           </a:xfrm>
           <a:prstGeom prst="rect">
             <a:avLst/>
@@ -17453,14 +18151,14 @@
       </p:sp>
       <p:sp>
         <p:nvSpPr>
-          <p:cNvPr id="169" name=""/>
+          <p:cNvPr id="161" name=""/>
           <p:cNvSpPr/>
           <p:nvPr/>
         </p:nvSpPr>
         <p:spPr>
           <a:xfrm>
             <a:off x="7666920" y="1154880"/>
-            <a:ext cx="374040" cy="3051720"/>
+            <a:ext cx="373680" cy="3051360"/>
           </a:xfrm>
           <a:prstGeom prst="rect">
             <a:avLst/>
@@ -17595,14 +18293,14 @@
       </p:sp>
       <p:sp>
         <p:nvSpPr>
-          <p:cNvPr id="170" name=""/>
+          <p:cNvPr id="162" name=""/>
           <p:cNvSpPr/>
           <p:nvPr/>
         </p:nvSpPr>
         <p:spPr>
           <a:xfrm>
             <a:off x="8041320" y="1177920"/>
-            <a:ext cx="374040" cy="3051720"/>
+            <a:ext cx="373680" cy="3051360"/>
           </a:xfrm>
           <a:prstGeom prst="rect">
             <a:avLst/>
@@ -17695,14 +18393,14 @@
       </p:sp>
       <p:sp>
         <p:nvSpPr>
-          <p:cNvPr id="171" name=""/>
+          <p:cNvPr id="163" name=""/>
           <p:cNvSpPr/>
           <p:nvPr/>
         </p:nvSpPr>
         <p:spPr>
           <a:xfrm>
             <a:off x="8437320" y="1177920"/>
-            <a:ext cx="374040" cy="3051720"/>
+            <a:ext cx="373680" cy="3051360"/>
           </a:xfrm>
           <a:prstGeom prst="rect">
             <a:avLst/>
@@ -17753,14 +18451,14 @@
       </p:sp>
       <p:sp>
         <p:nvSpPr>
-          <p:cNvPr id="172" name=""/>
+          <p:cNvPr id="164" name=""/>
           <p:cNvSpPr/>
           <p:nvPr/>
         </p:nvSpPr>
         <p:spPr>
           <a:xfrm>
             <a:off x="8833320" y="1177920"/>
-            <a:ext cx="374040" cy="3051720"/>
+            <a:ext cx="373680" cy="3051360"/>
           </a:xfrm>
           <a:prstGeom prst="rect">
             <a:avLst/>
@@ -17811,14 +18509,14 @@
       </p:sp>
       <p:sp>
         <p:nvSpPr>
-          <p:cNvPr id="173" name=""/>
+          <p:cNvPr id="165" name=""/>
           <p:cNvSpPr/>
           <p:nvPr/>
         </p:nvSpPr>
         <p:spPr>
           <a:xfrm>
             <a:off x="9229320" y="1177920"/>
-            <a:ext cx="374040" cy="3051720"/>
+            <a:ext cx="373680" cy="3051360"/>
           </a:xfrm>
           <a:prstGeom prst="rect">
             <a:avLst/>
@@ -17869,7 +18567,7 @@
       </p:sp>
       <p:pic>
         <p:nvPicPr>
-          <p:cNvPr id="174" name="" descr=""/>
+          <p:cNvPr id="166" name="" descr=""/>
           <p:cNvPicPr/>
           <p:nvPr/>
         </p:nvPicPr>
@@ -17880,7 +18578,7 @@
         <p:spPr>
           <a:xfrm>
             <a:off x="3940560" y="4994640"/>
-            <a:ext cx="5629680" cy="1203120"/>
+            <a:ext cx="5629320" cy="1202760"/>
           </a:xfrm>
           <a:prstGeom prst="rect">
             <a:avLst/>
@@ -17922,14 +18620,14 @@
       </p:grpSpPr>
       <p:sp>
         <p:nvSpPr>
-          <p:cNvPr id="175" name="CustomShape 15"/>
+          <p:cNvPr id="167" name="CustomShape 15"/>
           <p:cNvSpPr/>
           <p:nvPr/>
         </p:nvSpPr>
         <p:spPr>
           <a:xfrm>
             <a:off x="360000" y="3330000"/>
-            <a:ext cx="9352800" cy="892800"/>
+            <a:ext cx="9352440" cy="892440"/>
           </a:xfrm>
           <a:prstGeom prst="rect">
             <a:avLst/>
@@ -18004,14 +18702,14 @@
       </p:grpSpPr>
       <p:sp>
         <p:nvSpPr>
-          <p:cNvPr id="176" name="CustomShape 16"/>
+          <p:cNvPr id="168" name="CustomShape 16"/>
           <p:cNvSpPr/>
           <p:nvPr/>
         </p:nvSpPr>
         <p:spPr>
           <a:xfrm>
             <a:off x="360000" y="360000"/>
-            <a:ext cx="9352800" cy="892800"/>
+            <a:ext cx="9352440" cy="892440"/>
           </a:xfrm>
           <a:prstGeom prst="rect">
             <a:avLst/>
@@ -18056,14 +18754,14 @@
       </p:sp>
       <p:sp>
         <p:nvSpPr>
-          <p:cNvPr id="177" name="CustomShape 18"/>
+          <p:cNvPr id="169" name="CustomShape 18"/>
           <p:cNvSpPr/>
           <p:nvPr/>
         </p:nvSpPr>
         <p:spPr>
           <a:xfrm>
             <a:off x="360000" y="1620000"/>
-            <a:ext cx="9307080" cy="4672800"/>
+            <a:ext cx="9306720" cy="4672440"/>
           </a:xfrm>
           <a:prstGeom prst="rect">
             <a:avLst/>
@@ -18129,14 +18827,14 @@
       </p:sp>
       <p:sp>
         <p:nvSpPr>
-          <p:cNvPr id="178" name="CustomShape 19"/>
+          <p:cNvPr id="170" name="CustomShape 19"/>
           <p:cNvSpPr/>
           <p:nvPr/>
         </p:nvSpPr>
         <p:spPr>
           <a:xfrm>
             <a:off x="7608600" y="6886080"/>
-            <a:ext cx="2278080" cy="357840"/>
+            <a:ext cx="2277720" cy="357480"/>
           </a:xfrm>
           <a:prstGeom prst="rect">
             <a:avLst/>
@@ -18192,14 +18890,14 @@
       </p:sp>
       <p:sp>
         <p:nvSpPr>
-          <p:cNvPr id="179" name="CustomShape 30"/>
+          <p:cNvPr id="171" name="CustomShape 30"/>
           <p:cNvSpPr/>
           <p:nvPr/>
         </p:nvSpPr>
         <p:spPr>
           <a:xfrm>
             <a:off x="897120" y="6886080"/>
-            <a:ext cx="6440040" cy="357840"/>
+            <a:ext cx="6439680" cy="357480"/>
           </a:xfrm>
           <a:prstGeom prst="rect">
             <a:avLst/>
@@ -18244,14 +18942,14 @@
       </p:sp>
       <p:sp>
         <p:nvSpPr>
-          <p:cNvPr id="180" name="CustomShape 32"/>
+          <p:cNvPr id="172" name="CustomShape 32"/>
           <p:cNvSpPr/>
           <p:nvPr/>
         </p:nvSpPr>
         <p:spPr>
           <a:xfrm>
             <a:off x="360000" y="1764000"/>
-            <a:ext cx="9307080" cy="4672800"/>
+            <a:ext cx="9306720" cy="4672440"/>
           </a:xfrm>
           <a:prstGeom prst="rect">
             <a:avLst/>
@@ -18518,7 +19216,7 @@
       </p:sp>
       <p:pic>
         <p:nvPicPr>
-          <p:cNvPr id="181" name="" descr=""/>
+          <p:cNvPr id="173" name="" descr=""/>
           <p:cNvPicPr/>
           <p:nvPr/>
         </p:nvPicPr>
@@ -18529,7 +19227,7 @@
         <p:spPr>
           <a:xfrm>
             <a:off x="1200600" y="2509200"/>
-            <a:ext cx="7589880" cy="4261320"/>
+            <a:ext cx="7589520" cy="4260960"/>
           </a:xfrm>
           <a:prstGeom prst="rect">
             <a:avLst/>
@@ -18571,14 +19269,14 @@
       </p:grpSpPr>
       <p:sp>
         <p:nvSpPr>
-          <p:cNvPr id="182" name="CustomShape 33"/>
+          <p:cNvPr id="174" name="CustomShape 33"/>
           <p:cNvSpPr/>
           <p:nvPr/>
         </p:nvSpPr>
         <p:spPr>
           <a:xfrm>
             <a:off x="360000" y="360000"/>
-            <a:ext cx="9352800" cy="892800"/>
+            <a:ext cx="9352440" cy="892440"/>
           </a:xfrm>
           <a:prstGeom prst="rect">
             <a:avLst/>
@@ -18623,14 +19321,14 @@
       </p:sp>
       <p:sp>
         <p:nvSpPr>
-          <p:cNvPr id="183" name="CustomShape 34"/>
+          <p:cNvPr id="175" name="CustomShape 34"/>
           <p:cNvSpPr/>
           <p:nvPr/>
         </p:nvSpPr>
         <p:spPr>
           <a:xfrm>
             <a:off x="360000" y="1620000"/>
-            <a:ext cx="9307080" cy="4672800"/>
+            <a:ext cx="9306720" cy="4672440"/>
           </a:xfrm>
           <a:prstGeom prst="rect">
             <a:avLst/>
@@ -18696,14 +19394,14 @@
       </p:sp>
       <p:sp>
         <p:nvSpPr>
-          <p:cNvPr id="184" name="CustomShape 35"/>
+          <p:cNvPr id="176" name="CustomShape 35"/>
           <p:cNvSpPr/>
           <p:nvPr/>
         </p:nvSpPr>
         <p:spPr>
           <a:xfrm>
             <a:off x="7608600" y="6886080"/>
-            <a:ext cx="2278080" cy="357840"/>
+            <a:ext cx="2277720" cy="357480"/>
           </a:xfrm>
           <a:prstGeom prst="rect">
             <a:avLst/>
@@ -18759,14 +19457,14 @@
       </p:sp>
       <p:sp>
         <p:nvSpPr>
-          <p:cNvPr id="185" name="CustomShape 36"/>
+          <p:cNvPr id="177" name="CustomShape 36"/>
           <p:cNvSpPr/>
           <p:nvPr/>
         </p:nvSpPr>
         <p:spPr>
           <a:xfrm>
             <a:off x="897120" y="6886080"/>
-            <a:ext cx="6440040" cy="357840"/>
+            <a:ext cx="6439680" cy="357480"/>
           </a:xfrm>
           <a:prstGeom prst="rect">
             <a:avLst/>
@@ -18811,14 +19509,14 @@
       </p:sp>
       <p:sp>
         <p:nvSpPr>
-          <p:cNvPr id="186" name="CustomShape 37"/>
+          <p:cNvPr id="178" name="CustomShape 37"/>
           <p:cNvSpPr/>
           <p:nvPr/>
         </p:nvSpPr>
         <p:spPr>
           <a:xfrm>
             <a:off x="360000" y="1764000"/>
-            <a:ext cx="9307080" cy="4672800"/>
+            <a:ext cx="9306720" cy="4672440"/>
           </a:xfrm>
           <a:prstGeom prst="rect">
             <a:avLst/>
@@ -19256,7 +19954,7 @@
       </p:sp>
       <p:pic>
         <p:nvPicPr>
-          <p:cNvPr id="187" name="" descr=""/>
+          <p:cNvPr id="179" name="" descr=""/>
           <p:cNvPicPr/>
           <p:nvPr/>
         </p:nvPicPr>
@@ -19267,7 +19965,7 @@
         <p:spPr>
           <a:xfrm>
             <a:off x="2700000" y="4673520"/>
-            <a:ext cx="5315040" cy="1619280"/>
+            <a:ext cx="5314680" cy="1618920"/>
           </a:xfrm>
           <a:prstGeom prst="rect">
             <a:avLst/>

--- a/AprendizadoMaquina/Tópico 04 - Deep Learning/Tópico 04 - Deep Learning - Redes Recorrentes.pptx
+++ b/AprendizadoMaquina/Tópico 04 - Deep Learning/Tópico 04 - Deep Learning - Redes Recorrentes.pptx
@@ -85,139 +85,7 @@
               <a:rPr b="0" lang="pt-BR" sz="4400" spc="-1" strike="noStrike">
                 <a:latin typeface="Arial"/>
               </a:rPr>
-              <a:t>C</a:t>
-            </a:r>
-            <a:r>
-              <a:rPr b="0" lang="pt-BR" sz="4400" spc="-1" strike="noStrike">
-                <a:latin typeface="Arial"/>
-              </a:rPr>
-              <a:t>l</a:t>
-            </a:r>
-            <a:r>
-              <a:rPr b="0" lang="pt-BR" sz="4400" spc="-1" strike="noStrike">
-                <a:latin typeface="Arial"/>
-              </a:rPr>
-              <a:t>i</a:t>
-            </a:r>
-            <a:r>
-              <a:rPr b="0" lang="pt-BR" sz="4400" spc="-1" strike="noStrike">
-                <a:latin typeface="Arial"/>
-              </a:rPr>
-              <a:t>c</a:t>
-            </a:r>
-            <a:r>
-              <a:rPr b="0" lang="pt-BR" sz="4400" spc="-1" strike="noStrike">
-                <a:latin typeface="Arial"/>
-              </a:rPr>
-              <a:t>k</a:t>
-            </a:r>
-            <a:r>
-              <a:rPr b="0" lang="pt-BR" sz="4400" spc="-1" strike="noStrike">
-                <a:latin typeface="Arial"/>
-              </a:rPr>
-              <a:t> </a:t>
-            </a:r>
-            <a:r>
-              <a:rPr b="0" lang="pt-BR" sz="4400" spc="-1" strike="noStrike">
-                <a:latin typeface="Arial"/>
-              </a:rPr>
-              <a:t>t</a:t>
-            </a:r>
-            <a:r>
-              <a:rPr b="0" lang="pt-BR" sz="4400" spc="-1" strike="noStrike">
-                <a:latin typeface="Arial"/>
-              </a:rPr>
-              <a:t>o</a:t>
-            </a:r>
-            <a:r>
-              <a:rPr b="0" lang="pt-BR" sz="4400" spc="-1" strike="noStrike">
-                <a:latin typeface="Arial"/>
-              </a:rPr>
-              <a:t> </a:t>
-            </a:r>
-            <a:r>
-              <a:rPr b="0" lang="pt-BR" sz="4400" spc="-1" strike="noStrike">
-                <a:latin typeface="Arial"/>
-              </a:rPr>
-              <a:t>m</a:t>
-            </a:r>
-            <a:r>
-              <a:rPr b="0" lang="pt-BR" sz="4400" spc="-1" strike="noStrike">
-                <a:latin typeface="Arial"/>
-              </a:rPr>
-              <a:t>o</a:t>
-            </a:r>
-            <a:r>
-              <a:rPr b="0" lang="pt-BR" sz="4400" spc="-1" strike="noStrike">
-                <a:latin typeface="Arial"/>
-              </a:rPr>
-              <a:t>v</a:t>
-            </a:r>
-            <a:r>
-              <a:rPr b="0" lang="pt-BR" sz="4400" spc="-1" strike="noStrike">
-                <a:latin typeface="Arial"/>
-              </a:rPr>
-              <a:t>e</a:t>
-            </a:r>
-            <a:r>
-              <a:rPr b="0" lang="pt-BR" sz="4400" spc="-1" strike="noStrike">
-                <a:latin typeface="Arial"/>
-              </a:rPr>
-              <a:t> </a:t>
-            </a:r>
-            <a:r>
-              <a:rPr b="0" lang="pt-BR" sz="4400" spc="-1" strike="noStrike">
-                <a:latin typeface="Arial"/>
-              </a:rPr>
-              <a:t>t</a:t>
-            </a:r>
-            <a:r>
-              <a:rPr b="0" lang="pt-BR" sz="4400" spc="-1" strike="noStrike">
-                <a:latin typeface="Arial"/>
-              </a:rPr>
-              <a:t>h</a:t>
-            </a:r>
-            <a:r>
-              <a:rPr b="0" lang="pt-BR" sz="4400" spc="-1" strike="noStrike">
-                <a:latin typeface="Arial"/>
-              </a:rPr>
-              <a:t>e</a:t>
-            </a:r>
-            <a:r>
-              <a:rPr b="0" lang="pt-BR" sz="4400" spc="-1" strike="noStrike">
-                <a:latin typeface="Arial"/>
-              </a:rPr>
-              <a:t> </a:t>
-            </a:r>
-            <a:r>
-              <a:rPr b="0" lang="pt-BR" sz="4400" spc="-1" strike="noStrike">
-                <a:latin typeface="Arial"/>
-              </a:rPr>
-              <a:t>s</a:t>
-            </a:r>
-            <a:r>
-              <a:rPr b="0" lang="pt-BR" sz="4400" spc="-1" strike="noStrike">
-                <a:latin typeface="Arial"/>
-              </a:rPr>
-              <a:t>l</a:t>
-            </a:r>
-            <a:r>
-              <a:rPr b="0" lang="pt-BR" sz="4400" spc="-1" strike="noStrike">
-                <a:latin typeface="Arial"/>
-              </a:rPr>
-              <a:t>i</a:t>
-            </a:r>
-            <a:r>
-              <a:rPr b="0" lang="pt-BR" sz="4400" spc="-1" strike="noStrike">
-                <a:latin typeface="Arial"/>
-              </a:rPr>
-              <a:t>d</a:t>
-            </a:r>
-            <a:r>
-              <a:rPr b="0" lang="pt-BR" sz="4400" spc="-1" strike="noStrike">
-                <a:latin typeface="Arial"/>
-              </a:rPr>
-              <a:t>e</a:t>
+              <a:t>Click to move the slide</a:t>
             </a:r>
             <a:endParaRPr b="0" lang="pt-BR" sz="4400" spc="-1" strike="noStrike">
               <a:latin typeface="Arial"/>
@@ -257,181 +125,7 @@
               <a:rPr b="0" lang="pt-BR" sz="2000" spc="-1" strike="noStrike">
                 <a:latin typeface="Arial"/>
               </a:rPr>
-              <a:t>C</a:t>
-            </a:r>
-            <a:r>
-              <a:rPr b="0" lang="pt-BR" sz="2000" spc="-1" strike="noStrike">
-                <a:latin typeface="Arial"/>
-              </a:rPr>
-              <a:t>l</a:t>
-            </a:r>
-            <a:r>
-              <a:rPr b="0" lang="pt-BR" sz="2000" spc="-1" strike="noStrike">
-                <a:latin typeface="Arial"/>
-              </a:rPr>
-              <a:t>i</a:t>
-            </a:r>
-            <a:r>
-              <a:rPr b="0" lang="pt-BR" sz="2000" spc="-1" strike="noStrike">
-                <a:latin typeface="Arial"/>
-              </a:rPr>
-              <a:t>c</a:t>
-            </a:r>
-            <a:r>
-              <a:rPr b="0" lang="pt-BR" sz="2000" spc="-1" strike="noStrike">
-                <a:latin typeface="Arial"/>
-              </a:rPr>
-              <a:t>k</a:t>
-            </a:r>
-            <a:r>
-              <a:rPr b="0" lang="pt-BR" sz="2000" spc="-1" strike="noStrike">
-                <a:latin typeface="Arial"/>
-              </a:rPr>
-              <a:t> </a:t>
-            </a:r>
-            <a:r>
-              <a:rPr b="0" lang="pt-BR" sz="2000" spc="-1" strike="noStrike">
-                <a:latin typeface="Arial"/>
-              </a:rPr>
-              <a:t>t</a:t>
-            </a:r>
-            <a:r>
-              <a:rPr b="0" lang="pt-BR" sz="2000" spc="-1" strike="noStrike">
-                <a:latin typeface="Arial"/>
-              </a:rPr>
-              <a:t>o</a:t>
-            </a:r>
-            <a:r>
-              <a:rPr b="0" lang="pt-BR" sz="2000" spc="-1" strike="noStrike">
-                <a:latin typeface="Arial"/>
-              </a:rPr>
-              <a:t> </a:t>
-            </a:r>
-            <a:r>
-              <a:rPr b="0" lang="pt-BR" sz="2000" spc="-1" strike="noStrike">
-                <a:latin typeface="Arial"/>
-              </a:rPr>
-              <a:t>e</a:t>
-            </a:r>
-            <a:r>
-              <a:rPr b="0" lang="pt-BR" sz="2000" spc="-1" strike="noStrike">
-                <a:latin typeface="Arial"/>
-              </a:rPr>
-              <a:t>d</a:t>
-            </a:r>
-            <a:r>
-              <a:rPr b="0" lang="pt-BR" sz="2000" spc="-1" strike="noStrike">
-                <a:latin typeface="Arial"/>
-              </a:rPr>
-              <a:t>i</a:t>
-            </a:r>
-            <a:r>
-              <a:rPr b="0" lang="pt-BR" sz="2000" spc="-1" strike="noStrike">
-                <a:latin typeface="Arial"/>
-              </a:rPr>
-              <a:t>t</a:t>
-            </a:r>
-            <a:r>
-              <a:rPr b="0" lang="pt-BR" sz="2000" spc="-1" strike="noStrike">
-                <a:latin typeface="Arial"/>
-              </a:rPr>
-              <a:t> </a:t>
-            </a:r>
-            <a:r>
-              <a:rPr b="0" lang="pt-BR" sz="2000" spc="-1" strike="noStrike">
-                <a:latin typeface="Arial"/>
-              </a:rPr>
-              <a:t>t</a:t>
-            </a:r>
-            <a:r>
-              <a:rPr b="0" lang="pt-BR" sz="2000" spc="-1" strike="noStrike">
-                <a:latin typeface="Arial"/>
-              </a:rPr>
-              <a:t>h</a:t>
-            </a:r>
-            <a:r>
-              <a:rPr b="0" lang="pt-BR" sz="2000" spc="-1" strike="noStrike">
-                <a:latin typeface="Arial"/>
-              </a:rPr>
-              <a:t>e</a:t>
-            </a:r>
-            <a:r>
-              <a:rPr b="0" lang="pt-BR" sz="2000" spc="-1" strike="noStrike">
-                <a:latin typeface="Arial"/>
-              </a:rPr>
-              <a:t> </a:t>
-            </a:r>
-            <a:r>
-              <a:rPr b="0" lang="pt-BR" sz="2000" spc="-1" strike="noStrike">
-                <a:latin typeface="Arial"/>
-              </a:rPr>
-              <a:t>n</a:t>
-            </a:r>
-            <a:r>
-              <a:rPr b="0" lang="pt-BR" sz="2000" spc="-1" strike="noStrike">
-                <a:latin typeface="Arial"/>
-              </a:rPr>
-              <a:t>o</a:t>
-            </a:r>
-            <a:r>
-              <a:rPr b="0" lang="pt-BR" sz="2000" spc="-1" strike="noStrike">
-                <a:latin typeface="Arial"/>
-              </a:rPr>
-              <a:t>t</a:t>
-            </a:r>
-            <a:r>
-              <a:rPr b="0" lang="pt-BR" sz="2000" spc="-1" strike="noStrike">
-                <a:latin typeface="Arial"/>
-              </a:rPr>
-              <a:t>e</a:t>
-            </a:r>
-            <a:r>
-              <a:rPr b="0" lang="pt-BR" sz="2000" spc="-1" strike="noStrike">
-                <a:latin typeface="Arial"/>
-              </a:rPr>
-              <a:t>s</a:t>
-            </a:r>
-            <a:r>
-              <a:rPr b="0" lang="pt-BR" sz="2000" spc="-1" strike="noStrike">
-                <a:latin typeface="Arial"/>
-              </a:rPr>
-              <a:t> </a:t>
-            </a:r>
-            <a:r>
-              <a:rPr b="0" lang="pt-BR" sz="2000" spc="-1" strike="noStrike">
-                <a:latin typeface="Arial"/>
-              </a:rPr>
-              <a:t>f</a:t>
-            </a:r>
-            <a:r>
-              <a:rPr b="0" lang="pt-BR" sz="2000" spc="-1" strike="noStrike">
-                <a:latin typeface="Arial"/>
-              </a:rPr>
-              <a:t>o</a:t>
-            </a:r>
-            <a:r>
-              <a:rPr b="0" lang="pt-BR" sz="2000" spc="-1" strike="noStrike">
-                <a:latin typeface="Arial"/>
-              </a:rPr>
-              <a:t>r</a:t>
-            </a:r>
-            <a:r>
-              <a:rPr b="0" lang="pt-BR" sz="2000" spc="-1" strike="noStrike">
-                <a:latin typeface="Arial"/>
-              </a:rPr>
-              <a:t>m</a:t>
-            </a:r>
-            <a:r>
-              <a:rPr b="0" lang="pt-BR" sz="2000" spc="-1" strike="noStrike">
-                <a:latin typeface="Arial"/>
-              </a:rPr>
-              <a:t>a</a:t>
-            </a:r>
-            <a:r>
-              <a:rPr b="0" lang="pt-BR" sz="2000" spc="-1" strike="noStrike">
-                <a:latin typeface="Arial"/>
-              </a:rPr>
-              <a:t>t</a:t>
+              <a:t>Click to edit the notes format</a:t>
             </a:r>
             <a:endParaRPr b="0" lang="pt-BR" sz="2000" spc="-1" strike="noStrike">
               <a:latin typeface="Arial"/>
@@ -616,7 +310,7 @@
             <a:pPr algn="r">
               <a:buNone/>
             </a:pPr>
-            <a:fld id="{7E01C769-6652-42B4-99BF-1A00F6B2A2D6}" type="slidenum">
+            <a:fld id="{6435AC32-F785-4373-8E34-57AA7979D2BE}" type="slidenum">
               <a:rPr b="0" lang="pt-BR" sz="1400" spc="-1" strike="noStrike">
                 <a:latin typeface="Times New Roman"/>
               </a:rPr>
@@ -664,7 +358,7 @@
         <p:spPr>
           <a:xfrm>
             <a:off x="1376280" y="1336680"/>
-            <a:ext cx="4799880" cy="3599640"/>
+            <a:ext cx="4799520" cy="3599280"/>
           </a:xfrm>
           <a:prstGeom prst="rect">
             <a:avLst/>
@@ -687,7 +381,7 @@
         <p:spPr>
           <a:xfrm>
             <a:off x="756000" y="5145120"/>
-            <a:ext cx="6040080" cy="4202280"/>
+            <a:ext cx="6039720" cy="4201920"/>
           </a:xfrm>
           <a:prstGeom prst="rect">
             <a:avLst/>
@@ -717,7 +411,7 @@
         <p:spPr>
           <a:xfrm>
             <a:off x="0" y="10155240"/>
-            <a:ext cx="3268440" cy="528840"/>
+            <a:ext cx="3268080" cy="528480"/>
           </a:xfrm>
           <a:prstGeom prst="rect">
             <a:avLst/>
@@ -795,7 +489,7 @@
         <p:spPr>
           <a:xfrm>
             <a:off x="1376280" y="1336680"/>
-            <a:ext cx="4799880" cy="3599640"/>
+            <a:ext cx="4799520" cy="3599280"/>
           </a:xfrm>
           <a:prstGeom prst="rect">
             <a:avLst/>
@@ -818,7 +512,7 @@
         <p:spPr>
           <a:xfrm>
             <a:off x="756000" y="5145120"/>
-            <a:ext cx="6040080" cy="4202280"/>
+            <a:ext cx="6039720" cy="4201920"/>
           </a:xfrm>
           <a:prstGeom prst="rect">
             <a:avLst/>
@@ -848,7 +542,7 @@
         <p:spPr>
           <a:xfrm>
             <a:off x="0" y="10155240"/>
-            <a:ext cx="3268440" cy="528840"/>
+            <a:ext cx="3268080" cy="528480"/>
           </a:xfrm>
           <a:prstGeom prst="rect">
             <a:avLst/>
@@ -926,7 +620,7 @@
         <p:spPr>
           <a:xfrm>
             <a:off x="1376280" y="1336680"/>
-            <a:ext cx="4799880" cy="3599640"/>
+            <a:ext cx="4799520" cy="3599280"/>
           </a:xfrm>
           <a:prstGeom prst="rect">
             <a:avLst/>
@@ -949,7 +643,7 @@
         <p:spPr>
           <a:xfrm>
             <a:off x="756000" y="5145120"/>
-            <a:ext cx="6040080" cy="4202280"/>
+            <a:ext cx="6039720" cy="4201920"/>
           </a:xfrm>
           <a:prstGeom prst="rect">
             <a:avLst/>
@@ -979,7 +673,7 @@
         <p:spPr>
           <a:xfrm>
             <a:off x="0" y="10155240"/>
-            <a:ext cx="3268440" cy="528840"/>
+            <a:ext cx="3268080" cy="528480"/>
           </a:xfrm>
           <a:prstGeom prst="rect">
             <a:avLst/>
@@ -1057,7 +751,7 @@
         <p:spPr>
           <a:xfrm>
             <a:off x="1376280" y="1336680"/>
-            <a:ext cx="4799880" cy="3599640"/>
+            <a:ext cx="4799520" cy="3599280"/>
           </a:xfrm>
           <a:prstGeom prst="rect">
             <a:avLst/>
@@ -1080,7 +774,7 @@
         <p:spPr>
           <a:xfrm>
             <a:off x="756000" y="5145120"/>
-            <a:ext cx="6040080" cy="4202280"/>
+            <a:ext cx="6039720" cy="4201920"/>
           </a:xfrm>
           <a:prstGeom prst="rect">
             <a:avLst/>
@@ -1110,7 +804,7 @@
         <p:spPr>
           <a:xfrm>
             <a:off x="0" y="10155240"/>
-            <a:ext cx="3268440" cy="528840"/>
+            <a:ext cx="3268080" cy="528480"/>
           </a:xfrm>
           <a:prstGeom prst="rect">
             <a:avLst/>
@@ -1188,7 +882,7 @@
         <p:spPr>
           <a:xfrm>
             <a:off x="1376280" y="1336680"/>
-            <a:ext cx="4799880" cy="3599640"/>
+            <a:ext cx="4799520" cy="3599280"/>
           </a:xfrm>
           <a:prstGeom prst="rect">
             <a:avLst/>
@@ -1211,7 +905,7 @@
         <p:spPr>
           <a:xfrm>
             <a:off x="756000" y="5145120"/>
-            <a:ext cx="6040080" cy="4202280"/>
+            <a:ext cx="6039720" cy="4201920"/>
           </a:xfrm>
           <a:prstGeom prst="rect">
             <a:avLst/>
@@ -1241,7 +935,7 @@
         <p:spPr>
           <a:xfrm>
             <a:off x="0" y="10155240"/>
-            <a:ext cx="3268440" cy="528840"/>
+            <a:ext cx="3268080" cy="528480"/>
           </a:xfrm>
           <a:prstGeom prst="rect">
             <a:avLst/>
@@ -1319,7 +1013,7 @@
         <p:spPr>
           <a:xfrm>
             <a:off x="1376280" y="1336680"/>
-            <a:ext cx="4799880" cy="3599640"/>
+            <a:ext cx="4799520" cy="3599280"/>
           </a:xfrm>
           <a:prstGeom prst="rect">
             <a:avLst/>
@@ -1342,7 +1036,7 @@
         <p:spPr>
           <a:xfrm>
             <a:off x="756000" y="5145120"/>
-            <a:ext cx="6040080" cy="4202280"/>
+            <a:ext cx="6039720" cy="4201920"/>
           </a:xfrm>
           <a:prstGeom prst="rect">
             <a:avLst/>
@@ -1372,7 +1066,7 @@
         <p:spPr>
           <a:xfrm>
             <a:off x="0" y="10155240"/>
-            <a:ext cx="3268440" cy="528840"/>
+            <a:ext cx="3268080" cy="528480"/>
           </a:xfrm>
           <a:prstGeom prst="rect">
             <a:avLst/>
@@ -1450,7 +1144,7 @@
         <p:spPr>
           <a:xfrm>
             <a:off x="1376280" y="1336680"/>
-            <a:ext cx="4799880" cy="3599640"/>
+            <a:ext cx="4799520" cy="3599280"/>
           </a:xfrm>
           <a:prstGeom prst="rect">
             <a:avLst/>
@@ -1473,7 +1167,7 @@
         <p:spPr>
           <a:xfrm>
             <a:off x="756000" y="5145120"/>
-            <a:ext cx="6040080" cy="4202280"/>
+            <a:ext cx="6039720" cy="4201920"/>
           </a:xfrm>
           <a:prstGeom prst="rect">
             <a:avLst/>
@@ -1503,7 +1197,7 @@
         <p:spPr>
           <a:xfrm>
             <a:off x="0" y="10155240"/>
-            <a:ext cx="3268440" cy="528840"/>
+            <a:ext cx="3268080" cy="528480"/>
           </a:xfrm>
           <a:prstGeom prst="rect">
             <a:avLst/>
@@ -1581,7 +1275,7 @@
         <p:spPr>
           <a:xfrm>
             <a:off x="1376280" y="1336680"/>
-            <a:ext cx="4799880" cy="3599640"/>
+            <a:ext cx="4799520" cy="3599280"/>
           </a:xfrm>
           <a:prstGeom prst="rect">
             <a:avLst/>
@@ -1604,7 +1298,7 @@
         <p:spPr>
           <a:xfrm>
             <a:off x="756000" y="5145120"/>
-            <a:ext cx="6040080" cy="4202280"/>
+            <a:ext cx="6039720" cy="4201920"/>
           </a:xfrm>
           <a:prstGeom prst="rect">
             <a:avLst/>
@@ -1634,7 +1328,7 @@
         <p:spPr>
           <a:xfrm>
             <a:off x="0" y="10155240"/>
-            <a:ext cx="3268440" cy="528840"/>
+            <a:ext cx="3268080" cy="528480"/>
           </a:xfrm>
           <a:prstGeom prst="rect">
             <a:avLst/>
@@ -1712,7 +1406,7 @@
         <p:spPr>
           <a:xfrm>
             <a:off x="1376280" y="1336680"/>
-            <a:ext cx="4799880" cy="3599640"/>
+            <a:ext cx="4799520" cy="3599280"/>
           </a:xfrm>
           <a:prstGeom prst="rect">
             <a:avLst/>
@@ -1735,7 +1429,7 @@
         <p:spPr>
           <a:xfrm>
             <a:off x="756000" y="5145120"/>
-            <a:ext cx="6040080" cy="4202280"/>
+            <a:ext cx="6039720" cy="4201920"/>
           </a:xfrm>
           <a:prstGeom prst="rect">
             <a:avLst/>
@@ -1765,7 +1459,7 @@
         <p:spPr>
           <a:xfrm>
             <a:off x="0" y="10155240"/>
-            <a:ext cx="3268440" cy="528840"/>
+            <a:ext cx="3268080" cy="528480"/>
           </a:xfrm>
           <a:prstGeom prst="rect">
             <a:avLst/>
@@ -1843,7 +1537,7 @@
         <p:spPr>
           <a:xfrm>
             <a:off x="1376280" y="1336680"/>
-            <a:ext cx="4799880" cy="3599640"/>
+            <a:ext cx="4799520" cy="3599280"/>
           </a:xfrm>
           <a:prstGeom prst="rect">
             <a:avLst/>
@@ -1866,7 +1560,7 @@
         <p:spPr>
           <a:xfrm>
             <a:off x="756000" y="5145120"/>
-            <a:ext cx="6040080" cy="4202280"/>
+            <a:ext cx="6039720" cy="4201920"/>
           </a:xfrm>
           <a:prstGeom prst="rect">
             <a:avLst/>
@@ -1896,7 +1590,7 @@
         <p:spPr>
           <a:xfrm>
             <a:off x="0" y="10155240"/>
-            <a:ext cx="3268440" cy="528840"/>
+            <a:ext cx="3268080" cy="528480"/>
           </a:xfrm>
           <a:prstGeom prst="rect">
             <a:avLst/>
@@ -1974,7 +1668,7 @@
         <p:spPr>
           <a:xfrm>
             <a:off x="1376280" y="1336680"/>
-            <a:ext cx="4799880" cy="3599640"/>
+            <a:ext cx="4799520" cy="3599280"/>
           </a:xfrm>
           <a:prstGeom prst="rect">
             <a:avLst/>
@@ -1997,7 +1691,7 @@
         <p:spPr>
           <a:xfrm>
             <a:off x="756000" y="5145120"/>
-            <a:ext cx="6040080" cy="4202280"/>
+            <a:ext cx="6039720" cy="4201920"/>
           </a:xfrm>
           <a:prstGeom prst="rect">
             <a:avLst/>
@@ -2027,7 +1721,7 @@
         <p:spPr>
           <a:xfrm>
             <a:off x="0" y="10155240"/>
-            <a:ext cx="3268440" cy="528840"/>
+            <a:ext cx="3268080" cy="528480"/>
           </a:xfrm>
           <a:prstGeom prst="rect">
             <a:avLst/>
@@ -2105,7 +1799,7 @@
         <p:spPr>
           <a:xfrm>
             <a:off x="1376280" y="1336680"/>
-            <a:ext cx="4799880" cy="3599640"/>
+            <a:ext cx="4799520" cy="3599280"/>
           </a:xfrm>
           <a:prstGeom prst="rect">
             <a:avLst/>
@@ -2128,7 +1822,7 @@
         <p:spPr>
           <a:xfrm>
             <a:off x="756000" y="5145120"/>
-            <a:ext cx="6040080" cy="4202280"/>
+            <a:ext cx="6039720" cy="4201920"/>
           </a:xfrm>
           <a:prstGeom prst="rect">
             <a:avLst/>
@@ -2158,7 +1852,7 @@
         <p:spPr>
           <a:xfrm>
             <a:off x="0" y="10155240"/>
-            <a:ext cx="3268440" cy="528840"/>
+            <a:ext cx="3268080" cy="528480"/>
           </a:xfrm>
           <a:prstGeom prst="rect">
             <a:avLst/>
@@ -2236,7 +1930,7 @@
         <p:spPr>
           <a:xfrm>
             <a:off x="1376280" y="1336680"/>
-            <a:ext cx="4799880" cy="3599640"/>
+            <a:ext cx="4799520" cy="3599280"/>
           </a:xfrm>
           <a:prstGeom prst="rect">
             <a:avLst/>
@@ -2259,7 +1953,7 @@
         <p:spPr>
           <a:xfrm>
             <a:off x="756000" y="5145120"/>
-            <a:ext cx="6040080" cy="4202280"/>
+            <a:ext cx="6039720" cy="4201920"/>
           </a:xfrm>
           <a:prstGeom prst="rect">
             <a:avLst/>
@@ -2289,7 +1983,7 @@
         <p:spPr>
           <a:xfrm>
             <a:off x="0" y="10155240"/>
-            <a:ext cx="3268440" cy="528840"/>
+            <a:ext cx="3268080" cy="528480"/>
           </a:xfrm>
           <a:prstGeom prst="rect">
             <a:avLst/>
@@ -2367,7 +2061,7 @@
         <p:spPr>
           <a:xfrm>
             <a:off x="1376280" y="1336680"/>
-            <a:ext cx="4799880" cy="3599640"/>
+            <a:ext cx="4799520" cy="3599280"/>
           </a:xfrm>
           <a:prstGeom prst="rect">
             <a:avLst/>
@@ -2390,7 +2084,7 @@
         <p:spPr>
           <a:xfrm>
             <a:off x="756000" y="5145120"/>
-            <a:ext cx="6040080" cy="4202280"/>
+            <a:ext cx="6039720" cy="4201920"/>
           </a:xfrm>
           <a:prstGeom prst="rect">
             <a:avLst/>
@@ -2420,7 +2114,7 @@
         <p:spPr>
           <a:xfrm>
             <a:off x="0" y="10155240"/>
-            <a:ext cx="3268440" cy="528840"/>
+            <a:ext cx="3268080" cy="528480"/>
           </a:xfrm>
           <a:prstGeom prst="rect">
             <a:avLst/>
@@ -2498,7 +2192,7 @@
         <p:spPr>
           <a:xfrm>
             <a:off x="1376280" y="1336680"/>
-            <a:ext cx="4799880" cy="3599640"/>
+            <a:ext cx="4799520" cy="3599280"/>
           </a:xfrm>
           <a:prstGeom prst="rect">
             <a:avLst/>
@@ -2521,7 +2215,7 @@
         <p:spPr>
           <a:xfrm>
             <a:off x="756000" y="5145120"/>
-            <a:ext cx="6040080" cy="4202280"/>
+            <a:ext cx="6039720" cy="4201920"/>
           </a:xfrm>
           <a:prstGeom prst="rect">
             <a:avLst/>
@@ -2551,7 +2245,7 @@
         <p:spPr>
           <a:xfrm>
             <a:off x="0" y="10155240"/>
-            <a:ext cx="3268440" cy="528840"/>
+            <a:ext cx="3268080" cy="528480"/>
           </a:xfrm>
           <a:prstGeom prst="rect">
             <a:avLst/>
@@ -2629,7 +2323,7 @@
         <p:spPr>
           <a:xfrm>
             <a:off x="1376280" y="1336680"/>
-            <a:ext cx="4799880" cy="3599640"/>
+            <a:ext cx="4799520" cy="3599280"/>
           </a:xfrm>
           <a:prstGeom prst="rect">
             <a:avLst/>
@@ -2652,7 +2346,7 @@
         <p:spPr>
           <a:xfrm>
             <a:off x="756000" y="5145120"/>
-            <a:ext cx="6040080" cy="4202280"/>
+            <a:ext cx="6039720" cy="4201920"/>
           </a:xfrm>
           <a:prstGeom prst="rect">
             <a:avLst/>
@@ -2682,7 +2376,7 @@
         <p:spPr>
           <a:xfrm>
             <a:off x="0" y="10155240"/>
-            <a:ext cx="3268440" cy="528840"/>
+            <a:ext cx="3268080" cy="528480"/>
           </a:xfrm>
           <a:prstGeom prst="rect">
             <a:avLst/>
@@ -2760,7 +2454,7 @@
         <p:spPr>
           <a:xfrm>
             <a:off x="1376280" y="1336680"/>
-            <a:ext cx="4799880" cy="3599640"/>
+            <a:ext cx="4799520" cy="3599280"/>
           </a:xfrm>
           <a:prstGeom prst="rect">
             <a:avLst/>
@@ -2783,7 +2477,7 @@
         <p:spPr>
           <a:xfrm>
             <a:off x="756000" y="5145120"/>
-            <a:ext cx="6040080" cy="4202280"/>
+            <a:ext cx="6039720" cy="4201920"/>
           </a:xfrm>
           <a:prstGeom prst="rect">
             <a:avLst/>
@@ -2813,7 +2507,7 @@
         <p:spPr>
           <a:xfrm>
             <a:off x="0" y="10155240"/>
-            <a:ext cx="3268440" cy="528840"/>
+            <a:ext cx="3268080" cy="528480"/>
           </a:xfrm>
           <a:prstGeom prst="rect">
             <a:avLst/>
@@ -7466,7 +7160,7 @@
         <p:spPr>
           <a:xfrm>
             <a:off x="0" y="3150000"/>
-            <a:ext cx="9712440" cy="1252440"/>
+            <a:ext cx="9712080" cy="1252080"/>
           </a:xfrm>
           <a:prstGeom prst="rect">
             <a:avLst/>
@@ -7956,7 +7650,7 @@
         <p:spPr>
           <a:xfrm>
             <a:off x="0" y="180000"/>
-            <a:ext cx="9712440" cy="1252440"/>
+            <a:ext cx="9712080" cy="1252080"/>
           </a:xfrm>
           <a:prstGeom prst="rect">
             <a:avLst/>
@@ -7984,7 +7678,7 @@
         <p:spPr>
           <a:xfrm>
             <a:off x="7560000" y="6840000"/>
-            <a:ext cx="2512440" cy="532440"/>
+            <a:ext cx="2512080" cy="532080"/>
           </a:xfrm>
           <a:prstGeom prst="rect">
             <a:avLst/>
@@ -8012,7 +7706,7 @@
         <p:spPr>
           <a:xfrm>
             <a:off x="900000" y="6840000"/>
-            <a:ext cx="6472440" cy="532440"/>
+            <a:ext cx="6472080" cy="532080"/>
           </a:xfrm>
           <a:prstGeom prst="rect">
             <a:avLst/>
@@ -8040,7 +7734,7 @@
         <p:spPr>
           <a:xfrm>
             <a:off x="180000" y="6840000"/>
-            <a:ext cx="532440" cy="532440"/>
+            <a:ext cx="532080" cy="532080"/>
           </a:xfrm>
           <a:prstGeom prst="rect">
             <a:avLst/>
@@ -8092,199 +7786,7 @@
               <a:rPr b="0" lang="pt-BR" sz="4400" spc="-1" strike="noStrike">
                 <a:latin typeface="Arial"/>
               </a:rPr>
-              <a:t>C</a:t>
-            </a:r>
-            <a:r>
-              <a:rPr b="0" lang="pt-BR" sz="4400" spc="-1" strike="noStrike">
-                <a:latin typeface="Arial"/>
-              </a:rPr>
-              <a:t>l</a:t>
-            </a:r>
-            <a:r>
-              <a:rPr b="0" lang="pt-BR" sz="4400" spc="-1" strike="noStrike">
-                <a:latin typeface="Arial"/>
-              </a:rPr>
-              <a:t>i</a:t>
-            </a:r>
-            <a:r>
-              <a:rPr b="0" lang="pt-BR" sz="4400" spc="-1" strike="noStrike">
-                <a:latin typeface="Arial"/>
-              </a:rPr>
-              <a:t>c</a:t>
-            </a:r>
-            <a:r>
-              <a:rPr b="0" lang="pt-BR" sz="4400" spc="-1" strike="noStrike">
-                <a:latin typeface="Arial"/>
-              </a:rPr>
-              <a:t>k</a:t>
-            </a:r>
-            <a:r>
-              <a:rPr b="0" lang="pt-BR" sz="4400" spc="-1" strike="noStrike">
-                <a:latin typeface="Arial"/>
-              </a:rPr>
-              <a:t> </a:t>
-            </a:r>
-            <a:r>
-              <a:rPr b="0" lang="pt-BR" sz="4400" spc="-1" strike="noStrike">
-                <a:latin typeface="Arial"/>
-              </a:rPr>
-              <a:t>t</a:t>
-            </a:r>
-            <a:r>
-              <a:rPr b="0" lang="pt-BR" sz="4400" spc="-1" strike="noStrike">
-                <a:latin typeface="Arial"/>
-              </a:rPr>
-              <a:t>o</a:t>
-            </a:r>
-            <a:r>
-              <a:rPr b="0" lang="pt-BR" sz="4400" spc="-1" strike="noStrike">
-                <a:latin typeface="Arial"/>
-              </a:rPr>
-              <a:t> </a:t>
-            </a:r>
-            <a:r>
-              <a:rPr b="0" lang="pt-BR" sz="4400" spc="-1" strike="noStrike">
-                <a:latin typeface="Arial"/>
-              </a:rPr>
-              <a:t>e</a:t>
-            </a:r>
-            <a:r>
-              <a:rPr b="0" lang="pt-BR" sz="4400" spc="-1" strike="noStrike">
-                <a:latin typeface="Arial"/>
-              </a:rPr>
-              <a:t>d</a:t>
-            </a:r>
-            <a:r>
-              <a:rPr b="0" lang="pt-BR" sz="4400" spc="-1" strike="noStrike">
-                <a:latin typeface="Arial"/>
-              </a:rPr>
-              <a:t>i</a:t>
-            </a:r>
-            <a:r>
-              <a:rPr b="0" lang="pt-BR" sz="4400" spc="-1" strike="noStrike">
-                <a:latin typeface="Arial"/>
-              </a:rPr>
-              <a:t>t </a:t>
-            </a:r>
-            <a:r>
-              <a:rPr b="0" lang="pt-BR" sz="4400" spc="-1" strike="noStrike">
-                <a:latin typeface="Arial"/>
-              </a:rPr>
-              <a:t>t</a:t>
-            </a:r>
-            <a:r>
-              <a:rPr b="0" lang="pt-BR" sz="4400" spc="-1" strike="noStrike">
-                <a:latin typeface="Arial"/>
-              </a:rPr>
-              <a:t>h</a:t>
-            </a:r>
-            <a:r>
-              <a:rPr b="0" lang="pt-BR" sz="4400" spc="-1" strike="noStrike">
-                <a:latin typeface="Arial"/>
-              </a:rPr>
-              <a:t>e</a:t>
-            </a:r>
-            <a:r>
-              <a:rPr b="0" lang="pt-BR" sz="4400" spc="-1" strike="noStrike">
-                <a:latin typeface="Arial"/>
-              </a:rPr>
-              <a:t> </a:t>
-            </a:r>
-            <a:r>
-              <a:rPr b="0" lang="pt-BR" sz="4400" spc="-1" strike="noStrike">
-                <a:latin typeface="Arial"/>
-              </a:rPr>
-              <a:t>t</a:t>
-            </a:r>
-            <a:r>
-              <a:rPr b="0" lang="pt-BR" sz="4400" spc="-1" strike="noStrike">
-                <a:latin typeface="Arial"/>
-              </a:rPr>
-              <a:t>i</a:t>
-            </a:r>
-            <a:r>
-              <a:rPr b="0" lang="pt-BR" sz="4400" spc="-1" strike="noStrike">
-                <a:latin typeface="Arial"/>
-              </a:rPr>
-              <a:t>t</a:t>
-            </a:r>
-            <a:r>
-              <a:rPr b="0" lang="pt-BR" sz="4400" spc="-1" strike="noStrike">
-                <a:latin typeface="Arial"/>
-              </a:rPr>
-              <a:t>l</a:t>
-            </a:r>
-            <a:r>
-              <a:rPr b="0" lang="pt-BR" sz="4400" spc="-1" strike="noStrike">
-                <a:latin typeface="Arial"/>
-              </a:rPr>
-              <a:t>e</a:t>
-            </a:r>
-            <a:r>
-              <a:rPr b="0" lang="pt-BR" sz="4400" spc="-1" strike="noStrike">
-                <a:latin typeface="Arial"/>
-              </a:rPr>
-              <a:t> </a:t>
-            </a:r>
-            <a:r>
-              <a:rPr b="0" lang="pt-BR" sz="4400" spc="-1" strike="noStrike">
-                <a:latin typeface="Arial"/>
-              </a:rPr>
-              <a:t>t</a:t>
-            </a:r>
-            <a:r>
-              <a:rPr b="0" lang="pt-BR" sz="4400" spc="-1" strike="noStrike">
-                <a:latin typeface="Arial"/>
-              </a:rPr>
-              <a:t>e</a:t>
-            </a:r>
-            <a:r>
-              <a:rPr b="0" lang="pt-BR" sz="4400" spc="-1" strike="noStrike">
-                <a:latin typeface="Arial"/>
-              </a:rPr>
-              <a:t>x</a:t>
-            </a:r>
-            <a:r>
-              <a:rPr b="0" lang="pt-BR" sz="4400" spc="-1" strike="noStrike">
-                <a:latin typeface="Arial"/>
-              </a:rPr>
-              <a:t>t </a:t>
-            </a:r>
-            <a:r>
-              <a:rPr b="0" lang="pt-BR" sz="4400" spc="-1" strike="noStrike">
-                <a:latin typeface="Arial"/>
-              </a:rPr>
-              <a:t>f</a:t>
-            </a:r>
-            <a:r>
-              <a:rPr b="0" lang="pt-BR" sz="4400" spc="-1" strike="noStrike">
-                <a:latin typeface="Arial"/>
-              </a:rPr>
-              <a:t>o</a:t>
-            </a:r>
-            <a:r>
-              <a:rPr b="0" lang="pt-BR" sz="4400" spc="-1" strike="noStrike">
-                <a:latin typeface="Arial"/>
-              </a:rPr>
-              <a:t>r</a:t>
-            </a:r>
-            <a:r>
-              <a:rPr b="0" lang="pt-BR" sz="4400" spc="-1" strike="noStrike">
-                <a:latin typeface="Arial"/>
-              </a:rPr>
-              <a:t>m</a:t>
-            </a:r>
-            <a:r>
-              <a:rPr b="0" lang="pt-BR" sz="4400" spc="-1" strike="noStrike">
-                <a:latin typeface="Arial"/>
-              </a:rPr>
-              <a:t>a</a:t>
-            </a:r>
-            <a:r>
-              <a:rPr b="0" lang="pt-BR" sz="4400" spc="-1" strike="noStrike">
-                <a:latin typeface="Arial"/>
-              </a:rPr>
-              <a:t>t</a:t>
+              <a:t>Click to edit the title text format</a:t>
             </a:r>
             <a:endParaRPr b="0" lang="pt-BR" sz="4400" spc="-1" strike="noStrike">
               <a:latin typeface="Arial"/>
@@ -8528,7 +8030,7 @@
         <p:spPr>
           <a:xfrm>
             <a:off x="0" y="3150000"/>
-            <a:ext cx="9712440" cy="1252440"/>
+            <a:ext cx="9712080" cy="1252080"/>
           </a:xfrm>
           <a:prstGeom prst="rect">
             <a:avLst/>
@@ -8582,199 +8084,25 @@
               <a:rPr b="0" lang="pt-BR" sz="4400" spc="-1" strike="noStrike">
                 <a:latin typeface="Arial"/>
               </a:rPr>
-              <a:t>C</a:t>
+              <a:t>Click to </a:t>
             </a:r>
             <a:r>
               <a:rPr b="0" lang="pt-BR" sz="4400" spc="-1" strike="noStrike">
                 <a:latin typeface="Arial"/>
               </a:rPr>
-              <a:t>l</a:t>
+              <a:t>edit the </a:t>
             </a:r>
             <a:r>
               <a:rPr b="0" lang="pt-BR" sz="4400" spc="-1" strike="noStrike">
                 <a:latin typeface="Arial"/>
               </a:rPr>
-              <a:t>i</a:t>
+              <a:t>title text </a:t>
             </a:r>
             <a:r>
               <a:rPr b="0" lang="pt-BR" sz="4400" spc="-1" strike="noStrike">
                 <a:latin typeface="Arial"/>
               </a:rPr>
-              <a:t>c</a:t>
-            </a:r>
-            <a:r>
-              <a:rPr b="0" lang="pt-BR" sz="4400" spc="-1" strike="noStrike">
-                <a:latin typeface="Arial"/>
-              </a:rPr>
-              <a:t>k</a:t>
-            </a:r>
-            <a:r>
-              <a:rPr b="0" lang="pt-BR" sz="4400" spc="-1" strike="noStrike">
-                <a:latin typeface="Arial"/>
-              </a:rPr>
-              <a:t> </a:t>
-            </a:r>
-            <a:r>
-              <a:rPr b="0" lang="pt-BR" sz="4400" spc="-1" strike="noStrike">
-                <a:latin typeface="Arial"/>
-              </a:rPr>
-              <a:t>t</a:t>
-            </a:r>
-            <a:r>
-              <a:rPr b="0" lang="pt-BR" sz="4400" spc="-1" strike="noStrike">
-                <a:latin typeface="Arial"/>
-              </a:rPr>
-              <a:t>o</a:t>
-            </a:r>
-            <a:r>
-              <a:rPr b="0" lang="pt-BR" sz="4400" spc="-1" strike="noStrike">
-                <a:latin typeface="Arial"/>
-              </a:rPr>
-              <a:t> </a:t>
-            </a:r>
-            <a:r>
-              <a:rPr b="0" lang="pt-BR" sz="4400" spc="-1" strike="noStrike">
-                <a:latin typeface="Arial"/>
-              </a:rPr>
-              <a:t>e</a:t>
-            </a:r>
-            <a:r>
-              <a:rPr b="0" lang="pt-BR" sz="4400" spc="-1" strike="noStrike">
-                <a:latin typeface="Arial"/>
-              </a:rPr>
-              <a:t>d</a:t>
-            </a:r>
-            <a:r>
-              <a:rPr b="0" lang="pt-BR" sz="4400" spc="-1" strike="noStrike">
-                <a:latin typeface="Arial"/>
-              </a:rPr>
-              <a:t>i</a:t>
-            </a:r>
-            <a:r>
-              <a:rPr b="0" lang="pt-BR" sz="4400" spc="-1" strike="noStrike">
-                <a:latin typeface="Arial"/>
-              </a:rPr>
-              <a:t>t </a:t>
-            </a:r>
-            <a:r>
-              <a:rPr b="0" lang="pt-BR" sz="4400" spc="-1" strike="noStrike">
-                <a:latin typeface="Arial"/>
-              </a:rPr>
-              <a:t>t</a:t>
-            </a:r>
-            <a:r>
-              <a:rPr b="0" lang="pt-BR" sz="4400" spc="-1" strike="noStrike">
-                <a:latin typeface="Arial"/>
-              </a:rPr>
-              <a:t>h</a:t>
-            </a:r>
-            <a:r>
-              <a:rPr b="0" lang="pt-BR" sz="4400" spc="-1" strike="noStrike">
-                <a:latin typeface="Arial"/>
-              </a:rPr>
-              <a:t>e</a:t>
-            </a:r>
-            <a:r>
-              <a:rPr b="0" lang="pt-BR" sz="4400" spc="-1" strike="noStrike">
-                <a:latin typeface="Arial"/>
-              </a:rPr>
-              <a:t> </a:t>
-            </a:r>
-            <a:r>
-              <a:rPr b="0" lang="pt-BR" sz="4400" spc="-1" strike="noStrike">
-                <a:latin typeface="Arial"/>
-              </a:rPr>
-              <a:t>t</a:t>
-            </a:r>
-            <a:r>
-              <a:rPr b="0" lang="pt-BR" sz="4400" spc="-1" strike="noStrike">
-                <a:latin typeface="Arial"/>
-              </a:rPr>
-              <a:t>i</a:t>
-            </a:r>
-            <a:r>
-              <a:rPr b="0" lang="pt-BR" sz="4400" spc="-1" strike="noStrike">
-                <a:latin typeface="Arial"/>
-              </a:rPr>
-              <a:t>t</a:t>
-            </a:r>
-            <a:r>
-              <a:rPr b="0" lang="pt-BR" sz="4400" spc="-1" strike="noStrike">
-                <a:latin typeface="Arial"/>
-              </a:rPr>
-              <a:t>l</a:t>
-            </a:r>
-            <a:r>
-              <a:rPr b="0" lang="pt-BR" sz="4400" spc="-1" strike="noStrike">
-                <a:latin typeface="Arial"/>
-              </a:rPr>
-              <a:t>e</a:t>
-            </a:r>
-            <a:r>
-              <a:rPr b="0" lang="pt-BR" sz="4400" spc="-1" strike="noStrike">
-                <a:latin typeface="Arial"/>
-              </a:rPr>
-              <a:t> </a:t>
-            </a:r>
-            <a:r>
-              <a:rPr b="0" lang="pt-BR" sz="4400" spc="-1" strike="noStrike">
-                <a:latin typeface="Arial"/>
-              </a:rPr>
-              <a:t>t</a:t>
-            </a:r>
-            <a:r>
-              <a:rPr b="0" lang="pt-BR" sz="4400" spc="-1" strike="noStrike">
-                <a:latin typeface="Arial"/>
-              </a:rPr>
-              <a:t>e</a:t>
-            </a:r>
-            <a:r>
-              <a:rPr b="0" lang="pt-BR" sz="4400" spc="-1" strike="noStrike">
-                <a:latin typeface="Arial"/>
-              </a:rPr>
-              <a:t>x</a:t>
-            </a:r>
-            <a:r>
-              <a:rPr b="0" lang="pt-BR" sz="4400" spc="-1" strike="noStrike">
-                <a:latin typeface="Arial"/>
-              </a:rPr>
-              <a:t>t </a:t>
-            </a:r>
-            <a:r>
-              <a:rPr b="0" lang="pt-BR" sz="4400" spc="-1" strike="noStrike">
-                <a:latin typeface="Arial"/>
-              </a:rPr>
-              <a:t>f</a:t>
-            </a:r>
-            <a:r>
-              <a:rPr b="0" lang="pt-BR" sz="4400" spc="-1" strike="noStrike">
-                <a:latin typeface="Arial"/>
-              </a:rPr>
-              <a:t>o</a:t>
-            </a:r>
-            <a:r>
-              <a:rPr b="0" lang="pt-BR" sz="4400" spc="-1" strike="noStrike">
-                <a:latin typeface="Arial"/>
-              </a:rPr>
-              <a:t>r</a:t>
-            </a:r>
-            <a:r>
-              <a:rPr b="0" lang="pt-BR" sz="4400" spc="-1" strike="noStrike">
-                <a:latin typeface="Arial"/>
-              </a:rPr>
-              <a:t>m</a:t>
-            </a:r>
-            <a:r>
-              <a:rPr b="0" lang="pt-BR" sz="4400" spc="-1" strike="noStrike">
-                <a:latin typeface="Arial"/>
-              </a:rPr>
-              <a:t>a</a:t>
-            </a:r>
-            <a:r>
-              <a:rPr b="0" lang="pt-BR" sz="4400" spc="-1" strike="noStrike">
-                <a:latin typeface="Arial"/>
-              </a:rPr>
-              <a:t>t</a:t>
+              <a:t>format</a:t>
             </a:r>
             <a:endParaRPr b="0" lang="pt-BR" sz="4400" spc="-1" strike="noStrike">
               <a:latin typeface="Arial"/>
@@ -9011,7 +8339,7 @@
         <p:spPr>
           <a:xfrm>
             <a:off x="360000" y="3330000"/>
-            <a:ext cx="9352440" cy="892440"/>
+            <a:ext cx="9352080" cy="892080"/>
           </a:xfrm>
           <a:prstGeom prst="rect">
             <a:avLst/>
@@ -9063,7 +8391,7 @@
         <p:spPr>
           <a:xfrm>
             <a:off x="540000" y="4680000"/>
-            <a:ext cx="9172440" cy="2512440"/>
+            <a:ext cx="9172080" cy="2512080"/>
           </a:xfrm>
           <a:prstGeom prst="rect">
             <a:avLst/>
@@ -9268,7 +8596,7 @@
         <p:spPr>
           <a:xfrm>
             <a:off x="360000" y="360000"/>
-            <a:ext cx="9352440" cy="892440"/>
+            <a:ext cx="9352080" cy="892080"/>
           </a:xfrm>
           <a:prstGeom prst="rect">
             <a:avLst/>
@@ -9320,7 +8648,7 @@
         <p:spPr>
           <a:xfrm>
             <a:off x="360000" y="1620000"/>
-            <a:ext cx="9306720" cy="4672440"/>
+            <a:ext cx="9306360" cy="4672080"/>
           </a:xfrm>
           <a:prstGeom prst="rect">
             <a:avLst/>
@@ -9393,7 +8721,7 @@
         <p:spPr>
           <a:xfrm>
             <a:off x="7608600" y="6886080"/>
-            <a:ext cx="2277720" cy="357480"/>
+            <a:ext cx="2277360" cy="357120"/>
           </a:xfrm>
           <a:prstGeom prst="rect">
             <a:avLst/>
@@ -9456,7 +8784,7 @@
         <p:spPr>
           <a:xfrm>
             <a:off x="897120" y="6886080"/>
-            <a:ext cx="6439680" cy="357480"/>
+            <a:ext cx="6439320" cy="357120"/>
           </a:xfrm>
           <a:prstGeom prst="rect">
             <a:avLst/>
@@ -9508,7 +8836,7 @@
         <p:spPr>
           <a:xfrm>
             <a:off x="360000" y="1764000"/>
-            <a:ext cx="9306720" cy="4672440"/>
+            <a:ext cx="9306360" cy="4672080"/>
           </a:xfrm>
           <a:prstGeom prst="rect">
             <a:avLst/>
@@ -9669,7 +8997,7 @@
         <p:spPr>
           <a:xfrm>
             <a:off x="2087280" y="2201760"/>
-            <a:ext cx="6191640" cy="1937160"/>
+            <a:ext cx="6191280" cy="1936800"/>
           </a:xfrm>
           <a:prstGeom prst="rect">
             <a:avLst/>
@@ -9692,7 +9020,7 @@
         <p:spPr>
           <a:xfrm>
             <a:off x="6617880" y="1047960"/>
-            <a:ext cx="3059280" cy="931680"/>
+            <a:ext cx="3058920" cy="931320"/>
           </a:xfrm>
           <a:prstGeom prst="rect">
             <a:avLst/>
@@ -9716,7 +9044,7 @@
         <p:spPr>
           <a:xfrm>
             <a:off x="3060000" y="4349520"/>
-            <a:ext cx="4648320" cy="2071080"/>
+            <a:ext cx="4647960" cy="2070720"/>
           </a:xfrm>
           <a:prstGeom prst="rect">
             <a:avLst/>
@@ -9735,7 +9063,7 @@
         <p:spPr>
           <a:xfrm>
             <a:off x="3069720" y="4335480"/>
-            <a:ext cx="401760" cy="2076480"/>
+            <a:ext cx="401400" cy="2076120"/>
           </a:xfrm>
           <a:prstGeom prst="rect">
             <a:avLst/>
@@ -9877,7 +9205,7 @@
         <p:spPr>
           <a:xfrm>
             <a:off x="3495600" y="4335480"/>
-            <a:ext cx="401760" cy="2076480"/>
+            <a:ext cx="401400" cy="2076120"/>
           </a:xfrm>
           <a:prstGeom prst="rect">
             <a:avLst/>
@@ -9977,7 +9305,7 @@
         <p:spPr>
           <a:xfrm>
             <a:off x="3920760" y="4335480"/>
-            <a:ext cx="401400" cy="2076480"/>
+            <a:ext cx="401040" cy="2076120"/>
           </a:xfrm>
           <a:prstGeom prst="rect">
             <a:avLst/>
@@ -10077,7 +9405,7 @@
         <p:spPr>
           <a:xfrm>
             <a:off x="4346640" y="4335480"/>
-            <a:ext cx="401760" cy="2076480"/>
+            <a:ext cx="401400" cy="2076120"/>
           </a:xfrm>
           <a:prstGeom prst="rect">
             <a:avLst/>
@@ -10177,7 +9505,7 @@
         <p:spPr>
           <a:xfrm>
             <a:off x="4772160" y="4335480"/>
-            <a:ext cx="401760" cy="2076480"/>
+            <a:ext cx="401400" cy="2076120"/>
           </a:xfrm>
           <a:prstGeom prst="rect">
             <a:avLst/>
@@ -10235,7 +9563,7 @@
         <p:spPr>
           <a:xfrm>
             <a:off x="5201640" y="4344120"/>
-            <a:ext cx="401760" cy="2076480"/>
+            <a:ext cx="401400" cy="2076120"/>
           </a:xfrm>
           <a:prstGeom prst="rect">
             <a:avLst/>
@@ -10377,7 +9705,7 @@
         <p:spPr>
           <a:xfrm>
             <a:off x="5627160" y="4344120"/>
-            <a:ext cx="401760" cy="2076480"/>
+            <a:ext cx="401400" cy="2076120"/>
           </a:xfrm>
           <a:prstGeom prst="rect">
             <a:avLst/>
@@ -10519,7 +9847,7 @@
         <p:spPr>
           <a:xfrm>
             <a:off x="6029280" y="4359960"/>
-            <a:ext cx="401760" cy="2076480"/>
+            <a:ext cx="401400" cy="2076120"/>
           </a:xfrm>
           <a:prstGeom prst="rect">
             <a:avLst/>
@@ -10619,7 +9947,7 @@
         <p:spPr>
           <a:xfrm>
             <a:off x="6455160" y="4359960"/>
-            <a:ext cx="401760" cy="2076480"/>
+            <a:ext cx="401400" cy="2076120"/>
           </a:xfrm>
           <a:prstGeom prst="rect">
             <a:avLst/>
@@ -10677,7 +10005,7 @@
         <p:spPr>
           <a:xfrm>
             <a:off x="6880680" y="4359960"/>
-            <a:ext cx="401760" cy="2076480"/>
+            <a:ext cx="401400" cy="2076120"/>
           </a:xfrm>
           <a:prstGeom prst="rect">
             <a:avLst/>
@@ -10735,7 +10063,7 @@
         <p:spPr>
           <a:xfrm>
             <a:off x="7306560" y="4359960"/>
-            <a:ext cx="401760" cy="2076480"/>
+            <a:ext cx="401400" cy="2076120"/>
           </a:xfrm>
           <a:prstGeom prst="rect">
             <a:avLst/>
@@ -10823,7 +10151,7 @@
         <p:spPr>
           <a:xfrm>
             <a:off x="360000" y="360000"/>
-            <a:ext cx="9352440" cy="892440"/>
+            <a:ext cx="9352080" cy="892080"/>
           </a:xfrm>
           <a:prstGeom prst="rect">
             <a:avLst/>
@@ -10875,7 +10203,7 @@
         <p:spPr>
           <a:xfrm>
             <a:off x="360000" y="1620000"/>
-            <a:ext cx="9306720" cy="4672440"/>
+            <a:ext cx="9306360" cy="4672080"/>
           </a:xfrm>
           <a:prstGeom prst="rect">
             <a:avLst/>
@@ -10948,7 +10276,7 @@
         <p:spPr>
           <a:xfrm>
             <a:off x="7608600" y="6886080"/>
-            <a:ext cx="2277720" cy="357480"/>
+            <a:ext cx="2277360" cy="357120"/>
           </a:xfrm>
           <a:prstGeom prst="rect">
             <a:avLst/>
@@ -11011,7 +10339,7 @@
         <p:spPr>
           <a:xfrm>
             <a:off x="897120" y="6886080"/>
-            <a:ext cx="6439680" cy="357480"/>
+            <a:ext cx="6439320" cy="357120"/>
           </a:xfrm>
           <a:prstGeom prst="rect">
             <a:avLst/>
@@ -11063,7 +10391,7 @@
         <p:spPr>
           <a:xfrm>
             <a:off x="360000" y="1764000"/>
-            <a:ext cx="9306720" cy="4672440"/>
+            <a:ext cx="9306360" cy="4672080"/>
           </a:xfrm>
           <a:prstGeom prst="rect">
             <a:avLst/>
@@ -11384,7 +10712,7 @@
         <p:spPr>
           <a:xfrm>
             <a:off x="2134440" y="2922480"/>
-            <a:ext cx="5784480" cy="3556440"/>
+            <a:ext cx="5784120" cy="3556080"/>
           </a:xfrm>
           <a:prstGeom prst="rect">
             <a:avLst/>
@@ -11407,7 +10735,7 @@
         <p:spPr>
           <a:xfrm>
             <a:off x="6617520" y="1047600"/>
-            <a:ext cx="3059280" cy="931680"/>
+            <a:ext cx="3058920" cy="931320"/>
           </a:xfrm>
           <a:prstGeom prst="rect">
             <a:avLst/>
@@ -11456,7 +10784,7 @@
         <p:spPr>
           <a:xfrm>
             <a:off x="360000" y="360000"/>
-            <a:ext cx="9352440" cy="892440"/>
+            <a:ext cx="9352080" cy="892080"/>
           </a:xfrm>
           <a:prstGeom prst="rect">
             <a:avLst/>
@@ -11508,7 +10836,7 @@
         <p:spPr>
           <a:xfrm>
             <a:off x="360000" y="1620000"/>
-            <a:ext cx="9306720" cy="4672440"/>
+            <a:ext cx="9306360" cy="4672080"/>
           </a:xfrm>
           <a:prstGeom prst="rect">
             <a:avLst/>
@@ -11581,7 +10909,7 @@
         <p:spPr>
           <a:xfrm>
             <a:off x="7608600" y="6886080"/>
-            <a:ext cx="2277720" cy="357480"/>
+            <a:ext cx="2277360" cy="357120"/>
           </a:xfrm>
           <a:prstGeom prst="rect">
             <a:avLst/>
@@ -11644,7 +10972,7 @@
         <p:spPr>
           <a:xfrm>
             <a:off x="897120" y="6886080"/>
-            <a:ext cx="6439680" cy="357480"/>
+            <a:ext cx="6439320" cy="357120"/>
           </a:xfrm>
           <a:prstGeom prst="rect">
             <a:avLst/>
@@ -11696,7 +11024,7 @@
         <p:spPr>
           <a:xfrm>
             <a:off x="360000" y="1764000"/>
-            <a:ext cx="9306720" cy="4672440"/>
+            <a:ext cx="9306360" cy="4672080"/>
           </a:xfrm>
           <a:prstGeom prst="rect">
             <a:avLst/>
@@ -12087,7 +11415,7 @@
         <p:spPr>
           <a:xfrm>
             <a:off x="720000" y="4428000"/>
-            <a:ext cx="5758560" cy="2368440"/>
+            <a:ext cx="5758200" cy="2368080"/>
           </a:xfrm>
           <a:prstGeom prst="rect">
             <a:avLst/>
@@ -12110,7 +11438,7 @@
         <p:spPr>
           <a:xfrm>
             <a:off x="6617520" y="1047600"/>
-            <a:ext cx="3059280" cy="931680"/>
+            <a:ext cx="3058920" cy="931320"/>
           </a:xfrm>
           <a:prstGeom prst="rect">
             <a:avLst/>
@@ -12133,7 +11461,7 @@
         <p:spPr>
           <a:xfrm>
             <a:off x="7200000" y="4813560"/>
-            <a:ext cx="2044440" cy="1622880"/>
+            <a:ext cx="2044080" cy="1622520"/>
           </a:xfrm>
           <a:prstGeom prst="rect">
             <a:avLst/>
@@ -12157,7 +11485,7 @@
         <p:spPr>
           <a:xfrm>
             <a:off x="3240000" y="2602800"/>
-            <a:ext cx="3958920" cy="1896120"/>
+            <a:ext cx="3958560" cy="1895760"/>
           </a:xfrm>
           <a:prstGeom prst="rect">
             <a:avLst/>
@@ -12206,7 +11534,7 @@
         <p:spPr>
           <a:xfrm>
             <a:off x="360000" y="360000"/>
-            <a:ext cx="9352440" cy="892440"/>
+            <a:ext cx="9352080" cy="892080"/>
           </a:xfrm>
           <a:prstGeom prst="rect">
             <a:avLst/>
@@ -12258,7 +11586,7 @@
         <p:spPr>
           <a:xfrm>
             <a:off x="360000" y="1620000"/>
-            <a:ext cx="9306720" cy="4672440"/>
+            <a:ext cx="9306360" cy="4672080"/>
           </a:xfrm>
           <a:prstGeom prst="rect">
             <a:avLst/>
@@ -12331,7 +11659,7 @@
         <p:spPr>
           <a:xfrm>
             <a:off x="7608600" y="6886080"/>
-            <a:ext cx="2277720" cy="357480"/>
+            <a:ext cx="2277360" cy="357120"/>
           </a:xfrm>
           <a:prstGeom prst="rect">
             <a:avLst/>
@@ -12394,7 +11722,7 @@
         <p:spPr>
           <a:xfrm>
             <a:off x="897120" y="6886080"/>
-            <a:ext cx="6439680" cy="357480"/>
+            <a:ext cx="6439320" cy="357120"/>
           </a:xfrm>
           <a:prstGeom prst="rect">
             <a:avLst/>
@@ -12446,7 +11774,7 @@
         <p:spPr>
           <a:xfrm>
             <a:off x="360000" y="1764000"/>
-            <a:ext cx="9306720" cy="4672440"/>
+            <a:ext cx="9306360" cy="4672080"/>
           </a:xfrm>
           <a:prstGeom prst="rect">
             <a:avLst/>
@@ -12865,7 +12193,7 @@
         <p:spPr>
           <a:xfrm>
             <a:off x="6617160" y="1047240"/>
-            <a:ext cx="3059280" cy="931680"/>
+            <a:ext cx="3058920" cy="931320"/>
           </a:xfrm>
           <a:prstGeom prst="rect">
             <a:avLst/>
@@ -12889,7 +12217,7 @@
         <p:spPr>
           <a:xfrm>
             <a:off x="360000" y="3060000"/>
-            <a:ext cx="5254920" cy="1798920"/>
+            <a:ext cx="5254560" cy="1798560"/>
           </a:xfrm>
           <a:prstGeom prst="rect">
             <a:avLst/>
@@ -12912,7 +12240,7 @@
         <p:spPr>
           <a:xfrm>
             <a:off x="5603400" y="4500000"/>
-            <a:ext cx="3935520" cy="2164680"/>
+            <a:ext cx="3935160" cy="2164320"/>
           </a:xfrm>
           <a:prstGeom prst="rect">
             <a:avLst/>
@@ -12961,7 +12289,7 @@
         <p:spPr>
           <a:xfrm>
             <a:off x="360000" y="360000"/>
-            <a:ext cx="9352440" cy="892440"/>
+            <a:ext cx="9352080" cy="892080"/>
           </a:xfrm>
           <a:prstGeom prst="rect">
             <a:avLst/>
@@ -13013,7 +12341,7 @@
         <p:spPr>
           <a:xfrm>
             <a:off x="360000" y="1620000"/>
-            <a:ext cx="9306720" cy="4672440"/>
+            <a:ext cx="9306360" cy="4672080"/>
           </a:xfrm>
           <a:prstGeom prst="rect">
             <a:avLst/>
@@ -13086,7 +12414,7 @@
         <p:spPr>
           <a:xfrm>
             <a:off x="7608600" y="6886080"/>
-            <a:ext cx="2277720" cy="357480"/>
+            <a:ext cx="2277360" cy="357120"/>
           </a:xfrm>
           <a:prstGeom prst="rect">
             <a:avLst/>
@@ -13149,7 +12477,7 @@
         <p:spPr>
           <a:xfrm>
             <a:off x="897120" y="6886080"/>
-            <a:ext cx="6439680" cy="357480"/>
+            <a:ext cx="6439320" cy="357120"/>
           </a:xfrm>
           <a:prstGeom prst="rect">
             <a:avLst/>
@@ -13201,7 +12529,7 @@
         <p:spPr>
           <a:xfrm>
             <a:off x="360000" y="1764000"/>
-            <a:ext cx="9306720" cy="4672440"/>
+            <a:ext cx="9306360" cy="4672080"/>
           </a:xfrm>
           <a:prstGeom prst="rect">
             <a:avLst/>
@@ -13563,7 +12891,7 @@
         <p:spPr>
           <a:xfrm>
             <a:off x="6617160" y="1047240"/>
-            <a:ext cx="3059280" cy="931680"/>
+            <a:ext cx="3058920" cy="931320"/>
           </a:xfrm>
           <a:prstGeom prst="rect">
             <a:avLst/>
@@ -13587,7 +12915,7 @@
         <p:spPr>
           <a:xfrm>
             <a:off x="648360" y="3309120"/>
-            <a:ext cx="4318560" cy="1729800"/>
+            <a:ext cx="4318200" cy="1729440"/>
           </a:xfrm>
           <a:prstGeom prst="rect">
             <a:avLst/>
@@ -13610,7 +12938,7 @@
         <p:spPr>
           <a:xfrm>
             <a:off x="5400000" y="3240000"/>
-            <a:ext cx="3598920" cy="1984680"/>
+            <a:ext cx="3598560" cy="1984320"/>
           </a:xfrm>
           <a:prstGeom prst="rect">
             <a:avLst/>
@@ -13664,7 +12992,7 @@
         <p:spPr>
           <a:xfrm>
             <a:off x="1980000" y="3911040"/>
-            <a:ext cx="6750360" cy="2747880"/>
+            <a:ext cx="6750000" cy="2747520"/>
           </a:xfrm>
           <a:prstGeom prst="rect">
             <a:avLst/>
@@ -13683,7 +13011,7 @@
         <p:spPr>
           <a:xfrm>
             <a:off x="360000" y="360000"/>
-            <a:ext cx="9352440" cy="892440"/>
+            <a:ext cx="9352080" cy="892080"/>
           </a:xfrm>
           <a:prstGeom prst="rect">
             <a:avLst/>
@@ -13735,7 +13063,7 @@
         <p:spPr>
           <a:xfrm>
             <a:off x="360000" y="1620000"/>
-            <a:ext cx="9306720" cy="4672440"/>
+            <a:ext cx="9306360" cy="4672080"/>
           </a:xfrm>
           <a:prstGeom prst="rect">
             <a:avLst/>
@@ -13808,7 +13136,7 @@
         <p:spPr>
           <a:xfrm>
             <a:off x="7608600" y="6886080"/>
-            <a:ext cx="2277720" cy="357480"/>
+            <a:ext cx="2277360" cy="357120"/>
           </a:xfrm>
           <a:prstGeom prst="rect">
             <a:avLst/>
@@ -13871,7 +13199,7 @@
         <p:spPr>
           <a:xfrm>
             <a:off x="897120" y="6886080"/>
-            <a:ext cx="6439680" cy="357480"/>
+            <a:ext cx="6439320" cy="357120"/>
           </a:xfrm>
           <a:prstGeom prst="rect">
             <a:avLst/>
@@ -13923,7 +13251,7 @@
         <p:spPr>
           <a:xfrm>
             <a:off x="360000" y="1440000"/>
-            <a:ext cx="9306720" cy="4672440"/>
+            <a:ext cx="9306360" cy="4672080"/>
           </a:xfrm>
           <a:prstGeom prst="rect">
             <a:avLst/>
@@ -14390,7 +13718,7 @@
         <p:spPr>
           <a:xfrm>
             <a:off x="360000" y="360000"/>
-            <a:ext cx="9352440" cy="892440"/>
+            <a:ext cx="9352080" cy="892080"/>
           </a:xfrm>
           <a:prstGeom prst="rect">
             <a:avLst/>
@@ -14442,7 +13770,7 @@
         <p:spPr>
           <a:xfrm>
             <a:off x="360000" y="1620000"/>
-            <a:ext cx="9306720" cy="4672440"/>
+            <a:ext cx="9306360" cy="4672080"/>
           </a:xfrm>
           <a:prstGeom prst="rect">
             <a:avLst/>
@@ -14515,7 +13843,7 @@
         <p:spPr>
           <a:xfrm>
             <a:off x="7608600" y="6886080"/>
-            <a:ext cx="2277720" cy="357480"/>
+            <a:ext cx="2277360" cy="357120"/>
           </a:xfrm>
           <a:prstGeom prst="rect">
             <a:avLst/>
@@ -14578,7 +13906,7 @@
         <p:spPr>
           <a:xfrm>
             <a:off x="897120" y="6886080"/>
-            <a:ext cx="6439680" cy="357480"/>
+            <a:ext cx="6439320" cy="357120"/>
           </a:xfrm>
           <a:prstGeom prst="rect">
             <a:avLst/>
@@ -14630,7 +13958,7 @@
         <p:spPr>
           <a:xfrm>
             <a:off x="360000" y="1440000"/>
-            <a:ext cx="9306720" cy="4672440"/>
+            <a:ext cx="9306360" cy="4672080"/>
           </a:xfrm>
           <a:prstGeom prst="rect">
             <a:avLst/>
@@ -15037,7 +14365,7 @@
         <p:spPr>
           <a:xfrm>
             <a:off x="3240000" y="2052000"/>
-            <a:ext cx="6298920" cy="4739040"/>
+            <a:ext cx="6298560" cy="4738680"/>
           </a:xfrm>
           <a:prstGeom prst="rect">
             <a:avLst/>
@@ -15061,7 +14389,7 @@
         <p:spPr>
           <a:xfrm>
             <a:off x="6660000" y="965520"/>
-            <a:ext cx="3006720" cy="905400"/>
+            <a:ext cx="3006360" cy="905040"/>
           </a:xfrm>
           <a:prstGeom prst="rect">
             <a:avLst/>
@@ -15080,7 +14408,7 @@
         <p:spPr>
           <a:xfrm>
             <a:off x="7545960" y="975960"/>
-            <a:ext cx="1175040" cy="894600"/>
+            <a:ext cx="1174680" cy="894240"/>
           </a:xfrm>
           <a:prstGeom prst="rect">
             <a:avLst/>
@@ -15142,7 +14470,7 @@
         <p:spPr>
           <a:xfrm>
             <a:off x="360000" y="360000"/>
-            <a:ext cx="9352440" cy="892440"/>
+            <a:ext cx="9352080" cy="892080"/>
           </a:xfrm>
           <a:prstGeom prst="rect">
             <a:avLst/>
@@ -15194,7 +14522,7 @@
         <p:spPr>
           <a:xfrm>
             <a:off x="360000" y="1620000"/>
-            <a:ext cx="9306720" cy="4672440"/>
+            <a:ext cx="9306360" cy="4672080"/>
           </a:xfrm>
           <a:prstGeom prst="rect">
             <a:avLst/>
@@ -15267,7 +14595,7 @@
         <p:spPr>
           <a:xfrm>
             <a:off x="7608600" y="6886080"/>
-            <a:ext cx="2277720" cy="357480"/>
+            <a:ext cx="2277360" cy="357120"/>
           </a:xfrm>
           <a:prstGeom prst="rect">
             <a:avLst/>
@@ -15330,7 +14658,7 @@
         <p:spPr>
           <a:xfrm>
             <a:off x="897120" y="6886080"/>
-            <a:ext cx="6439680" cy="357480"/>
+            <a:ext cx="6439320" cy="357120"/>
           </a:xfrm>
           <a:prstGeom prst="rect">
             <a:avLst/>
@@ -15382,7 +14710,7 @@
         <p:spPr>
           <a:xfrm>
             <a:off x="360000" y="1440000"/>
-            <a:ext cx="9306720" cy="4672440"/>
+            <a:ext cx="9306360" cy="4672080"/>
           </a:xfrm>
           <a:prstGeom prst="rect">
             <a:avLst/>
@@ -15557,7 +14885,7 @@
         <p:spPr>
           <a:xfrm>
             <a:off x="360000" y="360000"/>
-            <a:ext cx="9352440" cy="892440"/>
+            <a:ext cx="9352080" cy="892080"/>
           </a:xfrm>
           <a:prstGeom prst="rect">
             <a:avLst/>
@@ -15609,7 +14937,7 @@
         <p:spPr>
           <a:xfrm>
             <a:off x="360000" y="1980000"/>
-            <a:ext cx="9172440" cy="4672440"/>
+            <a:ext cx="9172080" cy="4672080"/>
           </a:xfrm>
           <a:prstGeom prst="rect">
             <a:avLst/>
@@ -15795,7 +15123,7 @@
         <p:spPr>
           <a:xfrm>
             <a:off x="7608600" y="6886080"/>
-            <a:ext cx="2277720" cy="357480"/>
+            <a:ext cx="2277360" cy="357120"/>
           </a:xfrm>
           <a:prstGeom prst="rect">
             <a:avLst/>
@@ -15858,7 +15186,7 @@
         <p:spPr>
           <a:xfrm>
             <a:off x="897120" y="6886080"/>
-            <a:ext cx="6439680" cy="357480"/>
+            <a:ext cx="6439320" cy="357120"/>
           </a:xfrm>
           <a:prstGeom prst="rect">
             <a:avLst/>
@@ -15914,7 +15242,7 @@
         <p:spPr>
           <a:xfrm>
             <a:off x="1620000" y="4329000"/>
-            <a:ext cx="7181640" cy="2151000"/>
+            <a:ext cx="7181280" cy="2150640"/>
           </a:xfrm>
           <a:prstGeom prst="rect">
             <a:avLst/>
@@ -15963,7 +15291,7 @@
         <p:spPr>
           <a:xfrm>
             <a:off x="360000" y="360000"/>
-            <a:ext cx="9352440" cy="892440"/>
+            <a:ext cx="9352080" cy="892080"/>
           </a:xfrm>
           <a:prstGeom prst="rect">
             <a:avLst/>
@@ -16015,7 +15343,7 @@
         <p:spPr>
           <a:xfrm>
             <a:off x="360000" y="1620000"/>
-            <a:ext cx="9306720" cy="4672440"/>
+            <a:ext cx="9306360" cy="4672080"/>
           </a:xfrm>
           <a:prstGeom prst="rect">
             <a:avLst/>
@@ -16276,7 +15604,7 @@
         <p:spPr>
           <a:xfrm>
             <a:off x="7608600" y="6886080"/>
-            <a:ext cx="2277720" cy="357480"/>
+            <a:ext cx="2277360" cy="357120"/>
           </a:xfrm>
           <a:prstGeom prst="rect">
             <a:avLst/>
@@ -16339,7 +15667,7 @@
         <p:spPr>
           <a:xfrm>
             <a:off x="897120" y="6886080"/>
-            <a:ext cx="6439680" cy="357480"/>
+            <a:ext cx="6439320" cy="357120"/>
           </a:xfrm>
           <a:prstGeom prst="rect">
             <a:avLst/>
@@ -16395,7 +15723,7 @@
         <p:spPr>
           <a:xfrm>
             <a:off x="1947960" y="3390120"/>
-            <a:ext cx="6330960" cy="2902320"/>
+            <a:ext cx="6330600" cy="2901960"/>
           </a:xfrm>
           <a:prstGeom prst="rect">
             <a:avLst/>
@@ -16444,7 +15772,7 @@
         <p:spPr>
           <a:xfrm>
             <a:off x="360000" y="360000"/>
-            <a:ext cx="9352440" cy="892440"/>
+            <a:ext cx="9352080" cy="892080"/>
           </a:xfrm>
           <a:prstGeom prst="rect">
             <a:avLst/>
@@ -16496,7 +15824,7 @@
         <p:spPr>
           <a:xfrm>
             <a:off x="360000" y="1620000"/>
-            <a:ext cx="9306720" cy="4672440"/>
+            <a:ext cx="9306360" cy="4672080"/>
           </a:xfrm>
           <a:prstGeom prst="rect">
             <a:avLst/>
@@ -16569,7 +15897,7 @@
         <p:spPr>
           <a:xfrm>
             <a:off x="7608600" y="6886080"/>
-            <a:ext cx="2277720" cy="357480"/>
+            <a:ext cx="2277360" cy="357120"/>
           </a:xfrm>
           <a:prstGeom prst="rect">
             <a:avLst/>
@@ -16632,7 +15960,7 @@
         <p:spPr>
           <a:xfrm>
             <a:off x="897120" y="6886080"/>
-            <a:ext cx="6439680" cy="357480"/>
+            <a:ext cx="6439320" cy="357120"/>
           </a:xfrm>
           <a:prstGeom prst="rect">
             <a:avLst/>
@@ -16689,7 +16017,7 @@
         <p:spPr>
           <a:xfrm>
             <a:off x="251280" y="1687320"/>
-            <a:ext cx="4463640" cy="2969280"/>
+            <a:ext cx="4463280" cy="2968920"/>
           </a:xfrm>
           <a:prstGeom prst="rect">
             <a:avLst/>
@@ -16712,7 +16040,7 @@
         <p:spPr>
           <a:xfrm>
             <a:off x="2166480" y="5114520"/>
-            <a:ext cx="6616800" cy="1477080"/>
+            <a:ext cx="6616440" cy="1476720"/>
           </a:xfrm>
           <a:prstGeom prst="rect">
             <a:avLst/>
@@ -16735,7 +16063,7 @@
         <p:spPr>
           <a:xfrm>
             <a:off x="5094000" y="1704600"/>
-            <a:ext cx="4499280" cy="2951640"/>
+            <a:ext cx="4498920" cy="2951280"/>
           </a:xfrm>
           <a:prstGeom prst="rect">
             <a:avLst/>
@@ -16784,7 +16112,7 @@
         <p:spPr>
           <a:xfrm>
             <a:off x="360000" y="360000"/>
-            <a:ext cx="9352440" cy="892440"/>
+            <a:ext cx="9352080" cy="892080"/>
           </a:xfrm>
           <a:prstGeom prst="rect">
             <a:avLst/>
@@ -16836,7 +16164,7 @@
         <p:spPr>
           <a:xfrm>
             <a:off x="360000" y="1620000"/>
-            <a:ext cx="9306720" cy="4672440"/>
+            <a:ext cx="9306360" cy="4672080"/>
           </a:xfrm>
           <a:prstGeom prst="rect">
             <a:avLst/>
@@ -16909,7 +16237,7 @@
         <p:spPr>
           <a:xfrm>
             <a:off x="7608600" y="6886080"/>
-            <a:ext cx="2277720" cy="357480"/>
+            <a:ext cx="2277360" cy="357120"/>
           </a:xfrm>
           <a:prstGeom prst="rect">
             <a:avLst/>
@@ -16972,7 +16300,7 @@
         <p:spPr>
           <a:xfrm>
             <a:off x="897120" y="6886080"/>
-            <a:ext cx="6439680" cy="357480"/>
+            <a:ext cx="6439320" cy="357120"/>
           </a:xfrm>
           <a:prstGeom prst="rect">
             <a:avLst/>
@@ -17029,7 +16357,7 @@
         <p:spPr>
           <a:xfrm>
             <a:off x="2340000" y="1440000"/>
-            <a:ext cx="5758560" cy="5392080"/>
+            <a:ext cx="5758200" cy="5391720"/>
           </a:xfrm>
           <a:prstGeom prst="rect">
             <a:avLst/>
@@ -17083,7 +16411,7 @@
         <p:spPr>
           <a:xfrm>
             <a:off x="5245200" y="1056600"/>
-            <a:ext cx="4328280" cy="3168720"/>
+            <a:ext cx="4327920" cy="3168360"/>
           </a:xfrm>
           <a:prstGeom prst="rect">
             <a:avLst/>
@@ -17102,7 +16430,7 @@
         <p:spPr>
           <a:xfrm>
             <a:off x="360000" y="360000"/>
-            <a:ext cx="9352440" cy="892440"/>
+            <a:ext cx="9352080" cy="892080"/>
           </a:xfrm>
           <a:prstGeom prst="rect">
             <a:avLst/>
@@ -17154,7 +16482,7 @@
         <p:spPr>
           <a:xfrm>
             <a:off x="360000" y="1980000"/>
-            <a:ext cx="4726800" cy="4672440"/>
+            <a:ext cx="4726440" cy="4672080"/>
           </a:xfrm>
           <a:prstGeom prst="rect">
             <a:avLst/>
@@ -17401,7 +16729,7 @@
         <p:spPr>
           <a:xfrm>
             <a:off x="7608600" y="6886080"/>
-            <a:ext cx="2277720" cy="357480"/>
+            <a:ext cx="2277360" cy="357120"/>
           </a:xfrm>
           <a:prstGeom prst="rect">
             <a:avLst/>
@@ -17464,7 +16792,7 @@
         <p:spPr>
           <a:xfrm>
             <a:off x="897120" y="6886080"/>
-            <a:ext cx="6439680" cy="357480"/>
+            <a:ext cx="6439320" cy="357120"/>
           </a:xfrm>
           <a:prstGeom prst="rect">
             <a:avLst/>
@@ -17516,7 +16844,7 @@
         <p:spPr>
           <a:xfrm>
             <a:off x="5287680" y="1141920"/>
-            <a:ext cx="373680" cy="3051360"/>
+            <a:ext cx="373320" cy="3051000"/>
           </a:xfrm>
           <a:prstGeom prst="rect">
             <a:avLst/>
@@ -17658,7 +16986,7 @@
         <p:spPr>
           <a:xfrm>
             <a:off x="5683680" y="1141920"/>
-            <a:ext cx="373680" cy="3051360"/>
+            <a:ext cx="373320" cy="3051000"/>
           </a:xfrm>
           <a:prstGeom prst="rect">
             <a:avLst/>
@@ -17758,7 +17086,7 @@
         <p:spPr>
           <a:xfrm>
             <a:off x="6079680" y="1141920"/>
-            <a:ext cx="373680" cy="3051360"/>
+            <a:ext cx="373320" cy="3051000"/>
           </a:xfrm>
           <a:prstGeom prst="rect">
             <a:avLst/>
@@ -17858,7 +17186,7 @@
         <p:spPr>
           <a:xfrm>
             <a:off x="6475680" y="1141920"/>
-            <a:ext cx="373680" cy="3051360"/>
+            <a:ext cx="373320" cy="3051000"/>
           </a:xfrm>
           <a:prstGeom prst="rect">
             <a:avLst/>
@@ -17958,7 +17286,7 @@
         <p:spPr>
           <a:xfrm>
             <a:off x="6871680" y="1141920"/>
-            <a:ext cx="373680" cy="3051360"/>
+            <a:ext cx="373320" cy="3051000"/>
           </a:xfrm>
           <a:prstGeom prst="rect">
             <a:avLst/>
@@ -18016,7 +17344,7 @@
         <p:spPr>
           <a:xfrm>
             <a:off x="7270920" y="1154880"/>
-            <a:ext cx="373680" cy="3051360"/>
+            <a:ext cx="373320" cy="3051000"/>
           </a:xfrm>
           <a:prstGeom prst="rect">
             <a:avLst/>
@@ -18158,7 +17486,7 @@
         <p:spPr>
           <a:xfrm>
             <a:off x="7666920" y="1154880"/>
-            <a:ext cx="373680" cy="3051360"/>
+            <a:ext cx="373320" cy="3051000"/>
           </a:xfrm>
           <a:prstGeom prst="rect">
             <a:avLst/>
@@ -18300,7 +17628,7 @@
         <p:spPr>
           <a:xfrm>
             <a:off x="8041320" y="1177920"/>
-            <a:ext cx="373680" cy="3051360"/>
+            <a:ext cx="373320" cy="3051000"/>
           </a:xfrm>
           <a:prstGeom prst="rect">
             <a:avLst/>
@@ -18400,7 +17728,7 @@
         <p:spPr>
           <a:xfrm>
             <a:off x="8437320" y="1177920"/>
-            <a:ext cx="373680" cy="3051360"/>
+            <a:ext cx="373320" cy="3051000"/>
           </a:xfrm>
           <a:prstGeom prst="rect">
             <a:avLst/>
@@ -18458,7 +17786,7 @@
         <p:spPr>
           <a:xfrm>
             <a:off x="8833320" y="1177920"/>
-            <a:ext cx="373680" cy="3051360"/>
+            <a:ext cx="373320" cy="3051000"/>
           </a:xfrm>
           <a:prstGeom prst="rect">
             <a:avLst/>
@@ -18516,7 +17844,7 @@
         <p:spPr>
           <a:xfrm>
             <a:off x="9229320" y="1177920"/>
-            <a:ext cx="373680" cy="3051360"/>
+            <a:ext cx="373320" cy="3051000"/>
           </a:xfrm>
           <a:prstGeom prst="rect">
             <a:avLst/>
@@ -18578,7 +17906,7 @@
         <p:spPr>
           <a:xfrm>
             <a:off x="3940560" y="4994640"/>
-            <a:ext cx="5629320" cy="1202760"/>
+            <a:ext cx="5628960" cy="1202400"/>
           </a:xfrm>
           <a:prstGeom prst="rect">
             <a:avLst/>
@@ -18627,7 +17955,7 @@
         <p:spPr>
           <a:xfrm>
             <a:off x="360000" y="3330000"/>
-            <a:ext cx="9352440" cy="892440"/>
+            <a:ext cx="9352080" cy="892080"/>
           </a:xfrm>
           <a:prstGeom prst="rect">
             <a:avLst/>
@@ -18709,7 +18037,7 @@
         <p:spPr>
           <a:xfrm>
             <a:off x="360000" y="360000"/>
-            <a:ext cx="9352440" cy="892440"/>
+            <a:ext cx="9352080" cy="892080"/>
           </a:xfrm>
           <a:prstGeom prst="rect">
             <a:avLst/>
@@ -18761,7 +18089,7 @@
         <p:spPr>
           <a:xfrm>
             <a:off x="360000" y="1620000"/>
-            <a:ext cx="9306720" cy="4672440"/>
+            <a:ext cx="9306360" cy="4672080"/>
           </a:xfrm>
           <a:prstGeom prst="rect">
             <a:avLst/>
@@ -18834,7 +18162,7 @@
         <p:spPr>
           <a:xfrm>
             <a:off x="7608600" y="6886080"/>
-            <a:ext cx="2277720" cy="357480"/>
+            <a:ext cx="2277360" cy="357120"/>
           </a:xfrm>
           <a:prstGeom prst="rect">
             <a:avLst/>
@@ -18897,7 +18225,7 @@
         <p:spPr>
           <a:xfrm>
             <a:off x="897120" y="6886080"/>
-            <a:ext cx="6439680" cy="357480"/>
+            <a:ext cx="6439320" cy="357120"/>
           </a:xfrm>
           <a:prstGeom prst="rect">
             <a:avLst/>
@@ -18949,7 +18277,7 @@
         <p:spPr>
           <a:xfrm>
             <a:off x="360000" y="1764000"/>
-            <a:ext cx="9306720" cy="4672440"/>
+            <a:ext cx="9306360" cy="4672080"/>
           </a:xfrm>
           <a:prstGeom prst="rect">
             <a:avLst/>
@@ -19227,7 +18555,7 @@
         <p:spPr>
           <a:xfrm>
             <a:off x="1200600" y="2509200"/>
-            <a:ext cx="7589520" cy="4260960"/>
+            <a:ext cx="7589160" cy="4260600"/>
           </a:xfrm>
           <a:prstGeom prst="rect">
             <a:avLst/>
@@ -19276,7 +18604,7 @@
         <p:spPr>
           <a:xfrm>
             <a:off x="360000" y="360000"/>
-            <a:ext cx="9352440" cy="892440"/>
+            <a:ext cx="9352080" cy="892080"/>
           </a:xfrm>
           <a:prstGeom prst="rect">
             <a:avLst/>
@@ -19328,7 +18656,7 @@
         <p:spPr>
           <a:xfrm>
             <a:off x="360000" y="1620000"/>
-            <a:ext cx="9306720" cy="4672440"/>
+            <a:ext cx="9306360" cy="4672080"/>
           </a:xfrm>
           <a:prstGeom prst="rect">
             <a:avLst/>
@@ -19401,7 +18729,7 @@
         <p:spPr>
           <a:xfrm>
             <a:off x="7608600" y="6886080"/>
-            <a:ext cx="2277720" cy="357480"/>
+            <a:ext cx="2277360" cy="357120"/>
           </a:xfrm>
           <a:prstGeom prst="rect">
             <a:avLst/>
@@ -19464,7 +18792,7 @@
         <p:spPr>
           <a:xfrm>
             <a:off x="897120" y="6886080"/>
-            <a:ext cx="6439680" cy="357480"/>
+            <a:ext cx="6439320" cy="357120"/>
           </a:xfrm>
           <a:prstGeom prst="rect">
             <a:avLst/>
@@ -19516,7 +18844,7 @@
         <p:spPr>
           <a:xfrm>
             <a:off x="360000" y="1764000"/>
-            <a:ext cx="9306720" cy="4672440"/>
+            <a:ext cx="9306360" cy="4672080"/>
           </a:xfrm>
           <a:prstGeom prst="rect">
             <a:avLst/>
@@ -19965,7 +19293,7 @@
         <p:spPr>
           <a:xfrm>
             <a:off x="2700000" y="4673520"/>
-            <a:ext cx="5314680" cy="1618920"/>
+            <a:ext cx="5314320" cy="1618560"/>
           </a:xfrm>
           <a:prstGeom prst="rect">
             <a:avLst/>
